--- a/ppt-staging-for-web-embeds.pptx
+++ b/ppt-staging-for-web-embeds.pptx
@@ -8,6 +8,9 @@
     <p:sldId id="256" r:id="rId2"/>
     <p:sldId id="257" r:id="rId3"/>
     <p:sldId id="258" r:id="rId4"/>
+    <p:sldId id="260" r:id="rId5"/>
+    <p:sldId id="261" r:id="rId6"/>
+    <p:sldId id="259" r:id="rId7"/>
   </p:sldIdLst>
   <p:sldSz cx="12192000" cy="6858000"/>
   <p:notesSz cx="6858000" cy="9144000"/>
@@ -6083,10 +6086,2262 @@
       </p:grpSpPr>
       <p:sp>
         <p:nvSpPr>
+          <p:cNvPr id="2" name="Rectangle 1">
+            <a:extLst>
+              <a:ext uri="{FF2B5EF4-FFF2-40B4-BE49-F238E27FC236}">
+                <a16:creationId xmlns:a16="http://schemas.microsoft.com/office/drawing/2014/main" id="{4B03709C-61E2-586A-1A90-EA75B943D56B}"/>
+              </a:ext>
+            </a:extLst>
+          </p:cNvPr>
+          <p:cNvSpPr/>
+          <p:nvPr/>
+        </p:nvSpPr>
+        <p:spPr>
+          <a:xfrm>
+            <a:off x="155485" y="3964868"/>
+            <a:ext cx="1164029" cy="1551148"/>
+          </a:xfrm>
+          <a:prstGeom prst="rect">
+            <a:avLst/>
+          </a:prstGeom>
+        </p:spPr>
+        <p:style>
+          <a:lnRef idx="2">
+            <a:schemeClr val="accent1">
+              <a:shade val="15000"/>
+            </a:schemeClr>
+          </a:lnRef>
+          <a:fillRef idx="1">
+            <a:schemeClr val="accent1"/>
+          </a:fillRef>
+          <a:effectRef idx="0">
+            <a:schemeClr val="accent1"/>
+          </a:effectRef>
+          <a:fontRef idx="minor">
+            <a:schemeClr val="lt1"/>
+          </a:fontRef>
+        </p:style>
+        <p:txBody>
+          <a:bodyPr rtlCol="0" anchor="ctr"/>
+          <a:lstStyle/>
+          <a:p>
+            <a:pPr algn="ctr"/>
+            <a:r>
+              <a:rPr lang="en-US" dirty="0"/>
+              <a:t>Random input</a:t>
+            </a:r>
+          </a:p>
+        </p:txBody>
+      </p:sp>
+      <p:sp>
+        <p:nvSpPr>
+          <p:cNvPr id="3" name="Arrow: Right 2">
+            <a:extLst>
+              <a:ext uri="{FF2B5EF4-FFF2-40B4-BE49-F238E27FC236}">
+                <a16:creationId xmlns:a16="http://schemas.microsoft.com/office/drawing/2014/main" id="{AE24D5B4-EDFB-803D-8EA1-97D374DDF5AC}"/>
+              </a:ext>
+            </a:extLst>
+          </p:cNvPr>
+          <p:cNvSpPr/>
+          <p:nvPr/>
+        </p:nvSpPr>
+        <p:spPr>
+          <a:xfrm>
+            <a:off x="1482426" y="4570149"/>
+            <a:ext cx="962527" cy="170293"/>
+          </a:xfrm>
+          <a:prstGeom prst="rightArrow">
+            <a:avLst/>
+          </a:prstGeom>
+        </p:spPr>
+        <p:style>
+          <a:lnRef idx="2">
+            <a:schemeClr val="accent1">
+              <a:shade val="15000"/>
+            </a:schemeClr>
+          </a:lnRef>
+          <a:fillRef idx="1">
+            <a:schemeClr val="accent1"/>
+          </a:fillRef>
+          <a:effectRef idx="0">
+            <a:schemeClr val="accent1"/>
+          </a:effectRef>
+          <a:fontRef idx="minor">
+            <a:schemeClr val="lt1"/>
+          </a:fontRef>
+        </p:style>
+        <p:txBody>
+          <a:bodyPr rtlCol="0" anchor="ctr"/>
+          <a:lstStyle/>
+          <a:p>
+            <a:pPr algn="ctr"/>
+            <a:endParaRPr lang="en-US"/>
+          </a:p>
+        </p:txBody>
+      </p:sp>
+      <p:sp>
+        <p:nvSpPr>
+          <p:cNvPr id="4" name="Rectangle 3">
+            <a:extLst>
+              <a:ext uri="{FF2B5EF4-FFF2-40B4-BE49-F238E27FC236}">
+                <a16:creationId xmlns:a16="http://schemas.microsoft.com/office/drawing/2014/main" id="{01AA8E27-49D5-5A38-2CC8-1FFAA40F2EEB}"/>
+              </a:ext>
+            </a:extLst>
+          </p:cNvPr>
+          <p:cNvSpPr/>
+          <p:nvPr/>
+        </p:nvSpPr>
+        <p:spPr>
+          <a:xfrm>
+            <a:off x="2607866" y="3896535"/>
+            <a:ext cx="2117557" cy="1551148"/>
+          </a:xfrm>
+          <a:prstGeom prst="rect">
+            <a:avLst/>
+          </a:prstGeom>
+        </p:spPr>
+        <p:style>
+          <a:lnRef idx="2">
+            <a:schemeClr val="accent1">
+              <a:shade val="15000"/>
+            </a:schemeClr>
+          </a:lnRef>
+          <a:fillRef idx="1">
+            <a:schemeClr val="accent1"/>
+          </a:fillRef>
+          <a:effectRef idx="0">
+            <a:schemeClr val="accent1"/>
+          </a:effectRef>
+          <a:fontRef idx="minor">
+            <a:schemeClr val="lt1"/>
+          </a:fontRef>
+        </p:style>
+        <p:txBody>
+          <a:bodyPr rtlCol="0" anchor="ctr"/>
+          <a:lstStyle/>
+          <a:p>
+            <a:pPr algn="ctr"/>
+            <a:r>
+              <a:rPr lang="en-US" dirty="0"/>
+              <a:t>Synthetic data generator</a:t>
+            </a:r>
+          </a:p>
+        </p:txBody>
+      </p:sp>
+      <p:sp>
+        <p:nvSpPr>
+          <p:cNvPr id="5" name="Rectangle 4">
+            <a:extLst>
+              <a:ext uri="{FF2B5EF4-FFF2-40B4-BE49-F238E27FC236}">
+                <a16:creationId xmlns:a16="http://schemas.microsoft.com/office/drawing/2014/main" id="{6173312F-8078-3B73-12B9-7E9401AB79D4}"/>
+              </a:ext>
+            </a:extLst>
+          </p:cNvPr>
+          <p:cNvSpPr/>
+          <p:nvPr/>
+        </p:nvSpPr>
+        <p:spPr>
+          <a:xfrm>
+            <a:off x="2662781" y="1742574"/>
+            <a:ext cx="2117557" cy="1551148"/>
+          </a:xfrm>
+          <a:prstGeom prst="rect">
+            <a:avLst/>
+          </a:prstGeom>
+        </p:spPr>
+        <p:style>
+          <a:lnRef idx="2">
+            <a:schemeClr val="accent1">
+              <a:shade val="15000"/>
+            </a:schemeClr>
+          </a:lnRef>
+          <a:fillRef idx="1">
+            <a:schemeClr val="accent1"/>
+          </a:fillRef>
+          <a:effectRef idx="0">
+            <a:schemeClr val="accent1"/>
+          </a:effectRef>
+          <a:fontRef idx="minor">
+            <a:schemeClr val="lt1"/>
+          </a:fontRef>
+        </p:style>
+        <p:txBody>
+          <a:bodyPr rtlCol="0" anchor="ctr"/>
+          <a:lstStyle/>
+          <a:p>
+            <a:pPr algn="ctr"/>
+            <a:r>
+              <a:rPr lang="en-US" dirty="0"/>
+              <a:t>Real dataset</a:t>
+            </a:r>
+          </a:p>
+        </p:txBody>
+      </p:sp>
+      <p:sp>
+        <p:nvSpPr>
+          <p:cNvPr id="6" name="Arrow: Right 5">
+            <a:extLst>
+              <a:ext uri="{FF2B5EF4-FFF2-40B4-BE49-F238E27FC236}">
+                <a16:creationId xmlns:a16="http://schemas.microsoft.com/office/drawing/2014/main" id="{2513C94B-0F9C-4B81-F6BF-2740B63C7506}"/>
+              </a:ext>
+            </a:extLst>
+          </p:cNvPr>
+          <p:cNvSpPr/>
+          <p:nvPr/>
+        </p:nvSpPr>
+        <p:spPr>
+          <a:xfrm>
+            <a:off x="4966055" y="2347855"/>
+            <a:ext cx="962527" cy="170293"/>
+          </a:xfrm>
+          <a:prstGeom prst="rightArrow">
+            <a:avLst/>
+          </a:prstGeom>
+        </p:spPr>
+        <p:style>
+          <a:lnRef idx="2">
+            <a:schemeClr val="accent1">
+              <a:shade val="15000"/>
+            </a:schemeClr>
+          </a:lnRef>
+          <a:fillRef idx="1">
+            <a:schemeClr val="accent1"/>
+          </a:fillRef>
+          <a:effectRef idx="0">
+            <a:schemeClr val="accent1"/>
+          </a:effectRef>
+          <a:fontRef idx="minor">
+            <a:schemeClr val="lt1"/>
+          </a:fontRef>
+        </p:style>
+        <p:txBody>
+          <a:bodyPr rtlCol="0" anchor="ctr"/>
+          <a:lstStyle/>
+          <a:p>
+            <a:pPr algn="ctr"/>
+            <a:endParaRPr lang="en-US"/>
+          </a:p>
+        </p:txBody>
+      </p:sp>
+      <p:sp>
+        <p:nvSpPr>
+          <p:cNvPr id="8" name="Rectangle 7">
+            <a:extLst>
+              <a:ext uri="{FF2B5EF4-FFF2-40B4-BE49-F238E27FC236}">
+                <a16:creationId xmlns:a16="http://schemas.microsoft.com/office/drawing/2014/main" id="{061C404B-C6FC-256A-5A1A-D6EE7D72EB4A}"/>
+              </a:ext>
+            </a:extLst>
+          </p:cNvPr>
+          <p:cNvSpPr/>
+          <p:nvPr/>
+        </p:nvSpPr>
+        <p:spPr>
+          <a:xfrm>
+            <a:off x="6114299" y="1694447"/>
+            <a:ext cx="2117557" cy="1551148"/>
+          </a:xfrm>
+          <a:prstGeom prst="rect">
+            <a:avLst/>
+          </a:prstGeom>
+        </p:spPr>
+        <p:style>
+          <a:lnRef idx="2">
+            <a:schemeClr val="accent1">
+              <a:shade val="15000"/>
+            </a:schemeClr>
+          </a:lnRef>
+          <a:fillRef idx="1">
+            <a:schemeClr val="accent1"/>
+          </a:fillRef>
+          <a:effectRef idx="0">
+            <a:schemeClr val="accent1"/>
+          </a:effectRef>
+          <a:fontRef idx="minor">
+            <a:schemeClr val="lt1"/>
+          </a:fontRef>
+        </p:style>
+        <p:txBody>
+          <a:bodyPr rtlCol="0" anchor="ctr"/>
+          <a:lstStyle/>
+          <a:p>
+            <a:pPr algn="ctr"/>
+            <a:r>
+              <a:rPr lang="en-US" dirty="0"/>
+              <a:t>Real samples</a:t>
+            </a:r>
+          </a:p>
+        </p:txBody>
+      </p:sp>
+      <p:sp>
+        <p:nvSpPr>
+          <p:cNvPr id="9" name="Rectangle 8">
+            <a:extLst>
+              <a:ext uri="{FF2B5EF4-FFF2-40B4-BE49-F238E27FC236}">
+                <a16:creationId xmlns:a16="http://schemas.microsoft.com/office/drawing/2014/main" id="{393404A8-A6FE-8969-9FD5-04425472EBAE}"/>
+              </a:ext>
+            </a:extLst>
+          </p:cNvPr>
+          <p:cNvSpPr/>
+          <p:nvPr/>
+        </p:nvSpPr>
+        <p:spPr>
+          <a:xfrm>
+            <a:off x="6174149" y="3896535"/>
+            <a:ext cx="2117557" cy="1551148"/>
+          </a:xfrm>
+          <a:prstGeom prst="rect">
+            <a:avLst/>
+          </a:prstGeom>
+        </p:spPr>
+        <p:style>
+          <a:lnRef idx="2">
+            <a:schemeClr val="accent1">
+              <a:shade val="15000"/>
+            </a:schemeClr>
+          </a:lnRef>
+          <a:fillRef idx="1">
+            <a:schemeClr val="accent1"/>
+          </a:fillRef>
+          <a:effectRef idx="0">
+            <a:schemeClr val="accent1"/>
+          </a:effectRef>
+          <a:fontRef idx="minor">
+            <a:schemeClr val="lt1"/>
+          </a:fontRef>
+        </p:style>
+        <p:txBody>
+          <a:bodyPr rtlCol="0" anchor="ctr"/>
+          <a:lstStyle/>
+          <a:p>
+            <a:pPr algn="ctr"/>
+            <a:r>
+              <a:rPr lang="en-US" dirty="0"/>
+              <a:t>Synthetic samples</a:t>
+            </a:r>
+          </a:p>
+        </p:txBody>
+      </p:sp>
+      <p:sp>
+        <p:nvSpPr>
+          <p:cNvPr id="10" name="Arrow: Right 9">
+            <a:extLst>
+              <a:ext uri="{FF2B5EF4-FFF2-40B4-BE49-F238E27FC236}">
+                <a16:creationId xmlns:a16="http://schemas.microsoft.com/office/drawing/2014/main" id="{4417542D-6147-1574-2108-78C6253FE6C7}"/>
+              </a:ext>
+            </a:extLst>
+          </p:cNvPr>
+          <p:cNvSpPr/>
+          <p:nvPr/>
+        </p:nvSpPr>
+        <p:spPr>
+          <a:xfrm>
+            <a:off x="4966054" y="4501816"/>
+            <a:ext cx="962527" cy="170293"/>
+          </a:xfrm>
+          <a:prstGeom prst="rightArrow">
+            <a:avLst/>
+          </a:prstGeom>
+        </p:spPr>
+        <p:style>
+          <a:lnRef idx="2">
+            <a:schemeClr val="accent1">
+              <a:shade val="15000"/>
+            </a:schemeClr>
+          </a:lnRef>
+          <a:fillRef idx="1">
+            <a:schemeClr val="accent1"/>
+          </a:fillRef>
+          <a:effectRef idx="0">
+            <a:schemeClr val="accent1"/>
+          </a:effectRef>
+          <a:fontRef idx="minor">
+            <a:schemeClr val="lt1"/>
+          </a:fontRef>
+        </p:style>
+        <p:txBody>
+          <a:bodyPr rtlCol="0" anchor="ctr"/>
+          <a:lstStyle/>
+          <a:p>
+            <a:pPr algn="ctr"/>
+            <a:endParaRPr lang="en-US"/>
+          </a:p>
+        </p:txBody>
+      </p:sp>
+      <p:sp>
+        <p:nvSpPr>
+          <p:cNvPr id="11" name="Arrow: Right 10">
+            <a:extLst>
+              <a:ext uri="{FF2B5EF4-FFF2-40B4-BE49-F238E27FC236}">
+                <a16:creationId xmlns:a16="http://schemas.microsoft.com/office/drawing/2014/main" id="{7E1BFB79-7642-8E46-A0D0-EDC2BBFA66A7}"/>
+              </a:ext>
+            </a:extLst>
+          </p:cNvPr>
+          <p:cNvSpPr/>
+          <p:nvPr/>
+        </p:nvSpPr>
+        <p:spPr>
+          <a:xfrm>
+            <a:off x="8349085" y="2347855"/>
+            <a:ext cx="962527" cy="170293"/>
+          </a:xfrm>
+          <a:prstGeom prst="rightArrow">
+            <a:avLst/>
+          </a:prstGeom>
+        </p:spPr>
+        <p:style>
+          <a:lnRef idx="2">
+            <a:schemeClr val="accent1">
+              <a:shade val="15000"/>
+            </a:schemeClr>
+          </a:lnRef>
+          <a:fillRef idx="1">
+            <a:schemeClr val="accent1"/>
+          </a:fillRef>
+          <a:effectRef idx="0">
+            <a:schemeClr val="accent1"/>
+          </a:effectRef>
+          <a:fontRef idx="minor">
+            <a:schemeClr val="lt1"/>
+          </a:fontRef>
+        </p:style>
+        <p:txBody>
+          <a:bodyPr rtlCol="0" anchor="ctr"/>
+          <a:lstStyle/>
+          <a:p>
+            <a:pPr algn="ctr"/>
+            <a:endParaRPr lang="en-US"/>
+          </a:p>
+        </p:txBody>
+      </p:sp>
+      <p:sp>
+        <p:nvSpPr>
+          <p:cNvPr id="12" name="Arrow: Right 11">
+            <a:extLst>
+              <a:ext uri="{FF2B5EF4-FFF2-40B4-BE49-F238E27FC236}">
+                <a16:creationId xmlns:a16="http://schemas.microsoft.com/office/drawing/2014/main" id="{F06ECED2-D312-2CC4-8F21-9801AF23271A}"/>
+              </a:ext>
+            </a:extLst>
+          </p:cNvPr>
+          <p:cNvSpPr/>
+          <p:nvPr/>
+        </p:nvSpPr>
+        <p:spPr>
+          <a:xfrm rot="19079406" flipV="1">
+            <a:off x="8182086" y="3658542"/>
+            <a:ext cx="1369952" cy="132946"/>
+          </a:xfrm>
+          <a:prstGeom prst="rightArrow">
+            <a:avLst/>
+          </a:prstGeom>
+        </p:spPr>
+        <p:style>
+          <a:lnRef idx="2">
+            <a:schemeClr val="accent1">
+              <a:shade val="15000"/>
+            </a:schemeClr>
+          </a:lnRef>
+          <a:fillRef idx="1">
+            <a:schemeClr val="accent1"/>
+          </a:fillRef>
+          <a:effectRef idx="0">
+            <a:schemeClr val="accent1"/>
+          </a:effectRef>
+          <a:fontRef idx="minor">
+            <a:schemeClr val="lt1"/>
+          </a:fontRef>
+        </p:style>
+        <p:txBody>
+          <a:bodyPr rtlCol="0" anchor="ctr"/>
+          <a:lstStyle/>
+          <a:p>
+            <a:pPr algn="ctr"/>
+            <a:endParaRPr lang="en-US"/>
+          </a:p>
+        </p:txBody>
+      </p:sp>
+      <p:sp>
+        <p:nvSpPr>
+          <p:cNvPr id="13" name="Rectangle 12">
+            <a:extLst>
+              <a:ext uri="{FF2B5EF4-FFF2-40B4-BE49-F238E27FC236}">
+                <a16:creationId xmlns:a16="http://schemas.microsoft.com/office/drawing/2014/main" id="{50886F87-700B-F3DD-D49E-6093DE8E243C}"/>
+              </a:ext>
+            </a:extLst>
+          </p:cNvPr>
+          <p:cNvSpPr/>
+          <p:nvPr/>
+        </p:nvSpPr>
+        <p:spPr>
+          <a:xfrm>
+            <a:off x="9442418" y="1694447"/>
+            <a:ext cx="2117557" cy="1551148"/>
+          </a:xfrm>
+          <a:prstGeom prst="rect">
+            <a:avLst/>
+          </a:prstGeom>
+        </p:spPr>
+        <p:style>
+          <a:lnRef idx="2">
+            <a:schemeClr val="accent1">
+              <a:shade val="15000"/>
+            </a:schemeClr>
+          </a:lnRef>
+          <a:fillRef idx="1">
+            <a:schemeClr val="accent1"/>
+          </a:fillRef>
+          <a:effectRef idx="0">
+            <a:schemeClr val="accent1"/>
+          </a:effectRef>
+          <a:fontRef idx="minor">
+            <a:schemeClr val="lt1"/>
+          </a:fontRef>
+        </p:style>
+        <p:txBody>
+          <a:bodyPr rtlCol="0" anchor="ctr"/>
+          <a:lstStyle/>
+          <a:p>
+            <a:pPr algn="ctr"/>
+            <a:r>
+              <a:rPr lang="en-US" dirty="0"/>
+              <a:t>Discriminator </a:t>
+            </a:r>
+          </a:p>
+        </p:txBody>
+      </p:sp>
+      <p:sp>
+        <p:nvSpPr>
+          <p:cNvPr id="14" name="Rectangle 13">
+            <a:extLst>
+              <a:ext uri="{FF2B5EF4-FFF2-40B4-BE49-F238E27FC236}">
+                <a16:creationId xmlns:a16="http://schemas.microsoft.com/office/drawing/2014/main" id="{09DCFDE5-F6C7-17B0-36E6-850FAADD4AB1}"/>
+              </a:ext>
+            </a:extLst>
+          </p:cNvPr>
+          <p:cNvSpPr/>
+          <p:nvPr/>
+        </p:nvSpPr>
+        <p:spPr>
+          <a:xfrm>
+            <a:off x="12824024" y="1742574"/>
+            <a:ext cx="962528" cy="1551148"/>
+          </a:xfrm>
+          <a:prstGeom prst="rect">
+            <a:avLst/>
+          </a:prstGeom>
+        </p:spPr>
+        <p:style>
+          <a:lnRef idx="2">
+            <a:schemeClr val="accent1">
+              <a:shade val="15000"/>
+            </a:schemeClr>
+          </a:lnRef>
+          <a:fillRef idx="1">
+            <a:schemeClr val="accent1"/>
+          </a:fillRef>
+          <a:effectRef idx="0">
+            <a:schemeClr val="accent1"/>
+          </a:effectRef>
+          <a:fontRef idx="minor">
+            <a:schemeClr val="lt1"/>
+          </a:fontRef>
+        </p:style>
+        <p:txBody>
+          <a:bodyPr rtlCol="0" anchor="ctr"/>
+          <a:lstStyle/>
+          <a:p>
+            <a:pPr algn="ctr"/>
+            <a:r>
+              <a:rPr lang="en-US" dirty="0"/>
+              <a:t>Generator loss</a:t>
+            </a:r>
+          </a:p>
+        </p:txBody>
+      </p:sp>
+      <p:sp>
+        <p:nvSpPr>
+          <p:cNvPr id="15" name="Arrow: Right 14">
+            <a:extLst>
+              <a:ext uri="{FF2B5EF4-FFF2-40B4-BE49-F238E27FC236}">
+                <a16:creationId xmlns:a16="http://schemas.microsoft.com/office/drawing/2014/main" id="{B1EC631D-5E5C-77CE-884C-63EC1E8DD6BB}"/>
+              </a:ext>
+            </a:extLst>
+          </p:cNvPr>
+          <p:cNvSpPr/>
+          <p:nvPr/>
+        </p:nvSpPr>
+        <p:spPr>
+          <a:xfrm>
+            <a:off x="11710736" y="2299728"/>
+            <a:ext cx="962527" cy="170293"/>
+          </a:xfrm>
+          <a:prstGeom prst="rightArrow">
+            <a:avLst/>
+          </a:prstGeom>
+        </p:spPr>
+        <p:style>
+          <a:lnRef idx="2">
+            <a:schemeClr val="accent1">
+              <a:shade val="15000"/>
+            </a:schemeClr>
+          </a:lnRef>
+          <a:fillRef idx="1">
+            <a:schemeClr val="accent1"/>
+          </a:fillRef>
+          <a:effectRef idx="0">
+            <a:schemeClr val="accent1"/>
+          </a:effectRef>
+          <a:fontRef idx="minor">
+            <a:schemeClr val="lt1"/>
+          </a:fontRef>
+        </p:style>
+        <p:txBody>
+          <a:bodyPr rtlCol="0" anchor="ctr"/>
+          <a:lstStyle/>
+          <a:p>
+            <a:pPr algn="ctr"/>
+            <a:endParaRPr lang="en-US"/>
+          </a:p>
+        </p:txBody>
+      </p:sp>
+      <p:sp>
+        <p:nvSpPr>
+          <p:cNvPr id="16" name="Arrow: Right 15">
+            <a:extLst>
+              <a:ext uri="{FF2B5EF4-FFF2-40B4-BE49-F238E27FC236}">
+                <a16:creationId xmlns:a16="http://schemas.microsoft.com/office/drawing/2014/main" id="{D2466C91-2B2E-D25A-4D26-73BD0D5895FD}"/>
+              </a:ext>
+            </a:extLst>
+          </p:cNvPr>
+          <p:cNvSpPr/>
+          <p:nvPr/>
+        </p:nvSpPr>
+        <p:spPr>
+          <a:xfrm rot="2202948" flipV="1">
+            <a:off x="11463824" y="3825323"/>
+            <a:ext cx="1369952" cy="132946"/>
+          </a:xfrm>
+          <a:prstGeom prst="rightArrow">
+            <a:avLst/>
+          </a:prstGeom>
+        </p:spPr>
+        <p:style>
+          <a:lnRef idx="2">
+            <a:schemeClr val="accent1">
+              <a:shade val="15000"/>
+            </a:schemeClr>
+          </a:lnRef>
+          <a:fillRef idx="1">
+            <a:schemeClr val="accent1"/>
+          </a:fillRef>
+          <a:effectRef idx="0">
+            <a:schemeClr val="accent1"/>
+          </a:effectRef>
+          <a:fontRef idx="minor">
+            <a:schemeClr val="lt1"/>
+          </a:fontRef>
+        </p:style>
+        <p:txBody>
+          <a:bodyPr rtlCol="0" anchor="ctr"/>
+          <a:lstStyle/>
+          <a:p>
+            <a:pPr algn="ctr"/>
+            <a:endParaRPr lang="en-US"/>
+          </a:p>
+        </p:txBody>
+      </p:sp>
+      <p:sp>
+        <p:nvSpPr>
+          <p:cNvPr id="17" name="Rectangle 16">
+            <a:extLst>
+              <a:ext uri="{FF2B5EF4-FFF2-40B4-BE49-F238E27FC236}">
+                <a16:creationId xmlns:a16="http://schemas.microsoft.com/office/drawing/2014/main" id="{2EA15C7C-528C-F98D-C26D-57363EB31520}"/>
+              </a:ext>
+            </a:extLst>
+          </p:cNvPr>
+          <p:cNvSpPr/>
+          <p:nvPr/>
+        </p:nvSpPr>
+        <p:spPr>
+          <a:xfrm>
+            <a:off x="12824024" y="4111526"/>
+            <a:ext cx="962528" cy="1551148"/>
+          </a:xfrm>
+          <a:prstGeom prst="rect">
+            <a:avLst/>
+          </a:prstGeom>
+        </p:spPr>
+        <p:style>
+          <a:lnRef idx="2">
+            <a:schemeClr val="accent1">
+              <a:shade val="15000"/>
+            </a:schemeClr>
+          </a:lnRef>
+          <a:fillRef idx="1">
+            <a:schemeClr val="accent1"/>
+          </a:fillRef>
+          <a:effectRef idx="0">
+            <a:schemeClr val="accent1"/>
+          </a:effectRef>
+          <a:fontRef idx="minor">
+            <a:schemeClr val="lt1"/>
+          </a:fontRef>
+        </p:style>
+        <p:txBody>
+          <a:bodyPr rtlCol="0" anchor="ctr"/>
+          <a:lstStyle/>
+          <a:p>
+            <a:pPr algn="ctr"/>
+            <a:r>
+              <a:rPr lang="en-US" dirty="0"/>
+              <a:t>Discriminator loss</a:t>
+            </a:r>
+          </a:p>
+        </p:txBody>
+      </p:sp>
+    </p:spTree>
+    <p:extLst>
+      <p:ext uri="{BB962C8B-B14F-4D97-AF65-F5344CB8AC3E}">
+        <p14:creationId xmlns:p14="http://schemas.microsoft.com/office/powerpoint/2010/main" val="1359272406"/>
+      </p:ext>
+    </p:extLst>
+  </p:cSld>
+  <p:clrMapOvr>
+    <a:masterClrMapping/>
+  </p:clrMapOvr>
+</p:sld>
+</file>
+
+<file path=ppt/slides/slide4.xml><?xml version="1.0" encoding="utf-8"?>
+<p:sld xmlns:a="http://schemas.openxmlformats.org/drawingml/2006/main" xmlns:r="http://schemas.openxmlformats.org/officeDocument/2006/relationships" xmlns:p="http://schemas.openxmlformats.org/presentationml/2006/main">
+  <p:cSld>
+    <p:spTree>
+      <p:nvGrpSpPr>
+        <p:cNvPr id="1" name=""/>
+        <p:cNvGrpSpPr/>
+        <p:nvPr/>
+      </p:nvGrpSpPr>
+      <p:grpSpPr>
+        <a:xfrm>
+          <a:off x="0" y="0"/>
+          <a:ext cx="0" cy="0"/>
+          <a:chOff x="0" y="0"/>
+          <a:chExt cx="0" cy="0"/>
+        </a:xfrm>
+      </p:grpSpPr>
+      <p:sp>
+        <p:nvSpPr>
+          <p:cNvPr id="4" name="Rectangle 3">
+            <a:extLst>
+              <a:ext uri="{FF2B5EF4-FFF2-40B4-BE49-F238E27FC236}">
+                <a16:creationId xmlns:a16="http://schemas.microsoft.com/office/drawing/2014/main" id="{AD8CD87F-6C63-C554-3B66-31495DA8CF17}"/>
+              </a:ext>
+            </a:extLst>
+          </p:cNvPr>
+          <p:cNvSpPr/>
+          <p:nvPr/>
+        </p:nvSpPr>
+        <p:spPr>
+          <a:xfrm>
+            <a:off x="1331089" y="1348451"/>
+            <a:ext cx="509286" cy="3946967"/>
+          </a:xfrm>
+          <a:prstGeom prst="rect">
+            <a:avLst/>
+          </a:prstGeom>
+        </p:spPr>
+        <p:style>
+          <a:lnRef idx="2">
+            <a:schemeClr val="accent1">
+              <a:shade val="15000"/>
+            </a:schemeClr>
+          </a:lnRef>
+          <a:fillRef idx="1">
+            <a:schemeClr val="accent1"/>
+          </a:fillRef>
+          <a:effectRef idx="0">
+            <a:schemeClr val="accent1"/>
+          </a:effectRef>
+          <a:fontRef idx="minor">
+            <a:schemeClr val="lt1"/>
+          </a:fontRef>
+        </p:style>
+        <p:txBody>
+          <a:bodyPr vert="wordArtVert" rtlCol="0" anchor="ctr"/>
+          <a:lstStyle/>
+          <a:p>
+            <a:pPr algn="ctr"/>
+            <a:r>
+              <a:rPr lang="en-US" dirty="0"/>
+              <a:t>Input</a:t>
+            </a:r>
+          </a:p>
+        </p:txBody>
+      </p:sp>
+      <p:sp>
+        <p:nvSpPr>
+          <p:cNvPr id="5" name="Rectangle 4">
+            <a:extLst>
+              <a:ext uri="{FF2B5EF4-FFF2-40B4-BE49-F238E27FC236}">
+                <a16:creationId xmlns:a16="http://schemas.microsoft.com/office/drawing/2014/main" id="{6D6AAB36-B173-155C-CB26-4F167BF1216C}"/>
+              </a:ext>
+            </a:extLst>
+          </p:cNvPr>
+          <p:cNvSpPr/>
+          <p:nvPr/>
+        </p:nvSpPr>
+        <p:spPr>
+          <a:xfrm>
+            <a:off x="10860911" y="1348451"/>
+            <a:ext cx="509286" cy="3946967"/>
+          </a:xfrm>
+          <a:prstGeom prst="rect">
+            <a:avLst/>
+          </a:prstGeom>
+        </p:spPr>
+        <p:style>
+          <a:lnRef idx="2">
+            <a:schemeClr val="accent1">
+              <a:shade val="15000"/>
+            </a:schemeClr>
+          </a:lnRef>
+          <a:fillRef idx="1">
+            <a:schemeClr val="accent1"/>
+          </a:fillRef>
+          <a:effectRef idx="0">
+            <a:schemeClr val="accent1"/>
+          </a:effectRef>
+          <a:fontRef idx="minor">
+            <a:schemeClr val="lt1"/>
+          </a:fontRef>
+        </p:style>
+        <p:txBody>
+          <a:bodyPr vert="wordArtVert" rtlCol="0" anchor="ctr"/>
+          <a:lstStyle/>
+          <a:p>
+            <a:pPr algn="ctr"/>
+            <a:r>
+              <a:rPr lang="en-US" dirty="0"/>
+              <a:t>Output</a:t>
+            </a:r>
+          </a:p>
+        </p:txBody>
+      </p:sp>
+      <p:sp>
+        <p:nvSpPr>
+          <p:cNvPr id="6" name="Trapezoid 5">
+            <a:extLst>
+              <a:ext uri="{FF2B5EF4-FFF2-40B4-BE49-F238E27FC236}">
+                <a16:creationId xmlns:a16="http://schemas.microsoft.com/office/drawing/2014/main" id="{AC586A6C-5ECE-B23B-617F-0A94BC11A1BD}"/>
+              </a:ext>
+            </a:extLst>
+          </p:cNvPr>
+          <p:cNvSpPr/>
+          <p:nvPr/>
+        </p:nvSpPr>
+        <p:spPr>
+          <a:xfrm rot="5400000">
+            <a:off x="2581154" y="2274425"/>
+            <a:ext cx="2233914" cy="1244279"/>
+          </a:xfrm>
+          <a:prstGeom prst="trapezoid">
+            <a:avLst/>
+          </a:prstGeom>
+        </p:spPr>
+        <p:style>
+          <a:lnRef idx="2">
+            <a:schemeClr val="accent1">
+              <a:shade val="15000"/>
+            </a:schemeClr>
+          </a:lnRef>
+          <a:fillRef idx="1">
+            <a:schemeClr val="accent1"/>
+          </a:fillRef>
+          <a:effectRef idx="0">
+            <a:schemeClr val="accent1"/>
+          </a:effectRef>
+          <a:fontRef idx="minor">
+            <a:schemeClr val="lt1"/>
+          </a:fontRef>
+        </p:style>
+        <p:txBody>
+          <a:bodyPr vert="vert270" rtlCol="0" anchor="ctr"/>
+          <a:lstStyle/>
+          <a:p>
+            <a:pPr algn="ctr"/>
+            <a:r>
+              <a:rPr lang="en-US" dirty="0"/>
+              <a:t>Encoder</a:t>
+            </a:r>
+          </a:p>
+        </p:txBody>
+      </p:sp>
+      <p:sp>
+        <p:nvSpPr>
+          <p:cNvPr id="7" name="Trapezoid 6">
+            <a:extLst>
+              <a:ext uri="{FF2B5EF4-FFF2-40B4-BE49-F238E27FC236}">
+                <a16:creationId xmlns:a16="http://schemas.microsoft.com/office/drawing/2014/main" id="{71E39FE6-FB4E-7109-0B37-BA7D1320C87A}"/>
+              </a:ext>
+            </a:extLst>
+          </p:cNvPr>
+          <p:cNvSpPr/>
+          <p:nvPr/>
+        </p:nvSpPr>
+        <p:spPr>
+          <a:xfrm rot="16200000">
+            <a:off x="7376934" y="2274425"/>
+            <a:ext cx="2233914" cy="1244279"/>
+          </a:xfrm>
+          <a:prstGeom prst="trapezoid">
+            <a:avLst/>
+          </a:prstGeom>
+        </p:spPr>
+        <p:style>
+          <a:lnRef idx="2">
+            <a:schemeClr val="accent1">
+              <a:shade val="15000"/>
+            </a:schemeClr>
+          </a:lnRef>
+          <a:fillRef idx="1">
+            <a:schemeClr val="accent1"/>
+          </a:fillRef>
+          <a:effectRef idx="0">
+            <a:schemeClr val="accent1"/>
+          </a:effectRef>
+          <a:fontRef idx="minor">
+            <a:schemeClr val="lt1"/>
+          </a:fontRef>
+        </p:style>
+        <p:txBody>
+          <a:bodyPr vert="vert" rtlCol="0" anchor="ctr"/>
+          <a:lstStyle/>
+          <a:p>
+            <a:pPr algn="ctr"/>
+            <a:r>
+              <a:rPr lang="en-US" dirty="0"/>
+              <a:t>Decoder</a:t>
+            </a:r>
+          </a:p>
+        </p:txBody>
+      </p:sp>
+      <p:sp>
+        <p:nvSpPr>
+          <p:cNvPr id="8" name="Rectangle 7">
+            <a:extLst>
+              <a:ext uri="{FF2B5EF4-FFF2-40B4-BE49-F238E27FC236}">
+                <a16:creationId xmlns:a16="http://schemas.microsoft.com/office/drawing/2014/main" id="{E30BD414-96FF-0D60-4379-85C3C68475FF}"/>
+              </a:ext>
+            </a:extLst>
+          </p:cNvPr>
+          <p:cNvSpPr/>
+          <p:nvPr/>
+        </p:nvSpPr>
+        <p:spPr>
+          <a:xfrm>
+            <a:off x="5254906" y="2123954"/>
+            <a:ext cx="1498922" cy="1597307"/>
+          </a:xfrm>
+          <a:prstGeom prst="rect">
+            <a:avLst/>
+          </a:prstGeom>
+        </p:spPr>
+        <p:style>
+          <a:lnRef idx="2">
+            <a:schemeClr val="accent1">
+              <a:shade val="15000"/>
+            </a:schemeClr>
+          </a:lnRef>
+          <a:fillRef idx="1">
+            <a:schemeClr val="accent1"/>
+          </a:fillRef>
+          <a:effectRef idx="0">
+            <a:schemeClr val="accent1"/>
+          </a:effectRef>
+          <a:fontRef idx="minor">
+            <a:schemeClr val="lt1"/>
+          </a:fontRef>
+        </p:style>
+        <p:txBody>
+          <a:bodyPr rtlCol="0" anchor="ctr"/>
+          <a:lstStyle/>
+          <a:p>
+            <a:pPr algn="ctr"/>
+            <a:r>
+              <a:rPr lang="en-US" dirty="0"/>
+              <a:t>Latent space</a:t>
+            </a:r>
+          </a:p>
+        </p:txBody>
+      </p:sp>
+      <p:sp>
+        <p:nvSpPr>
+          <p:cNvPr id="9" name="Arrow: Right 8">
+            <a:extLst>
+              <a:ext uri="{FF2B5EF4-FFF2-40B4-BE49-F238E27FC236}">
+                <a16:creationId xmlns:a16="http://schemas.microsoft.com/office/drawing/2014/main" id="{A96B4623-07E5-6D18-D118-09FB3E805288}"/>
+              </a:ext>
+            </a:extLst>
+          </p:cNvPr>
+          <p:cNvSpPr/>
+          <p:nvPr/>
+        </p:nvSpPr>
+        <p:spPr>
+          <a:xfrm>
+            <a:off x="2060294" y="2841585"/>
+            <a:ext cx="898004" cy="115747"/>
+          </a:xfrm>
+          <a:prstGeom prst="rightArrow">
+            <a:avLst/>
+          </a:prstGeom>
+        </p:spPr>
+        <p:style>
+          <a:lnRef idx="2">
+            <a:schemeClr val="accent1">
+              <a:shade val="15000"/>
+            </a:schemeClr>
+          </a:lnRef>
+          <a:fillRef idx="1">
+            <a:schemeClr val="accent1"/>
+          </a:fillRef>
+          <a:effectRef idx="0">
+            <a:schemeClr val="accent1"/>
+          </a:effectRef>
+          <a:fontRef idx="minor">
+            <a:schemeClr val="lt1"/>
+          </a:fontRef>
+        </p:style>
+        <p:txBody>
+          <a:bodyPr rtlCol="0" anchor="ctr"/>
+          <a:lstStyle/>
+          <a:p>
+            <a:pPr algn="ctr"/>
+            <a:endParaRPr lang="en-US"/>
+          </a:p>
+        </p:txBody>
+      </p:sp>
+      <p:sp>
+        <p:nvSpPr>
+          <p:cNvPr id="10" name="Arrow: Right 9">
+            <a:extLst>
+              <a:ext uri="{FF2B5EF4-FFF2-40B4-BE49-F238E27FC236}">
+                <a16:creationId xmlns:a16="http://schemas.microsoft.com/office/drawing/2014/main" id="{7662F274-399B-24FB-B546-0AF3446D86A3}"/>
+              </a:ext>
+            </a:extLst>
+          </p:cNvPr>
+          <p:cNvSpPr/>
+          <p:nvPr/>
+        </p:nvSpPr>
+        <p:spPr>
+          <a:xfrm>
+            <a:off x="4437924" y="2841585"/>
+            <a:ext cx="730171" cy="86811"/>
+          </a:xfrm>
+          <a:prstGeom prst="rightArrow">
+            <a:avLst/>
+          </a:prstGeom>
+        </p:spPr>
+        <p:style>
+          <a:lnRef idx="2">
+            <a:schemeClr val="accent1">
+              <a:shade val="15000"/>
+            </a:schemeClr>
+          </a:lnRef>
+          <a:fillRef idx="1">
+            <a:schemeClr val="accent1"/>
+          </a:fillRef>
+          <a:effectRef idx="0">
+            <a:schemeClr val="accent1"/>
+          </a:effectRef>
+          <a:fontRef idx="minor">
+            <a:schemeClr val="lt1"/>
+          </a:fontRef>
+        </p:style>
+        <p:txBody>
+          <a:bodyPr rtlCol="0" anchor="ctr"/>
+          <a:lstStyle/>
+          <a:p>
+            <a:pPr algn="ctr"/>
+            <a:endParaRPr lang="en-US"/>
+          </a:p>
+        </p:txBody>
+      </p:sp>
+      <p:sp>
+        <p:nvSpPr>
+          <p:cNvPr id="11" name="Arrow: Right 10">
+            <a:extLst>
+              <a:ext uri="{FF2B5EF4-FFF2-40B4-BE49-F238E27FC236}">
+                <a16:creationId xmlns:a16="http://schemas.microsoft.com/office/drawing/2014/main" id="{DC820D36-89FF-86C8-FD5F-23E18CEE36A7}"/>
+              </a:ext>
+            </a:extLst>
+          </p:cNvPr>
+          <p:cNvSpPr/>
+          <p:nvPr/>
+        </p:nvSpPr>
+        <p:spPr>
+          <a:xfrm>
+            <a:off x="6896096" y="2835796"/>
+            <a:ext cx="730171" cy="86811"/>
+          </a:xfrm>
+          <a:prstGeom prst="rightArrow">
+            <a:avLst/>
+          </a:prstGeom>
+        </p:spPr>
+        <p:style>
+          <a:lnRef idx="2">
+            <a:schemeClr val="accent1">
+              <a:shade val="15000"/>
+            </a:schemeClr>
+          </a:lnRef>
+          <a:fillRef idx="1">
+            <a:schemeClr val="accent1"/>
+          </a:fillRef>
+          <a:effectRef idx="0">
+            <a:schemeClr val="accent1"/>
+          </a:effectRef>
+          <a:fontRef idx="minor">
+            <a:schemeClr val="lt1"/>
+          </a:fontRef>
+        </p:style>
+        <p:txBody>
+          <a:bodyPr rtlCol="0" anchor="ctr"/>
+          <a:lstStyle/>
+          <a:p>
+            <a:pPr algn="ctr"/>
+            <a:endParaRPr lang="en-US"/>
+          </a:p>
+        </p:txBody>
+      </p:sp>
+      <p:sp>
+        <p:nvSpPr>
+          <p:cNvPr id="12" name="Arrow: Right 11">
+            <a:extLst>
+              <a:ext uri="{FF2B5EF4-FFF2-40B4-BE49-F238E27FC236}">
+                <a16:creationId xmlns:a16="http://schemas.microsoft.com/office/drawing/2014/main" id="{4C1BC3D3-3678-5198-3DB8-F4EAAADF8C1F}"/>
+              </a:ext>
+            </a:extLst>
+          </p:cNvPr>
+          <p:cNvSpPr/>
+          <p:nvPr/>
+        </p:nvSpPr>
+        <p:spPr>
+          <a:xfrm>
+            <a:off x="9258299" y="2809753"/>
+            <a:ext cx="1390410" cy="112854"/>
+          </a:xfrm>
+          <a:prstGeom prst="rightArrow">
+            <a:avLst/>
+          </a:prstGeom>
+        </p:spPr>
+        <p:style>
+          <a:lnRef idx="2">
+            <a:schemeClr val="accent1">
+              <a:shade val="15000"/>
+            </a:schemeClr>
+          </a:lnRef>
+          <a:fillRef idx="1">
+            <a:schemeClr val="accent1"/>
+          </a:fillRef>
+          <a:effectRef idx="0">
+            <a:schemeClr val="accent1"/>
+          </a:effectRef>
+          <a:fontRef idx="minor">
+            <a:schemeClr val="lt1"/>
+          </a:fontRef>
+        </p:style>
+        <p:txBody>
+          <a:bodyPr rtlCol="0" anchor="ctr"/>
+          <a:lstStyle/>
+          <a:p>
+            <a:pPr algn="ctr"/>
+            <a:endParaRPr lang="en-US"/>
+          </a:p>
+        </p:txBody>
+      </p:sp>
+    </p:spTree>
+    <p:extLst>
+      <p:ext uri="{BB962C8B-B14F-4D97-AF65-F5344CB8AC3E}">
+        <p14:creationId xmlns:p14="http://schemas.microsoft.com/office/powerpoint/2010/main" val="122237066"/>
+      </p:ext>
+    </p:extLst>
+  </p:cSld>
+  <p:clrMapOvr>
+    <a:masterClrMapping/>
+  </p:clrMapOvr>
+</p:sld>
+</file>
+
+<file path=ppt/slides/slide5.xml><?xml version="1.0" encoding="utf-8"?>
+<p:sld xmlns:a="http://schemas.openxmlformats.org/drawingml/2006/main" xmlns:r="http://schemas.openxmlformats.org/officeDocument/2006/relationships" xmlns:p="http://schemas.openxmlformats.org/presentationml/2006/main">
+  <p:cSld>
+    <p:spTree>
+      <p:nvGrpSpPr>
+        <p:cNvPr id="1" name=""/>
+        <p:cNvGrpSpPr/>
+        <p:nvPr/>
+      </p:nvGrpSpPr>
+      <p:grpSpPr>
+        <a:xfrm>
+          <a:off x="0" y="0"/>
+          <a:ext cx="0" cy="0"/>
+          <a:chOff x="0" y="0"/>
+          <a:chExt cx="0" cy="0"/>
+        </a:xfrm>
+      </p:grpSpPr>
+      <p:sp>
+        <p:nvSpPr>
+          <p:cNvPr id="4" name="Oval 3">
+            <a:extLst>
+              <a:ext uri="{FF2B5EF4-FFF2-40B4-BE49-F238E27FC236}">
+                <a16:creationId xmlns:a16="http://schemas.microsoft.com/office/drawing/2014/main" id="{A1FC96FD-905C-8E5F-A15D-94CB2D2E5B07}"/>
+              </a:ext>
+            </a:extLst>
+          </p:cNvPr>
+          <p:cNvSpPr/>
+          <p:nvPr/>
+        </p:nvSpPr>
+        <p:spPr>
+          <a:xfrm>
+            <a:off x="1024360" y="358815"/>
+            <a:ext cx="4815068" cy="4670385"/>
+          </a:xfrm>
+          <a:prstGeom prst="ellipse">
+            <a:avLst/>
+          </a:prstGeom>
+          <a:noFill/>
+          <a:ln>
+            <a:prstDash val="lgDash"/>
+          </a:ln>
+        </p:spPr>
+        <p:style>
+          <a:lnRef idx="2">
+            <a:schemeClr val="accent1">
+              <a:shade val="15000"/>
+            </a:schemeClr>
+          </a:lnRef>
+          <a:fillRef idx="1">
+            <a:schemeClr val="accent1"/>
+          </a:fillRef>
+          <a:effectRef idx="0">
+            <a:schemeClr val="accent1"/>
+          </a:effectRef>
+          <a:fontRef idx="minor">
+            <a:schemeClr val="lt1"/>
+          </a:fontRef>
+        </p:style>
+        <p:txBody>
+          <a:bodyPr rtlCol="0" anchor="ctr"/>
+          <a:lstStyle/>
+          <a:p>
+            <a:pPr algn="ctr"/>
+            <a:endParaRPr lang="en-US"/>
+          </a:p>
+        </p:txBody>
+      </p:sp>
+      <p:sp>
+        <p:nvSpPr>
+          <p:cNvPr id="5" name="Oval 4">
+            <a:extLst>
+              <a:ext uri="{FF2B5EF4-FFF2-40B4-BE49-F238E27FC236}">
+                <a16:creationId xmlns:a16="http://schemas.microsoft.com/office/drawing/2014/main" id="{F1A3C774-1A2E-4D19-0474-8A137A571C70}"/>
+              </a:ext>
+            </a:extLst>
+          </p:cNvPr>
+          <p:cNvSpPr/>
+          <p:nvPr/>
+        </p:nvSpPr>
+        <p:spPr>
+          <a:xfrm>
+            <a:off x="7270830" y="1581874"/>
+            <a:ext cx="2492416" cy="2472156"/>
+          </a:xfrm>
+          <a:prstGeom prst="ellipse">
+            <a:avLst/>
+          </a:prstGeom>
+          <a:noFill/>
+        </p:spPr>
+        <p:style>
+          <a:lnRef idx="2">
+            <a:schemeClr val="accent1">
+              <a:shade val="15000"/>
+            </a:schemeClr>
+          </a:lnRef>
+          <a:fillRef idx="1">
+            <a:schemeClr val="accent1"/>
+          </a:fillRef>
+          <a:effectRef idx="0">
+            <a:schemeClr val="accent1"/>
+          </a:effectRef>
+          <a:fontRef idx="minor">
+            <a:schemeClr val="lt1"/>
+          </a:fontRef>
+        </p:style>
+        <p:txBody>
+          <a:bodyPr rtlCol="0" anchor="ctr"/>
+          <a:lstStyle/>
+          <a:p>
+            <a:pPr algn="ctr"/>
+            <a:endParaRPr lang="en-US"/>
+          </a:p>
+        </p:txBody>
+      </p:sp>
+      <p:pic>
+        <p:nvPicPr>
+          <p:cNvPr id="7" name="Graphic 6" descr="User with solid fill">
+            <a:extLst>
+              <a:ext uri="{FF2B5EF4-FFF2-40B4-BE49-F238E27FC236}">
+                <a16:creationId xmlns:a16="http://schemas.microsoft.com/office/drawing/2014/main" id="{139C7124-B271-4709-AB98-7524C77E241F}"/>
+              </a:ext>
+            </a:extLst>
+          </p:cNvPr>
+          <p:cNvPicPr>
+            <a:picLocks noChangeAspect="1"/>
+          </p:cNvPicPr>
+          <p:nvPr/>
+        </p:nvPicPr>
+        <p:blipFill>
+          <a:blip r:embed="rId2">
+            <a:extLst>
+              <a:ext uri="{96DAC541-7B7A-43D3-8B79-37D633B846F1}">
+                <asvg:svgBlip xmlns:asvg="http://schemas.microsoft.com/office/drawing/2016/SVG/main" r:embed="rId3"/>
+              </a:ext>
+            </a:extLst>
+          </a:blip>
+          <a:stretch>
+            <a:fillRect/>
+          </a:stretch>
+        </p:blipFill>
+        <p:spPr>
+          <a:xfrm>
+            <a:off x="1738132" y="1124673"/>
+            <a:ext cx="721489" cy="721489"/>
+          </a:xfrm>
+          <a:prstGeom prst="rect">
+            <a:avLst/>
+          </a:prstGeom>
+        </p:spPr>
+      </p:pic>
+      <p:pic>
+        <p:nvPicPr>
+          <p:cNvPr id="8" name="Graphic 7" descr="User with solid fill">
+            <a:extLst>
+              <a:ext uri="{FF2B5EF4-FFF2-40B4-BE49-F238E27FC236}">
+                <a16:creationId xmlns:a16="http://schemas.microsoft.com/office/drawing/2014/main" id="{86011C8B-2882-04E5-136A-4B1ED847F6AB}"/>
+              </a:ext>
+            </a:extLst>
+          </p:cNvPr>
+          <p:cNvPicPr>
+            <a:picLocks noChangeAspect="1"/>
+          </p:cNvPicPr>
+          <p:nvPr/>
+        </p:nvPicPr>
+        <p:blipFill>
+          <a:blip r:embed="rId4">
+            <a:extLst>
+              <a:ext uri="{96DAC541-7B7A-43D3-8B79-37D633B846F1}">
+                <asvg:svgBlip xmlns:asvg="http://schemas.microsoft.com/office/drawing/2016/SVG/main" r:embed="rId5"/>
+              </a:ext>
+            </a:extLst>
+          </a:blip>
+          <a:stretch>
+            <a:fillRect/>
+          </a:stretch>
+        </p:blipFill>
+        <p:spPr>
+          <a:xfrm>
+            <a:off x="3249830" y="1520625"/>
+            <a:ext cx="721489" cy="721489"/>
+          </a:xfrm>
+          <a:prstGeom prst="rect">
+            <a:avLst/>
+          </a:prstGeom>
+        </p:spPr>
+      </p:pic>
+      <p:pic>
+        <p:nvPicPr>
+          <p:cNvPr id="10" name="Graphic 9" descr="User with solid fill">
+            <a:extLst>
+              <a:ext uri="{FF2B5EF4-FFF2-40B4-BE49-F238E27FC236}">
+                <a16:creationId xmlns:a16="http://schemas.microsoft.com/office/drawing/2014/main" id="{D63972D3-C746-1133-5E92-06E9F43E1838}"/>
+              </a:ext>
+            </a:extLst>
+          </p:cNvPr>
+          <p:cNvPicPr>
+            <a:picLocks noChangeAspect="1"/>
+          </p:cNvPicPr>
+          <p:nvPr/>
+        </p:nvPicPr>
+        <p:blipFill>
+          <a:blip r:embed="rId2">
+            <a:extLst>
+              <a:ext uri="{96DAC541-7B7A-43D3-8B79-37D633B846F1}">
+                <asvg:svgBlip xmlns:asvg="http://schemas.microsoft.com/office/drawing/2016/SVG/main" r:embed="rId3"/>
+              </a:ext>
+            </a:extLst>
+          </a:blip>
+          <a:stretch>
+            <a:fillRect/>
+          </a:stretch>
+        </p:blipFill>
+        <p:spPr>
+          <a:xfrm>
+            <a:off x="1747778" y="2413321"/>
+            <a:ext cx="721489" cy="721489"/>
+          </a:xfrm>
+          <a:prstGeom prst="rect">
+            <a:avLst/>
+          </a:prstGeom>
+        </p:spPr>
+      </p:pic>
+      <p:pic>
+        <p:nvPicPr>
+          <p:cNvPr id="11" name="Graphic 10" descr="User with solid fill">
+            <a:extLst>
+              <a:ext uri="{FF2B5EF4-FFF2-40B4-BE49-F238E27FC236}">
+                <a16:creationId xmlns:a16="http://schemas.microsoft.com/office/drawing/2014/main" id="{4CDE5A74-C630-CD66-7273-F872134614E3}"/>
+              </a:ext>
+            </a:extLst>
+          </p:cNvPr>
+          <p:cNvPicPr>
+            <a:picLocks noChangeAspect="1"/>
+          </p:cNvPicPr>
+          <p:nvPr/>
+        </p:nvPicPr>
+        <p:blipFill>
+          <a:blip r:embed="rId6">
+            <a:extLst>
+              <a:ext uri="{96DAC541-7B7A-43D3-8B79-37D633B846F1}">
+                <asvg:svgBlip xmlns:asvg="http://schemas.microsoft.com/office/drawing/2016/SVG/main" r:embed="rId7"/>
+              </a:ext>
+            </a:extLst>
+          </a:blip>
+          <a:stretch>
+            <a:fillRect/>
+          </a:stretch>
+        </p:blipFill>
+        <p:spPr>
+          <a:xfrm>
+            <a:off x="2706546" y="2694007"/>
+            <a:ext cx="721489" cy="721489"/>
+          </a:xfrm>
+          <a:prstGeom prst="rect">
+            <a:avLst/>
+          </a:prstGeom>
+        </p:spPr>
+      </p:pic>
+      <p:pic>
+        <p:nvPicPr>
+          <p:cNvPr id="12" name="Graphic 11" descr="User with solid fill">
+            <a:extLst>
+              <a:ext uri="{FF2B5EF4-FFF2-40B4-BE49-F238E27FC236}">
+                <a16:creationId xmlns:a16="http://schemas.microsoft.com/office/drawing/2014/main" id="{152CEE59-DD9D-9FAE-16D4-E09982E8EFFD}"/>
+              </a:ext>
+            </a:extLst>
+          </p:cNvPr>
+          <p:cNvPicPr>
+            <a:picLocks noChangeAspect="1"/>
+          </p:cNvPicPr>
+          <p:nvPr/>
+        </p:nvPicPr>
+        <p:blipFill>
+          <a:blip r:embed="rId4">
+            <a:extLst>
+              <a:ext uri="{96DAC541-7B7A-43D3-8B79-37D633B846F1}">
+                <asvg:svgBlip xmlns:asvg="http://schemas.microsoft.com/office/drawing/2016/SVG/main" r:embed="rId5"/>
+              </a:ext>
+            </a:extLst>
+          </a:blip>
+          <a:stretch>
+            <a:fillRect/>
+          </a:stretch>
+        </p:blipFill>
+        <p:spPr>
+          <a:xfrm>
+            <a:off x="3891023" y="1124673"/>
+            <a:ext cx="721489" cy="721489"/>
+          </a:xfrm>
+          <a:prstGeom prst="rect">
+            <a:avLst/>
+          </a:prstGeom>
+        </p:spPr>
+      </p:pic>
+      <p:pic>
+        <p:nvPicPr>
+          <p:cNvPr id="13" name="Graphic 12" descr="User with solid fill">
+            <a:extLst>
+              <a:ext uri="{FF2B5EF4-FFF2-40B4-BE49-F238E27FC236}">
+                <a16:creationId xmlns:a16="http://schemas.microsoft.com/office/drawing/2014/main" id="{E79EBF1F-3AF1-956E-CEAA-A230E77C4525}"/>
+              </a:ext>
+            </a:extLst>
+          </p:cNvPr>
+          <p:cNvPicPr>
+            <a:picLocks noChangeAspect="1"/>
+          </p:cNvPicPr>
+          <p:nvPr/>
+        </p:nvPicPr>
+        <p:blipFill>
+          <a:blip r:embed="rId4">
+            <a:extLst>
+              <a:ext uri="{96DAC541-7B7A-43D3-8B79-37D633B846F1}">
+                <asvg:svgBlip xmlns:asvg="http://schemas.microsoft.com/office/drawing/2016/SVG/main" r:embed="rId5"/>
+              </a:ext>
+            </a:extLst>
+          </a:blip>
+          <a:stretch>
+            <a:fillRect/>
+          </a:stretch>
+        </p:blipFill>
+        <p:spPr>
+          <a:xfrm>
+            <a:off x="4254660" y="1786359"/>
+            <a:ext cx="721489" cy="721489"/>
+          </a:xfrm>
+          <a:prstGeom prst="rect">
+            <a:avLst/>
+          </a:prstGeom>
+        </p:spPr>
+      </p:pic>
+      <p:pic>
+        <p:nvPicPr>
+          <p:cNvPr id="14" name="Graphic 13" descr="User with solid fill">
+            <a:extLst>
+              <a:ext uri="{FF2B5EF4-FFF2-40B4-BE49-F238E27FC236}">
+                <a16:creationId xmlns:a16="http://schemas.microsoft.com/office/drawing/2014/main" id="{A2A6EA87-FA60-719E-A938-201276A05BA8}"/>
+              </a:ext>
+            </a:extLst>
+          </p:cNvPr>
+          <p:cNvPicPr>
+            <a:picLocks noChangeAspect="1"/>
+          </p:cNvPicPr>
+          <p:nvPr/>
+        </p:nvPicPr>
+        <p:blipFill>
+          <a:blip r:embed="rId4">
+            <a:extLst>
+              <a:ext uri="{96DAC541-7B7A-43D3-8B79-37D633B846F1}">
+                <asvg:svgBlip xmlns:asvg="http://schemas.microsoft.com/office/drawing/2016/SVG/main" r:embed="rId5"/>
+              </a:ext>
+            </a:extLst>
+          </a:blip>
+          <a:stretch>
+            <a:fillRect/>
+          </a:stretch>
+        </p:blipFill>
+        <p:spPr>
+          <a:xfrm>
+            <a:off x="3790708" y="3102014"/>
+            <a:ext cx="721489" cy="721489"/>
+          </a:xfrm>
+          <a:prstGeom prst="rect">
+            <a:avLst/>
+          </a:prstGeom>
+        </p:spPr>
+      </p:pic>
+      <p:pic>
+        <p:nvPicPr>
+          <p:cNvPr id="15" name="Graphic 14" descr="User with solid fill">
+            <a:extLst>
+              <a:ext uri="{FF2B5EF4-FFF2-40B4-BE49-F238E27FC236}">
+                <a16:creationId xmlns:a16="http://schemas.microsoft.com/office/drawing/2014/main" id="{EC4B63D7-66C2-0A27-475F-3B2F9F89F6CC}"/>
+              </a:ext>
+            </a:extLst>
+          </p:cNvPr>
+          <p:cNvPicPr>
+            <a:picLocks noChangeAspect="1"/>
+          </p:cNvPicPr>
+          <p:nvPr/>
+        </p:nvPicPr>
+        <p:blipFill>
+          <a:blip r:embed="rId6">
+            <a:extLst>
+              <a:ext uri="{96DAC541-7B7A-43D3-8B79-37D633B846F1}">
+                <asvg:svgBlip xmlns:asvg="http://schemas.microsoft.com/office/drawing/2016/SVG/main" r:embed="rId7"/>
+              </a:ext>
+            </a:extLst>
+          </a:blip>
+          <a:stretch>
+            <a:fillRect/>
+          </a:stretch>
+        </p:blipFill>
+        <p:spPr>
+          <a:xfrm>
+            <a:off x="4609614" y="2612020"/>
+            <a:ext cx="721489" cy="721489"/>
+          </a:xfrm>
+          <a:prstGeom prst="rect">
+            <a:avLst/>
+          </a:prstGeom>
+        </p:spPr>
+      </p:pic>
+      <p:pic>
+        <p:nvPicPr>
+          <p:cNvPr id="16" name="Graphic 15" descr="User with solid fill">
+            <a:extLst>
+              <a:ext uri="{FF2B5EF4-FFF2-40B4-BE49-F238E27FC236}">
+                <a16:creationId xmlns:a16="http://schemas.microsoft.com/office/drawing/2014/main" id="{ABE7C6A2-0F01-D663-2AA2-4FBE3FF08EF6}"/>
+              </a:ext>
+            </a:extLst>
+          </p:cNvPr>
+          <p:cNvPicPr>
+            <a:picLocks noChangeAspect="1"/>
+          </p:cNvPicPr>
+          <p:nvPr/>
+        </p:nvPicPr>
+        <p:blipFill>
+          <a:blip r:embed="rId4">
+            <a:extLst>
+              <a:ext uri="{96DAC541-7B7A-43D3-8B79-37D633B846F1}">
+                <asvg:svgBlip xmlns:asvg="http://schemas.microsoft.com/office/drawing/2016/SVG/main" r:embed="rId5"/>
+              </a:ext>
+            </a:extLst>
+          </a:blip>
+          <a:stretch>
+            <a:fillRect/>
+          </a:stretch>
+        </p:blipFill>
+        <p:spPr>
+          <a:xfrm>
+            <a:off x="2046790" y="3465651"/>
+            <a:ext cx="721489" cy="721489"/>
+          </a:xfrm>
+          <a:prstGeom prst="rect">
+            <a:avLst/>
+          </a:prstGeom>
+        </p:spPr>
+      </p:pic>
+      <p:pic>
+        <p:nvPicPr>
+          <p:cNvPr id="17" name="Graphic 16" descr="User with solid fill">
+            <a:extLst>
+              <a:ext uri="{FF2B5EF4-FFF2-40B4-BE49-F238E27FC236}">
+                <a16:creationId xmlns:a16="http://schemas.microsoft.com/office/drawing/2014/main" id="{D49F071B-1313-CF86-5844-2BEBEB630269}"/>
+              </a:ext>
+            </a:extLst>
+          </p:cNvPr>
+          <p:cNvPicPr>
+            <a:picLocks noChangeAspect="1"/>
+          </p:cNvPicPr>
+          <p:nvPr/>
+        </p:nvPicPr>
+        <p:blipFill>
+          <a:blip r:embed="rId6">
+            <a:extLst>
+              <a:ext uri="{96DAC541-7B7A-43D3-8B79-37D633B846F1}">
+                <asvg:svgBlip xmlns:asvg="http://schemas.microsoft.com/office/drawing/2016/SVG/main" r:embed="rId7"/>
+              </a:ext>
+            </a:extLst>
+          </a:blip>
+          <a:stretch>
+            <a:fillRect/>
+          </a:stretch>
+        </p:blipFill>
+        <p:spPr>
+          <a:xfrm>
+            <a:off x="3053785" y="3719331"/>
+            <a:ext cx="721489" cy="721489"/>
+          </a:xfrm>
+          <a:prstGeom prst="rect">
+            <a:avLst/>
+          </a:prstGeom>
+        </p:spPr>
+      </p:pic>
+      <p:pic>
+        <p:nvPicPr>
+          <p:cNvPr id="18" name="Graphic 17" descr="User with solid fill">
+            <a:extLst>
+              <a:ext uri="{FF2B5EF4-FFF2-40B4-BE49-F238E27FC236}">
+                <a16:creationId xmlns:a16="http://schemas.microsoft.com/office/drawing/2014/main" id="{4FD3B766-E017-6245-2B94-8C37D914AD07}"/>
+              </a:ext>
+            </a:extLst>
+          </p:cNvPr>
+          <p:cNvPicPr>
+            <a:picLocks noChangeAspect="1"/>
+          </p:cNvPicPr>
+          <p:nvPr/>
+        </p:nvPicPr>
+        <p:blipFill>
+          <a:blip r:embed="rId2">
+            <a:extLst>
+              <a:ext uri="{96DAC541-7B7A-43D3-8B79-37D633B846F1}">
+                <asvg:svgBlip xmlns:asvg="http://schemas.microsoft.com/office/drawing/2016/SVG/main" r:embed="rId3"/>
+              </a:ext>
+            </a:extLst>
+          </a:blip>
+          <a:stretch>
+            <a:fillRect/>
+          </a:stretch>
+        </p:blipFill>
+        <p:spPr>
+          <a:xfrm>
+            <a:off x="3414529" y="2292269"/>
+            <a:ext cx="721489" cy="721489"/>
+          </a:xfrm>
+          <a:prstGeom prst="rect">
+            <a:avLst/>
+          </a:prstGeom>
+        </p:spPr>
+      </p:pic>
+      <p:pic>
+        <p:nvPicPr>
+          <p:cNvPr id="19" name="Graphic 18" descr="User with solid fill">
+            <a:extLst>
+              <a:ext uri="{FF2B5EF4-FFF2-40B4-BE49-F238E27FC236}">
+                <a16:creationId xmlns:a16="http://schemas.microsoft.com/office/drawing/2014/main" id="{B010B4E9-E8FF-EC27-D4BA-699309F90769}"/>
+              </a:ext>
+            </a:extLst>
+          </p:cNvPr>
+          <p:cNvPicPr>
+            <a:picLocks noChangeAspect="1"/>
+          </p:cNvPicPr>
+          <p:nvPr/>
+        </p:nvPicPr>
+        <p:blipFill>
+          <a:blip r:embed="rId6">
+            <a:extLst>
+              <a:ext uri="{96DAC541-7B7A-43D3-8B79-37D633B846F1}">
+                <asvg:svgBlip xmlns:asvg="http://schemas.microsoft.com/office/drawing/2016/SVG/main" r:embed="rId7"/>
+              </a:ext>
+            </a:extLst>
+          </a:blip>
+          <a:stretch>
+            <a:fillRect/>
+          </a:stretch>
+        </p:blipFill>
+        <p:spPr>
+          <a:xfrm>
+            <a:off x="2768279" y="675672"/>
+            <a:ext cx="721489" cy="721489"/>
+          </a:xfrm>
+          <a:prstGeom prst="rect">
+            <a:avLst/>
+          </a:prstGeom>
+        </p:spPr>
+      </p:pic>
+      <p:pic>
+        <p:nvPicPr>
+          <p:cNvPr id="20" name="Graphic 19" descr="User with solid fill">
+            <a:extLst>
+              <a:ext uri="{FF2B5EF4-FFF2-40B4-BE49-F238E27FC236}">
+                <a16:creationId xmlns:a16="http://schemas.microsoft.com/office/drawing/2014/main" id="{645A5457-858F-E884-AEC8-92F7302FE272}"/>
+              </a:ext>
+            </a:extLst>
+          </p:cNvPr>
+          <p:cNvPicPr>
+            <a:picLocks noChangeAspect="1"/>
+          </p:cNvPicPr>
+          <p:nvPr/>
+        </p:nvPicPr>
+        <p:blipFill>
+          <a:blip r:embed="rId2">
+            <a:extLst>
+              <a:ext uri="{96DAC541-7B7A-43D3-8B79-37D633B846F1}">
+                <asvg:svgBlip xmlns:asvg="http://schemas.microsoft.com/office/drawing/2016/SVG/main" r:embed="rId3"/>
+              </a:ext>
+            </a:extLst>
+          </a:blip>
+          <a:stretch>
+            <a:fillRect/>
+          </a:stretch>
+        </p:blipFill>
+        <p:spPr>
+          <a:xfrm>
+            <a:off x="4369443" y="3465651"/>
+            <a:ext cx="721489" cy="721489"/>
+          </a:xfrm>
+          <a:prstGeom prst="rect">
+            <a:avLst/>
+          </a:prstGeom>
+        </p:spPr>
+      </p:pic>
+      <p:pic>
+        <p:nvPicPr>
+          <p:cNvPr id="21" name="Graphic 20" descr="User with solid fill">
+            <a:extLst>
+              <a:ext uri="{FF2B5EF4-FFF2-40B4-BE49-F238E27FC236}">
+                <a16:creationId xmlns:a16="http://schemas.microsoft.com/office/drawing/2014/main" id="{DDECE667-80E4-1252-9193-3A9E94686462}"/>
+              </a:ext>
+            </a:extLst>
+          </p:cNvPr>
+          <p:cNvPicPr>
+            <a:picLocks noChangeAspect="1"/>
+          </p:cNvPicPr>
+          <p:nvPr/>
+        </p:nvPicPr>
+        <p:blipFill>
+          <a:blip r:embed="rId2">
+            <a:extLst>
+              <a:ext uri="{96DAC541-7B7A-43D3-8B79-37D633B846F1}">
+                <asvg:svgBlip xmlns:asvg="http://schemas.microsoft.com/office/drawing/2016/SVG/main" r:embed="rId3"/>
+              </a:ext>
+            </a:extLst>
+          </a:blip>
+          <a:stretch>
+            <a:fillRect/>
+          </a:stretch>
+        </p:blipFill>
+        <p:spPr>
+          <a:xfrm>
+            <a:off x="2163983" y="1808543"/>
+            <a:ext cx="721489" cy="721489"/>
+          </a:xfrm>
+          <a:prstGeom prst="rect">
+            <a:avLst/>
+          </a:prstGeom>
+        </p:spPr>
+      </p:pic>
+      <p:pic>
+        <p:nvPicPr>
+          <p:cNvPr id="22" name="Graphic 21" descr="User with solid fill">
+            <a:extLst>
+              <a:ext uri="{FF2B5EF4-FFF2-40B4-BE49-F238E27FC236}">
+                <a16:creationId xmlns:a16="http://schemas.microsoft.com/office/drawing/2014/main" id="{15182E05-8D78-C22F-04C1-2D246517E170}"/>
+              </a:ext>
+            </a:extLst>
+          </p:cNvPr>
+          <p:cNvPicPr>
+            <a:picLocks noChangeAspect="1"/>
+          </p:cNvPicPr>
+          <p:nvPr/>
+        </p:nvPicPr>
+        <p:blipFill>
+          <a:blip r:embed="rId2">
+            <a:extLst>
+              <a:ext uri="{96DAC541-7B7A-43D3-8B79-37D633B846F1}">
+                <asvg:svgBlip xmlns:asvg="http://schemas.microsoft.com/office/drawing/2016/SVG/main" r:embed="rId3"/>
+              </a:ext>
+            </a:extLst>
+          </a:blip>
+          <a:stretch>
+            <a:fillRect/>
+          </a:stretch>
+        </p:blipFill>
+        <p:spPr>
+          <a:xfrm>
+            <a:off x="1177965" y="1890531"/>
+            <a:ext cx="721489" cy="721489"/>
+          </a:xfrm>
+          <a:prstGeom prst="rect">
+            <a:avLst/>
+          </a:prstGeom>
+        </p:spPr>
+      </p:pic>
+      <p:pic>
+        <p:nvPicPr>
+          <p:cNvPr id="23" name="Graphic 22" descr="User with solid fill">
+            <a:extLst>
+              <a:ext uri="{FF2B5EF4-FFF2-40B4-BE49-F238E27FC236}">
+                <a16:creationId xmlns:a16="http://schemas.microsoft.com/office/drawing/2014/main" id="{61066199-C193-505D-0BF4-1CAD064B3045}"/>
+              </a:ext>
+            </a:extLst>
+          </p:cNvPr>
+          <p:cNvPicPr>
+            <a:picLocks noChangeAspect="1"/>
+          </p:cNvPicPr>
+          <p:nvPr/>
+        </p:nvPicPr>
+        <p:blipFill>
+          <a:blip r:embed="rId2">
+            <a:extLst>
+              <a:ext uri="{96DAC541-7B7A-43D3-8B79-37D633B846F1}">
+                <asvg:svgBlip xmlns:asvg="http://schemas.microsoft.com/office/drawing/2016/SVG/main" r:embed="rId3"/>
+              </a:ext>
+            </a:extLst>
+          </a:blip>
+          <a:stretch>
+            <a:fillRect/>
+          </a:stretch>
+        </p:blipFill>
+        <p:spPr>
+          <a:xfrm>
+            <a:off x="1441531" y="3068255"/>
+            <a:ext cx="721489" cy="721489"/>
+          </a:xfrm>
+          <a:prstGeom prst="rect">
+            <a:avLst/>
+          </a:prstGeom>
+        </p:spPr>
+      </p:pic>
+      <p:pic>
+        <p:nvPicPr>
+          <p:cNvPr id="24" name="Graphic 23" descr="User with solid fill">
+            <a:extLst>
+              <a:ext uri="{FF2B5EF4-FFF2-40B4-BE49-F238E27FC236}">
+                <a16:creationId xmlns:a16="http://schemas.microsoft.com/office/drawing/2014/main" id="{A6D60566-EB22-BBB1-8DC9-1337C40024BE}"/>
+              </a:ext>
+            </a:extLst>
+          </p:cNvPr>
+          <p:cNvPicPr>
+            <a:picLocks noChangeAspect="1"/>
+          </p:cNvPicPr>
+          <p:nvPr/>
+        </p:nvPicPr>
+        <p:blipFill>
+          <a:blip r:embed="rId4">
+            <a:extLst>
+              <a:ext uri="{96DAC541-7B7A-43D3-8B79-37D633B846F1}">
+                <asvg:svgBlip xmlns:asvg="http://schemas.microsoft.com/office/drawing/2016/SVG/main" r:embed="rId5"/>
+              </a:ext>
+            </a:extLst>
+          </a:blip>
+          <a:stretch>
+            <a:fillRect/>
+          </a:stretch>
+        </p:blipFill>
+        <p:spPr>
+          <a:xfrm>
+            <a:off x="3790708" y="4054029"/>
+            <a:ext cx="721489" cy="721489"/>
+          </a:xfrm>
+          <a:prstGeom prst="rect">
+            <a:avLst/>
+          </a:prstGeom>
+        </p:spPr>
+      </p:pic>
+      <p:pic>
+        <p:nvPicPr>
+          <p:cNvPr id="25" name="Graphic 24" descr="User with solid fill">
+            <a:extLst>
+              <a:ext uri="{FF2B5EF4-FFF2-40B4-BE49-F238E27FC236}">
+                <a16:creationId xmlns:a16="http://schemas.microsoft.com/office/drawing/2014/main" id="{BFC8A720-E169-18BE-914E-F8E3733E1FA3}"/>
+              </a:ext>
+            </a:extLst>
+          </p:cNvPr>
+          <p:cNvPicPr>
+            <a:picLocks noChangeAspect="1"/>
+          </p:cNvPicPr>
+          <p:nvPr/>
+        </p:nvPicPr>
+        <p:blipFill>
+          <a:blip r:embed="rId4">
+            <a:extLst>
+              <a:ext uri="{96DAC541-7B7A-43D3-8B79-37D633B846F1}">
+                <asvg:svgBlip xmlns:asvg="http://schemas.microsoft.com/office/drawing/2016/SVG/main" r:embed="rId5"/>
+              </a:ext>
+            </a:extLst>
+          </a:blip>
+          <a:stretch>
+            <a:fillRect/>
+          </a:stretch>
+        </p:blipFill>
+        <p:spPr>
+          <a:xfrm>
+            <a:off x="3431893" y="496747"/>
+            <a:ext cx="721489" cy="721489"/>
+          </a:xfrm>
+          <a:prstGeom prst="rect">
+            <a:avLst/>
+          </a:prstGeom>
+        </p:spPr>
+      </p:pic>
+      <p:sp>
+        <p:nvSpPr>
+          <p:cNvPr id="27" name="Flowchart: Connector 26">
+            <a:extLst>
+              <a:ext uri="{FF2B5EF4-FFF2-40B4-BE49-F238E27FC236}">
+                <a16:creationId xmlns:a16="http://schemas.microsoft.com/office/drawing/2014/main" id="{F05279A4-71D1-4C81-5ABA-B9FF59E78983}"/>
+              </a:ext>
+            </a:extLst>
+          </p:cNvPr>
+          <p:cNvSpPr/>
+          <p:nvPr/>
+        </p:nvSpPr>
+        <p:spPr>
+          <a:xfrm>
+            <a:off x="3012793" y="1124673"/>
+            <a:ext cx="2159161" cy="2013996"/>
+          </a:xfrm>
+          <a:prstGeom prst="flowChartConnector">
+            <a:avLst/>
+          </a:prstGeom>
+          <a:noFill/>
+        </p:spPr>
+        <p:style>
+          <a:lnRef idx="2">
+            <a:schemeClr val="accent1">
+              <a:shade val="15000"/>
+            </a:schemeClr>
+          </a:lnRef>
+          <a:fillRef idx="1">
+            <a:schemeClr val="accent1"/>
+          </a:fillRef>
+          <a:effectRef idx="0">
+            <a:schemeClr val="accent1"/>
+          </a:effectRef>
+          <a:fontRef idx="minor">
+            <a:schemeClr val="lt1"/>
+          </a:fontRef>
+        </p:style>
+        <p:txBody>
+          <a:bodyPr rtlCol="0" anchor="ctr"/>
+          <a:lstStyle/>
+          <a:p>
+            <a:pPr algn="ctr"/>
+            <a:endParaRPr lang="en-US"/>
+          </a:p>
+        </p:txBody>
+      </p:sp>
+      <p:pic>
+        <p:nvPicPr>
+          <p:cNvPr id="28" name="Graphic 27" descr="User with solid fill">
+            <a:extLst>
+              <a:ext uri="{FF2B5EF4-FFF2-40B4-BE49-F238E27FC236}">
+                <a16:creationId xmlns:a16="http://schemas.microsoft.com/office/drawing/2014/main" id="{2BBF55BA-4D11-C835-0595-E3DEB57ECE06}"/>
+              </a:ext>
+            </a:extLst>
+          </p:cNvPr>
+          <p:cNvPicPr>
+            <a:picLocks noChangeAspect="1"/>
+          </p:cNvPicPr>
+          <p:nvPr/>
+        </p:nvPicPr>
+        <p:blipFill>
+          <a:blip r:embed="rId4">
+            <a:extLst>
+              <a:ext uri="{96DAC541-7B7A-43D3-8B79-37D633B846F1}">
+                <asvg:svgBlip xmlns:asvg="http://schemas.microsoft.com/office/drawing/2016/SVG/main" r:embed="rId5"/>
+              </a:ext>
+            </a:extLst>
+          </a:blip>
+          <a:stretch>
+            <a:fillRect/>
+          </a:stretch>
+        </p:blipFill>
+        <p:spPr>
+          <a:xfrm>
+            <a:off x="7809160" y="2255135"/>
+            <a:ext cx="721489" cy="721489"/>
+          </a:xfrm>
+          <a:prstGeom prst="rect">
+            <a:avLst/>
+          </a:prstGeom>
+        </p:spPr>
+      </p:pic>
+      <p:pic>
+        <p:nvPicPr>
+          <p:cNvPr id="29" name="Graphic 28" descr="User with solid fill">
+            <a:extLst>
+              <a:ext uri="{FF2B5EF4-FFF2-40B4-BE49-F238E27FC236}">
+                <a16:creationId xmlns:a16="http://schemas.microsoft.com/office/drawing/2014/main" id="{036D832F-4BB4-66D9-B5A5-9BEBC2C73C84}"/>
+              </a:ext>
+            </a:extLst>
+          </p:cNvPr>
+          <p:cNvPicPr>
+            <a:picLocks noChangeAspect="1"/>
+          </p:cNvPicPr>
+          <p:nvPr/>
+        </p:nvPicPr>
+        <p:blipFill>
+          <a:blip r:embed="rId4">
+            <a:extLst>
+              <a:ext uri="{96DAC541-7B7A-43D3-8B79-37D633B846F1}">
+                <asvg:svgBlip xmlns:asvg="http://schemas.microsoft.com/office/drawing/2016/SVG/main" r:embed="rId5"/>
+              </a:ext>
+            </a:extLst>
+          </a:blip>
+          <a:stretch>
+            <a:fillRect/>
+          </a:stretch>
+        </p:blipFill>
+        <p:spPr>
+          <a:xfrm>
+            <a:off x="8450353" y="1859183"/>
+            <a:ext cx="721489" cy="721489"/>
+          </a:xfrm>
+          <a:prstGeom prst="rect">
+            <a:avLst/>
+          </a:prstGeom>
+        </p:spPr>
+      </p:pic>
+      <p:pic>
+        <p:nvPicPr>
+          <p:cNvPr id="30" name="Graphic 29" descr="User with solid fill">
+            <a:extLst>
+              <a:ext uri="{FF2B5EF4-FFF2-40B4-BE49-F238E27FC236}">
+                <a16:creationId xmlns:a16="http://schemas.microsoft.com/office/drawing/2014/main" id="{55B671FE-DE6B-632D-2315-8C9BDA127D2E}"/>
+              </a:ext>
+            </a:extLst>
+          </p:cNvPr>
+          <p:cNvPicPr>
+            <a:picLocks noChangeAspect="1"/>
+          </p:cNvPicPr>
+          <p:nvPr/>
+        </p:nvPicPr>
+        <p:blipFill>
+          <a:blip r:embed="rId4">
+            <a:extLst>
+              <a:ext uri="{96DAC541-7B7A-43D3-8B79-37D633B846F1}">
+                <asvg:svgBlip xmlns:asvg="http://schemas.microsoft.com/office/drawing/2016/SVG/main" r:embed="rId5"/>
+              </a:ext>
+            </a:extLst>
+          </a:blip>
+          <a:stretch>
+            <a:fillRect/>
+          </a:stretch>
+        </p:blipFill>
+        <p:spPr>
+          <a:xfrm>
+            <a:off x="8813990" y="2520869"/>
+            <a:ext cx="721489" cy="721489"/>
+          </a:xfrm>
+          <a:prstGeom prst="rect">
+            <a:avLst/>
+          </a:prstGeom>
+        </p:spPr>
+      </p:pic>
+      <p:pic>
+        <p:nvPicPr>
+          <p:cNvPr id="31" name="Graphic 30" descr="User with solid fill">
+            <a:extLst>
+              <a:ext uri="{FF2B5EF4-FFF2-40B4-BE49-F238E27FC236}">
+                <a16:creationId xmlns:a16="http://schemas.microsoft.com/office/drawing/2014/main" id="{34B89F80-6F4E-B808-82C4-363C171B73C7}"/>
+              </a:ext>
+            </a:extLst>
+          </p:cNvPr>
+          <p:cNvPicPr>
+            <a:picLocks noChangeAspect="1"/>
+          </p:cNvPicPr>
+          <p:nvPr/>
+        </p:nvPicPr>
+        <p:blipFill>
+          <a:blip r:embed="rId2">
+            <a:extLst>
+              <a:ext uri="{96DAC541-7B7A-43D3-8B79-37D633B846F1}">
+                <asvg:svgBlip xmlns:asvg="http://schemas.microsoft.com/office/drawing/2016/SVG/main" r:embed="rId3"/>
+              </a:ext>
+            </a:extLst>
+          </a:blip>
+          <a:stretch>
+            <a:fillRect/>
+          </a:stretch>
+        </p:blipFill>
+        <p:spPr>
+          <a:xfrm>
+            <a:off x="7973859" y="3026779"/>
+            <a:ext cx="721489" cy="721489"/>
+          </a:xfrm>
+          <a:prstGeom prst="rect">
+            <a:avLst/>
+          </a:prstGeom>
+        </p:spPr>
+      </p:pic>
+      <p:cxnSp>
+        <p:nvCxnSpPr>
+          <p:cNvPr id="33" name="Straight Connector 32">
+            <a:extLst>
+              <a:ext uri="{FF2B5EF4-FFF2-40B4-BE49-F238E27FC236}">
+                <a16:creationId xmlns:a16="http://schemas.microsoft.com/office/drawing/2014/main" id="{070E1D10-7201-B6DD-63CC-BF10EDAD05D9}"/>
+              </a:ext>
+            </a:extLst>
+          </p:cNvPr>
+          <p:cNvCxnSpPr>
+            <a:cxnSpLocks/>
+            <a:endCxn id="5" idx="0"/>
+          </p:cNvCxnSpPr>
+          <p:nvPr/>
+        </p:nvCxnSpPr>
+        <p:spPr>
+          <a:xfrm>
+            <a:off x="4254660" y="1124673"/>
+            <a:ext cx="4262378" cy="457201"/>
+          </a:xfrm>
+          <a:prstGeom prst="line">
+            <a:avLst/>
+          </a:prstGeom>
+        </p:spPr>
+        <p:style>
+          <a:lnRef idx="2">
+            <a:schemeClr val="accent1"/>
+          </a:lnRef>
+          <a:fillRef idx="0">
+            <a:schemeClr val="accent1"/>
+          </a:fillRef>
+          <a:effectRef idx="1">
+            <a:schemeClr val="accent1"/>
+          </a:effectRef>
+          <a:fontRef idx="minor">
+            <a:schemeClr val="tx1"/>
+          </a:fontRef>
+        </p:style>
+      </p:cxnSp>
+      <p:cxnSp>
+        <p:nvCxnSpPr>
+          <p:cNvPr id="34" name="Straight Connector 33">
+            <a:extLst>
+              <a:ext uri="{FF2B5EF4-FFF2-40B4-BE49-F238E27FC236}">
+                <a16:creationId xmlns:a16="http://schemas.microsoft.com/office/drawing/2014/main" id="{FB9FC5BF-12CA-787F-551C-B20556C26D70}"/>
+              </a:ext>
+            </a:extLst>
+          </p:cNvPr>
+          <p:cNvCxnSpPr>
+            <a:cxnSpLocks/>
+          </p:cNvCxnSpPr>
+          <p:nvPr/>
+        </p:nvCxnSpPr>
+        <p:spPr>
+          <a:xfrm>
+            <a:off x="3658217" y="3066685"/>
+            <a:ext cx="4629256" cy="977219"/>
+          </a:xfrm>
+          <a:prstGeom prst="line">
+            <a:avLst/>
+          </a:prstGeom>
+        </p:spPr>
+        <p:style>
+          <a:lnRef idx="2">
+            <a:schemeClr val="accent1"/>
+          </a:lnRef>
+          <a:fillRef idx="0">
+            <a:schemeClr val="accent1"/>
+          </a:fillRef>
+          <a:effectRef idx="1">
+            <a:schemeClr val="accent1"/>
+          </a:effectRef>
+          <a:fontRef idx="minor">
+            <a:schemeClr val="tx1"/>
+          </a:fontRef>
+        </p:style>
+      </p:cxnSp>
+    </p:spTree>
+    <p:extLst>
+      <p:ext uri="{BB962C8B-B14F-4D97-AF65-F5344CB8AC3E}">
+        <p14:creationId xmlns:p14="http://schemas.microsoft.com/office/powerpoint/2010/main" val="2419715893"/>
+      </p:ext>
+    </p:extLst>
+  </p:cSld>
+  <p:clrMapOvr>
+    <a:masterClrMapping/>
+  </p:clrMapOvr>
+</p:sld>
+</file>
+
+<file path=ppt/slides/slide6.xml><?xml version="1.0" encoding="utf-8"?>
+<p:sld xmlns:a="http://schemas.openxmlformats.org/drawingml/2006/main" xmlns:r="http://schemas.openxmlformats.org/officeDocument/2006/relationships" xmlns:p="http://schemas.openxmlformats.org/presentationml/2006/main">
+  <p:cSld>
+    <p:spTree>
+      <p:nvGrpSpPr>
+        <p:cNvPr id="1" name="">
+          <a:extLst>
+            <a:ext uri="{FF2B5EF4-FFF2-40B4-BE49-F238E27FC236}">
+              <a16:creationId xmlns:a16="http://schemas.microsoft.com/office/drawing/2014/main" id="{DDF0F880-EBAD-0FBE-C648-D1FE019F4DDF}"/>
+            </a:ext>
+          </a:extLst>
+        </p:cNvPr>
+        <p:cNvGrpSpPr/>
+        <p:nvPr/>
+      </p:nvGrpSpPr>
+      <p:grpSpPr>
+        <a:xfrm>
+          <a:off x="0" y="0"/>
+          <a:ext cx="0" cy="0"/>
+          <a:chOff x="0" y="0"/>
+          <a:chExt cx="0" cy="0"/>
+        </a:xfrm>
+      </p:grpSpPr>
+      <p:sp>
+        <p:nvSpPr>
           <p:cNvPr id="7" name="TextBox 6">
             <a:extLst>
               <a:ext uri="{FF2B5EF4-FFF2-40B4-BE49-F238E27FC236}">
-                <a16:creationId xmlns:a16="http://schemas.microsoft.com/office/drawing/2014/main" id="{1FD55E78-EFFA-53F9-92FE-2532CB78104A}"/>
+                <a16:creationId xmlns:a16="http://schemas.microsoft.com/office/drawing/2014/main" id="{33DBD28C-2F05-D3DF-B641-8139FA652B75}"/>
               </a:ext>
             </a:extLst>
           </p:cNvPr>
@@ -6095,7 +8350,7 @@
         </p:nvSpPr>
         <p:spPr>
           <a:xfrm>
-            <a:off x="3047495" y="2865124"/>
+            <a:off x="-439812" y="4423676"/>
             <a:ext cx="6094990" cy="1477328"/>
           </a:xfrm>
           <a:prstGeom prst="rect">
@@ -6122,7 +8377,7 @@
           </a:p>
           <a:p>
             <a:r>
-              <a:rPr lang="en-US"/>
+              <a:rPr lang="en-US" dirty="0"/>
               <a:t>https://chatgpt.com/c/66e4a854-13ac-8001-899e-7ce449e18d47</a:t>
             </a:r>
           </a:p>
@@ -6131,7 +8386,7 @@
     </p:spTree>
     <p:extLst>
       <p:ext uri="{BB962C8B-B14F-4D97-AF65-F5344CB8AC3E}">
-        <p14:creationId xmlns:p14="http://schemas.microsoft.com/office/powerpoint/2010/main" val="1359272406"/>
+        <p14:creationId xmlns:p14="http://schemas.microsoft.com/office/powerpoint/2010/main" val="1184226541"/>
       </p:ext>
     </p:extLst>
   </p:cSld>

--- a/ppt-staging-for-web-embeds.pptx
+++ b/ppt-staging-for-web-embeds.pptx
@@ -10,7 +10,8 @@
     <p:sldId id="258" r:id="rId4"/>
     <p:sldId id="260" r:id="rId5"/>
     <p:sldId id="261" r:id="rId6"/>
-    <p:sldId id="259" r:id="rId7"/>
+    <p:sldId id="262" r:id="rId7"/>
+    <p:sldId id="259" r:id="rId8"/>
   </p:sldIdLst>
   <p:sldSz cx="12192000" cy="6858000"/>
   <p:notesSz cx="6858000" cy="9144000"/>
@@ -2926,7 +2927,7 @@
           <a:p>
             <a:fld id="{ED67E16A-0490-4690-B57E-BBBC396D5AF5}" type="datetimeFigureOut">
               <a:rPr lang="en-US" smtClean="0"/>
-              <a:t>9/13/2024</a:t>
+              <a:t>9/26/2024</a:t>
             </a:fld>
             <a:endParaRPr lang="en-US"/>
           </a:p>
@@ -3124,7 +3125,7 @@
           <a:p>
             <a:fld id="{ED67E16A-0490-4690-B57E-BBBC396D5AF5}" type="datetimeFigureOut">
               <a:rPr lang="en-US" smtClean="0"/>
-              <a:t>9/13/2024</a:t>
+              <a:t>9/26/2024</a:t>
             </a:fld>
             <a:endParaRPr lang="en-US"/>
           </a:p>
@@ -3332,7 +3333,7 @@
           <a:p>
             <a:fld id="{ED67E16A-0490-4690-B57E-BBBC396D5AF5}" type="datetimeFigureOut">
               <a:rPr lang="en-US" smtClean="0"/>
-              <a:t>9/13/2024</a:t>
+              <a:t>9/26/2024</a:t>
             </a:fld>
             <a:endParaRPr lang="en-US"/>
           </a:p>
@@ -3530,7 +3531,7 @@
           <a:p>
             <a:fld id="{ED67E16A-0490-4690-B57E-BBBC396D5AF5}" type="datetimeFigureOut">
               <a:rPr lang="en-US" smtClean="0"/>
-              <a:t>9/13/2024</a:t>
+              <a:t>9/26/2024</a:t>
             </a:fld>
             <a:endParaRPr lang="en-US"/>
           </a:p>
@@ -3805,7 +3806,7 @@
           <a:p>
             <a:fld id="{ED67E16A-0490-4690-B57E-BBBC396D5AF5}" type="datetimeFigureOut">
               <a:rPr lang="en-US" smtClean="0"/>
-              <a:t>9/13/2024</a:t>
+              <a:t>9/26/2024</a:t>
             </a:fld>
             <a:endParaRPr lang="en-US"/>
           </a:p>
@@ -4070,7 +4071,7 @@
           <a:p>
             <a:fld id="{ED67E16A-0490-4690-B57E-BBBC396D5AF5}" type="datetimeFigureOut">
               <a:rPr lang="en-US" smtClean="0"/>
-              <a:t>9/13/2024</a:t>
+              <a:t>9/26/2024</a:t>
             </a:fld>
             <a:endParaRPr lang="en-US"/>
           </a:p>
@@ -4482,7 +4483,7 @@
           <a:p>
             <a:fld id="{ED67E16A-0490-4690-B57E-BBBC396D5AF5}" type="datetimeFigureOut">
               <a:rPr lang="en-US" smtClean="0"/>
-              <a:t>9/13/2024</a:t>
+              <a:t>9/26/2024</a:t>
             </a:fld>
             <a:endParaRPr lang="en-US"/>
           </a:p>
@@ -4623,7 +4624,7 @@
           <a:p>
             <a:fld id="{ED67E16A-0490-4690-B57E-BBBC396D5AF5}" type="datetimeFigureOut">
               <a:rPr lang="en-US" smtClean="0"/>
-              <a:t>9/13/2024</a:t>
+              <a:t>9/26/2024</a:t>
             </a:fld>
             <a:endParaRPr lang="en-US"/>
           </a:p>
@@ -4736,7 +4737,7 @@
           <a:p>
             <a:fld id="{ED67E16A-0490-4690-B57E-BBBC396D5AF5}" type="datetimeFigureOut">
               <a:rPr lang="en-US" smtClean="0"/>
-              <a:t>9/13/2024</a:t>
+              <a:t>9/26/2024</a:t>
             </a:fld>
             <a:endParaRPr lang="en-US"/>
           </a:p>
@@ -5047,7 +5048,7 @@
           <a:p>
             <a:fld id="{ED67E16A-0490-4690-B57E-BBBC396D5AF5}" type="datetimeFigureOut">
               <a:rPr lang="en-US" smtClean="0"/>
-              <a:t>9/13/2024</a:t>
+              <a:t>9/26/2024</a:t>
             </a:fld>
             <a:endParaRPr lang="en-US"/>
           </a:p>
@@ -5335,7 +5336,7 @@
           <a:p>
             <a:fld id="{ED67E16A-0490-4690-B57E-BBBC396D5AF5}" type="datetimeFigureOut">
               <a:rPr lang="en-US" smtClean="0"/>
-              <a:t>9/13/2024</a:t>
+              <a:t>9/26/2024</a:t>
             </a:fld>
             <a:endParaRPr lang="en-US"/>
           </a:p>
@@ -5576,7 +5577,7 @@
           <a:p>
             <a:fld id="{ED67E16A-0490-4690-B57E-BBBC396D5AF5}" type="datetimeFigureOut">
               <a:rPr lang="en-US" smtClean="0"/>
-              <a:t>9/13/2024</a:t>
+              <a:t>9/26/2024</a:t>
             </a:fld>
             <a:endParaRPr lang="en-US"/>
           </a:p>
@@ -8318,6 +8319,588 @@
   <p:cSld>
     <p:spTree>
       <p:nvGrpSpPr>
+        <p:cNvPr id="1" name=""/>
+        <p:cNvGrpSpPr/>
+        <p:nvPr/>
+      </p:nvGrpSpPr>
+      <p:grpSpPr>
+        <a:xfrm>
+          <a:off x="0" y="0"/>
+          <a:ext cx="0" cy="0"/>
+          <a:chOff x="0" y="0"/>
+          <a:chExt cx="0" cy="0"/>
+        </a:xfrm>
+      </p:grpSpPr>
+      <p:pic>
+        <p:nvPicPr>
+          <p:cNvPr id="5" name="Graphic 4" descr="Database with solid fill">
+            <a:extLst>
+              <a:ext uri="{FF2B5EF4-FFF2-40B4-BE49-F238E27FC236}">
+                <a16:creationId xmlns:a16="http://schemas.microsoft.com/office/drawing/2014/main" id="{C4034780-329D-28BC-2152-7D53ED011ED1}"/>
+              </a:ext>
+            </a:extLst>
+          </p:cNvPr>
+          <p:cNvPicPr>
+            <a:picLocks noChangeAspect="1"/>
+          </p:cNvPicPr>
+          <p:nvPr/>
+        </p:nvPicPr>
+        <p:blipFill>
+          <a:blip r:embed="rId2">
+            <a:extLst>
+              <a:ext uri="{96DAC541-7B7A-43D3-8B79-37D633B846F1}">
+                <asvg:svgBlip xmlns:asvg="http://schemas.microsoft.com/office/drawing/2016/SVG/main" r:embed="rId3"/>
+              </a:ext>
+            </a:extLst>
+          </a:blip>
+          <a:stretch>
+            <a:fillRect/>
+          </a:stretch>
+        </p:blipFill>
+        <p:spPr>
+          <a:xfrm>
+            <a:off x="838619" y="1926769"/>
+            <a:ext cx="1999771" cy="1999771"/>
+          </a:xfrm>
+          <a:prstGeom prst="rect">
+            <a:avLst/>
+          </a:prstGeom>
+        </p:spPr>
+      </p:pic>
+      <p:pic>
+        <p:nvPicPr>
+          <p:cNvPr id="6" name="Graphic 5" descr="Database with solid fill">
+            <a:extLst>
+              <a:ext uri="{FF2B5EF4-FFF2-40B4-BE49-F238E27FC236}">
+                <a16:creationId xmlns:a16="http://schemas.microsoft.com/office/drawing/2014/main" id="{A90C00FC-1C33-9CC0-E67A-B454B0125CCF}"/>
+              </a:ext>
+            </a:extLst>
+          </p:cNvPr>
+          <p:cNvPicPr>
+            <a:picLocks noChangeAspect="1"/>
+          </p:cNvPicPr>
+          <p:nvPr/>
+        </p:nvPicPr>
+        <p:blipFill>
+          <a:blip r:embed="rId4">
+            <a:extLst>
+              <a:ext uri="{96DAC541-7B7A-43D3-8B79-37D633B846F1}">
+                <asvg:svgBlip xmlns:asvg="http://schemas.microsoft.com/office/drawing/2016/SVG/main" r:embed="rId5"/>
+              </a:ext>
+            </a:extLst>
+          </a:blip>
+          <a:stretch>
+            <a:fillRect/>
+          </a:stretch>
+        </p:blipFill>
+        <p:spPr>
+          <a:xfrm>
+            <a:off x="7031781" y="1926769"/>
+            <a:ext cx="1999771" cy="1999771"/>
+          </a:xfrm>
+          <a:prstGeom prst="rect">
+            <a:avLst/>
+          </a:prstGeom>
+        </p:spPr>
+      </p:pic>
+      <p:cxnSp>
+        <p:nvCxnSpPr>
+          <p:cNvPr id="8" name="Connector: Elbow 7">
+            <a:extLst>
+              <a:ext uri="{FF2B5EF4-FFF2-40B4-BE49-F238E27FC236}">
+                <a16:creationId xmlns:a16="http://schemas.microsoft.com/office/drawing/2014/main" id="{D3E84794-BCB7-7221-64CC-F168727B21FC}"/>
+              </a:ext>
+            </a:extLst>
+          </p:cNvPr>
+          <p:cNvCxnSpPr/>
+          <p:nvPr/>
+        </p:nvCxnSpPr>
+        <p:spPr>
+          <a:xfrm flipV="1">
+            <a:off x="2731089" y="1586575"/>
+            <a:ext cx="1471518" cy="569229"/>
+          </a:xfrm>
+          <a:prstGeom prst="bentConnector3">
+            <a:avLst/>
+          </a:prstGeom>
+          <a:ln>
+            <a:tailEnd type="triangle"/>
+          </a:ln>
+        </p:spPr>
+        <p:style>
+          <a:lnRef idx="2">
+            <a:schemeClr val="accent1"/>
+          </a:lnRef>
+          <a:fillRef idx="0">
+            <a:schemeClr val="accent1"/>
+          </a:fillRef>
+          <a:effectRef idx="1">
+            <a:schemeClr val="accent1"/>
+          </a:effectRef>
+          <a:fontRef idx="minor">
+            <a:schemeClr val="tx1"/>
+          </a:fontRef>
+        </p:style>
+      </p:cxnSp>
+      <p:pic>
+        <p:nvPicPr>
+          <p:cNvPr id="10" name="Graphic 9" descr="Programmer male with solid fill">
+            <a:extLst>
+              <a:ext uri="{FF2B5EF4-FFF2-40B4-BE49-F238E27FC236}">
+                <a16:creationId xmlns:a16="http://schemas.microsoft.com/office/drawing/2014/main" id="{0B0F3308-39CA-B79E-858D-742799DEE113}"/>
+              </a:ext>
+            </a:extLst>
+          </p:cNvPr>
+          <p:cNvPicPr>
+            <a:picLocks noChangeAspect="1"/>
+          </p:cNvPicPr>
+          <p:nvPr/>
+        </p:nvPicPr>
+        <p:blipFill>
+          <a:blip r:embed="rId6">
+            <a:extLst>
+              <a:ext uri="{96DAC541-7B7A-43D3-8B79-37D633B846F1}">
+                <asvg:svgBlip xmlns:asvg="http://schemas.microsoft.com/office/drawing/2016/SVG/main" r:embed="rId7"/>
+              </a:ext>
+            </a:extLst>
+          </a:blip>
+          <a:stretch>
+            <a:fillRect/>
+          </a:stretch>
+        </p:blipFill>
+        <p:spPr>
+          <a:xfrm>
+            <a:off x="4391341" y="508673"/>
+            <a:ext cx="1227778" cy="1227778"/>
+          </a:xfrm>
+          <a:prstGeom prst="rect">
+            <a:avLst/>
+          </a:prstGeom>
+        </p:spPr>
+      </p:pic>
+      <p:pic>
+        <p:nvPicPr>
+          <p:cNvPr id="12" name="Graphic 11" descr="Programmer female with solid fill">
+            <a:extLst>
+              <a:ext uri="{FF2B5EF4-FFF2-40B4-BE49-F238E27FC236}">
+                <a16:creationId xmlns:a16="http://schemas.microsoft.com/office/drawing/2014/main" id="{071A163A-27E2-DF82-56E7-581C1573493D}"/>
+              </a:ext>
+            </a:extLst>
+          </p:cNvPr>
+          <p:cNvPicPr>
+            <a:picLocks noChangeAspect="1"/>
+          </p:cNvPicPr>
+          <p:nvPr/>
+        </p:nvPicPr>
+        <p:blipFill>
+          <a:blip r:embed="rId8">
+            <a:extLst>
+              <a:ext uri="{96DAC541-7B7A-43D3-8B79-37D633B846F1}">
+                <asvg:svgBlip xmlns:asvg="http://schemas.microsoft.com/office/drawing/2016/SVG/main" r:embed="rId9"/>
+              </a:ext>
+            </a:extLst>
+          </a:blip>
+          <a:stretch>
+            <a:fillRect/>
+          </a:stretch>
+        </p:blipFill>
+        <p:spPr>
+          <a:xfrm>
+            <a:off x="4393823" y="4030714"/>
+            <a:ext cx="1225296" cy="1225296"/>
+          </a:xfrm>
+          <a:prstGeom prst="rect">
+            <a:avLst/>
+          </a:prstGeom>
+        </p:spPr>
+      </p:pic>
+      <p:cxnSp>
+        <p:nvCxnSpPr>
+          <p:cNvPr id="18" name="Connector: Elbow 17">
+            <a:extLst>
+              <a:ext uri="{FF2B5EF4-FFF2-40B4-BE49-F238E27FC236}">
+                <a16:creationId xmlns:a16="http://schemas.microsoft.com/office/drawing/2014/main" id="{3F98762E-24EA-2C38-F2ED-BB831346E1B0}"/>
+              </a:ext>
+            </a:extLst>
+          </p:cNvPr>
+          <p:cNvCxnSpPr>
+            <a:cxnSpLocks/>
+          </p:cNvCxnSpPr>
+          <p:nvPr/>
+        </p:nvCxnSpPr>
+        <p:spPr>
+          <a:xfrm>
+            <a:off x="5619119" y="1586575"/>
+            <a:ext cx="1735158" cy="819317"/>
+          </a:xfrm>
+          <a:prstGeom prst="bentConnector3">
+            <a:avLst/>
+          </a:prstGeom>
+          <a:ln>
+            <a:tailEnd type="triangle"/>
+          </a:ln>
+        </p:spPr>
+        <p:style>
+          <a:lnRef idx="2">
+            <a:schemeClr val="accent1"/>
+          </a:lnRef>
+          <a:fillRef idx="0">
+            <a:schemeClr val="accent1"/>
+          </a:fillRef>
+          <a:effectRef idx="1">
+            <a:schemeClr val="accent1"/>
+          </a:effectRef>
+          <a:fontRef idx="minor">
+            <a:schemeClr val="tx1"/>
+          </a:fontRef>
+        </p:style>
+      </p:cxnSp>
+      <p:cxnSp>
+        <p:nvCxnSpPr>
+          <p:cNvPr id="22" name="Connector: Elbow 21">
+            <a:extLst>
+              <a:ext uri="{FF2B5EF4-FFF2-40B4-BE49-F238E27FC236}">
+                <a16:creationId xmlns:a16="http://schemas.microsoft.com/office/drawing/2014/main" id="{5CA91C59-3066-BB5A-0F8F-11E84CE0F19C}"/>
+              </a:ext>
+            </a:extLst>
+          </p:cNvPr>
+          <p:cNvCxnSpPr>
+            <a:cxnSpLocks/>
+          </p:cNvCxnSpPr>
+          <p:nvPr/>
+        </p:nvCxnSpPr>
+        <p:spPr>
+          <a:xfrm rot="10800000">
+            <a:off x="2731089" y="3516924"/>
+            <a:ext cx="1598634" cy="1438033"/>
+          </a:xfrm>
+          <a:prstGeom prst="bentConnector3">
+            <a:avLst/>
+          </a:prstGeom>
+          <a:ln>
+            <a:tailEnd type="triangle"/>
+          </a:ln>
+        </p:spPr>
+        <p:style>
+          <a:lnRef idx="2">
+            <a:schemeClr val="accent1"/>
+          </a:lnRef>
+          <a:fillRef idx="0">
+            <a:schemeClr val="accent1"/>
+          </a:fillRef>
+          <a:effectRef idx="1">
+            <a:schemeClr val="accent1"/>
+          </a:effectRef>
+          <a:fontRef idx="minor">
+            <a:schemeClr val="tx1"/>
+          </a:fontRef>
+        </p:style>
+      </p:cxnSp>
+      <p:cxnSp>
+        <p:nvCxnSpPr>
+          <p:cNvPr id="28" name="Connector: Elbow 27">
+            <a:extLst>
+              <a:ext uri="{FF2B5EF4-FFF2-40B4-BE49-F238E27FC236}">
+                <a16:creationId xmlns:a16="http://schemas.microsoft.com/office/drawing/2014/main" id="{8F45A9C9-A9E5-D966-8DE4-8D055DBF14BB}"/>
+              </a:ext>
+            </a:extLst>
+          </p:cNvPr>
+          <p:cNvCxnSpPr>
+            <a:cxnSpLocks/>
+          </p:cNvCxnSpPr>
+          <p:nvPr/>
+        </p:nvCxnSpPr>
+        <p:spPr>
+          <a:xfrm rot="10800000" flipV="1">
+            <a:off x="5619119" y="3641967"/>
+            <a:ext cx="1680450" cy="1312990"/>
+          </a:xfrm>
+          <a:prstGeom prst="bentConnector3">
+            <a:avLst/>
+          </a:prstGeom>
+          <a:ln>
+            <a:tailEnd type="triangle"/>
+          </a:ln>
+        </p:spPr>
+        <p:style>
+          <a:lnRef idx="2">
+            <a:schemeClr val="accent1"/>
+          </a:lnRef>
+          <a:fillRef idx="0">
+            <a:schemeClr val="accent1"/>
+          </a:fillRef>
+          <a:effectRef idx="1">
+            <a:schemeClr val="accent1"/>
+          </a:effectRef>
+          <a:fontRef idx="minor">
+            <a:schemeClr val="tx1"/>
+          </a:fontRef>
+        </p:style>
+      </p:cxnSp>
+      <p:sp>
+        <p:nvSpPr>
+          <p:cNvPr id="32" name="TextBox 31">
+            <a:extLst>
+              <a:ext uri="{FF2B5EF4-FFF2-40B4-BE49-F238E27FC236}">
+                <a16:creationId xmlns:a16="http://schemas.microsoft.com/office/drawing/2014/main" id="{7D1C3F1D-8866-9B71-83EF-14112BF31316}"/>
+              </a:ext>
+            </a:extLst>
+          </p:cNvPr>
+          <p:cNvSpPr txBox="1"/>
+          <p:nvPr/>
+        </p:nvSpPr>
+        <p:spPr>
+          <a:xfrm>
+            <a:off x="5330092" y="218831"/>
+            <a:ext cx="1531816" cy="5355312"/>
+          </a:xfrm>
+          <a:prstGeom prst="rect">
+            <a:avLst/>
+          </a:prstGeom>
+          <a:noFill/>
+        </p:spPr>
+        <p:txBody>
+          <a:bodyPr wrap="square" rtlCol="0">
+            <a:spAutoFit/>
+          </a:bodyPr>
+          <a:lstStyle/>
+          <a:p>
+            <a:r>
+              <a:rPr lang="en-US" dirty="0" err="1">
+                <a:latin typeface="Consolas" panose="020B0609020204030204" pitchFamily="49" charset="0"/>
+              </a:rPr>
+              <a:t>up.sql</a:t>
+            </a:r>
+            <a:endParaRPr lang="en-US" dirty="0">
+              <a:latin typeface="Consolas" panose="020B0609020204030204" pitchFamily="49" charset="0"/>
+            </a:endParaRPr>
+          </a:p>
+          <a:p>
+            <a:endParaRPr lang="en-US" dirty="0">
+              <a:latin typeface="Consolas" panose="020B0609020204030204" pitchFamily="49" charset="0"/>
+            </a:endParaRPr>
+          </a:p>
+          <a:p>
+            <a:endParaRPr lang="en-US" dirty="0">
+              <a:latin typeface="Consolas" panose="020B0609020204030204" pitchFamily="49" charset="0"/>
+            </a:endParaRPr>
+          </a:p>
+          <a:p>
+            <a:endParaRPr lang="en-US" dirty="0">
+              <a:latin typeface="Consolas" panose="020B0609020204030204" pitchFamily="49" charset="0"/>
+            </a:endParaRPr>
+          </a:p>
+          <a:p>
+            <a:endParaRPr lang="en-US" dirty="0">
+              <a:latin typeface="Consolas" panose="020B0609020204030204" pitchFamily="49" charset="0"/>
+            </a:endParaRPr>
+          </a:p>
+          <a:p>
+            <a:endParaRPr lang="en-US" dirty="0">
+              <a:latin typeface="Consolas" panose="020B0609020204030204" pitchFamily="49" charset="0"/>
+            </a:endParaRPr>
+          </a:p>
+          <a:p>
+            <a:endParaRPr lang="en-US" dirty="0">
+              <a:latin typeface="Consolas" panose="020B0609020204030204" pitchFamily="49" charset="0"/>
+            </a:endParaRPr>
+          </a:p>
+          <a:p>
+            <a:endParaRPr lang="en-US" dirty="0">
+              <a:latin typeface="Consolas" panose="020B0609020204030204" pitchFamily="49" charset="0"/>
+            </a:endParaRPr>
+          </a:p>
+          <a:p>
+            <a:endParaRPr lang="en-US" dirty="0">
+              <a:latin typeface="Consolas" panose="020B0609020204030204" pitchFamily="49" charset="0"/>
+            </a:endParaRPr>
+          </a:p>
+          <a:p>
+            <a:endParaRPr lang="en-US" dirty="0">
+              <a:latin typeface="Consolas" panose="020B0609020204030204" pitchFamily="49" charset="0"/>
+            </a:endParaRPr>
+          </a:p>
+          <a:p>
+            <a:endParaRPr lang="en-US" dirty="0">
+              <a:latin typeface="Consolas" panose="020B0609020204030204" pitchFamily="49" charset="0"/>
+            </a:endParaRPr>
+          </a:p>
+          <a:p>
+            <a:endParaRPr lang="en-US" dirty="0">
+              <a:latin typeface="Consolas" panose="020B0609020204030204" pitchFamily="49" charset="0"/>
+            </a:endParaRPr>
+          </a:p>
+          <a:p>
+            <a:endParaRPr lang="en-US" dirty="0">
+              <a:latin typeface="Consolas" panose="020B0609020204030204" pitchFamily="49" charset="0"/>
+            </a:endParaRPr>
+          </a:p>
+          <a:p>
+            <a:endParaRPr lang="en-US" dirty="0">
+              <a:latin typeface="Consolas" panose="020B0609020204030204" pitchFamily="49" charset="0"/>
+            </a:endParaRPr>
+          </a:p>
+          <a:p>
+            <a:endParaRPr lang="en-US" dirty="0">
+              <a:latin typeface="Consolas" panose="020B0609020204030204" pitchFamily="49" charset="0"/>
+            </a:endParaRPr>
+          </a:p>
+          <a:p>
+            <a:endParaRPr lang="en-US" dirty="0">
+              <a:latin typeface="Consolas" panose="020B0609020204030204" pitchFamily="49" charset="0"/>
+            </a:endParaRPr>
+          </a:p>
+          <a:p>
+            <a:endParaRPr lang="en-US" dirty="0">
+              <a:latin typeface="Consolas" panose="020B0609020204030204" pitchFamily="49" charset="0"/>
+            </a:endParaRPr>
+          </a:p>
+          <a:p>
+            <a:endParaRPr lang="en-US" dirty="0">
+              <a:latin typeface="Consolas" panose="020B0609020204030204" pitchFamily="49" charset="0"/>
+            </a:endParaRPr>
+          </a:p>
+          <a:p>
+            <a:r>
+              <a:rPr lang="en-US" dirty="0" err="1">
+                <a:latin typeface="Consolas" panose="020B0609020204030204" pitchFamily="49" charset="0"/>
+              </a:rPr>
+              <a:t>down.sql</a:t>
+            </a:r>
+            <a:endParaRPr lang="en-US" dirty="0">
+              <a:latin typeface="Consolas" panose="020B0609020204030204" pitchFamily="49" charset="0"/>
+            </a:endParaRPr>
+          </a:p>
+        </p:txBody>
+      </p:sp>
+      <p:sp>
+        <p:nvSpPr>
+          <p:cNvPr id="33" name="TextBox 32">
+            <a:extLst>
+              <a:ext uri="{FF2B5EF4-FFF2-40B4-BE49-F238E27FC236}">
+                <a16:creationId xmlns:a16="http://schemas.microsoft.com/office/drawing/2014/main" id="{65D7F242-0FA7-3ECC-B68B-18569C9CC704}"/>
+              </a:ext>
+            </a:extLst>
+          </p:cNvPr>
+          <p:cNvSpPr txBox="1"/>
+          <p:nvPr/>
+        </p:nvSpPr>
+        <p:spPr>
+          <a:xfrm>
+            <a:off x="6746604" y="3912823"/>
+            <a:ext cx="2430584" cy="369332"/>
+          </a:xfrm>
+          <a:prstGeom prst="rect">
+            <a:avLst/>
+          </a:prstGeom>
+          <a:noFill/>
+        </p:spPr>
+        <p:txBody>
+          <a:bodyPr wrap="square" rtlCol="0">
+            <a:spAutoFit/>
+          </a:bodyPr>
+          <a:lstStyle/>
+          <a:p>
+            <a:r>
+              <a:rPr lang="en-US" dirty="0"/>
+              <a:t>Migrate down</a:t>
+            </a:r>
+          </a:p>
+        </p:txBody>
+      </p:sp>
+      <p:sp>
+        <p:nvSpPr>
+          <p:cNvPr id="34" name="TextBox 33">
+            <a:extLst>
+              <a:ext uri="{FF2B5EF4-FFF2-40B4-BE49-F238E27FC236}">
+                <a16:creationId xmlns:a16="http://schemas.microsoft.com/office/drawing/2014/main" id="{44662C00-D13C-174A-5120-484252CA6351}"/>
+              </a:ext>
+            </a:extLst>
+          </p:cNvPr>
+          <p:cNvSpPr txBox="1"/>
+          <p:nvPr/>
+        </p:nvSpPr>
+        <p:spPr>
+          <a:xfrm>
+            <a:off x="2597058" y="1122562"/>
+            <a:ext cx="2430584" cy="369332"/>
+          </a:xfrm>
+          <a:prstGeom prst="rect">
+            <a:avLst/>
+          </a:prstGeom>
+          <a:noFill/>
+        </p:spPr>
+        <p:txBody>
+          <a:bodyPr wrap="square" rtlCol="0">
+            <a:spAutoFit/>
+          </a:bodyPr>
+          <a:lstStyle/>
+          <a:p>
+            <a:r>
+              <a:rPr lang="en-US" dirty="0"/>
+              <a:t>Migrate up</a:t>
+            </a:r>
+          </a:p>
+        </p:txBody>
+      </p:sp>
+      <p:sp>
+        <p:nvSpPr>
+          <p:cNvPr id="35" name="TextBox 34">
+            <a:extLst>
+              <a:ext uri="{FF2B5EF4-FFF2-40B4-BE49-F238E27FC236}">
+                <a16:creationId xmlns:a16="http://schemas.microsoft.com/office/drawing/2014/main" id="{92541BA5-5B1B-5C15-222C-771999CB5B44}"/>
+              </a:ext>
+            </a:extLst>
+          </p:cNvPr>
+          <p:cNvSpPr txBox="1"/>
+          <p:nvPr/>
+        </p:nvSpPr>
+        <p:spPr>
+          <a:xfrm>
+            <a:off x="969108" y="1686522"/>
+            <a:ext cx="8761045" cy="369332"/>
+          </a:xfrm>
+          <a:prstGeom prst="rect">
+            <a:avLst/>
+          </a:prstGeom>
+          <a:noFill/>
+        </p:spPr>
+        <p:txBody>
+          <a:bodyPr wrap="square" rtlCol="0">
+            <a:spAutoFit/>
+          </a:bodyPr>
+          <a:lstStyle/>
+          <a:p>
+            <a:r>
+              <a:rPr lang="en-US" dirty="0"/>
+              <a:t>Old schema					</a:t>
+            </a:r>
+            <a:r>
+              <a:rPr lang="en-US"/>
+              <a:t>	New schema</a:t>
+            </a:r>
+            <a:endParaRPr lang="en-US" dirty="0"/>
+          </a:p>
+        </p:txBody>
+      </p:sp>
+    </p:spTree>
+    <p:extLst>
+      <p:ext uri="{BB962C8B-B14F-4D97-AF65-F5344CB8AC3E}">
+        <p14:creationId xmlns:p14="http://schemas.microsoft.com/office/powerpoint/2010/main" val="3620061458"/>
+      </p:ext>
+    </p:extLst>
+  </p:cSld>
+  <p:clrMapOvr>
+    <a:masterClrMapping/>
+  </p:clrMapOvr>
+</p:sld>
+</file>
+
+<file path=ppt/slides/slide7.xml><?xml version="1.0" encoding="utf-8"?>
+<p:sld xmlns:a="http://schemas.openxmlformats.org/drawingml/2006/main" xmlns:r="http://schemas.openxmlformats.org/officeDocument/2006/relationships" xmlns:p="http://schemas.openxmlformats.org/presentationml/2006/main">
+  <p:cSld>
+    <p:spTree>
+      <p:nvGrpSpPr>
         <p:cNvPr id="1" name="">
           <a:extLst>
             <a:ext uri="{FF2B5EF4-FFF2-40B4-BE49-F238E27FC236}">

--- a/ppt-staging-for-web-embeds.pptx
+++ b/ppt-staging-for-web-embeds.pptx
@@ -11,7 +11,8 @@
     <p:sldId id="260" r:id="rId5"/>
     <p:sldId id="261" r:id="rId6"/>
     <p:sldId id="262" r:id="rId7"/>
-    <p:sldId id="259" r:id="rId8"/>
+    <p:sldId id="263" r:id="rId8"/>
+    <p:sldId id="259" r:id="rId9"/>
   </p:sldIdLst>
   <p:sldSz cx="12192000" cy="6858000"/>
   <p:notesSz cx="6858000" cy="9144000"/>
@@ -119,6 +120,753 @@
 </file>
 
 <file path=ppt/diagrams/colors1.xml><?xml version="1.0" encoding="utf-8"?>
+<dgm:colorsDef xmlns:dgm="http://schemas.openxmlformats.org/drawingml/2006/diagram" xmlns:a="http://schemas.openxmlformats.org/drawingml/2006/main" uniqueId="urn:microsoft.com/office/officeart/2005/8/colors/accent1_2">
+  <dgm:title val=""/>
+  <dgm:desc val=""/>
+  <dgm:catLst>
+    <dgm:cat type="accent1" pri="11200"/>
+  </dgm:catLst>
+  <dgm:styleLbl name="node0">
+    <dgm:fillClrLst meth="repeat">
+      <a:schemeClr val="accent1"/>
+    </dgm:fillClrLst>
+    <dgm:linClrLst meth="repeat">
+      <a:schemeClr val="lt1"/>
+    </dgm:linClrLst>
+    <dgm:effectClrLst/>
+    <dgm:txLinClrLst/>
+    <dgm:txFillClrLst/>
+    <dgm:txEffectClrLst/>
+  </dgm:styleLbl>
+  <dgm:styleLbl name="alignNode1">
+    <dgm:fillClrLst meth="repeat">
+      <a:schemeClr val="accent1"/>
+    </dgm:fillClrLst>
+    <dgm:linClrLst meth="repeat">
+      <a:schemeClr val="accent1"/>
+    </dgm:linClrLst>
+    <dgm:effectClrLst/>
+    <dgm:txLinClrLst/>
+    <dgm:txFillClrLst/>
+    <dgm:txEffectClrLst/>
+  </dgm:styleLbl>
+  <dgm:styleLbl name="node1">
+    <dgm:fillClrLst meth="repeat">
+      <a:schemeClr val="accent1"/>
+    </dgm:fillClrLst>
+    <dgm:linClrLst meth="repeat">
+      <a:schemeClr val="lt1"/>
+    </dgm:linClrLst>
+    <dgm:effectClrLst/>
+    <dgm:txLinClrLst/>
+    <dgm:txFillClrLst/>
+    <dgm:txEffectClrLst/>
+  </dgm:styleLbl>
+  <dgm:styleLbl name="lnNode1">
+    <dgm:fillClrLst meth="repeat">
+      <a:schemeClr val="accent1"/>
+    </dgm:fillClrLst>
+    <dgm:linClrLst meth="repeat">
+      <a:schemeClr val="lt1"/>
+    </dgm:linClrLst>
+    <dgm:effectClrLst/>
+    <dgm:txLinClrLst/>
+    <dgm:txFillClrLst/>
+    <dgm:txEffectClrLst/>
+  </dgm:styleLbl>
+  <dgm:styleLbl name="vennNode1">
+    <dgm:fillClrLst meth="repeat">
+      <a:schemeClr val="accent1">
+        <a:alpha val="50000"/>
+      </a:schemeClr>
+    </dgm:fillClrLst>
+    <dgm:linClrLst meth="repeat">
+      <a:schemeClr val="lt1"/>
+    </dgm:linClrLst>
+    <dgm:effectClrLst/>
+    <dgm:txLinClrLst/>
+    <dgm:txFillClrLst/>
+    <dgm:txEffectClrLst/>
+  </dgm:styleLbl>
+  <dgm:styleLbl name="node2">
+    <dgm:fillClrLst meth="repeat">
+      <a:schemeClr val="accent1"/>
+    </dgm:fillClrLst>
+    <dgm:linClrLst meth="repeat">
+      <a:schemeClr val="lt1"/>
+    </dgm:linClrLst>
+    <dgm:effectClrLst/>
+    <dgm:txLinClrLst/>
+    <dgm:txFillClrLst/>
+    <dgm:txEffectClrLst/>
+  </dgm:styleLbl>
+  <dgm:styleLbl name="node3">
+    <dgm:fillClrLst meth="repeat">
+      <a:schemeClr val="accent1"/>
+    </dgm:fillClrLst>
+    <dgm:linClrLst meth="repeat">
+      <a:schemeClr val="lt1"/>
+    </dgm:linClrLst>
+    <dgm:effectClrLst/>
+    <dgm:txLinClrLst/>
+    <dgm:txFillClrLst/>
+    <dgm:txEffectClrLst/>
+  </dgm:styleLbl>
+  <dgm:styleLbl name="node4">
+    <dgm:fillClrLst meth="repeat">
+      <a:schemeClr val="accent1"/>
+    </dgm:fillClrLst>
+    <dgm:linClrLst meth="repeat">
+      <a:schemeClr val="lt1"/>
+    </dgm:linClrLst>
+    <dgm:effectClrLst/>
+    <dgm:txLinClrLst/>
+    <dgm:txFillClrLst/>
+    <dgm:txEffectClrLst/>
+  </dgm:styleLbl>
+  <dgm:styleLbl name="fgImgPlace1">
+    <dgm:fillClrLst meth="repeat">
+      <a:schemeClr val="accent1">
+        <a:tint val="50000"/>
+      </a:schemeClr>
+    </dgm:fillClrLst>
+    <dgm:linClrLst meth="repeat">
+      <a:schemeClr val="lt1"/>
+    </dgm:linClrLst>
+    <dgm:effectClrLst/>
+    <dgm:txLinClrLst/>
+    <dgm:txFillClrLst meth="repeat">
+      <a:schemeClr val="lt1"/>
+    </dgm:txFillClrLst>
+    <dgm:txEffectClrLst/>
+  </dgm:styleLbl>
+  <dgm:styleLbl name="alignImgPlace1">
+    <dgm:fillClrLst meth="repeat">
+      <a:schemeClr val="accent1">
+        <a:tint val="50000"/>
+      </a:schemeClr>
+    </dgm:fillClrLst>
+    <dgm:linClrLst meth="repeat">
+      <a:schemeClr val="lt1"/>
+    </dgm:linClrLst>
+    <dgm:effectClrLst/>
+    <dgm:txLinClrLst/>
+    <dgm:txFillClrLst meth="repeat">
+      <a:schemeClr val="lt1"/>
+    </dgm:txFillClrLst>
+    <dgm:txEffectClrLst/>
+  </dgm:styleLbl>
+  <dgm:styleLbl name="bgImgPlace1">
+    <dgm:fillClrLst meth="repeat">
+      <a:schemeClr val="accent1">
+        <a:tint val="50000"/>
+      </a:schemeClr>
+    </dgm:fillClrLst>
+    <dgm:linClrLst meth="repeat">
+      <a:schemeClr val="lt1"/>
+    </dgm:linClrLst>
+    <dgm:effectClrLst/>
+    <dgm:txLinClrLst/>
+    <dgm:txFillClrLst meth="repeat">
+      <a:schemeClr val="lt1"/>
+    </dgm:txFillClrLst>
+    <dgm:txEffectClrLst/>
+  </dgm:styleLbl>
+  <dgm:styleLbl name="sibTrans2D1">
+    <dgm:fillClrLst meth="repeat">
+      <a:schemeClr val="accent1">
+        <a:tint val="60000"/>
+      </a:schemeClr>
+    </dgm:fillClrLst>
+    <dgm:linClrLst meth="repeat">
+      <a:schemeClr val="accent1">
+        <a:tint val="60000"/>
+      </a:schemeClr>
+    </dgm:linClrLst>
+    <dgm:effectClrLst/>
+    <dgm:txLinClrLst/>
+    <dgm:txFillClrLst/>
+    <dgm:txEffectClrLst/>
+  </dgm:styleLbl>
+  <dgm:styleLbl name="fgSibTrans2D1">
+    <dgm:fillClrLst meth="repeat">
+      <a:schemeClr val="accent1">
+        <a:tint val="60000"/>
+      </a:schemeClr>
+    </dgm:fillClrLst>
+    <dgm:linClrLst meth="repeat">
+      <a:schemeClr val="accent1">
+        <a:tint val="60000"/>
+      </a:schemeClr>
+    </dgm:linClrLst>
+    <dgm:effectClrLst/>
+    <dgm:txLinClrLst/>
+    <dgm:txFillClrLst/>
+    <dgm:txEffectClrLst/>
+  </dgm:styleLbl>
+  <dgm:styleLbl name="bgSibTrans2D1">
+    <dgm:fillClrLst meth="repeat">
+      <a:schemeClr val="accent1">
+        <a:tint val="60000"/>
+      </a:schemeClr>
+    </dgm:fillClrLst>
+    <dgm:linClrLst meth="repeat">
+      <a:schemeClr val="accent1">
+        <a:tint val="60000"/>
+      </a:schemeClr>
+    </dgm:linClrLst>
+    <dgm:effectClrLst/>
+    <dgm:txLinClrLst/>
+    <dgm:txFillClrLst/>
+    <dgm:txEffectClrLst/>
+  </dgm:styleLbl>
+  <dgm:styleLbl name="sibTrans1D1">
+    <dgm:fillClrLst meth="repeat">
+      <a:schemeClr val="accent1"/>
+    </dgm:fillClrLst>
+    <dgm:linClrLst meth="repeat">
+      <a:schemeClr val="accent1"/>
+    </dgm:linClrLst>
+    <dgm:effectClrLst/>
+    <dgm:txLinClrLst/>
+    <dgm:txFillClrLst meth="repeat">
+      <a:schemeClr val="tx1"/>
+    </dgm:txFillClrLst>
+    <dgm:txEffectClrLst/>
+  </dgm:styleLbl>
+  <dgm:styleLbl name="callout">
+    <dgm:fillClrLst meth="repeat">
+      <a:schemeClr val="accent1"/>
+    </dgm:fillClrLst>
+    <dgm:linClrLst meth="repeat">
+      <a:schemeClr val="accent1">
+        <a:tint val="50000"/>
+      </a:schemeClr>
+    </dgm:linClrLst>
+    <dgm:effectClrLst/>
+    <dgm:txLinClrLst/>
+    <dgm:txFillClrLst meth="repeat">
+      <a:schemeClr val="tx1"/>
+    </dgm:txFillClrLst>
+    <dgm:txEffectClrLst/>
+  </dgm:styleLbl>
+  <dgm:styleLbl name="asst0">
+    <dgm:fillClrLst meth="repeat">
+      <a:schemeClr val="accent1"/>
+    </dgm:fillClrLst>
+    <dgm:linClrLst meth="repeat">
+      <a:schemeClr val="lt1"/>
+    </dgm:linClrLst>
+    <dgm:effectClrLst/>
+    <dgm:txLinClrLst/>
+    <dgm:txFillClrLst/>
+    <dgm:txEffectClrLst/>
+  </dgm:styleLbl>
+  <dgm:styleLbl name="asst1">
+    <dgm:fillClrLst meth="repeat">
+      <a:schemeClr val="accent1"/>
+    </dgm:fillClrLst>
+    <dgm:linClrLst meth="repeat">
+      <a:schemeClr val="lt1"/>
+    </dgm:linClrLst>
+    <dgm:effectClrLst/>
+    <dgm:txLinClrLst/>
+    <dgm:txFillClrLst/>
+    <dgm:txEffectClrLst/>
+  </dgm:styleLbl>
+  <dgm:styleLbl name="asst2">
+    <dgm:fillClrLst meth="repeat">
+      <a:schemeClr val="accent1"/>
+    </dgm:fillClrLst>
+    <dgm:linClrLst meth="repeat">
+      <a:schemeClr val="lt1"/>
+    </dgm:linClrLst>
+    <dgm:effectClrLst/>
+    <dgm:txLinClrLst/>
+    <dgm:txFillClrLst/>
+    <dgm:txEffectClrLst/>
+  </dgm:styleLbl>
+  <dgm:styleLbl name="asst3">
+    <dgm:fillClrLst meth="repeat">
+      <a:schemeClr val="accent1"/>
+    </dgm:fillClrLst>
+    <dgm:linClrLst meth="repeat">
+      <a:schemeClr val="lt1"/>
+    </dgm:linClrLst>
+    <dgm:effectClrLst/>
+    <dgm:txLinClrLst/>
+    <dgm:txFillClrLst/>
+    <dgm:txEffectClrLst/>
+  </dgm:styleLbl>
+  <dgm:styleLbl name="asst4">
+    <dgm:fillClrLst meth="repeat">
+      <a:schemeClr val="accent1"/>
+    </dgm:fillClrLst>
+    <dgm:linClrLst meth="repeat">
+      <a:schemeClr val="lt1"/>
+    </dgm:linClrLst>
+    <dgm:effectClrLst/>
+    <dgm:txLinClrLst/>
+    <dgm:txFillClrLst/>
+    <dgm:txEffectClrLst/>
+  </dgm:styleLbl>
+  <dgm:styleLbl name="parChTrans2D1">
+    <dgm:fillClrLst meth="repeat">
+      <a:schemeClr val="accent1">
+        <a:tint val="60000"/>
+      </a:schemeClr>
+    </dgm:fillClrLst>
+    <dgm:linClrLst meth="repeat">
+      <a:schemeClr val="accent1">
+        <a:tint val="60000"/>
+      </a:schemeClr>
+    </dgm:linClrLst>
+    <dgm:effectClrLst/>
+    <dgm:txLinClrLst/>
+    <dgm:txFillClrLst meth="repeat">
+      <a:schemeClr val="lt1"/>
+    </dgm:txFillClrLst>
+    <dgm:txEffectClrLst/>
+  </dgm:styleLbl>
+  <dgm:styleLbl name="parChTrans2D2">
+    <dgm:fillClrLst meth="repeat">
+      <a:schemeClr val="accent1"/>
+    </dgm:fillClrLst>
+    <dgm:linClrLst meth="repeat">
+      <a:schemeClr val="accent1"/>
+    </dgm:linClrLst>
+    <dgm:effectClrLst/>
+    <dgm:txLinClrLst/>
+    <dgm:txFillClrLst meth="repeat">
+      <a:schemeClr val="lt1"/>
+    </dgm:txFillClrLst>
+    <dgm:txEffectClrLst/>
+  </dgm:styleLbl>
+  <dgm:styleLbl name="parChTrans2D3">
+    <dgm:fillClrLst meth="repeat">
+      <a:schemeClr val="accent1"/>
+    </dgm:fillClrLst>
+    <dgm:linClrLst meth="repeat">
+      <a:schemeClr val="accent1"/>
+    </dgm:linClrLst>
+    <dgm:effectClrLst/>
+    <dgm:txLinClrLst/>
+    <dgm:txFillClrLst meth="repeat">
+      <a:schemeClr val="lt1"/>
+    </dgm:txFillClrLst>
+    <dgm:txEffectClrLst/>
+  </dgm:styleLbl>
+  <dgm:styleLbl name="parChTrans2D4">
+    <dgm:fillClrLst meth="repeat">
+      <a:schemeClr val="accent1"/>
+    </dgm:fillClrLst>
+    <dgm:linClrLst meth="repeat">
+      <a:schemeClr val="accent1"/>
+    </dgm:linClrLst>
+    <dgm:effectClrLst/>
+    <dgm:txLinClrLst/>
+    <dgm:txFillClrLst meth="repeat">
+      <a:schemeClr val="lt1"/>
+    </dgm:txFillClrLst>
+    <dgm:txEffectClrLst/>
+  </dgm:styleLbl>
+  <dgm:styleLbl name="parChTrans1D1">
+    <dgm:fillClrLst meth="repeat">
+      <a:schemeClr val="accent1"/>
+    </dgm:fillClrLst>
+    <dgm:linClrLst meth="repeat">
+      <a:schemeClr val="accent1">
+        <a:shade val="60000"/>
+      </a:schemeClr>
+    </dgm:linClrLst>
+    <dgm:effectClrLst/>
+    <dgm:txLinClrLst/>
+    <dgm:txFillClrLst meth="repeat">
+      <a:schemeClr val="tx1"/>
+    </dgm:txFillClrLst>
+    <dgm:txEffectClrLst/>
+  </dgm:styleLbl>
+  <dgm:styleLbl name="parChTrans1D2">
+    <dgm:fillClrLst meth="repeat">
+      <a:schemeClr val="accent1"/>
+    </dgm:fillClrLst>
+    <dgm:linClrLst meth="repeat">
+      <a:schemeClr val="accent1">
+        <a:shade val="60000"/>
+      </a:schemeClr>
+    </dgm:linClrLst>
+    <dgm:effectClrLst/>
+    <dgm:txLinClrLst/>
+    <dgm:txFillClrLst meth="repeat">
+      <a:schemeClr val="tx1"/>
+    </dgm:txFillClrLst>
+    <dgm:txEffectClrLst/>
+  </dgm:styleLbl>
+  <dgm:styleLbl name="parChTrans1D3">
+    <dgm:fillClrLst meth="repeat">
+      <a:schemeClr val="accent1"/>
+    </dgm:fillClrLst>
+    <dgm:linClrLst meth="repeat">
+      <a:schemeClr val="accent1">
+        <a:shade val="80000"/>
+      </a:schemeClr>
+    </dgm:linClrLst>
+    <dgm:effectClrLst/>
+    <dgm:txLinClrLst/>
+    <dgm:txFillClrLst meth="repeat">
+      <a:schemeClr val="tx1"/>
+    </dgm:txFillClrLst>
+    <dgm:txEffectClrLst/>
+  </dgm:styleLbl>
+  <dgm:styleLbl name="parChTrans1D4">
+    <dgm:fillClrLst meth="repeat">
+      <a:schemeClr val="accent1"/>
+    </dgm:fillClrLst>
+    <dgm:linClrLst meth="repeat">
+      <a:schemeClr val="accent1">
+        <a:shade val="80000"/>
+      </a:schemeClr>
+    </dgm:linClrLst>
+    <dgm:effectClrLst/>
+    <dgm:txLinClrLst/>
+    <dgm:txFillClrLst meth="repeat">
+      <a:schemeClr val="tx1"/>
+    </dgm:txFillClrLst>
+    <dgm:txEffectClrLst/>
+  </dgm:styleLbl>
+  <dgm:styleLbl name="fgAcc1">
+    <dgm:fillClrLst meth="repeat">
+      <a:schemeClr val="lt1">
+        <a:alpha val="90000"/>
+      </a:schemeClr>
+    </dgm:fillClrLst>
+    <dgm:linClrLst meth="repeat">
+      <a:schemeClr val="accent1"/>
+    </dgm:linClrLst>
+    <dgm:effectClrLst/>
+    <dgm:txLinClrLst/>
+    <dgm:txFillClrLst meth="repeat">
+      <a:schemeClr val="dk1"/>
+    </dgm:txFillClrLst>
+    <dgm:txEffectClrLst/>
+  </dgm:styleLbl>
+  <dgm:styleLbl name="conFgAcc1">
+    <dgm:fillClrLst meth="repeat">
+      <a:schemeClr val="lt1">
+        <a:alpha val="90000"/>
+      </a:schemeClr>
+    </dgm:fillClrLst>
+    <dgm:linClrLst meth="repeat">
+      <a:schemeClr val="accent1"/>
+    </dgm:linClrLst>
+    <dgm:effectClrLst/>
+    <dgm:txLinClrLst/>
+    <dgm:txFillClrLst meth="repeat">
+      <a:schemeClr val="dk1"/>
+    </dgm:txFillClrLst>
+    <dgm:txEffectClrLst/>
+  </dgm:styleLbl>
+  <dgm:styleLbl name="alignAcc1">
+    <dgm:fillClrLst meth="repeat">
+      <a:schemeClr val="lt1">
+        <a:alpha val="90000"/>
+      </a:schemeClr>
+    </dgm:fillClrLst>
+    <dgm:linClrLst meth="repeat">
+      <a:schemeClr val="accent1"/>
+    </dgm:linClrLst>
+    <dgm:effectClrLst/>
+    <dgm:txLinClrLst/>
+    <dgm:txFillClrLst meth="repeat">
+      <a:schemeClr val="dk1"/>
+    </dgm:txFillClrLst>
+    <dgm:txEffectClrLst/>
+  </dgm:styleLbl>
+  <dgm:styleLbl name="trAlignAcc1">
+    <dgm:fillClrLst meth="repeat">
+      <a:schemeClr val="lt1">
+        <a:alpha val="40000"/>
+      </a:schemeClr>
+    </dgm:fillClrLst>
+    <dgm:linClrLst meth="repeat">
+      <a:schemeClr val="accent1"/>
+    </dgm:linClrLst>
+    <dgm:effectClrLst/>
+    <dgm:txLinClrLst/>
+    <dgm:txFillClrLst meth="repeat">
+      <a:schemeClr val="dk1"/>
+    </dgm:txFillClrLst>
+    <dgm:txEffectClrLst/>
+  </dgm:styleLbl>
+  <dgm:styleLbl name="bgAcc1">
+    <dgm:fillClrLst meth="repeat">
+      <a:schemeClr val="lt1">
+        <a:alpha val="90000"/>
+      </a:schemeClr>
+    </dgm:fillClrLst>
+    <dgm:linClrLst meth="repeat">
+      <a:schemeClr val="accent1"/>
+    </dgm:linClrLst>
+    <dgm:effectClrLst/>
+    <dgm:txLinClrLst/>
+    <dgm:txFillClrLst meth="repeat">
+      <a:schemeClr val="dk1"/>
+    </dgm:txFillClrLst>
+    <dgm:txEffectClrLst/>
+  </dgm:styleLbl>
+  <dgm:styleLbl name="solidFgAcc1">
+    <dgm:fillClrLst meth="repeat">
+      <a:schemeClr val="lt1"/>
+    </dgm:fillClrLst>
+    <dgm:linClrLst meth="repeat">
+      <a:schemeClr val="accent1"/>
+    </dgm:linClrLst>
+    <dgm:effectClrLst/>
+    <dgm:txLinClrLst/>
+    <dgm:txFillClrLst meth="repeat">
+      <a:schemeClr val="dk1"/>
+    </dgm:txFillClrLst>
+    <dgm:txEffectClrLst/>
+  </dgm:styleLbl>
+  <dgm:styleLbl name="solidAlignAcc1">
+    <dgm:fillClrLst meth="repeat">
+      <a:schemeClr val="lt1"/>
+    </dgm:fillClrLst>
+    <dgm:linClrLst meth="repeat">
+      <a:schemeClr val="accent1"/>
+    </dgm:linClrLst>
+    <dgm:effectClrLst/>
+    <dgm:txLinClrLst/>
+    <dgm:txFillClrLst meth="repeat">
+      <a:schemeClr val="dk1"/>
+    </dgm:txFillClrLst>
+    <dgm:txEffectClrLst/>
+  </dgm:styleLbl>
+  <dgm:styleLbl name="solidBgAcc1">
+    <dgm:fillClrLst meth="repeat">
+      <a:schemeClr val="lt1"/>
+    </dgm:fillClrLst>
+    <dgm:linClrLst meth="repeat">
+      <a:schemeClr val="accent1"/>
+    </dgm:linClrLst>
+    <dgm:effectClrLst/>
+    <dgm:txLinClrLst/>
+    <dgm:txFillClrLst meth="repeat">
+      <a:schemeClr val="dk1"/>
+    </dgm:txFillClrLst>
+    <dgm:txEffectClrLst/>
+  </dgm:styleLbl>
+  <dgm:styleLbl name="fgAccFollowNode1">
+    <dgm:fillClrLst meth="repeat">
+      <a:schemeClr val="accent1">
+        <a:alpha val="90000"/>
+        <a:tint val="40000"/>
+      </a:schemeClr>
+    </dgm:fillClrLst>
+    <dgm:linClrLst meth="repeat">
+      <a:schemeClr val="accent1">
+        <a:alpha val="90000"/>
+        <a:tint val="40000"/>
+      </a:schemeClr>
+    </dgm:linClrLst>
+    <dgm:effectClrLst/>
+    <dgm:txLinClrLst/>
+    <dgm:txFillClrLst meth="repeat">
+      <a:schemeClr val="dk1"/>
+    </dgm:txFillClrLst>
+    <dgm:txEffectClrLst/>
+  </dgm:styleLbl>
+  <dgm:styleLbl name="alignAccFollowNode1">
+    <dgm:fillClrLst meth="repeat">
+      <a:schemeClr val="accent1">
+        <a:alpha val="90000"/>
+        <a:tint val="40000"/>
+      </a:schemeClr>
+    </dgm:fillClrLst>
+    <dgm:linClrLst meth="repeat">
+      <a:schemeClr val="accent1">
+        <a:alpha val="90000"/>
+        <a:tint val="40000"/>
+      </a:schemeClr>
+    </dgm:linClrLst>
+    <dgm:effectClrLst/>
+    <dgm:txLinClrLst/>
+    <dgm:txFillClrLst meth="repeat">
+      <a:schemeClr val="dk1"/>
+    </dgm:txFillClrLst>
+    <dgm:txEffectClrLst/>
+  </dgm:styleLbl>
+  <dgm:styleLbl name="bgAccFollowNode1">
+    <dgm:fillClrLst meth="repeat">
+      <a:schemeClr val="accent1">
+        <a:alpha val="90000"/>
+        <a:tint val="40000"/>
+      </a:schemeClr>
+    </dgm:fillClrLst>
+    <dgm:linClrLst meth="repeat">
+      <a:schemeClr val="accent1">
+        <a:alpha val="90000"/>
+        <a:tint val="40000"/>
+      </a:schemeClr>
+    </dgm:linClrLst>
+    <dgm:effectClrLst/>
+    <dgm:txLinClrLst/>
+    <dgm:txFillClrLst meth="repeat">
+      <a:schemeClr val="dk1"/>
+    </dgm:txFillClrLst>
+    <dgm:txEffectClrLst/>
+  </dgm:styleLbl>
+  <dgm:styleLbl name="fgAcc0">
+    <dgm:fillClrLst meth="repeat">
+      <a:schemeClr val="lt1">
+        <a:alpha val="90000"/>
+      </a:schemeClr>
+    </dgm:fillClrLst>
+    <dgm:linClrLst meth="repeat">
+      <a:schemeClr val="accent1"/>
+    </dgm:linClrLst>
+    <dgm:effectClrLst/>
+    <dgm:txLinClrLst/>
+    <dgm:txFillClrLst meth="repeat">
+      <a:schemeClr val="dk1"/>
+    </dgm:txFillClrLst>
+    <dgm:txEffectClrLst/>
+  </dgm:styleLbl>
+  <dgm:styleLbl name="fgAcc2">
+    <dgm:fillClrLst meth="repeat">
+      <a:schemeClr val="lt1">
+        <a:alpha val="90000"/>
+      </a:schemeClr>
+    </dgm:fillClrLst>
+    <dgm:linClrLst meth="repeat">
+      <a:schemeClr val="accent1"/>
+    </dgm:linClrLst>
+    <dgm:effectClrLst/>
+    <dgm:txLinClrLst/>
+    <dgm:txFillClrLst meth="repeat">
+      <a:schemeClr val="dk1"/>
+    </dgm:txFillClrLst>
+    <dgm:txEffectClrLst/>
+  </dgm:styleLbl>
+  <dgm:styleLbl name="fgAcc3">
+    <dgm:fillClrLst meth="repeat">
+      <a:schemeClr val="lt1">
+        <a:alpha val="90000"/>
+      </a:schemeClr>
+    </dgm:fillClrLst>
+    <dgm:linClrLst meth="repeat">
+      <a:schemeClr val="accent1"/>
+    </dgm:linClrLst>
+    <dgm:effectClrLst/>
+    <dgm:txLinClrLst/>
+    <dgm:txFillClrLst meth="repeat">
+      <a:schemeClr val="dk1"/>
+    </dgm:txFillClrLst>
+    <dgm:txEffectClrLst/>
+  </dgm:styleLbl>
+  <dgm:styleLbl name="fgAcc4">
+    <dgm:fillClrLst meth="repeat">
+      <a:schemeClr val="lt1">
+        <a:alpha val="90000"/>
+      </a:schemeClr>
+    </dgm:fillClrLst>
+    <dgm:linClrLst meth="repeat">
+      <a:schemeClr val="accent1"/>
+    </dgm:linClrLst>
+    <dgm:effectClrLst/>
+    <dgm:txLinClrLst/>
+    <dgm:txFillClrLst meth="repeat">
+      <a:schemeClr val="dk1"/>
+    </dgm:txFillClrLst>
+    <dgm:txEffectClrLst/>
+  </dgm:styleLbl>
+  <dgm:styleLbl name="bgShp">
+    <dgm:fillClrLst meth="repeat">
+      <a:schemeClr val="accent1">
+        <a:tint val="40000"/>
+      </a:schemeClr>
+    </dgm:fillClrLst>
+    <dgm:linClrLst meth="repeat">
+      <a:schemeClr val="accent1"/>
+    </dgm:linClrLst>
+    <dgm:effectClrLst/>
+    <dgm:txLinClrLst/>
+    <dgm:txFillClrLst meth="repeat">
+      <a:schemeClr val="dk1"/>
+    </dgm:txFillClrLst>
+    <dgm:txEffectClrLst/>
+  </dgm:styleLbl>
+  <dgm:styleLbl name="dkBgShp">
+    <dgm:fillClrLst meth="repeat">
+      <a:schemeClr val="accent1">
+        <a:shade val="80000"/>
+      </a:schemeClr>
+    </dgm:fillClrLst>
+    <dgm:linClrLst meth="repeat">
+      <a:schemeClr val="accent1"/>
+    </dgm:linClrLst>
+    <dgm:effectClrLst/>
+    <dgm:txLinClrLst/>
+    <dgm:txFillClrLst meth="repeat">
+      <a:schemeClr val="lt1"/>
+    </dgm:txFillClrLst>
+    <dgm:txEffectClrLst/>
+  </dgm:styleLbl>
+  <dgm:styleLbl name="trBgShp">
+    <dgm:fillClrLst meth="repeat">
+      <a:schemeClr val="accent1">
+        <a:tint val="50000"/>
+        <a:alpha val="40000"/>
+      </a:schemeClr>
+    </dgm:fillClrLst>
+    <dgm:linClrLst meth="repeat">
+      <a:schemeClr val="accent1"/>
+    </dgm:linClrLst>
+    <dgm:effectClrLst/>
+    <dgm:txLinClrLst/>
+    <dgm:txFillClrLst meth="repeat">
+      <a:schemeClr val="lt1"/>
+    </dgm:txFillClrLst>
+    <dgm:txEffectClrLst/>
+  </dgm:styleLbl>
+  <dgm:styleLbl name="fgShp">
+    <dgm:fillClrLst meth="repeat">
+      <a:schemeClr val="accent1">
+        <a:tint val="60000"/>
+      </a:schemeClr>
+    </dgm:fillClrLst>
+    <dgm:linClrLst meth="repeat">
+      <a:schemeClr val="lt1"/>
+    </dgm:linClrLst>
+    <dgm:effectClrLst/>
+    <dgm:txLinClrLst/>
+    <dgm:txFillClrLst meth="repeat">
+      <a:schemeClr val="dk1"/>
+    </dgm:txFillClrLst>
+    <dgm:txEffectClrLst/>
+  </dgm:styleLbl>
+  <dgm:styleLbl name="revTx">
+    <dgm:fillClrLst meth="repeat">
+      <a:schemeClr val="lt1">
+        <a:alpha val="0"/>
+      </a:schemeClr>
+    </dgm:fillClrLst>
+    <dgm:linClrLst meth="repeat">
+      <a:schemeClr val="dk1">
+        <a:alpha val="0"/>
+      </a:schemeClr>
+    </dgm:linClrLst>
+    <dgm:effectClrLst/>
+    <dgm:txLinClrLst/>
+    <dgm:txFillClrLst meth="repeat">
+      <a:schemeClr val="tx1"/>
+    </dgm:txFillClrLst>
+    <dgm:txEffectClrLst/>
+  </dgm:styleLbl>
+</dgm:colorsDef>
+</file>
+
+<file path=ppt/diagrams/colors2.xml><?xml version="1.0" encoding="utf-8"?>
 <dgm:colorsDef xmlns:dgm="http://schemas.openxmlformats.org/drawingml/2006/diagram" xmlns:a="http://schemas.openxmlformats.org/drawingml/2006/main" uniqueId="urn:microsoft.com/office/officeart/2005/8/colors/accent1_2">
   <dgm:title val=""/>
   <dgm:desc val=""/>
@@ -1112,6 +1860,307 @@
     <dgm:cxn modelId="{2C3E5AD0-8128-488E-8FE8-E3114DB658FA}" type="presParOf" srcId="{21F807C7-4DE3-4053-AB10-DEE57FD4947E}" destId="{490341E3-9B4E-429E-A853-726EC0FEDA15}" srcOrd="4" destOrd="0" presId="urn:microsoft.com/office/officeart/2005/8/layout/chevron1"/>
     <dgm:cxn modelId="{7E2AE380-27CB-4E43-94EA-26075F6A47FB}" type="presParOf" srcId="{21F807C7-4DE3-4053-AB10-DEE57FD4947E}" destId="{7D6A4660-F06F-4414-8822-A2188D98954C}" srcOrd="5" destOrd="0" presId="urn:microsoft.com/office/officeart/2005/8/layout/chevron1"/>
     <dgm:cxn modelId="{5B669A99-E77C-4D4B-86EF-30FB0414AC9D}" type="presParOf" srcId="{21F807C7-4DE3-4053-AB10-DEE57FD4947E}" destId="{79323A35-9718-4023-9416-950C9B1B56A0}" srcOrd="6" destOrd="0" presId="urn:microsoft.com/office/officeart/2005/8/layout/chevron1"/>
+  </dgm:cxnLst>
+  <dgm:bg/>
+  <dgm:whole/>
+  <dgm:extLst>
+    <a:ext uri="http://schemas.microsoft.com/office/drawing/2008/diagram">
+      <dsp:dataModelExt xmlns:dsp="http://schemas.microsoft.com/office/drawing/2008/diagram" relId="rId6" minVer="http://schemas.openxmlformats.org/drawingml/2006/diagram"/>
+    </a:ext>
+  </dgm:extLst>
+</dgm:dataModel>
+</file>
+
+<file path=ppt/diagrams/data2.xml><?xml version="1.0" encoding="utf-8"?>
+<dgm:dataModel xmlns:dgm="http://schemas.openxmlformats.org/drawingml/2006/diagram" xmlns:a="http://schemas.openxmlformats.org/drawingml/2006/main">
+  <dgm:ptLst>
+    <dgm:pt modelId="{E62192DB-0174-46F4-92E7-9B851A6ACA0B}" type="doc">
+      <dgm:prSet loTypeId="urn:microsoft.com/office/officeart/2008/layout/AlternatingHexagons" loCatId="list" qsTypeId="urn:microsoft.com/office/officeart/2005/8/quickstyle/simple1" qsCatId="simple" csTypeId="urn:microsoft.com/office/officeart/2005/8/colors/accent1_2" csCatId="accent1" phldr="1"/>
+      <dgm:spPr/>
+      <dgm:t>
+        <a:bodyPr/>
+        <a:lstStyle/>
+        <a:p>
+          <a:endParaRPr lang="en-US"/>
+        </a:p>
+      </dgm:t>
+    </dgm:pt>
+    <dgm:pt modelId="{CFAD66E8-4402-4341-A8A5-D2AD30C2CC05}">
+      <dgm:prSet phldrT="[Text]"/>
+      <dgm:spPr/>
+      <dgm:t>
+        <a:bodyPr/>
+        <a:lstStyle/>
+        <a:p>
+          <a:r>
+            <a:rPr lang="en-US" dirty="0"/>
+            <a:t>Object</a:t>
+          </a:r>
+        </a:p>
+      </dgm:t>
+    </dgm:pt>
+    <dgm:pt modelId="{0B43AEE1-B7C2-4F44-92BA-4115018BE7D3}" type="parTrans" cxnId="{302080C1-B5BF-4760-ACFE-7D3E321D708D}">
+      <dgm:prSet/>
+      <dgm:spPr/>
+      <dgm:t>
+        <a:bodyPr/>
+        <a:lstStyle/>
+        <a:p>
+          <a:endParaRPr lang="en-US"/>
+        </a:p>
+      </dgm:t>
+    </dgm:pt>
+    <dgm:pt modelId="{9DDE9D1E-4DA5-4020-B363-66402FD30F04}" type="sibTrans" cxnId="{302080C1-B5BF-4760-ACFE-7D3E321D708D}">
+      <dgm:prSet custT="1"/>
+      <dgm:spPr/>
+      <dgm:t>
+        <a:bodyPr/>
+        <a:lstStyle/>
+        <a:p>
+          <a:r>
+            <a:rPr lang="en-US" sz="1800" dirty="0"/>
+            <a:t>Object</a:t>
+          </a:r>
+        </a:p>
+      </dgm:t>
+    </dgm:pt>
+    <dgm:pt modelId="{B4EFD0E5-CF02-4CC6-8A7B-B43C7D1BE50E}">
+      <dgm:prSet phldrT="[Text]"/>
+      <dgm:spPr/>
+      <dgm:t>
+        <a:bodyPr/>
+        <a:lstStyle/>
+        <a:p>
+          <a:r>
+            <a:rPr lang="en-US" dirty="0"/>
+            <a:t>Object</a:t>
+          </a:r>
+        </a:p>
+      </dgm:t>
+    </dgm:pt>
+    <dgm:pt modelId="{3CAED474-8B69-49B8-918E-334CB4A30D72}" type="parTrans" cxnId="{DA43EE59-2E18-4B91-A601-125961695435}">
+      <dgm:prSet/>
+      <dgm:spPr/>
+      <dgm:t>
+        <a:bodyPr/>
+        <a:lstStyle/>
+        <a:p>
+          <a:endParaRPr lang="en-US"/>
+        </a:p>
+      </dgm:t>
+    </dgm:pt>
+    <dgm:pt modelId="{F0B71094-ABB1-4031-86DA-73B744DE2E6E}" type="sibTrans" cxnId="{DA43EE59-2E18-4B91-A601-125961695435}">
+      <dgm:prSet custT="1"/>
+      <dgm:spPr/>
+      <dgm:t>
+        <a:bodyPr/>
+        <a:lstStyle/>
+        <a:p>
+          <a:r>
+            <a:rPr lang="en-US" sz="1800" dirty="0"/>
+            <a:t>Object</a:t>
+          </a:r>
+        </a:p>
+      </dgm:t>
+    </dgm:pt>
+    <dgm:pt modelId="{E89BE292-874F-495F-85D3-5EC25DF84B53}">
+      <dgm:prSet phldrT="[Text]"/>
+      <dgm:spPr/>
+      <dgm:t>
+        <a:bodyPr/>
+        <a:lstStyle/>
+        <a:p>
+          <a:r>
+            <a:rPr lang="en-US" dirty="0"/>
+            <a:t>Object</a:t>
+          </a:r>
+        </a:p>
+      </dgm:t>
+    </dgm:pt>
+    <dgm:pt modelId="{29E9D379-FB79-456D-9F42-7DECA3BD9AF8}" type="parTrans" cxnId="{B5894A60-D57B-49C0-A2EE-285C678E4AD8}">
+      <dgm:prSet/>
+      <dgm:spPr/>
+      <dgm:t>
+        <a:bodyPr/>
+        <a:lstStyle/>
+        <a:p>
+          <a:endParaRPr lang="en-US"/>
+        </a:p>
+      </dgm:t>
+    </dgm:pt>
+    <dgm:pt modelId="{3CE137C8-3C4D-4ADE-B973-4E952934F305}" type="sibTrans" cxnId="{B5894A60-D57B-49C0-A2EE-285C678E4AD8}">
+      <dgm:prSet custT="1"/>
+      <dgm:spPr/>
+      <dgm:t>
+        <a:bodyPr/>
+        <a:lstStyle/>
+        <a:p>
+          <a:r>
+            <a:rPr lang="en-US" sz="1800" dirty="0"/>
+            <a:t>Object</a:t>
+          </a:r>
+        </a:p>
+      </dgm:t>
+    </dgm:pt>
+    <dgm:pt modelId="{499729C5-046F-456E-AA13-BA05727FE6C1}" type="pres">
+      <dgm:prSet presAssocID="{E62192DB-0174-46F4-92E7-9B851A6ACA0B}" presName="Name0" presStyleCnt="0">
+        <dgm:presLayoutVars>
+          <dgm:chMax/>
+          <dgm:chPref/>
+          <dgm:dir/>
+          <dgm:animLvl val="lvl"/>
+        </dgm:presLayoutVars>
+      </dgm:prSet>
+      <dgm:spPr/>
+    </dgm:pt>
+    <dgm:pt modelId="{18F14C8D-616A-49D7-9732-B9F124B47CB6}" type="pres">
+      <dgm:prSet presAssocID="{CFAD66E8-4402-4341-A8A5-D2AD30C2CC05}" presName="composite" presStyleCnt="0"/>
+      <dgm:spPr/>
+    </dgm:pt>
+    <dgm:pt modelId="{929B1CCA-423E-4E7C-A067-9B90F747B03A}" type="pres">
+      <dgm:prSet presAssocID="{CFAD66E8-4402-4341-A8A5-D2AD30C2CC05}" presName="Parent1" presStyleLbl="node1" presStyleIdx="0" presStyleCnt="6">
+        <dgm:presLayoutVars>
+          <dgm:chMax val="1"/>
+          <dgm:chPref val="1"/>
+          <dgm:bulletEnabled val="1"/>
+        </dgm:presLayoutVars>
+      </dgm:prSet>
+      <dgm:spPr/>
+    </dgm:pt>
+    <dgm:pt modelId="{84DCD4F7-06F7-4721-B47A-1E50737E758A}" type="pres">
+      <dgm:prSet presAssocID="{CFAD66E8-4402-4341-A8A5-D2AD30C2CC05}" presName="Childtext1" presStyleLbl="revTx" presStyleIdx="0" presStyleCnt="3">
+        <dgm:presLayoutVars>
+          <dgm:chMax val="0"/>
+          <dgm:chPref val="0"/>
+          <dgm:bulletEnabled val="1"/>
+        </dgm:presLayoutVars>
+      </dgm:prSet>
+      <dgm:spPr/>
+    </dgm:pt>
+    <dgm:pt modelId="{2E008522-9C70-4F83-A1E8-46D068655822}" type="pres">
+      <dgm:prSet presAssocID="{CFAD66E8-4402-4341-A8A5-D2AD30C2CC05}" presName="BalanceSpacing" presStyleCnt="0"/>
+      <dgm:spPr/>
+    </dgm:pt>
+    <dgm:pt modelId="{43CD67CC-3130-4875-BAF7-1B4E2D4BAA33}" type="pres">
+      <dgm:prSet presAssocID="{CFAD66E8-4402-4341-A8A5-D2AD30C2CC05}" presName="BalanceSpacing1" presStyleCnt="0"/>
+      <dgm:spPr/>
+    </dgm:pt>
+    <dgm:pt modelId="{A93248F2-FE47-4754-9236-85512C975E93}" type="pres">
+      <dgm:prSet presAssocID="{9DDE9D1E-4DA5-4020-B363-66402FD30F04}" presName="Accent1Text" presStyleLbl="node1" presStyleIdx="1" presStyleCnt="6"/>
+      <dgm:spPr/>
+    </dgm:pt>
+    <dgm:pt modelId="{C79F1355-7812-4C50-A5EC-28F180C02C2F}" type="pres">
+      <dgm:prSet presAssocID="{9DDE9D1E-4DA5-4020-B363-66402FD30F04}" presName="spaceBetweenRectangles" presStyleCnt="0"/>
+      <dgm:spPr/>
+    </dgm:pt>
+    <dgm:pt modelId="{EC6D35A4-FA61-48A7-96FD-31C8A8BBE7EB}" type="pres">
+      <dgm:prSet presAssocID="{B4EFD0E5-CF02-4CC6-8A7B-B43C7D1BE50E}" presName="composite" presStyleCnt="0"/>
+      <dgm:spPr/>
+    </dgm:pt>
+    <dgm:pt modelId="{CE1DA785-D131-4D61-A5B8-E79CC21FBA74}" type="pres">
+      <dgm:prSet presAssocID="{B4EFD0E5-CF02-4CC6-8A7B-B43C7D1BE50E}" presName="Parent1" presStyleLbl="node1" presStyleIdx="2" presStyleCnt="6">
+        <dgm:presLayoutVars>
+          <dgm:chMax val="1"/>
+          <dgm:chPref val="1"/>
+          <dgm:bulletEnabled val="1"/>
+        </dgm:presLayoutVars>
+      </dgm:prSet>
+      <dgm:spPr/>
+    </dgm:pt>
+    <dgm:pt modelId="{BCE9D7DD-49BB-4407-8E6D-CAC6D0FBCC17}" type="pres">
+      <dgm:prSet presAssocID="{B4EFD0E5-CF02-4CC6-8A7B-B43C7D1BE50E}" presName="Childtext1" presStyleLbl="revTx" presStyleIdx="1" presStyleCnt="3">
+        <dgm:presLayoutVars>
+          <dgm:chMax val="0"/>
+          <dgm:chPref val="0"/>
+          <dgm:bulletEnabled val="1"/>
+        </dgm:presLayoutVars>
+      </dgm:prSet>
+      <dgm:spPr/>
+    </dgm:pt>
+    <dgm:pt modelId="{25BD862B-C8B2-44D4-915E-A094404CC025}" type="pres">
+      <dgm:prSet presAssocID="{B4EFD0E5-CF02-4CC6-8A7B-B43C7D1BE50E}" presName="BalanceSpacing" presStyleCnt="0"/>
+      <dgm:spPr/>
+    </dgm:pt>
+    <dgm:pt modelId="{E719FDAD-BA4C-4A73-831B-D3647758EE1F}" type="pres">
+      <dgm:prSet presAssocID="{B4EFD0E5-CF02-4CC6-8A7B-B43C7D1BE50E}" presName="BalanceSpacing1" presStyleCnt="0"/>
+      <dgm:spPr/>
+    </dgm:pt>
+    <dgm:pt modelId="{2C67A862-E817-4F88-BCFE-C29FCDE5ADB7}" type="pres">
+      <dgm:prSet presAssocID="{F0B71094-ABB1-4031-86DA-73B744DE2E6E}" presName="Accent1Text" presStyleLbl="node1" presStyleIdx="3" presStyleCnt="6"/>
+      <dgm:spPr/>
+    </dgm:pt>
+    <dgm:pt modelId="{E4D0DCD8-93BF-4FDA-A8CF-76D920FB3557}" type="pres">
+      <dgm:prSet presAssocID="{F0B71094-ABB1-4031-86DA-73B744DE2E6E}" presName="spaceBetweenRectangles" presStyleCnt="0"/>
+      <dgm:spPr/>
+    </dgm:pt>
+    <dgm:pt modelId="{08FAA23A-709F-40D7-9261-4FC700F7E680}" type="pres">
+      <dgm:prSet presAssocID="{E89BE292-874F-495F-85D3-5EC25DF84B53}" presName="composite" presStyleCnt="0"/>
+      <dgm:spPr/>
+    </dgm:pt>
+    <dgm:pt modelId="{CF653713-6269-47D9-89D0-C9E9EBCD87C4}" type="pres">
+      <dgm:prSet presAssocID="{E89BE292-874F-495F-85D3-5EC25DF84B53}" presName="Parent1" presStyleLbl="node1" presStyleIdx="4" presStyleCnt="6">
+        <dgm:presLayoutVars>
+          <dgm:chMax val="1"/>
+          <dgm:chPref val="1"/>
+          <dgm:bulletEnabled val="1"/>
+        </dgm:presLayoutVars>
+      </dgm:prSet>
+      <dgm:spPr/>
+    </dgm:pt>
+    <dgm:pt modelId="{EEF3DB73-7767-4DD2-A1B2-3079A7EEAD5A}" type="pres">
+      <dgm:prSet presAssocID="{E89BE292-874F-495F-85D3-5EC25DF84B53}" presName="Childtext1" presStyleLbl="revTx" presStyleIdx="2" presStyleCnt="3">
+        <dgm:presLayoutVars>
+          <dgm:chMax val="0"/>
+          <dgm:chPref val="0"/>
+          <dgm:bulletEnabled val="1"/>
+        </dgm:presLayoutVars>
+      </dgm:prSet>
+      <dgm:spPr/>
+    </dgm:pt>
+    <dgm:pt modelId="{0BCAE941-AD03-448F-9959-25969DDF5663}" type="pres">
+      <dgm:prSet presAssocID="{E89BE292-874F-495F-85D3-5EC25DF84B53}" presName="BalanceSpacing" presStyleCnt="0"/>
+      <dgm:spPr/>
+    </dgm:pt>
+    <dgm:pt modelId="{6683F928-A273-4FFC-8E7B-2C7EA33D58A3}" type="pres">
+      <dgm:prSet presAssocID="{E89BE292-874F-495F-85D3-5EC25DF84B53}" presName="BalanceSpacing1" presStyleCnt="0"/>
+      <dgm:spPr/>
+    </dgm:pt>
+    <dgm:pt modelId="{56BF265A-C530-4336-B51E-49A2AD3D3C0E}" type="pres">
+      <dgm:prSet presAssocID="{3CE137C8-3C4D-4ADE-B973-4E952934F305}" presName="Accent1Text" presStyleLbl="node1" presStyleIdx="5" presStyleCnt="6"/>
+      <dgm:spPr/>
+    </dgm:pt>
+  </dgm:ptLst>
+  <dgm:cxnLst>
+    <dgm:cxn modelId="{67221111-0176-4694-817D-ED4AE8128E4A}" type="presOf" srcId="{3CE137C8-3C4D-4ADE-B973-4E952934F305}" destId="{56BF265A-C530-4336-B51E-49A2AD3D3C0E}" srcOrd="0" destOrd="0" presId="urn:microsoft.com/office/officeart/2008/layout/AlternatingHexagons"/>
+    <dgm:cxn modelId="{49C02F30-FC49-401D-AD81-D8E8D6FDFD56}" type="presOf" srcId="{9DDE9D1E-4DA5-4020-B363-66402FD30F04}" destId="{A93248F2-FE47-4754-9236-85512C975E93}" srcOrd="0" destOrd="0" presId="urn:microsoft.com/office/officeart/2008/layout/AlternatingHexagons"/>
+    <dgm:cxn modelId="{B5894A60-D57B-49C0-A2EE-285C678E4AD8}" srcId="{E62192DB-0174-46F4-92E7-9B851A6ACA0B}" destId="{E89BE292-874F-495F-85D3-5EC25DF84B53}" srcOrd="2" destOrd="0" parTransId="{29E9D379-FB79-456D-9F42-7DECA3BD9AF8}" sibTransId="{3CE137C8-3C4D-4ADE-B973-4E952934F305}"/>
+    <dgm:cxn modelId="{1D520C4D-B9BF-4F51-A655-BF0A935B12BA}" type="presOf" srcId="{CFAD66E8-4402-4341-A8A5-D2AD30C2CC05}" destId="{929B1CCA-423E-4E7C-A067-9B90F747B03A}" srcOrd="0" destOrd="0" presId="urn:microsoft.com/office/officeart/2008/layout/AlternatingHexagons"/>
+    <dgm:cxn modelId="{211BCB55-21FA-4DE4-9129-C2153D8781D5}" type="presOf" srcId="{E89BE292-874F-495F-85D3-5EC25DF84B53}" destId="{CF653713-6269-47D9-89D0-C9E9EBCD87C4}" srcOrd="0" destOrd="0" presId="urn:microsoft.com/office/officeart/2008/layout/AlternatingHexagons"/>
+    <dgm:cxn modelId="{DA43EE59-2E18-4B91-A601-125961695435}" srcId="{E62192DB-0174-46F4-92E7-9B851A6ACA0B}" destId="{B4EFD0E5-CF02-4CC6-8A7B-B43C7D1BE50E}" srcOrd="1" destOrd="0" parTransId="{3CAED474-8B69-49B8-918E-334CB4A30D72}" sibTransId="{F0B71094-ABB1-4031-86DA-73B744DE2E6E}"/>
+    <dgm:cxn modelId="{19735A9A-B070-4FD1-B934-812E8F8115E9}" type="presOf" srcId="{F0B71094-ABB1-4031-86DA-73B744DE2E6E}" destId="{2C67A862-E817-4F88-BCFE-C29FCDE5ADB7}" srcOrd="0" destOrd="0" presId="urn:microsoft.com/office/officeart/2008/layout/AlternatingHexagons"/>
+    <dgm:cxn modelId="{302080C1-B5BF-4760-ACFE-7D3E321D708D}" srcId="{E62192DB-0174-46F4-92E7-9B851A6ACA0B}" destId="{CFAD66E8-4402-4341-A8A5-D2AD30C2CC05}" srcOrd="0" destOrd="0" parTransId="{0B43AEE1-B7C2-4F44-92BA-4115018BE7D3}" sibTransId="{9DDE9D1E-4DA5-4020-B363-66402FD30F04}"/>
+    <dgm:cxn modelId="{05BEBBD0-018F-4258-B5B1-7B3B45BE02D9}" type="presOf" srcId="{B4EFD0E5-CF02-4CC6-8A7B-B43C7D1BE50E}" destId="{CE1DA785-D131-4D61-A5B8-E79CC21FBA74}" srcOrd="0" destOrd="0" presId="urn:microsoft.com/office/officeart/2008/layout/AlternatingHexagons"/>
+    <dgm:cxn modelId="{FBD501EE-B356-44EF-BBB5-F47E3278053B}" type="presOf" srcId="{E62192DB-0174-46F4-92E7-9B851A6ACA0B}" destId="{499729C5-046F-456E-AA13-BA05727FE6C1}" srcOrd="0" destOrd="0" presId="urn:microsoft.com/office/officeart/2008/layout/AlternatingHexagons"/>
+    <dgm:cxn modelId="{AB903881-2645-4CB2-B934-60193F3C47BB}" type="presParOf" srcId="{499729C5-046F-456E-AA13-BA05727FE6C1}" destId="{18F14C8D-616A-49D7-9732-B9F124B47CB6}" srcOrd="0" destOrd="0" presId="urn:microsoft.com/office/officeart/2008/layout/AlternatingHexagons"/>
+    <dgm:cxn modelId="{B8ACAACC-E3EA-4B40-B9A0-DC5E540FAC61}" type="presParOf" srcId="{18F14C8D-616A-49D7-9732-B9F124B47CB6}" destId="{929B1CCA-423E-4E7C-A067-9B90F747B03A}" srcOrd="0" destOrd="0" presId="urn:microsoft.com/office/officeart/2008/layout/AlternatingHexagons"/>
+    <dgm:cxn modelId="{B55F96D2-C226-45FD-83D1-D4DBD3F689DB}" type="presParOf" srcId="{18F14C8D-616A-49D7-9732-B9F124B47CB6}" destId="{84DCD4F7-06F7-4721-B47A-1E50737E758A}" srcOrd="1" destOrd="0" presId="urn:microsoft.com/office/officeart/2008/layout/AlternatingHexagons"/>
+    <dgm:cxn modelId="{7BE736EF-CFDF-4211-B017-DA88DD203D28}" type="presParOf" srcId="{18F14C8D-616A-49D7-9732-B9F124B47CB6}" destId="{2E008522-9C70-4F83-A1E8-46D068655822}" srcOrd="2" destOrd="0" presId="urn:microsoft.com/office/officeart/2008/layout/AlternatingHexagons"/>
+    <dgm:cxn modelId="{2AC8139C-B524-4A94-A718-AA0B838D0B1D}" type="presParOf" srcId="{18F14C8D-616A-49D7-9732-B9F124B47CB6}" destId="{43CD67CC-3130-4875-BAF7-1B4E2D4BAA33}" srcOrd="3" destOrd="0" presId="urn:microsoft.com/office/officeart/2008/layout/AlternatingHexagons"/>
+    <dgm:cxn modelId="{45FABACB-8693-4500-AFF2-AA5ABB52FC10}" type="presParOf" srcId="{18F14C8D-616A-49D7-9732-B9F124B47CB6}" destId="{A93248F2-FE47-4754-9236-85512C975E93}" srcOrd="4" destOrd="0" presId="urn:microsoft.com/office/officeart/2008/layout/AlternatingHexagons"/>
+    <dgm:cxn modelId="{2EB0EF7B-F710-46D3-AE0B-88E9EF7A4761}" type="presParOf" srcId="{499729C5-046F-456E-AA13-BA05727FE6C1}" destId="{C79F1355-7812-4C50-A5EC-28F180C02C2F}" srcOrd="1" destOrd="0" presId="urn:microsoft.com/office/officeart/2008/layout/AlternatingHexagons"/>
+    <dgm:cxn modelId="{BD2B6A7C-C661-4CF0-B8AB-E664399185ED}" type="presParOf" srcId="{499729C5-046F-456E-AA13-BA05727FE6C1}" destId="{EC6D35A4-FA61-48A7-96FD-31C8A8BBE7EB}" srcOrd="2" destOrd="0" presId="urn:microsoft.com/office/officeart/2008/layout/AlternatingHexagons"/>
+    <dgm:cxn modelId="{B873A2F0-6BC5-4DF5-B6D4-494D41B0998A}" type="presParOf" srcId="{EC6D35A4-FA61-48A7-96FD-31C8A8BBE7EB}" destId="{CE1DA785-D131-4D61-A5B8-E79CC21FBA74}" srcOrd="0" destOrd="0" presId="urn:microsoft.com/office/officeart/2008/layout/AlternatingHexagons"/>
+    <dgm:cxn modelId="{21C05AA6-0940-4718-82A4-5E715AA417E6}" type="presParOf" srcId="{EC6D35A4-FA61-48A7-96FD-31C8A8BBE7EB}" destId="{BCE9D7DD-49BB-4407-8E6D-CAC6D0FBCC17}" srcOrd="1" destOrd="0" presId="urn:microsoft.com/office/officeart/2008/layout/AlternatingHexagons"/>
+    <dgm:cxn modelId="{D5D27583-D1D2-4D41-853A-1B2272D6167F}" type="presParOf" srcId="{EC6D35A4-FA61-48A7-96FD-31C8A8BBE7EB}" destId="{25BD862B-C8B2-44D4-915E-A094404CC025}" srcOrd="2" destOrd="0" presId="urn:microsoft.com/office/officeart/2008/layout/AlternatingHexagons"/>
+    <dgm:cxn modelId="{1FB576F8-D1F7-4488-934E-ACE2FD788DE4}" type="presParOf" srcId="{EC6D35A4-FA61-48A7-96FD-31C8A8BBE7EB}" destId="{E719FDAD-BA4C-4A73-831B-D3647758EE1F}" srcOrd="3" destOrd="0" presId="urn:microsoft.com/office/officeart/2008/layout/AlternatingHexagons"/>
+    <dgm:cxn modelId="{3CD8419B-75BC-4BE2-B9A5-775EFF8FAC05}" type="presParOf" srcId="{EC6D35A4-FA61-48A7-96FD-31C8A8BBE7EB}" destId="{2C67A862-E817-4F88-BCFE-C29FCDE5ADB7}" srcOrd="4" destOrd="0" presId="urn:microsoft.com/office/officeart/2008/layout/AlternatingHexagons"/>
+    <dgm:cxn modelId="{BA270924-C9A9-476A-9316-A8F8263D4837}" type="presParOf" srcId="{499729C5-046F-456E-AA13-BA05727FE6C1}" destId="{E4D0DCD8-93BF-4FDA-A8CF-76D920FB3557}" srcOrd="3" destOrd="0" presId="urn:microsoft.com/office/officeart/2008/layout/AlternatingHexagons"/>
+    <dgm:cxn modelId="{63B0A34C-F64A-4219-BC25-90260AA9E848}" type="presParOf" srcId="{499729C5-046F-456E-AA13-BA05727FE6C1}" destId="{08FAA23A-709F-40D7-9261-4FC700F7E680}" srcOrd="4" destOrd="0" presId="urn:microsoft.com/office/officeart/2008/layout/AlternatingHexagons"/>
+    <dgm:cxn modelId="{B63B8263-A5BC-4B37-9E06-2BCA2256D0E5}" type="presParOf" srcId="{08FAA23A-709F-40D7-9261-4FC700F7E680}" destId="{CF653713-6269-47D9-89D0-C9E9EBCD87C4}" srcOrd="0" destOrd="0" presId="urn:microsoft.com/office/officeart/2008/layout/AlternatingHexagons"/>
+    <dgm:cxn modelId="{6059F343-042D-4469-B572-C2EAA8C3D748}" type="presParOf" srcId="{08FAA23A-709F-40D7-9261-4FC700F7E680}" destId="{EEF3DB73-7767-4DD2-A1B2-3079A7EEAD5A}" srcOrd="1" destOrd="0" presId="urn:microsoft.com/office/officeart/2008/layout/AlternatingHexagons"/>
+    <dgm:cxn modelId="{9969900B-3AAC-4900-B2AD-B5FB1F38C1C7}" type="presParOf" srcId="{08FAA23A-709F-40D7-9261-4FC700F7E680}" destId="{0BCAE941-AD03-448F-9959-25969DDF5663}" srcOrd="2" destOrd="0" presId="urn:microsoft.com/office/officeart/2008/layout/AlternatingHexagons"/>
+    <dgm:cxn modelId="{F10FA1B9-F08E-4353-A905-977612DF3EB5}" type="presParOf" srcId="{08FAA23A-709F-40D7-9261-4FC700F7E680}" destId="{6683F928-A273-4FFC-8E7B-2C7EA33D58A3}" srcOrd="3" destOrd="0" presId="urn:microsoft.com/office/officeart/2008/layout/AlternatingHexagons"/>
+    <dgm:cxn modelId="{7BE6B1A7-769E-4371-A29F-8B340CBAA05B}" type="presParOf" srcId="{08FAA23A-709F-40D7-9261-4FC700F7E680}" destId="{56BF265A-C530-4336-B51E-49A2AD3D3C0E}" srcOrd="4" destOrd="0" presId="urn:microsoft.com/office/officeart/2008/layout/AlternatingHexagons"/>
   </dgm:cxnLst>
   <dgm:bg/>
   <dgm:whole/>
@@ -1463,6 +2512,600 @@
 </dsp:drawing>
 </file>
 
+<file path=ppt/diagrams/drawing2.xml><?xml version="1.0" encoding="utf-8"?>
+<dsp:drawing xmlns:dgm="http://schemas.openxmlformats.org/drawingml/2006/diagram" xmlns:dsp="http://schemas.microsoft.com/office/drawing/2008/diagram" xmlns:a="http://schemas.openxmlformats.org/drawingml/2006/main">
+  <dsp:spTree>
+    <dsp:nvGrpSpPr>
+      <dsp:cNvPr id="0" name=""/>
+      <dsp:cNvGrpSpPr/>
+    </dsp:nvGrpSpPr>
+    <dsp:grpSpPr/>
+    <dsp:sp modelId="{929B1CCA-423E-4E7C-A067-9B90F747B03A}">
+      <dsp:nvSpPr>
+        <dsp:cNvPr id="0" name=""/>
+        <dsp:cNvSpPr/>
+      </dsp:nvSpPr>
+      <dsp:spPr>
+        <a:xfrm rot="5400000">
+          <a:off x="1869540" y="787402"/>
+          <a:ext cx="1227860" cy="1068238"/>
+        </a:xfrm>
+        <a:prstGeom prst="hexagon">
+          <a:avLst>
+            <a:gd name="adj" fmla="val 25000"/>
+            <a:gd name="vf" fmla="val 115470"/>
+          </a:avLst>
+        </a:prstGeom>
+        <a:solidFill>
+          <a:schemeClr val="accent1">
+            <a:hueOff val="0"/>
+            <a:satOff val="0"/>
+            <a:lumOff val="0"/>
+            <a:alphaOff val="0"/>
+          </a:schemeClr>
+        </a:solidFill>
+        <a:ln w="19050" cap="flat" cmpd="sng" algn="ctr">
+          <a:solidFill>
+            <a:schemeClr val="lt1">
+              <a:hueOff val="0"/>
+              <a:satOff val="0"/>
+              <a:lumOff val="0"/>
+              <a:alphaOff val="0"/>
+            </a:schemeClr>
+          </a:solidFill>
+          <a:prstDash val="solid"/>
+          <a:miter lim="800000"/>
+        </a:ln>
+        <a:effectLst/>
+      </dsp:spPr>
+      <dsp:style>
+        <a:lnRef idx="2">
+          <a:scrgbClr r="0" g="0" b="0"/>
+        </a:lnRef>
+        <a:fillRef idx="1">
+          <a:scrgbClr r="0" g="0" b="0"/>
+        </a:fillRef>
+        <a:effectRef idx="0">
+          <a:scrgbClr r="0" g="0" b="0"/>
+        </a:effectRef>
+        <a:fontRef idx="minor">
+          <a:schemeClr val="lt1"/>
+        </a:fontRef>
+      </dsp:style>
+      <dsp:txBody>
+        <a:bodyPr spcFirstLastPara="0" vert="horz" wrap="square" lIns="60960" tIns="60960" rIns="60960" bIns="60960" numCol="1" spcCol="1270" anchor="ctr" anchorCtr="0">
+          <a:noAutofit/>
+        </a:bodyPr>
+        <a:lstStyle/>
+        <a:p>
+          <a:pPr marL="0" lvl="0" indent="0" algn="ctr" defTabSz="711200">
+            <a:lnSpc>
+              <a:spcPct val="90000"/>
+            </a:lnSpc>
+            <a:spcBef>
+              <a:spcPct val="0"/>
+            </a:spcBef>
+            <a:spcAft>
+              <a:spcPct val="35000"/>
+            </a:spcAft>
+            <a:buNone/>
+          </a:pPr>
+          <a:r>
+            <a:rPr lang="en-US" sz="1600" kern="1200" dirty="0"/>
+            <a:t>Object</a:t>
+          </a:r>
+        </a:p>
+      </dsp:txBody>
+      <dsp:txXfrm rot="-5400000">
+        <a:off x="2115818" y="898934"/>
+        <a:ext cx="735304" cy="845177"/>
+      </dsp:txXfrm>
+    </dsp:sp>
+    <dsp:sp modelId="{84DCD4F7-06F7-4721-B47A-1E50737E758A}">
+      <dsp:nvSpPr>
+        <dsp:cNvPr id="0" name=""/>
+        <dsp:cNvSpPr/>
+      </dsp:nvSpPr>
+      <dsp:spPr>
+        <a:xfrm>
+          <a:off x="3050006" y="953163"/>
+          <a:ext cx="1370292" cy="736716"/>
+        </a:xfrm>
+        <a:prstGeom prst="rect">
+          <a:avLst/>
+        </a:prstGeom>
+        <a:noFill/>
+        <a:ln>
+          <a:noFill/>
+        </a:ln>
+        <a:effectLst/>
+      </dsp:spPr>
+      <dsp:style>
+        <a:lnRef idx="0">
+          <a:scrgbClr r="0" g="0" b="0"/>
+        </a:lnRef>
+        <a:fillRef idx="0">
+          <a:scrgbClr r="0" g="0" b="0"/>
+        </a:fillRef>
+        <a:effectRef idx="0">
+          <a:scrgbClr r="0" g="0" b="0"/>
+        </a:effectRef>
+        <a:fontRef idx="minor"/>
+      </dsp:style>
+    </dsp:sp>
+    <dsp:sp modelId="{A93248F2-FE47-4754-9236-85512C975E93}">
+      <dsp:nvSpPr>
+        <dsp:cNvPr id="0" name=""/>
+        <dsp:cNvSpPr/>
+      </dsp:nvSpPr>
+      <dsp:spPr>
+        <a:xfrm rot="5400000">
+          <a:off x="715842" y="787402"/>
+          <a:ext cx="1227860" cy="1068238"/>
+        </a:xfrm>
+        <a:prstGeom prst="hexagon">
+          <a:avLst>
+            <a:gd name="adj" fmla="val 25000"/>
+            <a:gd name="vf" fmla="val 115470"/>
+          </a:avLst>
+        </a:prstGeom>
+        <a:solidFill>
+          <a:schemeClr val="accent1">
+            <a:hueOff val="0"/>
+            <a:satOff val="0"/>
+            <a:lumOff val="0"/>
+            <a:alphaOff val="0"/>
+          </a:schemeClr>
+        </a:solidFill>
+        <a:ln w="19050" cap="flat" cmpd="sng" algn="ctr">
+          <a:solidFill>
+            <a:schemeClr val="lt1">
+              <a:hueOff val="0"/>
+              <a:satOff val="0"/>
+              <a:lumOff val="0"/>
+              <a:alphaOff val="0"/>
+            </a:schemeClr>
+          </a:solidFill>
+          <a:prstDash val="solid"/>
+          <a:miter lim="800000"/>
+        </a:ln>
+        <a:effectLst/>
+      </dsp:spPr>
+      <dsp:style>
+        <a:lnRef idx="2">
+          <a:scrgbClr r="0" g="0" b="0"/>
+        </a:lnRef>
+        <a:fillRef idx="1">
+          <a:scrgbClr r="0" g="0" b="0"/>
+        </a:fillRef>
+        <a:effectRef idx="0">
+          <a:scrgbClr r="0" g="0" b="0"/>
+        </a:effectRef>
+        <a:fontRef idx="minor">
+          <a:schemeClr val="lt1"/>
+        </a:fontRef>
+      </dsp:style>
+      <dsp:txBody>
+        <a:bodyPr spcFirstLastPara="0" vert="horz" wrap="square" lIns="0" tIns="0" rIns="0" bIns="0" numCol="1" spcCol="1270" anchor="ctr" anchorCtr="0">
+          <a:noAutofit/>
+        </a:bodyPr>
+        <a:lstStyle/>
+        <a:p>
+          <a:pPr marL="0" lvl="0" indent="0" algn="ctr" defTabSz="800100">
+            <a:lnSpc>
+              <a:spcPct val="90000"/>
+            </a:lnSpc>
+            <a:spcBef>
+              <a:spcPct val="0"/>
+            </a:spcBef>
+            <a:spcAft>
+              <a:spcPct val="35000"/>
+            </a:spcAft>
+            <a:buNone/>
+          </a:pPr>
+          <a:r>
+            <a:rPr lang="en-US" sz="1800" kern="1200" dirty="0"/>
+            <a:t>Object</a:t>
+          </a:r>
+        </a:p>
+      </dsp:txBody>
+      <dsp:txXfrm rot="-5400000">
+        <a:off x="962120" y="898934"/>
+        <a:ext cx="735304" cy="845177"/>
+      </dsp:txXfrm>
+    </dsp:sp>
+    <dsp:sp modelId="{CE1DA785-D131-4D61-A5B8-E79CC21FBA74}">
+      <dsp:nvSpPr>
+        <dsp:cNvPr id="0" name=""/>
+        <dsp:cNvSpPr/>
+      </dsp:nvSpPr>
+      <dsp:spPr>
+        <a:xfrm rot="5400000">
+          <a:off x="1290481" y="1829611"/>
+          <a:ext cx="1227860" cy="1068238"/>
+        </a:xfrm>
+        <a:prstGeom prst="hexagon">
+          <a:avLst>
+            <a:gd name="adj" fmla="val 25000"/>
+            <a:gd name="vf" fmla="val 115470"/>
+          </a:avLst>
+        </a:prstGeom>
+        <a:solidFill>
+          <a:schemeClr val="accent1">
+            <a:hueOff val="0"/>
+            <a:satOff val="0"/>
+            <a:lumOff val="0"/>
+            <a:alphaOff val="0"/>
+          </a:schemeClr>
+        </a:solidFill>
+        <a:ln w="19050" cap="flat" cmpd="sng" algn="ctr">
+          <a:solidFill>
+            <a:schemeClr val="lt1">
+              <a:hueOff val="0"/>
+              <a:satOff val="0"/>
+              <a:lumOff val="0"/>
+              <a:alphaOff val="0"/>
+            </a:schemeClr>
+          </a:solidFill>
+          <a:prstDash val="solid"/>
+          <a:miter lim="800000"/>
+        </a:ln>
+        <a:effectLst/>
+      </dsp:spPr>
+      <dsp:style>
+        <a:lnRef idx="2">
+          <a:scrgbClr r="0" g="0" b="0"/>
+        </a:lnRef>
+        <a:fillRef idx="1">
+          <a:scrgbClr r="0" g="0" b="0"/>
+        </a:fillRef>
+        <a:effectRef idx="0">
+          <a:scrgbClr r="0" g="0" b="0"/>
+        </a:effectRef>
+        <a:fontRef idx="minor">
+          <a:schemeClr val="lt1"/>
+        </a:fontRef>
+      </dsp:style>
+      <dsp:txBody>
+        <a:bodyPr spcFirstLastPara="0" vert="horz" wrap="square" lIns="60960" tIns="60960" rIns="60960" bIns="60960" numCol="1" spcCol="1270" anchor="ctr" anchorCtr="0">
+          <a:noAutofit/>
+        </a:bodyPr>
+        <a:lstStyle/>
+        <a:p>
+          <a:pPr marL="0" lvl="0" indent="0" algn="ctr" defTabSz="711200">
+            <a:lnSpc>
+              <a:spcPct val="90000"/>
+            </a:lnSpc>
+            <a:spcBef>
+              <a:spcPct val="0"/>
+            </a:spcBef>
+            <a:spcAft>
+              <a:spcPct val="35000"/>
+            </a:spcAft>
+            <a:buNone/>
+          </a:pPr>
+          <a:r>
+            <a:rPr lang="en-US" sz="1600" kern="1200" dirty="0"/>
+            <a:t>Object</a:t>
+          </a:r>
+        </a:p>
+      </dsp:txBody>
+      <dsp:txXfrm rot="-5400000">
+        <a:off x="1536759" y="1941143"/>
+        <a:ext cx="735304" cy="845177"/>
+      </dsp:txXfrm>
+    </dsp:sp>
+    <dsp:sp modelId="{BCE9D7DD-49BB-4407-8E6D-CAC6D0FBCC17}">
+      <dsp:nvSpPr>
+        <dsp:cNvPr id="0" name=""/>
+        <dsp:cNvSpPr/>
+      </dsp:nvSpPr>
+      <dsp:spPr>
+        <a:xfrm>
+          <a:off x="0" y="1995372"/>
+          <a:ext cx="1326089" cy="736716"/>
+        </a:xfrm>
+        <a:prstGeom prst="rect">
+          <a:avLst/>
+        </a:prstGeom>
+        <a:noFill/>
+        <a:ln>
+          <a:noFill/>
+        </a:ln>
+        <a:effectLst/>
+      </dsp:spPr>
+      <dsp:style>
+        <a:lnRef idx="0">
+          <a:scrgbClr r="0" g="0" b="0"/>
+        </a:lnRef>
+        <a:fillRef idx="0">
+          <a:scrgbClr r="0" g="0" b="0"/>
+        </a:fillRef>
+        <a:effectRef idx="0">
+          <a:scrgbClr r="0" g="0" b="0"/>
+        </a:effectRef>
+        <a:fontRef idx="minor"/>
+      </dsp:style>
+    </dsp:sp>
+    <dsp:sp modelId="{2C67A862-E817-4F88-BCFE-C29FCDE5ADB7}">
+      <dsp:nvSpPr>
+        <dsp:cNvPr id="0" name=""/>
+        <dsp:cNvSpPr/>
+      </dsp:nvSpPr>
+      <dsp:spPr>
+        <a:xfrm rot="5400000">
+          <a:off x="2444179" y="1829611"/>
+          <a:ext cx="1227860" cy="1068238"/>
+        </a:xfrm>
+        <a:prstGeom prst="hexagon">
+          <a:avLst>
+            <a:gd name="adj" fmla="val 25000"/>
+            <a:gd name="vf" fmla="val 115470"/>
+          </a:avLst>
+        </a:prstGeom>
+        <a:solidFill>
+          <a:schemeClr val="accent1">
+            <a:hueOff val="0"/>
+            <a:satOff val="0"/>
+            <a:lumOff val="0"/>
+            <a:alphaOff val="0"/>
+          </a:schemeClr>
+        </a:solidFill>
+        <a:ln w="19050" cap="flat" cmpd="sng" algn="ctr">
+          <a:solidFill>
+            <a:schemeClr val="lt1">
+              <a:hueOff val="0"/>
+              <a:satOff val="0"/>
+              <a:lumOff val="0"/>
+              <a:alphaOff val="0"/>
+            </a:schemeClr>
+          </a:solidFill>
+          <a:prstDash val="solid"/>
+          <a:miter lim="800000"/>
+        </a:ln>
+        <a:effectLst/>
+      </dsp:spPr>
+      <dsp:style>
+        <a:lnRef idx="2">
+          <a:scrgbClr r="0" g="0" b="0"/>
+        </a:lnRef>
+        <a:fillRef idx="1">
+          <a:scrgbClr r="0" g="0" b="0"/>
+        </a:fillRef>
+        <a:effectRef idx="0">
+          <a:scrgbClr r="0" g="0" b="0"/>
+        </a:effectRef>
+        <a:fontRef idx="minor">
+          <a:schemeClr val="lt1"/>
+        </a:fontRef>
+      </dsp:style>
+      <dsp:txBody>
+        <a:bodyPr spcFirstLastPara="0" vert="horz" wrap="square" lIns="0" tIns="0" rIns="0" bIns="0" numCol="1" spcCol="1270" anchor="ctr" anchorCtr="0">
+          <a:noAutofit/>
+        </a:bodyPr>
+        <a:lstStyle/>
+        <a:p>
+          <a:pPr marL="0" lvl="0" indent="0" algn="ctr" defTabSz="800100">
+            <a:lnSpc>
+              <a:spcPct val="90000"/>
+            </a:lnSpc>
+            <a:spcBef>
+              <a:spcPct val="0"/>
+            </a:spcBef>
+            <a:spcAft>
+              <a:spcPct val="35000"/>
+            </a:spcAft>
+            <a:buNone/>
+          </a:pPr>
+          <a:r>
+            <a:rPr lang="en-US" sz="1800" kern="1200" dirty="0"/>
+            <a:t>Object</a:t>
+          </a:r>
+        </a:p>
+      </dsp:txBody>
+      <dsp:txXfrm rot="-5400000">
+        <a:off x="2690457" y="1941143"/>
+        <a:ext cx="735304" cy="845177"/>
+      </dsp:txXfrm>
+    </dsp:sp>
+    <dsp:sp modelId="{CF653713-6269-47D9-89D0-C9E9EBCD87C4}">
+      <dsp:nvSpPr>
+        <dsp:cNvPr id="0" name=""/>
+        <dsp:cNvSpPr/>
+      </dsp:nvSpPr>
+      <dsp:spPr>
+        <a:xfrm rot="5400000">
+          <a:off x="1869540" y="2871819"/>
+          <a:ext cx="1227860" cy="1068238"/>
+        </a:xfrm>
+        <a:prstGeom prst="hexagon">
+          <a:avLst>
+            <a:gd name="adj" fmla="val 25000"/>
+            <a:gd name="vf" fmla="val 115470"/>
+          </a:avLst>
+        </a:prstGeom>
+        <a:solidFill>
+          <a:schemeClr val="accent1">
+            <a:hueOff val="0"/>
+            <a:satOff val="0"/>
+            <a:lumOff val="0"/>
+            <a:alphaOff val="0"/>
+          </a:schemeClr>
+        </a:solidFill>
+        <a:ln w="19050" cap="flat" cmpd="sng" algn="ctr">
+          <a:solidFill>
+            <a:schemeClr val="lt1">
+              <a:hueOff val="0"/>
+              <a:satOff val="0"/>
+              <a:lumOff val="0"/>
+              <a:alphaOff val="0"/>
+            </a:schemeClr>
+          </a:solidFill>
+          <a:prstDash val="solid"/>
+          <a:miter lim="800000"/>
+        </a:ln>
+        <a:effectLst/>
+      </dsp:spPr>
+      <dsp:style>
+        <a:lnRef idx="2">
+          <a:scrgbClr r="0" g="0" b="0"/>
+        </a:lnRef>
+        <a:fillRef idx="1">
+          <a:scrgbClr r="0" g="0" b="0"/>
+        </a:fillRef>
+        <a:effectRef idx="0">
+          <a:scrgbClr r="0" g="0" b="0"/>
+        </a:effectRef>
+        <a:fontRef idx="minor">
+          <a:schemeClr val="lt1"/>
+        </a:fontRef>
+      </dsp:style>
+      <dsp:txBody>
+        <a:bodyPr spcFirstLastPara="0" vert="horz" wrap="square" lIns="60960" tIns="60960" rIns="60960" bIns="60960" numCol="1" spcCol="1270" anchor="ctr" anchorCtr="0">
+          <a:noAutofit/>
+        </a:bodyPr>
+        <a:lstStyle/>
+        <a:p>
+          <a:pPr marL="0" lvl="0" indent="0" algn="ctr" defTabSz="711200">
+            <a:lnSpc>
+              <a:spcPct val="90000"/>
+            </a:lnSpc>
+            <a:spcBef>
+              <a:spcPct val="0"/>
+            </a:spcBef>
+            <a:spcAft>
+              <a:spcPct val="35000"/>
+            </a:spcAft>
+            <a:buNone/>
+          </a:pPr>
+          <a:r>
+            <a:rPr lang="en-US" sz="1600" kern="1200" dirty="0"/>
+            <a:t>Object</a:t>
+          </a:r>
+        </a:p>
+      </dsp:txBody>
+      <dsp:txXfrm rot="-5400000">
+        <a:off x="2115818" y="2983351"/>
+        <a:ext cx="735304" cy="845177"/>
+      </dsp:txXfrm>
+    </dsp:sp>
+    <dsp:sp modelId="{EEF3DB73-7767-4DD2-A1B2-3079A7EEAD5A}">
+      <dsp:nvSpPr>
+        <dsp:cNvPr id="0" name=""/>
+        <dsp:cNvSpPr/>
+      </dsp:nvSpPr>
+      <dsp:spPr>
+        <a:xfrm>
+          <a:off x="3050006" y="3037580"/>
+          <a:ext cx="1370292" cy="736716"/>
+        </a:xfrm>
+        <a:prstGeom prst="rect">
+          <a:avLst/>
+        </a:prstGeom>
+        <a:noFill/>
+        <a:ln>
+          <a:noFill/>
+        </a:ln>
+        <a:effectLst/>
+      </dsp:spPr>
+      <dsp:style>
+        <a:lnRef idx="0">
+          <a:scrgbClr r="0" g="0" b="0"/>
+        </a:lnRef>
+        <a:fillRef idx="0">
+          <a:scrgbClr r="0" g="0" b="0"/>
+        </a:fillRef>
+        <a:effectRef idx="0">
+          <a:scrgbClr r="0" g="0" b="0"/>
+        </a:effectRef>
+        <a:fontRef idx="minor"/>
+      </dsp:style>
+    </dsp:sp>
+    <dsp:sp modelId="{56BF265A-C530-4336-B51E-49A2AD3D3C0E}">
+      <dsp:nvSpPr>
+        <dsp:cNvPr id="0" name=""/>
+        <dsp:cNvSpPr/>
+      </dsp:nvSpPr>
+      <dsp:spPr>
+        <a:xfrm rot="5400000">
+          <a:off x="715842" y="2871819"/>
+          <a:ext cx="1227860" cy="1068238"/>
+        </a:xfrm>
+        <a:prstGeom prst="hexagon">
+          <a:avLst>
+            <a:gd name="adj" fmla="val 25000"/>
+            <a:gd name="vf" fmla="val 115470"/>
+          </a:avLst>
+        </a:prstGeom>
+        <a:solidFill>
+          <a:schemeClr val="accent1">
+            <a:hueOff val="0"/>
+            <a:satOff val="0"/>
+            <a:lumOff val="0"/>
+            <a:alphaOff val="0"/>
+          </a:schemeClr>
+        </a:solidFill>
+        <a:ln w="19050" cap="flat" cmpd="sng" algn="ctr">
+          <a:solidFill>
+            <a:schemeClr val="lt1">
+              <a:hueOff val="0"/>
+              <a:satOff val="0"/>
+              <a:lumOff val="0"/>
+              <a:alphaOff val="0"/>
+            </a:schemeClr>
+          </a:solidFill>
+          <a:prstDash val="solid"/>
+          <a:miter lim="800000"/>
+        </a:ln>
+        <a:effectLst/>
+      </dsp:spPr>
+      <dsp:style>
+        <a:lnRef idx="2">
+          <a:scrgbClr r="0" g="0" b="0"/>
+        </a:lnRef>
+        <a:fillRef idx="1">
+          <a:scrgbClr r="0" g="0" b="0"/>
+        </a:fillRef>
+        <a:effectRef idx="0">
+          <a:scrgbClr r="0" g="0" b="0"/>
+        </a:effectRef>
+        <a:fontRef idx="minor">
+          <a:schemeClr val="lt1"/>
+        </a:fontRef>
+      </dsp:style>
+      <dsp:txBody>
+        <a:bodyPr spcFirstLastPara="0" vert="horz" wrap="square" lIns="0" tIns="0" rIns="0" bIns="0" numCol="1" spcCol="1270" anchor="ctr" anchorCtr="0">
+          <a:noAutofit/>
+        </a:bodyPr>
+        <a:lstStyle/>
+        <a:p>
+          <a:pPr marL="0" lvl="0" indent="0" algn="ctr" defTabSz="800100">
+            <a:lnSpc>
+              <a:spcPct val="90000"/>
+            </a:lnSpc>
+            <a:spcBef>
+              <a:spcPct val="0"/>
+            </a:spcBef>
+            <a:spcAft>
+              <a:spcPct val="35000"/>
+            </a:spcAft>
+            <a:buNone/>
+          </a:pPr>
+          <a:r>
+            <a:rPr lang="en-US" sz="1800" kern="1200" dirty="0"/>
+            <a:t>Object</a:t>
+          </a:r>
+        </a:p>
+      </dsp:txBody>
+      <dsp:txXfrm rot="-5400000">
+        <a:off x="962120" y="2983351"/>
+        <a:ext cx="735304" cy="845177"/>
+      </dsp:txXfrm>
+    </dsp:sp>
+  </dsp:spTree>
+</dsp:drawing>
+</file>
+
 <file path=ppt/diagrams/layout1.xml><?xml version="1.0" encoding="utf-8"?>
 <dgm:layoutDef xmlns:dgm="http://schemas.openxmlformats.org/drawingml/2006/diagram" xmlns:a="http://schemas.openxmlformats.org/drawingml/2006/main" uniqueId="urn:microsoft.com/office/officeart/2005/8/layout/chevron1">
   <dgm:title val=""/>
@@ -1746,7 +3389,1396 @@
 </dgm:layoutDef>
 </file>
 
+<file path=ppt/diagrams/layout2.xml><?xml version="1.0" encoding="utf-8"?>
+<dgm:layoutDef xmlns:dgm="http://schemas.openxmlformats.org/drawingml/2006/diagram" xmlns:a="http://schemas.openxmlformats.org/drawingml/2006/main" uniqueId="urn:microsoft.com/office/officeart/2008/layout/AlternatingHexagons">
+  <dgm:title val=""/>
+  <dgm:desc val=""/>
+  <dgm:catLst>
+    <dgm:cat type="list" pri="1500"/>
+  </dgm:catLst>
+  <dgm:sampData>
+    <dgm:dataModel>
+      <dgm:ptLst>
+        <dgm:pt modelId="0" type="doc"/>
+        <dgm:pt modelId="10">
+          <dgm:prSet phldr="1"/>
+        </dgm:pt>
+        <dgm:pt modelId="11">
+          <dgm:prSet phldr="1"/>
+        </dgm:pt>
+        <dgm:pt modelId="20">
+          <dgm:prSet phldr="1"/>
+        </dgm:pt>
+        <dgm:pt modelId="21">
+          <dgm:prSet phldr="1"/>
+        </dgm:pt>
+        <dgm:pt modelId="30">
+          <dgm:prSet phldr="1"/>
+        </dgm:pt>
+        <dgm:pt modelId="31">
+          <dgm:prSet phldr="1"/>
+        </dgm:pt>
+      </dgm:ptLst>
+      <dgm:cxnLst>
+        <dgm:cxn modelId="40" srcId="0" destId="10" srcOrd="0" destOrd="0"/>
+        <dgm:cxn modelId="12" srcId="10" destId="11" srcOrd="0" destOrd="0"/>
+        <dgm:cxn modelId="50" srcId="0" destId="20" srcOrd="1" destOrd="0"/>
+        <dgm:cxn modelId="22" srcId="20" destId="21" srcOrd="0" destOrd="0"/>
+        <dgm:cxn modelId="60" srcId="0" destId="30" srcOrd="1" destOrd="0"/>
+        <dgm:cxn modelId="32" srcId="30" destId="31" srcOrd="0" destOrd="0"/>
+      </dgm:cxnLst>
+      <dgm:bg/>
+      <dgm:whole/>
+    </dgm:dataModel>
+  </dgm:sampData>
+  <dgm:styleData>
+    <dgm:dataModel>
+      <dgm:ptLst>
+        <dgm:pt modelId="0" type="doc"/>
+        <dgm:pt modelId="10">
+          <dgm:prSet phldr="1"/>
+        </dgm:pt>
+        <dgm:pt modelId="20">
+          <dgm:prSet phldr="1"/>
+        </dgm:pt>
+      </dgm:ptLst>
+      <dgm:cxnLst>
+        <dgm:cxn modelId="60" srcId="0" destId="10" srcOrd="0" destOrd="0"/>
+        <dgm:cxn modelId="70" srcId="0" destId="20" srcOrd="1" destOrd="0"/>
+      </dgm:cxnLst>
+      <dgm:bg/>
+      <dgm:whole/>
+    </dgm:dataModel>
+  </dgm:styleData>
+  <dgm:clrData>
+    <dgm:dataModel>
+      <dgm:ptLst>
+        <dgm:pt modelId="0" type="doc"/>
+        <dgm:pt modelId="10">
+          <dgm:prSet phldr="1"/>
+        </dgm:pt>
+        <dgm:pt modelId="20">
+          <dgm:prSet phldr="1"/>
+        </dgm:pt>
+        <dgm:pt modelId="30">
+          <dgm:prSet phldr="1"/>
+        </dgm:pt>
+        <dgm:pt modelId="40">
+          <dgm:prSet phldr="1"/>
+        </dgm:pt>
+      </dgm:ptLst>
+      <dgm:cxnLst>
+        <dgm:cxn modelId="60" srcId="0" destId="10" srcOrd="0" destOrd="0"/>
+        <dgm:cxn modelId="70" srcId="0" destId="20" srcOrd="1" destOrd="0"/>
+        <dgm:cxn modelId="80" srcId="0" destId="30" srcOrd="2" destOrd="0"/>
+        <dgm:cxn modelId="90" srcId="0" destId="40" srcOrd="3" destOrd="0"/>
+      </dgm:cxnLst>
+      <dgm:bg/>
+      <dgm:whole/>
+    </dgm:dataModel>
+  </dgm:clrData>
+  <dgm:layoutNode name="Name0">
+    <dgm:varLst>
+      <dgm:chMax/>
+      <dgm:chPref/>
+      <dgm:dir/>
+      <dgm:animLvl val="lvl"/>
+    </dgm:varLst>
+    <dgm:alg type="lin">
+      <dgm:param type="linDir" val="fromT"/>
+    </dgm:alg>
+    <dgm:shape xmlns:r="http://schemas.openxmlformats.org/officeDocument/2006/relationships" r:blip="">
+      <dgm:adjLst/>
+    </dgm:shape>
+    <dgm:constrLst>
+      <dgm:constr type="primFontSz" for="des" forName="Parent1" val="65"/>
+      <dgm:constr type="primFontSz" for="des" forName="Childtext1" refType="primFontSz" refFor="des" refForName="Parent1" op="lte"/>
+      <dgm:constr type="w" for="ch" forName="composite" refType="w"/>
+      <dgm:constr type="h" for="ch" forName="composite" refType="h"/>
+      <dgm:constr type="h" for="ch" forName="spaceBetweenRectangles" refType="w" refFor="ch" refForName="composite" fact="-0.042"/>
+      <dgm:constr type="sp" refType="h" refFor="ch" refForName="composite" op="equ" fact="0.1"/>
+    </dgm:constrLst>
+    <dgm:forEach name="nodesForEach" axis="ch" ptType="node">
+      <dgm:layoutNode name="composite">
+        <dgm:alg type="composite">
+          <dgm:param type="ar" val="3.6"/>
+        </dgm:alg>
+        <dgm:shape xmlns:r="http://schemas.openxmlformats.org/officeDocument/2006/relationships" r:blip="">
+          <dgm:adjLst/>
+        </dgm:shape>
+        <dgm:choose name="Name1">
+          <dgm:if name="Name2" func="var" arg="dir" op="equ" val="norm">
+            <dgm:choose name="Name3">
+              <dgm:if name="Name4" axis="self" ptType="node" func="posOdd" op="equ" val="1">
+                <dgm:constrLst>
+                  <dgm:constr type="l" for="ch" forName="Accent1" refType="w" fact="0.18"/>
+                  <dgm:constr type="t" for="ch" forName="Accent1" refType="h" fact="0"/>
+                  <dgm:constr type="h" for="ch" forName="Accent1" refType="h"/>
+                  <dgm:constr type="w" for="ch" forName="Accent1" refType="h" fact="0.87"/>
+                  <dgm:constr type="l" for="ch" forName="Accent1Text" refType="w" fact="0.18"/>
+                  <dgm:constr type="t" for="ch" forName="Accent1Text" refType="h" fact="0"/>
+                  <dgm:constr type="h" for="ch" forName="Accent1Text" refType="h"/>
+                  <dgm:constr type="w" for="ch" forName="Accent1Text" refType="h" fact="0.87"/>
+                  <dgm:constr type="l" for="ch" forName="Parent1" refType="w" fact="0.441"/>
+                  <dgm:constr type="t" for="ch" forName="Parent1" refType="h" fact="0"/>
+                  <dgm:constr type="h" for="ch" forName="Parent1" refType="h"/>
+                  <dgm:constr type="w" for="ch" forName="Parent1" refType="h" fact="0.87"/>
+                  <dgm:constr type="l" for="ch" forName="Childtext1" refType="w" fact="0.69"/>
+                  <dgm:constr type="t" for="ch" forName="Childtext1" refType="h" fact="0.2"/>
+                  <dgm:constr type="w" for="ch" forName="Childtext1" refType="w" fact="0.31"/>
+                  <dgm:constr type="h" for="ch" forName="Childtext1" refType="h" fact="0.6"/>
+                  <dgm:constr type="l" for="ch" forName="BalanceSpacing" refType="w" fact="0"/>
+                  <dgm:constr type="t" for="ch" forName="BalanceSpacing" refType="h" fact="0"/>
+                  <dgm:constr type="w" for="ch" forName="BalanceSpacing" refType="w"/>
+                  <dgm:constr type="h" for="ch" forName="BalanceSpacing" refType="h" fact="0.1"/>
+                  <dgm:constr type="l" for="ch" forName="BalanceSpacing1" refType="w" fact="0.69"/>
+                  <dgm:constr type="t" for="ch" forName="BalanceSpacing1" refType="h" fact="0.2"/>
+                  <dgm:constr type="w" for="ch" forName="BalanceSpacing1" refType="w" fact="0.31"/>
+                  <dgm:constr type="h" for="ch" forName="BalanceSpacing1" refType="h" fact="0.6"/>
+                </dgm:constrLst>
+              </dgm:if>
+              <dgm:else name="Name5">
+                <dgm:constrLst>
+                  <dgm:constr type="l" for="ch" forName="Accent1" refType="w" fact="0.571"/>
+                  <dgm:constr type="t" for="ch" forName="Accent1" refType="h" fact="0"/>
+                  <dgm:constr type="h" for="ch" forName="Accent1" refType="h"/>
+                  <dgm:constr type="w" for="ch" forName="Accent1" refType="h" fact="0.87"/>
+                  <dgm:constr type="l" for="ch" forName="Accent1Text" refType="w" fact="0.571"/>
+                  <dgm:constr type="t" for="ch" forName="Accent1Text" refType="h" fact="0"/>
+                  <dgm:constr type="h" for="ch" forName="Accent1Text" refType="h"/>
+                  <dgm:constr type="w" for="ch" forName="Accent1Text" refType="h" fact="0.87"/>
+                  <dgm:constr type="l" for="ch" forName="Parent1" refType="w" fact="0.31"/>
+                  <dgm:constr type="t" for="ch" forName="Parent1" refType="h" fact="0"/>
+                  <dgm:constr type="h" for="ch" forName="Parent1" refType="h"/>
+                  <dgm:constr type="w" for="ch" forName="Parent1" refType="h" fact="0.87"/>
+                  <dgm:constr type="l" for="ch" forName="Childtext1" refType="w" fact="0"/>
+                  <dgm:constr type="t" for="ch" forName="Childtext1" refType="h" fact="0.2"/>
+                  <dgm:constr type="w" for="ch" forName="Childtext1" refType="w" fact="0.3"/>
+                  <dgm:constr type="h" for="ch" forName="Childtext1" refType="h" fact="0.6"/>
+                  <dgm:constr type="l" for="ch" forName="BalanceSpacing" refType="w" fact="0.82"/>
+                  <dgm:constr type="t" for="ch" forName="BalanceSpacing" refType="h" fact="0"/>
+                  <dgm:constr type="w" for="ch" forName="BalanceSpacing" refType="w" fact="0.18"/>
+                  <dgm:constr type="h" for="ch" forName="BalanceSpacing" refType="h"/>
+                  <dgm:constr type="l" for="ch" forName="BalanceSpacing1" refType="w" fact="0"/>
+                  <dgm:constr type="t" for="ch" forName="BalanceSpacing1" refType="h" fact="0.2"/>
+                  <dgm:constr type="w" for="ch" forName="BalanceSpacing1" refType="w" fact="0.3"/>
+                  <dgm:constr type="h" for="ch" forName="BalanceSpacing1" refType="h" fact="0.6"/>
+                </dgm:constrLst>
+              </dgm:else>
+            </dgm:choose>
+          </dgm:if>
+          <dgm:else name="Name6">
+            <dgm:choose name="Name7">
+              <dgm:if name="Name8" axis="self" ptType="node" func="posOdd" op="equ" val="1">
+                <dgm:constrLst>
+                  <dgm:constr type="l" for="ch" forName="Accent1" refType="w" fact="0.571"/>
+                  <dgm:constr type="t" for="ch" forName="Accent1" refType="h" fact="0"/>
+                  <dgm:constr type="h" for="ch" forName="Accent1" refType="h"/>
+                  <dgm:constr type="w" for="ch" forName="Accent1" refType="h" fact="0.87"/>
+                  <dgm:constr type="l" for="ch" forName="Accent1Text" refType="w" fact="0.571"/>
+                  <dgm:constr type="t" for="ch" forName="Accent1Text" refType="h" fact="0"/>
+                  <dgm:constr type="h" for="ch" forName="Accent1Text" refType="h"/>
+                  <dgm:constr type="w" for="ch" forName="Accent1Text" refType="h" fact="0.87"/>
+                  <dgm:constr type="l" for="ch" forName="Parent1" refType="w" fact="0.31"/>
+                  <dgm:constr type="t" for="ch" forName="Parent1" refType="h" fact="0"/>
+                  <dgm:constr type="h" for="ch" forName="Parent1" refType="h"/>
+                  <dgm:constr type="w" for="ch" forName="Parent1" refType="h" fact="0.87"/>
+                  <dgm:constr type="l" for="ch" forName="Childtext1" refType="w" fact="0"/>
+                  <dgm:constr type="t" for="ch" forName="Childtext1" refType="h" fact="0.2"/>
+                  <dgm:constr type="w" for="ch" forName="Childtext1" refType="w" fact="0.3"/>
+                  <dgm:constr type="h" for="ch" forName="Childtext1" refType="h" fact="0.6"/>
+                  <dgm:constr type="l" for="ch" forName="BalanceSpacing" refType="w" fact="0.82"/>
+                  <dgm:constr type="t" for="ch" forName="BalanceSpacing" refType="h" fact="0"/>
+                  <dgm:constr type="w" for="ch" forName="BalanceSpacing" refType="w" fact="0.18"/>
+                  <dgm:constr type="h" for="ch" forName="BalanceSpacing" refType="h"/>
+                </dgm:constrLst>
+              </dgm:if>
+              <dgm:else name="Name9">
+                <dgm:constrLst>
+                  <dgm:constr type="l" for="ch" forName="Accent1" refType="w" fact="0.18"/>
+                  <dgm:constr type="t" for="ch" forName="Accent1" refType="h" fact="0"/>
+                  <dgm:constr type="h" for="ch" forName="Accent1" refType="h"/>
+                  <dgm:constr type="w" for="ch" forName="Accent1" refType="h" fact="0.87"/>
+                  <dgm:constr type="l" for="ch" forName="Accent1Text" refType="w" fact="0.18"/>
+                  <dgm:constr type="t" for="ch" forName="Accent1Text" refType="h" fact="0"/>
+                  <dgm:constr type="h" for="ch" forName="Accent1Text" refType="h"/>
+                  <dgm:constr type="w" for="ch" forName="Accent1Text" refType="h" fact="0.87"/>
+                  <dgm:constr type="l" for="ch" forName="Parent1" refType="w" fact="0.441"/>
+                  <dgm:constr type="t" for="ch" forName="Parent1" refType="h" fact="0"/>
+                  <dgm:constr type="h" for="ch" forName="Parent1" refType="h"/>
+                  <dgm:constr type="w" for="ch" forName="Parent1" refType="h" fact="0.87"/>
+                  <dgm:constr type="l" for="ch" forName="Childtext1" refType="w" fact="0.69"/>
+                  <dgm:constr type="t" for="ch" forName="Childtext1" refType="h" fact="0.2"/>
+                  <dgm:constr type="w" for="ch" forName="Childtext1" refType="w" fact="0.31"/>
+                  <dgm:constr type="h" for="ch" forName="Childtext1" refType="h" fact="0.6"/>
+                  <dgm:constr type="l" for="ch" forName="BalanceSpacing" refType="w" fact="0"/>
+                  <dgm:constr type="t" for="ch" forName="BalanceSpacing" refType="h" fact="0"/>
+                  <dgm:constr type="w" for="ch" forName="BalanceSpacing" refType="w" fact="0.18"/>
+                  <dgm:constr type="h" for="ch" forName="BalanceSpacing" refType="h"/>
+                </dgm:constrLst>
+              </dgm:else>
+            </dgm:choose>
+          </dgm:else>
+        </dgm:choose>
+        <dgm:layoutNode name="Parent1" styleLbl="node1">
+          <dgm:varLst>
+            <dgm:chMax val="1"/>
+            <dgm:chPref val="1"/>
+            <dgm:bulletEnabled val="1"/>
+          </dgm:varLst>
+          <dgm:alg type="tx"/>
+          <dgm:shape xmlns:r="http://schemas.openxmlformats.org/officeDocument/2006/relationships" rot="90" type="hexagon" r:blip="">
+            <dgm:adjLst>
+              <dgm:adj idx="1" val="0.25"/>
+              <dgm:adj idx="2" val="1.1547"/>
+            </dgm:adjLst>
+          </dgm:shape>
+          <dgm:presOf axis="self" ptType="node"/>
+          <dgm:constrLst>
+            <dgm:constr type="lMarg" refType="primFontSz" fact="0.3"/>
+            <dgm:constr type="rMarg" refType="primFontSz" fact="0.3"/>
+            <dgm:constr type="tMarg" refType="primFontSz" fact="0.3"/>
+            <dgm:constr type="bMarg" refType="primFontSz" fact="0.3"/>
+          </dgm:constrLst>
+          <dgm:ruleLst>
+            <dgm:rule type="primFontSz" val="5" fact="NaN" max="NaN"/>
+          </dgm:ruleLst>
+        </dgm:layoutNode>
+        <dgm:layoutNode name="Childtext1" styleLbl="revTx">
+          <dgm:varLst>
+            <dgm:chMax val="0"/>
+            <dgm:chPref val="0"/>
+            <dgm:bulletEnabled val="1"/>
+          </dgm:varLst>
+          <dgm:choose name="Name10">
+            <dgm:if name="Name11" func="var" arg="dir" op="equ" val="norm">
+              <dgm:choose name="Name12">
+                <dgm:if name="Name13" axis="self" ptType="node" func="posOdd" op="equ" val="1">
+                  <dgm:alg type="tx">
+                    <dgm:param type="parTxLTRAlign" val="l"/>
+                  </dgm:alg>
+                </dgm:if>
+                <dgm:else name="Name14">
+                  <dgm:alg type="tx">
+                    <dgm:param type="parTxLTRAlign" val="r"/>
+                  </dgm:alg>
+                </dgm:else>
+              </dgm:choose>
+            </dgm:if>
+            <dgm:else name="Name15">
+              <dgm:choose name="Name16">
+                <dgm:if name="Name17" axis="self" ptType="node" func="posOdd" op="equ" val="1">
+                  <dgm:alg type="tx">
+                    <dgm:param type="parTxLTRAlign" val="r"/>
+                  </dgm:alg>
+                </dgm:if>
+                <dgm:else name="Name18">
+                  <dgm:alg type="tx">
+                    <dgm:param type="parTxLTRAlign" val="l"/>
+                  </dgm:alg>
+                </dgm:else>
+              </dgm:choose>
+            </dgm:else>
+          </dgm:choose>
+          <dgm:shape xmlns:r="http://schemas.openxmlformats.org/officeDocument/2006/relationships" type="rect" r:blip="">
+            <dgm:adjLst/>
+          </dgm:shape>
+          <dgm:presOf axis="des" ptType="node"/>
+          <dgm:constrLst>
+            <dgm:constr type="lMarg" refType="primFontSz" fact="0.3"/>
+            <dgm:constr type="rMarg" refType="primFontSz" fact="0.3"/>
+            <dgm:constr type="tMarg" refType="primFontSz" fact="0.3"/>
+            <dgm:constr type="bMarg" refType="primFontSz" fact="0.3"/>
+          </dgm:constrLst>
+          <dgm:ruleLst>
+            <dgm:rule type="primFontSz" val="5" fact="NaN" max="NaN"/>
+          </dgm:ruleLst>
+        </dgm:layoutNode>
+        <dgm:layoutNode name="BalanceSpacing">
+          <dgm:alg type="sp"/>
+          <dgm:shape xmlns:r="http://schemas.openxmlformats.org/officeDocument/2006/relationships" r:blip="">
+            <dgm:adjLst/>
+          </dgm:shape>
+        </dgm:layoutNode>
+        <dgm:layoutNode name="BalanceSpacing1">
+          <dgm:alg type="sp"/>
+          <dgm:shape xmlns:r="http://schemas.openxmlformats.org/officeDocument/2006/relationships" r:blip="">
+            <dgm:adjLst/>
+          </dgm:shape>
+        </dgm:layoutNode>
+        <dgm:forEach name="Name19" axis="followSib" ptType="sibTrans" hideLastTrans="0" cnt="1">
+          <dgm:layoutNode name="Accent1Text" styleLbl="node1">
+            <dgm:alg type="tx"/>
+            <dgm:shape xmlns:r="http://schemas.openxmlformats.org/officeDocument/2006/relationships" rot="90" type="hexagon" r:blip="">
+              <dgm:adjLst>
+                <dgm:adj idx="1" val="0.25"/>
+                <dgm:adj idx="2" val="1.1547"/>
+              </dgm:adjLst>
+            </dgm:shape>
+            <dgm:presOf axis="self" ptType="sibTrans"/>
+            <dgm:constrLst>
+              <dgm:constr type="lMarg"/>
+              <dgm:constr type="rMarg"/>
+              <dgm:constr type="tMarg"/>
+              <dgm:constr type="bMarg"/>
+            </dgm:constrLst>
+            <dgm:ruleLst>
+              <dgm:rule type="primFontSz" val="5" fact="NaN" max="NaN"/>
+            </dgm:ruleLst>
+          </dgm:layoutNode>
+        </dgm:forEach>
+      </dgm:layoutNode>
+      <dgm:forEach name="Name20" axis="followSib" ptType="sibTrans" cnt="1">
+        <dgm:layoutNode name="spaceBetweenRectangles">
+          <dgm:alg type="sp"/>
+          <dgm:shape xmlns:r="http://schemas.openxmlformats.org/officeDocument/2006/relationships" r:blip="">
+            <dgm:adjLst/>
+          </dgm:shape>
+          <dgm:presOf/>
+          <dgm:constrLst/>
+          <dgm:ruleLst/>
+        </dgm:layoutNode>
+      </dgm:forEach>
+    </dgm:forEach>
+  </dgm:layoutNode>
+</dgm:layoutDef>
+</file>
+
 <file path=ppt/diagrams/quickStyle1.xml><?xml version="1.0" encoding="utf-8"?>
+<dgm:styleDef xmlns:dgm="http://schemas.openxmlformats.org/drawingml/2006/diagram" xmlns:a="http://schemas.openxmlformats.org/drawingml/2006/main" uniqueId="urn:microsoft.com/office/officeart/2005/8/quickstyle/simple1">
+  <dgm:title val=""/>
+  <dgm:desc val=""/>
+  <dgm:catLst>
+    <dgm:cat type="simple" pri="10100"/>
+  </dgm:catLst>
+  <dgm:scene3d>
+    <a:camera prst="orthographicFront"/>
+    <a:lightRig rig="threePt" dir="t"/>
+  </dgm:scene3d>
+  <dgm:styleLbl name="node0">
+    <dgm:scene3d>
+      <a:camera prst="orthographicFront"/>
+      <a:lightRig rig="threePt" dir="t"/>
+    </dgm:scene3d>
+    <dgm:sp3d/>
+    <dgm:txPr/>
+    <dgm:style>
+      <a:lnRef idx="2">
+        <a:scrgbClr r="0" g="0" b="0"/>
+      </a:lnRef>
+      <a:fillRef idx="1">
+        <a:scrgbClr r="0" g="0" b="0"/>
+      </a:fillRef>
+      <a:effectRef idx="0">
+        <a:scrgbClr r="0" g="0" b="0"/>
+      </a:effectRef>
+      <a:fontRef idx="minor">
+        <a:schemeClr val="lt1"/>
+      </a:fontRef>
+    </dgm:style>
+  </dgm:styleLbl>
+  <dgm:styleLbl name="lnNode1">
+    <dgm:scene3d>
+      <a:camera prst="orthographicFront"/>
+      <a:lightRig rig="threePt" dir="t"/>
+    </dgm:scene3d>
+    <dgm:sp3d/>
+    <dgm:txPr/>
+    <dgm:style>
+      <a:lnRef idx="2">
+        <a:scrgbClr r="0" g="0" b="0"/>
+      </a:lnRef>
+      <a:fillRef idx="1">
+        <a:scrgbClr r="0" g="0" b="0"/>
+      </a:fillRef>
+      <a:effectRef idx="0">
+        <a:scrgbClr r="0" g="0" b="0"/>
+      </a:effectRef>
+      <a:fontRef idx="minor">
+        <a:schemeClr val="lt1"/>
+      </a:fontRef>
+    </dgm:style>
+  </dgm:styleLbl>
+  <dgm:styleLbl name="vennNode1">
+    <dgm:scene3d>
+      <a:camera prst="orthographicFront"/>
+      <a:lightRig rig="threePt" dir="t"/>
+    </dgm:scene3d>
+    <dgm:sp3d/>
+    <dgm:txPr/>
+    <dgm:style>
+      <a:lnRef idx="2">
+        <a:scrgbClr r="0" g="0" b="0"/>
+      </a:lnRef>
+      <a:fillRef idx="1">
+        <a:scrgbClr r="0" g="0" b="0"/>
+      </a:fillRef>
+      <a:effectRef idx="0">
+        <a:scrgbClr r="0" g="0" b="0"/>
+      </a:effectRef>
+      <a:fontRef idx="minor">
+        <a:schemeClr val="tx1"/>
+      </a:fontRef>
+    </dgm:style>
+  </dgm:styleLbl>
+  <dgm:styleLbl name="alignNode1">
+    <dgm:scene3d>
+      <a:camera prst="orthographicFront"/>
+      <a:lightRig rig="threePt" dir="t"/>
+    </dgm:scene3d>
+    <dgm:sp3d/>
+    <dgm:txPr/>
+    <dgm:style>
+      <a:lnRef idx="2">
+        <a:scrgbClr r="0" g="0" b="0"/>
+      </a:lnRef>
+      <a:fillRef idx="1">
+        <a:scrgbClr r="0" g="0" b="0"/>
+      </a:fillRef>
+      <a:effectRef idx="0">
+        <a:scrgbClr r="0" g="0" b="0"/>
+      </a:effectRef>
+      <a:fontRef idx="minor">
+        <a:schemeClr val="lt1"/>
+      </a:fontRef>
+    </dgm:style>
+  </dgm:styleLbl>
+  <dgm:styleLbl name="node1">
+    <dgm:scene3d>
+      <a:camera prst="orthographicFront"/>
+      <a:lightRig rig="threePt" dir="t"/>
+    </dgm:scene3d>
+    <dgm:sp3d/>
+    <dgm:txPr/>
+    <dgm:style>
+      <a:lnRef idx="2">
+        <a:scrgbClr r="0" g="0" b="0"/>
+      </a:lnRef>
+      <a:fillRef idx="1">
+        <a:scrgbClr r="0" g="0" b="0"/>
+      </a:fillRef>
+      <a:effectRef idx="0">
+        <a:scrgbClr r="0" g="0" b="0"/>
+      </a:effectRef>
+      <a:fontRef idx="minor">
+        <a:schemeClr val="lt1"/>
+      </a:fontRef>
+    </dgm:style>
+  </dgm:styleLbl>
+  <dgm:styleLbl name="node2">
+    <dgm:scene3d>
+      <a:camera prst="orthographicFront"/>
+      <a:lightRig rig="threePt" dir="t"/>
+    </dgm:scene3d>
+    <dgm:sp3d/>
+    <dgm:txPr/>
+    <dgm:style>
+      <a:lnRef idx="2">
+        <a:scrgbClr r="0" g="0" b="0"/>
+      </a:lnRef>
+      <a:fillRef idx="1">
+        <a:scrgbClr r="0" g="0" b="0"/>
+      </a:fillRef>
+      <a:effectRef idx="0">
+        <a:scrgbClr r="0" g="0" b="0"/>
+      </a:effectRef>
+      <a:fontRef idx="minor">
+        <a:schemeClr val="lt1"/>
+      </a:fontRef>
+    </dgm:style>
+  </dgm:styleLbl>
+  <dgm:styleLbl name="node3">
+    <dgm:scene3d>
+      <a:camera prst="orthographicFront"/>
+      <a:lightRig rig="threePt" dir="t"/>
+    </dgm:scene3d>
+    <dgm:sp3d/>
+    <dgm:txPr/>
+    <dgm:style>
+      <a:lnRef idx="2">
+        <a:scrgbClr r="0" g="0" b="0"/>
+      </a:lnRef>
+      <a:fillRef idx="1">
+        <a:scrgbClr r="0" g="0" b="0"/>
+      </a:fillRef>
+      <a:effectRef idx="0">
+        <a:scrgbClr r="0" g="0" b="0"/>
+      </a:effectRef>
+      <a:fontRef idx="minor">
+        <a:schemeClr val="lt1"/>
+      </a:fontRef>
+    </dgm:style>
+  </dgm:styleLbl>
+  <dgm:styleLbl name="node4">
+    <dgm:scene3d>
+      <a:camera prst="orthographicFront"/>
+      <a:lightRig rig="threePt" dir="t"/>
+    </dgm:scene3d>
+    <dgm:sp3d/>
+    <dgm:txPr/>
+    <dgm:style>
+      <a:lnRef idx="2">
+        <a:scrgbClr r="0" g="0" b="0"/>
+      </a:lnRef>
+      <a:fillRef idx="1">
+        <a:scrgbClr r="0" g="0" b="0"/>
+      </a:fillRef>
+      <a:effectRef idx="0">
+        <a:scrgbClr r="0" g="0" b="0"/>
+      </a:effectRef>
+      <a:fontRef idx="minor">
+        <a:schemeClr val="lt1"/>
+      </a:fontRef>
+    </dgm:style>
+  </dgm:styleLbl>
+  <dgm:styleLbl name="fgImgPlace1">
+    <dgm:scene3d>
+      <a:camera prst="orthographicFront"/>
+      <a:lightRig rig="threePt" dir="t"/>
+    </dgm:scene3d>
+    <dgm:sp3d/>
+    <dgm:txPr/>
+    <dgm:style>
+      <a:lnRef idx="2">
+        <a:scrgbClr r="0" g="0" b="0"/>
+      </a:lnRef>
+      <a:fillRef idx="1">
+        <a:scrgbClr r="0" g="0" b="0"/>
+      </a:fillRef>
+      <a:effectRef idx="0">
+        <a:scrgbClr r="0" g="0" b="0"/>
+      </a:effectRef>
+      <a:fontRef idx="minor"/>
+    </dgm:style>
+  </dgm:styleLbl>
+  <dgm:styleLbl name="alignImgPlace1">
+    <dgm:scene3d>
+      <a:camera prst="orthographicFront"/>
+      <a:lightRig rig="threePt" dir="t"/>
+    </dgm:scene3d>
+    <dgm:sp3d/>
+    <dgm:txPr/>
+    <dgm:style>
+      <a:lnRef idx="2">
+        <a:scrgbClr r="0" g="0" b="0"/>
+      </a:lnRef>
+      <a:fillRef idx="1">
+        <a:scrgbClr r="0" g="0" b="0"/>
+      </a:fillRef>
+      <a:effectRef idx="0">
+        <a:scrgbClr r="0" g="0" b="0"/>
+      </a:effectRef>
+      <a:fontRef idx="minor"/>
+    </dgm:style>
+  </dgm:styleLbl>
+  <dgm:styleLbl name="bgImgPlace1">
+    <dgm:scene3d>
+      <a:camera prst="orthographicFront"/>
+      <a:lightRig rig="threePt" dir="t"/>
+    </dgm:scene3d>
+    <dgm:sp3d/>
+    <dgm:txPr/>
+    <dgm:style>
+      <a:lnRef idx="2">
+        <a:scrgbClr r="0" g="0" b="0"/>
+      </a:lnRef>
+      <a:fillRef idx="1">
+        <a:scrgbClr r="0" g="0" b="0"/>
+      </a:fillRef>
+      <a:effectRef idx="0">
+        <a:scrgbClr r="0" g="0" b="0"/>
+      </a:effectRef>
+      <a:fontRef idx="minor"/>
+    </dgm:style>
+  </dgm:styleLbl>
+  <dgm:styleLbl name="sibTrans2D1">
+    <dgm:scene3d>
+      <a:camera prst="orthographicFront"/>
+      <a:lightRig rig="threePt" dir="t"/>
+    </dgm:scene3d>
+    <dgm:sp3d/>
+    <dgm:txPr/>
+    <dgm:style>
+      <a:lnRef idx="0">
+        <a:scrgbClr r="0" g="0" b="0"/>
+      </a:lnRef>
+      <a:fillRef idx="1">
+        <a:scrgbClr r="0" g="0" b="0"/>
+      </a:fillRef>
+      <a:effectRef idx="0">
+        <a:scrgbClr r="0" g="0" b="0"/>
+      </a:effectRef>
+      <a:fontRef idx="minor">
+        <a:schemeClr val="lt1"/>
+      </a:fontRef>
+    </dgm:style>
+  </dgm:styleLbl>
+  <dgm:styleLbl name="fgSibTrans2D1">
+    <dgm:scene3d>
+      <a:camera prst="orthographicFront"/>
+      <a:lightRig rig="threePt" dir="t"/>
+    </dgm:scene3d>
+    <dgm:sp3d/>
+    <dgm:txPr/>
+    <dgm:style>
+      <a:lnRef idx="0">
+        <a:scrgbClr r="0" g="0" b="0"/>
+      </a:lnRef>
+      <a:fillRef idx="1">
+        <a:scrgbClr r="0" g="0" b="0"/>
+      </a:fillRef>
+      <a:effectRef idx="0">
+        <a:scrgbClr r="0" g="0" b="0"/>
+      </a:effectRef>
+      <a:fontRef idx="minor">
+        <a:schemeClr val="lt1"/>
+      </a:fontRef>
+    </dgm:style>
+  </dgm:styleLbl>
+  <dgm:styleLbl name="bgSibTrans2D1">
+    <dgm:scene3d>
+      <a:camera prst="orthographicFront"/>
+      <a:lightRig rig="threePt" dir="t"/>
+    </dgm:scene3d>
+    <dgm:sp3d/>
+    <dgm:txPr/>
+    <dgm:style>
+      <a:lnRef idx="0">
+        <a:scrgbClr r="0" g="0" b="0"/>
+      </a:lnRef>
+      <a:fillRef idx="1">
+        <a:scrgbClr r="0" g="0" b="0"/>
+      </a:fillRef>
+      <a:effectRef idx="0">
+        <a:scrgbClr r="0" g="0" b="0"/>
+      </a:effectRef>
+      <a:fontRef idx="minor">
+        <a:schemeClr val="lt1"/>
+      </a:fontRef>
+    </dgm:style>
+  </dgm:styleLbl>
+  <dgm:styleLbl name="sibTrans1D1">
+    <dgm:scene3d>
+      <a:camera prst="orthographicFront"/>
+      <a:lightRig rig="threePt" dir="t"/>
+    </dgm:scene3d>
+    <dgm:sp3d/>
+    <dgm:txPr/>
+    <dgm:style>
+      <a:lnRef idx="1">
+        <a:scrgbClr r="0" g="0" b="0"/>
+      </a:lnRef>
+      <a:fillRef idx="0">
+        <a:scrgbClr r="0" g="0" b="0"/>
+      </a:fillRef>
+      <a:effectRef idx="0">
+        <a:scrgbClr r="0" g="0" b="0"/>
+      </a:effectRef>
+      <a:fontRef idx="minor"/>
+    </dgm:style>
+  </dgm:styleLbl>
+  <dgm:styleLbl name="callout">
+    <dgm:scene3d>
+      <a:camera prst="orthographicFront"/>
+      <a:lightRig rig="threePt" dir="t"/>
+    </dgm:scene3d>
+    <dgm:sp3d/>
+    <dgm:txPr/>
+    <dgm:style>
+      <a:lnRef idx="2">
+        <a:scrgbClr r="0" g="0" b="0"/>
+      </a:lnRef>
+      <a:fillRef idx="1">
+        <a:scrgbClr r="0" g="0" b="0"/>
+      </a:fillRef>
+      <a:effectRef idx="0">
+        <a:scrgbClr r="0" g="0" b="0"/>
+      </a:effectRef>
+      <a:fontRef idx="minor"/>
+    </dgm:style>
+  </dgm:styleLbl>
+  <dgm:styleLbl name="asst0">
+    <dgm:scene3d>
+      <a:camera prst="orthographicFront"/>
+      <a:lightRig rig="threePt" dir="t"/>
+    </dgm:scene3d>
+    <dgm:sp3d/>
+    <dgm:txPr/>
+    <dgm:style>
+      <a:lnRef idx="2">
+        <a:scrgbClr r="0" g="0" b="0"/>
+      </a:lnRef>
+      <a:fillRef idx="1">
+        <a:scrgbClr r="0" g="0" b="0"/>
+      </a:fillRef>
+      <a:effectRef idx="0">
+        <a:scrgbClr r="0" g="0" b="0"/>
+      </a:effectRef>
+      <a:fontRef idx="minor">
+        <a:schemeClr val="lt1"/>
+      </a:fontRef>
+    </dgm:style>
+  </dgm:styleLbl>
+  <dgm:styleLbl name="asst1">
+    <dgm:scene3d>
+      <a:camera prst="orthographicFront"/>
+      <a:lightRig rig="threePt" dir="t"/>
+    </dgm:scene3d>
+    <dgm:sp3d/>
+    <dgm:txPr/>
+    <dgm:style>
+      <a:lnRef idx="2">
+        <a:scrgbClr r="0" g="0" b="0"/>
+      </a:lnRef>
+      <a:fillRef idx="1">
+        <a:scrgbClr r="0" g="0" b="0"/>
+      </a:fillRef>
+      <a:effectRef idx="0">
+        <a:scrgbClr r="0" g="0" b="0"/>
+      </a:effectRef>
+      <a:fontRef idx="minor">
+        <a:schemeClr val="lt1"/>
+      </a:fontRef>
+    </dgm:style>
+  </dgm:styleLbl>
+  <dgm:styleLbl name="asst2">
+    <dgm:scene3d>
+      <a:camera prst="orthographicFront"/>
+      <a:lightRig rig="threePt" dir="t"/>
+    </dgm:scene3d>
+    <dgm:sp3d/>
+    <dgm:txPr/>
+    <dgm:style>
+      <a:lnRef idx="2">
+        <a:scrgbClr r="0" g="0" b="0"/>
+      </a:lnRef>
+      <a:fillRef idx="1">
+        <a:scrgbClr r="0" g="0" b="0"/>
+      </a:fillRef>
+      <a:effectRef idx="0">
+        <a:scrgbClr r="0" g="0" b="0"/>
+      </a:effectRef>
+      <a:fontRef idx="minor">
+        <a:schemeClr val="lt1"/>
+      </a:fontRef>
+    </dgm:style>
+  </dgm:styleLbl>
+  <dgm:styleLbl name="asst3">
+    <dgm:scene3d>
+      <a:camera prst="orthographicFront"/>
+      <a:lightRig rig="threePt" dir="t"/>
+    </dgm:scene3d>
+    <dgm:sp3d/>
+    <dgm:txPr/>
+    <dgm:style>
+      <a:lnRef idx="2">
+        <a:scrgbClr r="0" g="0" b="0"/>
+      </a:lnRef>
+      <a:fillRef idx="1">
+        <a:scrgbClr r="0" g="0" b="0"/>
+      </a:fillRef>
+      <a:effectRef idx="0">
+        <a:scrgbClr r="0" g="0" b="0"/>
+      </a:effectRef>
+      <a:fontRef idx="minor">
+        <a:schemeClr val="lt1"/>
+      </a:fontRef>
+    </dgm:style>
+  </dgm:styleLbl>
+  <dgm:styleLbl name="asst4">
+    <dgm:scene3d>
+      <a:camera prst="orthographicFront"/>
+      <a:lightRig rig="threePt" dir="t"/>
+    </dgm:scene3d>
+    <dgm:sp3d/>
+    <dgm:txPr/>
+    <dgm:style>
+      <a:lnRef idx="2">
+        <a:scrgbClr r="0" g="0" b="0"/>
+      </a:lnRef>
+      <a:fillRef idx="1">
+        <a:scrgbClr r="0" g="0" b="0"/>
+      </a:fillRef>
+      <a:effectRef idx="0">
+        <a:scrgbClr r="0" g="0" b="0"/>
+      </a:effectRef>
+      <a:fontRef idx="minor">
+        <a:schemeClr val="lt1"/>
+      </a:fontRef>
+    </dgm:style>
+  </dgm:styleLbl>
+  <dgm:styleLbl name="parChTrans2D1">
+    <dgm:scene3d>
+      <a:camera prst="orthographicFront"/>
+      <a:lightRig rig="threePt" dir="t"/>
+    </dgm:scene3d>
+    <dgm:sp3d/>
+    <dgm:txPr/>
+    <dgm:style>
+      <a:lnRef idx="2">
+        <a:scrgbClr r="0" g="0" b="0"/>
+      </a:lnRef>
+      <a:fillRef idx="1">
+        <a:scrgbClr r="0" g="0" b="0"/>
+      </a:fillRef>
+      <a:effectRef idx="0">
+        <a:scrgbClr r="0" g="0" b="0"/>
+      </a:effectRef>
+      <a:fontRef idx="minor">
+        <a:schemeClr val="lt1"/>
+      </a:fontRef>
+    </dgm:style>
+  </dgm:styleLbl>
+  <dgm:styleLbl name="parChTrans2D2">
+    <dgm:scene3d>
+      <a:camera prst="orthographicFront"/>
+      <a:lightRig rig="threePt" dir="t"/>
+    </dgm:scene3d>
+    <dgm:sp3d/>
+    <dgm:txPr/>
+    <dgm:style>
+      <a:lnRef idx="2">
+        <a:scrgbClr r="0" g="0" b="0"/>
+      </a:lnRef>
+      <a:fillRef idx="1">
+        <a:scrgbClr r="0" g="0" b="0"/>
+      </a:fillRef>
+      <a:effectRef idx="0">
+        <a:scrgbClr r="0" g="0" b="0"/>
+      </a:effectRef>
+      <a:fontRef idx="minor">
+        <a:schemeClr val="lt1"/>
+      </a:fontRef>
+    </dgm:style>
+  </dgm:styleLbl>
+  <dgm:styleLbl name="parChTrans2D3">
+    <dgm:scene3d>
+      <a:camera prst="orthographicFront"/>
+      <a:lightRig rig="threePt" dir="t"/>
+    </dgm:scene3d>
+    <dgm:sp3d/>
+    <dgm:txPr/>
+    <dgm:style>
+      <a:lnRef idx="2">
+        <a:scrgbClr r="0" g="0" b="0"/>
+      </a:lnRef>
+      <a:fillRef idx="1">
+        <a:scrgbClr r="0" g="0" b="0"/>
+      </a:fillRef>
+      <a:effectRef idx="0">
+        <a:scrgbClr r="0" g="0" b="0"/>
+      </a:effectRef>
+      <a:fontRef idx="minor">
+        <a:schemeClr val="lt1"/>
+      </a:fontRef>
+    </dgm:style>
+  </dgm:styleLbl>
+  <dgm:styleLbl name="parChTrans2D4">
+    <dgm:scene3d>
+      <a:camera prst="orthographicFront"/>
+      <a:lightRig rig="threePt" dir="t"/>
+    </dgm:scene3d>
+    <dgm:sp3d/>
+    <dgm:txPr/>
+    <dgm:style>
+      <a:lnRef idx="2">
+        <a:scrgbClr r="0" g="0" b="0"/>
+      </a:lnRef>
+      <a:fillRef idx="1">
+        <a:scrgbClr r="0" g="0" b="0"/>
+      </a:fillRef>
+      <a:effectRef idx="0">
+        <a:scrgbClr r="0" g="0" b="0"/>
+      </a:effectRef>
+      <a:fontRef idx="minor">
+        <a:schemeClr val="lt1"/>
+      </a:fontRef>
+    </dgm:style>
+  </dgm:styleLbl>
+  <dgm:styleLbl name="parChTrans1D1">
+    <dgm:scene3d>
+      <a:camera prst="orthographicFront"/>
+      <a:lightRig rig="threePt" dir="t"/>
+    </dgm:scene3d>
+    <dgm:sp3d/>
+    <dgm:txPr/>
+    <dgm:style>
+      <a:lnRef idx="2">
+        <a:scrgbClr r="0" g="0" b="0"/>
+      </a:lnRef>
+      <a:fillRef idx="0">
+        <a:scrgbClr r="0" g="0" b="0"/>
+      </a:fillRef>
+      <a:effectRef idx="0">
+        <a:scrgbClr r="0" g="0" b="0"/>
+      </a:effectRef>
+      <a:fontRef idx="minor"/>
+    </dgm:style>
+  </dgm:styleLbl>
+  <dgm:styleLbl name="parChTrans1D2">
+    <dgm:scene3d>
+      <a:camera prst="orthographicFront"/>
+      <a:lightRig rig="threePt" dir="t"/>
+    </dgm:scene3d>
+    <dgm:sp3d/>
+    <dgm:txPr/>
+    <dgm:style>
+      <a:lnRef idx="2">
+        <a:scrgbClr r="0" g="0" b="0"/>
+      </a:lnRef>
+      <a:fillRef idx="0">
+        <a:scrgbClr r="0" g="0" b="0"/>
+      </a:fillRef>
+      <a:effectRef idx="0">
+        <a:scrgbClr r="0" g="0" b="0"/>
+      </a:effectRef>
+      <a:fontRef idx="minor"/>
+    </dgm:style>
+  </dgm:styleLbl>
+  <dgm:styleLbl name="parChTrans1D3">
+    <dgm:scene3d>
+      <a:camera prst="orthographicFront"/>
+      <a:lightRig rig="threePt" dir="t"/>
+    </dgm:scene3d>
+    <dgm:sp3d/>
+    <dgm:txPr/>
+    <dgm:style>
+      <a:lnRef idx="2">
+        <a:scrgbClr r="0" g="0" b="0"/>
+      </a:lnRef>
+      <a:fillRef idx="0">
+        <a:scrgbClr r="0" g="0" b="0"/>
+      </a:fillRef>
+      <a:effectRef idx="0">
+        <a:scrgbClr r="0" g="0" b="0"/>
+      </a:effectRef>
+      <a:fontRef idx="minor"/>
+    </dgm:style>
+  </dgm:styleLbl>
+  <dgm:styleLbl name="parChTrans1D4">
+    <dgm:scene3d>
+      <a:camera prst="orthographicFront"/>
+      <a:lightRig rig="threePt" dir="t"/>
+    </dgm:scene3d>
+    <dgm:sp3d/>
+    <dgm:txPr/>
+    <dgm:style>
+      <a:lnRef idx="2">
+        <a:scrgbClr r="0" g="0" b="0"/>
+      </a:lnRef>
+      <a:fillRef idx="0">
+        <a:scrgbClr r="0" g="0" b="0"/>
+      </a:fillRef>
+      <a:effectRef idx="0">
+        <a:scrgbClr r="0" g="0" b="0"/>
+      </a:effectRef>
+      <a:fontRef idx="minor"/>
+    </dgm:style>
+  </dgm:styleLbl>
+  <dgm:styleLbl name="fgAcc1">
+    <dgm:scene3d>
+      <a:camera prst="orthographicFront"/>
+      <a:lightRig rig="threePt" dir="t"/>
+    </dgm:scene3d>
+    <dgm:sp3d/>
+    <dgm:txPr/>
+    <dgm:style>
+      <a:lnRef idx="2">
+        <a:scrgbClr r="0" g="0" b="0"/>
+      </a:lnRef>
+      <a:fillRef idx="1">
+        <a:scrgbClr r="0" g="0" b="0"/>
+      </a:fillRef>
+      <a:effectRef idx="0">
+        <a:scrgbClr r="0" g="0" b="0"/>
+      </a:effectRef>
+      <a:fontRef idx="minor"/>
+    </dgm:style>
+  </dgm:styleLbl>
+  <dgm:styleLbl name="conFgAcc1">
+    <dgm:scene3d>
+      <a:camera prst="orthographicFront"/>
+      <a:lightRig rig="threePt" dir="t"/>
+    </dgm:scene3d>
+    <dgm:sp3d/>
+    <dgm:txPr/>
+    <dgm:style>
+      <a:lnRef idx="2">
+        <a:scrgbClr r="0" g="0" b="0"/>
+      </a:lnRef>
+      <a:fillRef idx="1">
+        <a:scrgbClr r="0" g="0" b="0"/>
+      </a:fillRef>
+      <a:effectRef idx="0">
+        <a:scrgbClr r="0" g="0" b="0"/>
+      </a:effectRef>
+      <a:fontRef idx="minor"/>
+    </dgm:style>
+  </dgm:styleLbl>
+  <dgm:styleLbl name="alignAcc1">
+    <dgm:scene3d>
+      <a:camera prst="orthographicFront"/>
+      <a:lightRig rig="threePt" dir="t"/>
+    </dgm:scene3d>
+    <dgm:sp3d/>
+    <dgm:txPr/>
+    <dgm:style>
+      <a:lnRef idx="2">
+        <a:scrgbClr r="0" g="0" b="0"/>
+      </a:lnRef>
+      <a:fillRef idx="1">
+        <a:scrgbClr r="0" g="0" b="0"/>
+      </a:fillRef>
+      <a:effectRef idx="0">
+        <a:scrgbClr r="0" g="0" b="0"/>
+      </a:effectRef>
+      <a:fontRef idx="minor"/>
+    </dgm:style>
+  </dgm:styleLbl>
+  <dgm:styleLbl name="trAlignAcc1">
+    <dgm:scene3d>
+      <a:camera prst="orthographicFront"/>
+      <a:lightRig rig="threePt" dir="t"/>
+    </dgm:scene3d>
+    <dgm:sp3d/>
+    <dgm:txPr/>
+    <dgm:style>
+      <a:lnRef idx="1">
+        <a:scrgbClr r="0" g="0" b="0"/>
+      </a:lnRef>
+      <a:fillRef idx="1">
+        <a:scrgbClr r="0" g="0" b="0"/>
+      </a:fillRef>
+      <a:effectRef idx="0">
+        <a:scrgbClr r="0" g="0" b="0"/>
+      </a:effectRef>
+      <a:fontRef idx="minor"/>
+    </dgm:style>
+  </dgm:styleLbl>
+  <dgm:styleLbl name="bgAcc1">
+    <dgm:scene3d>
+      <a:camera prst="orthographicFront"/>
+      <a:lightRig rig="threePt" dir="t"/>
+    </dgm:scene3d>
+    <dgm:sp3d/>
+    <dgm:txPr/>
+    <dgm:style>
+      <a:lnRef idx="2">
+        <a:scrgbClr r="0" g="0" b="0"/>
+      </a:lnRef>
+      <a:fillRef idx="1">
+        <a:scrgbClr r="0" g="0" b="0"/>
+      </a:fillRef>
+      <a:effectRef idx="0">
+        <a:scrgbClr r="0" g="0" b="0"/>
+      </a:effectRef>
+      <a:fontRef idx="minor"/>
+    </dgm:style>
+  </dgm:styleLbl>
+  <dgm:styleLbl name="solidFgAcc1">
+    <dgm:scene3d>
+      <a:camera prst="orthographicFront"/>
+      <a:lightRig rig="threePt" dir="t"/>
+    </dgm:scene3d>
+    <dgm:sp3d/>
+    <dgm:txPr/>
+    <dgm:style>
+      <a:lnRef idx="2">
+        <a:scrgbClr r="0" g="0" b="0"/>
+      </a:lnRef>
+      <a:fillRef idx="1">
+        <a:scrgbClr r="0" g="0" b="0"/>
+      </a:fillRef>
+      <a:effectRef idx="0">
+        <a:scrgbClr r="0" g="0" b="0"/>
+      </a:effectRef>
+      <a:fontRef idx="minor"/>
+    </dgm:style>
+  </dgm:styleLbl>
+  <dgm:styleLbl name="solidAlignAcc1">
+    <dgm:scene3d>
+      <a:camera prst="orthographicFront"/>
+      <a:lightRig rig="threePt" dir="t"/>
+    </dgm:scene3d>
+    <dgm:sp3d/>
+    <dgm:txPr/>
+    <dgm:style>
+      <a:lnRef idx="2">
+        <a:scrgbClr r="0" g="0" b="0"/>
+      </a:lnRef>
+      <a:fillRef idx="1">
+        <a:scrgbClr r="0" g="0" b="0"/>
+      </a:fillRef>
+      <a:effectRef idx="0">
+        <a:scrgbClr r="0" g="0" b="0"/>
+      </a:effectRef>
+      <a:fontRef idx="minor"/>
+    </dgm:style>
+  </dgm:styleLbl>
+  <dgm:styleLbl name="solidBgAcc1">
+    <dgm:scene3d>
+      <a:camera prst="orthographicFront"/>
+      <a:lightRig rig="threePt" dir="t"/>
+    </dgm:scene3d>
+    <dgm:sp3d/>
+    <dgm:txPr/>
+    <dgm:style>
+      <a:lnRef idx="2">
+        <a:scrgbClr r="0" g="0" b="0"/>
+      </a:lnRef>
+      <a:fillRef idx="1">
+        <a:scrgbClr r="0" g="0" b="0"/>
+      </a:fillRef>
+      <a:effectRef idx="0">
+        <a:scrgbClr r="0" g="0" b="0"/>
+      </a:effectRef>
+      <a:fontRef idx="minor"/>
+    </dgm:style>
+  </dgm:styleLbl>
+  <dgm:styleLbl name="fgAccFollowNode1">
+    <dgm:scene3d>
+      <a:camera prst="orthographicFront"/>
+      <a:lightRig rig="threePt" dir="t"/>
+    </dgm:scene3d>
+    <dgm:sp3d/>
+    <dgm:txPr/>
+    <dgm:style>
+      <a:lnRef idx="2">
+        <a:scrgbClr r="0" g="0" b="0"/>
+      </a:lnRef>
+      <a:fillRef idx="1">
+        <a:scrgbClr r="0" g="0" b="0"/>
+      </a:fillRef>
+      <a:effectRef idx="0">
+        <a:scrgbClr r="0" g="0" b="0"/>
+      </a:effectRef>
+      <a:fontRef idx="minor"/>
+    </dgm:style>
+  </dgm:styleLbl>
+  <dgm:styleLbl name="alignAccFollowNode1">
+    <dgm:scene3d>
+      <a:camera prst="orthographicFront"/>
+      <a:lightRig rig="threePt" dir="t"/>
+    </dgm:scene3d>
+    <dgm:sp3d/>
+    <dgm:txPr/>
+    <dgm:style>
+      <a:lnRef idx="2">
+        <a:scrgbClr r="0" g="0" b="0"/>
+      </a:lnRef>
+      <a:fillRef idx="1">
+        <a:scrgbClr r="0" g="0" b="0"/>
+      </a:fillRef>
+      <a:effectRef idx="0">
+        <a:scrgbClr r="0" g="0" b="0"/>
+      </a:effectRef>
+      <a:fontRef idx="minor"/>
+    </dgm:style>
+  </dgm:styleLbl>
+  <dgm:styleLbl name="bgAccFollowNode1">
+    <dgm:scene3d>
+      <a:camera prst="orthographicFront"/>
+      <a:lightRig rig="threePt" dir="t"/>
+    </dgm:scene3d>
+    <dgm:sp3d/>
+    <dgm:txPr/>
+    <dgm:style>
+      <a:lnRef idx="2">
+        <a:scrgbClr r="0" g="0" b="0"/>
+      </a:lnRef>
+      <a:fillRef idx="1">
+        <a:scrgbClr r="0" g="0" b="0"/>
+      </a:fillRef>
+      <a:effectRef idx="0">
+        <a:scrgbClr r="0" g="0" b="0"/>
+      </a:effectRef>
+      <a:fontRef idx="minor"/>
+    </dgm:style>
+  </dgm:styleLbl>
+  <dgm:styleLbl name="fgAcc0">
+    <dgm:scene3d>
+      <a:camera prst="orthographicFront"/>
+      <a:lightRig rig="threePt" dir="t"/>
+    </dgm:scene3d>
+    <dgm:sp3d/>
+    <dgm:txPr/>
+    <dgm:style>
+      <a:lnRef idx="2">
+        <a:scrgbClr r="0" g="0" b="0"/>
+      </a:lnRef>
+      <a:fillRef idx="1">
+        <a:scrgbClr r="0" g="0" b="0"/>
+      </a:fillRef>
+      <a:effectRef idx="0">
+        <a:scrgbClr r="0" g="0" b="0"/>
+      </a:effectRef>
+      <a:fontRef idx="minor"/>
+    </dgm:style>
+  </dgm:styleLbl>
+  <dgm:styleLbl name="fgAcc2">
+    <dgm:scene3d>
+      <a:camera prst="orthographicFront"/>
+      <a:lightRig rig="threePt" dir="t"/>
+    </dgm:scene3d>
+    <dgm:sp3d/>
+    <dgm:txPr/>
+    <dgm:style>
+      <a:lnRef idx="2">
+        <a:scrgbClr r="0" g="0" b="0"/>
+      </a:lnRef>
+      <a:fillRef idx="1">
+        <a:scrgbClr r="0" g="0" b="0"/>
+      </a:fillRef>
+      <a:effectRef idx="0">
+        <a:scrgbClr r="0" g="0" b="0"/>
+      </a:effectRef>
+      <a:fontRef idx="minor"/>
+    </dgm:style>
+  </dgm:styleLbl>
+  <dgm:styleLbl name="fgAcc3">
+    <dgm:scene3d>
+      <a:camera prst="orthographicFront"/>
+      <a:lightRig rig="threePt" dir="t"/>
+    </dgm:scene3d>
+    <dgm:sp3d/>
+    <dgm:txPr/>
+    <dgm:style>
+      <a:lnRef idx="2">
+        <a:scrgbClr r="0" g="0" b="0"/>
+      </a:lnRef>
+      <a:fillRef idx="1">
+        <a:scrgbClr r="0" g="0" b="0"/>
+      </a:fillRef>
+      <a:effectRef idx="0">
+        <a:scrgbClr r="0" g="0" b="0"/>
+      </a:effectRef>
+      <a:fontRef idx="minor"/>
+    </dgm:style>
+  </dgm:styleLbl>
+  <dgm:styleLbl name="fgAcc4">
+    <dgm:scene3d>
+      <a:camera prst="orthographicFront"/>
+      <a:lightRig rig="threePt" dir="t"/>
+    </dgm:scene3d>
+    <dgm:sp3d/>
+    <dgm:txPr/>
+    <dgm:style>
+      <a:lnRef idx="2">
+        <a:scrgbClr r="0" g="0" b="0"/>
+      </a:lnRef>
+      <a:fillRef idx="1">
+        <a:scrgbClr r="0" g="0" b="0"/>
+      </a:fillRef>
+      <a:effectRef idx="0">
+        <a:scrgbClr r="0" g="0" b="0"/>
+      </a:effectRef>
+      <a:fontRef idx="minor"/>
+    </dgm:style>
+  </dgm:styleLbl>
+  <dgm:styleLbl name="bgShp">
+    <dgm:scene3d>
+      <a:camera prst="orthographicFront"/>
+      <a:lightRig rig="threePt" dir="t"/>
+    </dgm:scene3d>
+    <dgm:sp3d/>
+    <dgm:txPr/>
+    <dgm:style>
+      <a:lnRef idx="0">
+        <a:scrgbClr r="0" g="0" b="0"/>
+      </a:lnRef>
+      <a:fillRef idx="1">
+        <a:scrgbClr r="0" g="0" b="0"/>
+      </a:fillRef>
+      <a:effectRef idx="0">
+        <a:scrgbClr r="0" g="0" b="0"/>
+      </a:effectRef>
+      <a:fontRef idx="minor"/>
+    </dgm:style>
+  </dgm:styleLbl>
+  <dgm:styleLbl name="dkBgShp">
+    <dgm:scene3d>
+      <a:camera prst="orthographicFront"/>
+      <a:lightRig rig="threePt" dir="t"/>
+    </dgm:scene3d>
+    <dgm:sp3d/>
+    <dgm:txPr/>
+    <dgm:style>
+      <a:lnRef idx="0">
+        <a:scrgbClr r="0" g="0" b="0"/>
+      </a:lnRef>
+      <a:fillRef idx="1">
+        <a:scrgbClr r="0" g="0" b="0"/>
+      </a:fillRef>
+      <a:effectRef idx="0">
+        <a:scrgbClr r="0" g="0" b="0"/>
+      </a:effectRef>
+      <a:fontRef idx="minor"/>
+    </dgm:style>
+  </dgm:styleLbl>
+  <dgm:styleLbl name="trBgShp">
+    <dgm:scene3d>
+      <a:camera prst="orthographicFront"/>
+      <a:lightRig rig="threePt" dir="t"/>
+    </dgm:scene3d>
+    <dgm:sp3d/>
+    <dgm:txPr/>
+    <dgm:style>
+      <a:lnRef idx="0">
+        <a:scrgbClr r="0" g="0" b="0"/>
+      </a:lnRef>
+      <a:fillRef idx="1">
+        <a:scrgbClr r="0" g="0" b="0"/>
+      </a:fillRef>
+      <a:effectRef idx="0">
+        <a:scrgbClr r="0" g="0" b="0"/>
+      </a:effectRef>
+      <a:fontRef idx="minor"/>
+    </dgm:style>
+  </dgm:styleLbl>
+  <dgm:styleLbl name="fgShp">
+    <dgm:scene3d>
+      <a:camera prst="orthographicFront"/>
+      <a:lightRig rig="threePt" dir="t"/>
+    </dgm:scene3d>
+    <dgm:sp3d/>
+    <dgm:txPr/>
+    <dgm:style>
+      <a:lnRef idx="2">
+        <a:scrgbClr r="0" g="0" b="0"/>
+      </a:lnRef>
+      <a:fillRef idx="1">
+        <a:scrgbClr r="0" g="0" b="0"/>
+      </a:fillRef>
+      <a:effectRef idx="0">
+        <a:scrgbClr r="0" g="0" b="0"/>
+      </a:effectRef>
+      <a:fontRef idx="minor"/>
+    </dgm:style>
+  </dgm:styleLbl>
+  <dgm:styleLbl name="revTx">
+    <dgm:scene3d>
+      <a:camera prst="orthographicFront"/>
+      <a:lightRig rig="threePt" dir="t"/>
+    </dgm:scene3d>
+    <dgm:sp3d/>
+    <dgm:txPr/>
+    <dgm:style>
+      <a:lnRef idx="0">
+        <a:scrgbClr r="0" g="0" b="0"/>
+      </a:lnRef>
+      <a:fillRef idx="0">
+        <a:scrgbClr r="0" g="0" b="0"/>
+      </a:fillRef>
+      <a:effectRef idx="0">
+        <a:scrgbClr r="0" g="0" b="0"/>
+      </a:effectRef>
+      <a:fontRef idx="minor"/>
+    </dgm:style>
+  </dgm:styleLbl>
+</dgm:styleDef>
+</file>
+
+<file path=ppt/diagrams/quickStyle2.xml><?xml version="1.0" encoding="utf-8"?>
 <dgm:styleDef xmlns:dgm="http://schemas.openxmlformats.org/drawingml/2006/diagram" xmlns:a="http://schemas.openxmlformats.org/drawingml/2006/main" uniqueId="urn:microsoft.com/office/officeart/2005/8/quickstyle/simple1">
   <dgm:title val=""/>
   <dgm:desc val=""/>
@@ -2927,7 +5959,7 @@
           <a:p>
             <a:fld id="{ED67E16A-0490-4690-B57E-BBBC396D5AF5}" type="datetimeFigureOut">
               <a:rPr lang="en-US" smtClean="0"/>
-              <a:t>9/26/2024</a:t>
+              <a:t>9/28/2024</a:t>
             </a:fld>
             <a:endParaRPr lang="en-US"/>
           </a:p>
@@ -3125,7 +6157,7 @@
           <a:p>
             <a:fld id="{ED67E16A-0490-4690-B57E-BBBC396D5AF5}" type="datetimeFigureOut">
               <a:rPr lang="en-US" smtClean="0"/>
-              <a:t>9/26/2024</a:t>
+              <a:t>9/28/2024</a:t>
             </a:fld>
             <a:endParaRPr lang="en-US"/>
           </a:p>
@@ -3333,7 +6365,7 @@
           <a:p>
             <a:fld id="{ED67E16A-0490-4690-B57E-BBBC396D5AF5}" type="datetimeFigureOut">
               <a:rPr lang="en-US" smtClean="0"/>
-              <a:t>9/26/2024</a:t>
+              <a:t>9/28/2024</a:t>
             </a:fld>
             <a:endParaRPr lang="en-US"/>
           </a:p>
@@ -3531,7 +6563,7 @@
           <a:p>
             <a:fld id="{ED67E16A-0490-4690-B57E-BBBC396D5AF5}" type="datetimeFigureOut">
               <a:rPr lang="en-US" smtClean="0"/>
-              <a:t>9/26/2024</a:t>
+              <a:t>9/28/2024</a:t>
             </a:fld>
             <a:endParaRPr lang="en-US"/>
           </a:p>
@@ -3806,7 +6838,7 @@
           <a:p>
             <a:fld id="{ED67E16A-0490-4690-B57E-BBBC396D5AF5}" type="datetimeFigureOut">
               <a:rPr lang="en-US" smtClean="0"/>
-              <a:t>9/26/2024</a:t>
+              <a:t>9/28/2024</a:t>
             </a:fld>
             <a:endParaRPr lang="en-US"/>
           </a:p>
@@ -4071,7 +7103,7 @@
           <a:p>
             <a:fld id="{ED67E16A-0490-4690-B57E-BBBC396D5AF5}" type="datetimeFigureOut">
               <a:rPr lang="en-US" smtClean="0"/>
-              <a:t>9/26/2024</a:t>
+              <a:t>9/28/2024</a:t>
             </a:fld>
             <a:endParaRPr lang="en-US"/>
           </a:p>
@@ -4483,7 +7515,7 @@
           <a:p>
             <a:fld id="{ED67E16A-0490-4690-B57E-BBBC396D5AF5}" type="datetimeFigureOut">
               <a:rPr lang="en-US" smtClean="0"/>
-              <a:t>9/26/2024</a:t>
+              <a:t>9/28/2024</a:t>
             </a:fld>
             <a:endParaRPr lang="en-US"/>
           </a:p>
@@ -4624,7 +7656,7 @@
           <a:p>
             <a:fld id="{ED67E16A-0490-4690-B57E-BBBC396D5AF5}" type="datetimeFigureOut">
               <a:rPr lang="en-US" smtClean="0"/>
-              <a:t>9/26/2024</a:t>
+              <a:t>9/28/2024</a:t>
             </a:fld>
             <a:endParaRPr lang="en-US"/>
           </a:p>
@@ -4737,7 +7769,7 @@
           <a:p>
             <a:fld id="{ED67E16A-0490-4690-B57E-BBBC396D5AF5}" type="datetimeFigureOut">
               <a:rPr lang="en-US" smtClean="0"/>
-              <a:t>9/26/2024</a:t>
+              <a:t>9/28/2024</a:t>
             </a:fld>
             <a:endParaRPr lang="en-US"/>
           </a:p>
@@ -5048,7 +8080,7 @@
           <a:p>
             <a:fld id="{ED67E16A-0490-4690-B57E-BBBC396D5AF5}" type="datetimeFigureOut">
               <a:rPr lang="en-US" smtClean="0"/>
-              <a:t>9/26/2024</a:t>
+              <a:t>9/28/2024</a:t>
             </a:fld>
             <a:endParaRPr lang="en-US"/>
           </a:p>
@@ -5336,7 +8368,7 @@
           <a:p>
             <a:fld id="{ED67E16A-0490-4690-B57E-BBBC396D5AF5}" type="datetimeFigureOut">
               <a:rPr lang="en-US" smtClean="0"/>
-              <a:t>9/26/2024</a:t>
+              <a:t>9/28/2024</a:t>
             </a:fld>
             <a:endParaRPr lang="en-US"/>
           </a:p>
@@ -5577,7 +8609,7 @@
           <a:p>
             <a:fld id="{ED67E16A-0490-4690-B57E-BBBC396D5AF5}" type="datetimeFigureOut">
               <a:rPr lang="en-US" smtClean="0"/>
-              <a:t>9/26/2024</a:t>
+              <a:t>9/28/2024</a:t>
             </a:fld>
             <a:endParaRPr lang="en-US"/>
           </a:p>
@@ -8901,6 +11933,304 @@
   <p:cSld>
     <p:spTree>
       <p:nvGrpSpPr>
+        <p:cNvPr id="1" name=""/>
+        <p:cNvGrpSpPr/>
+        <p:nvPr/>
+      </p:nvGrpSpPr>
+      <p:grpSpPr>
+        <a:xfrm>
+          <a:off x="0" y="0"/>
+          <a:ext cx="0" cy="0"/>
+          <a:chOff x="0" y="0"/>
+          <a:chExt cx="0" cy="0"/>
+        </a:xfrm>
+      </p:grpSpPr>
+      <p:graphicFrame>
+        <p:nvGraphicFramePr>
+          <p:cNvPr id="4" name="Diagram 3">
+            <a:extLst>
+              <a:ext uri="{FF2B5EF4-FFF2-40B4-BE49-F238E27FC236}">
+                <a16:creationId xmlns:a16="http://schemas.microsoft.com/office/drawing/2014/main" id="{FEF77836-EED8-41C6-4FB4-C8B7E8D8BC6B}"/>
+              </a:ext>
+            </a:extLst>
+          </p:cNvPr>
+          <p:cNvGraphicFramePr/>
+          <p:nvPr>
+            <p:extLst>
+              <p:ext uri="{D42A27DB-BD31-4B8C-83A1-F6EECF244321}">
+                <p14:modId xmlns:p14="http://schemas.microsoft.com/office/powerpoint/2010/main" val="4136559883"/>
+              </p:ext>
+            </p:extLst>
+          </p:nvPr>
+        </p:nvGraphicFramePr>
+        <p:xfrm>
+          <a:off x="667173" y="803081"/>
+          <a:ext cx="4420299" cy="4727461"/>
+        </p:xfrm>
+        <a:graphic>
+          <a:graphicData uri="http://schemas.openxmlformats.org/drawingml/2006/diagram">
+            <dgm:relIds xmlns:dgm="http://schemas.openxmlformats.org/drawingml/2006/diagram" xmlns:r="http://schemas.openxmlformats.org/officeDocument/2006/relationships" r:dm="rId2" r:lo="rId3" r:qs="rId4" r:cs="rId5"/>
+          </a:graphicData>
+        </a:graphic>
+      </p:graphicFrame>
+      <p:sp>
+        <p:nvSpPr>
+          <p:cNvPr id="5" name="Arrow: Left-Right 4">
+            <a:extLst>
+              <a:ext uri="{FF2B5EF4-FFF2-40B4-BE49-F238E27FC236}">
+                <a16:creationId xmlns:a16="http://schemas.microsoft.com/office/drawing/2014/main" id="{736F469A-DBDB-1871-68BB-BDC30B6206C2}"/>
+              </a:ext>
+            </a:extLst>
+          </p:cNvPr>
+          <p:cNvSpPr/>
+          <p:nvPr/>
+        </p:nvSpPr>
+        <p:spPr>
+          <a:xfrm>
+            <a:off x="4651513" y="3037398"/>
+            <a:ext cx="1288111" cy="294199"/>
+          </a:xfrm>
+          <a:prstGeom prst="leftRightArrow">
+            <a:avLst/>
+          </a:prstGeom>
+        </p:spPr>
+        <p:style>
+          <a:lnRef idx="2">
+            <a:schemeClr val="accent1">
+              <a:shade val="15000"/>
+            </a:schemeClr>
+          </a:lnRef>
+          <a:fillRef idx="1">
+            <a:schemeClr val="accent1"/>
+          </a:fillRef>
+          <a:effectRef idx="0">
+            <a:schemeClr val="accent1"/>
+          </a:effectRef>
+          <a:fontRef idx="minor">
+            <a:schemeClr val="lt1"/>
+          </a:fontRef>
+        </p:style>
+        <p:txBody>
+          <a:bodyPr rtlCol="0" anchor="ctr"/>
+          <a:lstStyle/>
+          <a:p>
+            <a:pPr algn="ctr"/>
+            <a:endParaRPr lang="en-US"/>
+          </a:p>
+        </p:txBody>
+      </p:sp>
+      <p:sp>
+        <p:nvSpPr>
+          <p:cNvPr id="6" name="Arrow: Left-Right 5">
+            <a:extLst>
+              <a:ext uri="{FF2B5EF4-FFF2-40B4-BE49-F238E27FC236}">
+                <a16:creationId xmlns:a16="http://schemas.microsoft.com/office/drawing/2014/main" id="{0DF89501-50DB-A889-3422-EBF3361D51CE}"/>
+              </a:ext>
+            </a:extLst>
+          </p:cNvPr>
+          <p:cNvSpPr/>
+          <p:nvPr/>
+        </p:nvSpPr>
+        <p:spPr>
+          <a:xfrm>
+            <a:off x="7722041" y="3037397"/>
+            <a:ext cx="1288111" cy="294199"/>
+          </a:xfrm>
+          <a:prstGeom prst="leftRightArrow">
+            <a:avLst/>
+          </a:prstGeom>
+        </p:spPr>
+        <p:style>
+          <a:lnRef idx="2">
+            <a:schemeClr val="accent1">
+              <a:shade val="15000"/>
+            </a:schemeClr>
+          </a:lnRef>
+          <a:fillRef idx="1">
+            <a:schemeClr val="accent1"/>
+          </a:fillRef>
+          <a:effectRef idx="0">
+            <a:schemeClr val="accent1"/>
+          </a:effectRef>
+          <a:fontRef idx="minor">
+            <a:schemeClr val="lt1"/>
+          </a:fontRef>
+        </p:style>
+        <p:txBody>
+          <a:bodyPr rtlCol="0" anchor="ctr"/>
+          <a:lstStyle/>
+          <a:p>
+            <a:pPr algn="ctr"/>
+            <a:endParaRPr lang="en-US"/>
+          </a:p>
+        </p:txBody>
+      </p:sp>
+      <p:sp>
+        <p:nvSpPr>
+          <p:cNvPr id="7" name="Rectangle 6">
+            <a:extLst>
+              <a:ext uri="{FF2B5EF4-FFF2-40B4-BE49-F238E27FC236}">
+                <a16:creationId xmlns:a16="http://schemas.microsoft.com/office/drawing/2014/main" id="{BE3958F7-6886-D8AE-3108-BBE96DD0DB1F}"/>
+              </a:ext>
+            </a:extLst>
+          </p:cNvPr>
+          <p:cNvSpPr/>
+          <p:nvPr/>
+        </p:nvSpPr>
+        <p:spPr>
+          <a:xfrm>
+            <a:off x="6092025" y="803081"/>
+            <a:ext cx="1407381" cy="4866198"/>
+          </a:xfrm>
+          <a:prstGeom prst="rect">
+            <a:avLst/>
+          </a:prstGeom>
+          <a:solidFill>
+            <a:schemeClr val="accent2">
+              <a:lumMod val="60000"/>
+              <a:lumOff val="40000"/>
+            </a:schemeClr>
+          </a:solidFill>
+          <a:ln w="3175"/>
+        </p:spPr>
+        <p:style>
+          <a:lnRef idx="2">
+            <a:schemeClr val="accent1">
+              <a:shade val="15000"/>
+            </a:schemeClr>
+          </a:lnRef>
+          <a:fillRef idx="1">
+            <a:schemeClr val="accent1"/>
+          </a:fillRef>
+          <a:effectRef idx="0">
+            <a:schemeClr val="accent1"/>
+          </a:effectRef>
+          <a:fontRef idx="minor">
+            <a:schemeClr val="lt1"/>
+          </a:fontRef>
+        </p:style>
+        <p:txBody>
+          <a:bodyPr vert="wordArtVert" rtlCol="0" anchor="ctr"/>
+          <a:lstStyle/>
+          <a:p>
+            <a:pPr algn="ctr"/>
+            <a:r>
+              <a:rPr lang="en-US" b="1" dirty="0" err="1">
+                <a:solidFill>
+                  <a:schemeClr val="tx1">
+                    <a:lumMod val="95000"/>
+                    <a:lumOff val="5000"/>
+                  </a:schemeClr>
+                </a:solidFill>
+              </a:rPr>
+              <a:t>Mappling</a:t>
+            </a:r>
+            <a:r>
+              <a:rPr lang="en-US" b="1" dirty="0">
+                <a:solidFill>
+                  <a:schemeClr val="tx1">
+                    <a:lumMod val="95000"/>
+                    <a:lumOff val="5000"/>
+                  </a:schemeClr>
+                </a:solidFill>
+              </a:rPr>
+              <a:t> logic</a:t>
+            </a:r>
+          </a:p>
+        </p:txBody>
+      </p:sp>
+      <p:pic>
+        <p:nvPicPr>
+          <p:cNvPr id="9" name="Graphic 8" descr="Database with solid fill">
+            <a:extLst>
+              <a:ext uri="{FF2B5EF4-FFF2-40B4-BE49-F238E27FC236}">
+                <a16:creationId xmlns:a16="http://schemas.microsoft.com/office/drawing/2014/main" id="{F6E06F6E-4A86-F568-4837-D5AAA0E49A36}"/>
+              </a:ext>
+            </a:extLst>
+          </p:cNvPr>
+          <p:cNvPicPr>
+            <a:picLocks noChangeAspect="1"/>
+          </p:cNvPicPr>
+          <p:nvPr/>
+        </p:nvPicPr>
+        <p:blipFill>
+          <a:blip r:embed="rId7">
+            <a:extLst>
+              <a:ext uri="{96DAC541-7B7A-43D3-8B79-37D633B846F1}">
+                <asvg:svgBlip xmlns:asvg="http://schemas.microsoft.com/office/drawing/2016/SVG/main" r:embed="rId8"/>
+              </a:ext>
+            </a:extLst>
+          </a:blip>
+          <a:stretch>
+            <a:fillRect/>
+          </a:stretch>
+        </p:blipFill>
+        <p:spPr>
+          <a:xfrm>
+            <a:off x="8570880" y="1176794"/>
+            <a:ext cx="3784822" cy="3784822"/>
+          </a:xfrm>
+          <a:prstGeom prst="rect">
+            <a:avLst/>
+          </a:prstGeom>
+        </p:spPr>
+      </p:pic>
+      <p:pic>
+        <p:nvPicPr>
+          <p:cNvPr id="10" name="Picture 9">
+            <a:extLst>
+              <a:ext uri="{FF2B5EF4-FFF2-40B4-BE49-F238E27FC236}">
+                <a16:creationId xmlns:a16="http://schemas.microsoft.com/office/drawing/2014/main" id="{8ECC07D9-C2F1-C311-B9C5-2BB73D261287}"/>
+              </a:ext>
+            </a:extLst>
+          </p:cNvPr>
+          <p:cNvPicPr>
+            <a:picLocks noChangeAspect="1"/>
+          </p:cNvPicPr>
+          <p:nvPr/>
+        </p:nvPicPr>
+        <p:blipFill>
+          <a:blip r:embed="rId9"/>
+          <a:stretch>
+            <a:fillRect/>
+          </a:stretch>
+        </p:blipFill>
+        <p:spPr>
+          <a:xfrm>
+            <a:off x="249429" y="993437"/>
+            <a:ext cx="11693141" cy="4871126"/>
+          </a:xfrm>
+          <a:prstGeom prst="rect">
+            <a:avLst/>
+          </a:prstGeom>
+        </p:spPr>
+      </p:pic>
+    </p:spTree>
+    <p:extLst>
+      <p:ext uri="{BB962C8B-B14F-4D97-AF65-F5344CB8AC3E}">
+        <p14:creationId xmlns:p14="http://schemas.microsoft.com/office/powerpoint/2010/main" val="3804917097"/>
+      </p:ext>
+    </p:extLst>
+  </p:cSld>
+  <p:clrMapOvr>
+    <a:masterClrMapping/>
+  </p:clrMapOvr>
+</p:sld>
+</file>
+
+<file path=ppt/slides/slide8.xml><?xml version="1.0" encoding="utf-8"?>
+<p:sld xmlns:a="http://schemas.openxmlformats.org/drawingml/2006/main" xmlns:r="http://schemas.openxmlformats.org/officeDocument/2006/relationships" xmlns:p="http://schemas.openxmlformats.org/presentationml/2006/main">
+  <p:cSld>
+    <p:bg>
+      <p:bgPr>
+        <a:solidFill>
+          <a:schemeClr val="bg1"/>
+        </a:solidFill>
+        <a:effectLst/>
+      </p:bgPr>
+    </p:bg>
+    <p:spTree>
+      <p:nvGrpSpPr>
         <p:cNvPr id="1" name="">
           <a:extLst>
             <a:ext uri="{FF2B5EF4-FFF2-40B4-BE49-F238E27FC236}">
@@ -8921,10 +12251,361 @@
       </p:grpSpPr>
       <p:sp>
         <p:nvSpPr>
-          <p:cNvPr id="7" name="TextBox 6">
-            <a:extLst>
-              <a:ext uri="{FF2B5EF4-FFF2-40B4-BE49-F238E27FC236}">
-                <a16:creationId xmlns:a16="http://schemas.microsoft.com/office/drawing/2014/main" id="{33DBD28C-2F05-D3DF-B641-8139FA652B75}"/>
+          <p:cNvPr id="4" name="Rectangle 3">
+            <a:extLst>
+              <a:ext uri="{FF2B5EF4-FFF2-40B4-BE49-F238E27FC236}">
+                <a16:creationId xmlns:a16="http://schemas.microsoft.com/office/drawing/2014/main" id="{9E11BB41-C83C-13C1-BCB4-A73A14D6FD31}"/>
+              </a:ext>
+            </a:extLst>
+          </p:cNvPr>
+          <p:cNvSpPr/>
+          <p:nvPr/>
+        </p:nvSpPr>
+        <p:spPr>
+          <a:xfrm>
+            <a:off x="4522968" y="1844900"/>
+            <a:ext cx="2927617" cy="3305598"/>
+          </a:xfrm>
+          <a:prstGeom prst="rect">
+            <a:avLst/>
+          </a:prstGeom>
+          <a:solidFill>
+            <a:schemeClr val="accent1">
+              <a:lumMod val="20000"/>
+              <a:lumOff val="80000"/>
+            </a:schemeClr>
+          </a:solidFill>
+        </p:spPr>
+        <p:style>
+          <a:lnRef idx="2">
+            <a:schemeClr val="accent1">
+              <a:shade val="15000"/>
+            </a:schemeClr>
+          </a:lnRef>
+          <a:fillRef idx="1">
+            <a:schemeClr val="accent1"/>
+          </a:fillRef>
+          <a:effectRef idx="0">
+            <a:schemeClr val="accent1"/>
+          </a:effectRef>
+          <a:fontRef idx="minor">
+            <a:schemeClr val="lt1"/>
+          </a:fontRef>
+        </p:style>
+        <p:txBody>
+          <a:bodyPr rtlCol="0" anchor="ctr"/>
+          <a:lstStyle/>
+          <a:p>
+            <a:pPr algn="ctr"/>
+            <a:endParaRPr lang="en-US"/>
+          </a:p>
+        </p:txBody>
+      </p:sp>
+      <p:sp>
+        <p:nvSpPr>
+          <p:cNvPr id="5" name="Rectangle 4">
+            <a:extLst>
+              <a:ext uri="{FF2B5EF4-FFF2-40B4-BE49-F238E27FC236}">
+                <a16:creationId xmlns:a16="http://schemas.microsoft.com/office/drawing/2014/main" id="{B5065890-D1F2-16F6-DDA1-C278109C29AD}"/>
+              </a:ext>
+            </a:extLst>
+          </p:cNvPr>
+          <p:cNvSpPr/>
+          <p:nvPr/>
+        </p:nvSpPr>
+        <p:spPr>
+          <a:xfrm>
+            <a:off x="4826670" y="1997026"/>
+            <a:ext cx="2320212" cy="653143"/>
+          </a:xfrm>
+          <a:prstGeom prst="rect">
+            <a:avLst/>
+          </a:prstGeom>
+          <a:solidFill>
+            <a:schemeClr val="accent2">
+              <a:lumMod val="20000"/>
+              <a:lumOff val="80000"/>
+            </a:schemeClr>
+          </a:solidFill>
+        </p:spPr>
+        <p:style>
+          <a:lnRef idx="2">
+            <a:schemeClr val="accent1">
+              <a:shade val="15000"/>
+            </a:schemeClr>
+          </a:lnRef>
+          <a:fillRef idx="1">
+            <a:schemeClr val="accent1"/>
+          </a:fillRef>
+          <a:effectRef idx="0">
+            <a:schemeClr val="accent1"/>
+          </a:effectRef>
+          <a:fontRef idx="minor">
+            <a:schemeClr val="lt1"/>
+          </a:fontRef>
+        </p:style>
+        <p:txBody>
+          <a:bodyPr rtlCol="0" anchor="ctr"/>
+          <a:lstStyle/>
+          <a:p>
+            <a:r>
+              <a:rPr lang="en-US" dirty="0" err="1">
+                <a:solidFill>
+                  <a:schemeClr val="tx1"/>
+                </a:solidFill>
+                <a:latin typeface="Consolas" panose="020B0609020204030204" pitchFamily="49" charset="0"/>
+              </a:rPr>
+              <a:t>new_record</a:t>
+            </a:r>
+            <a:endParaRPr lang="en-US" dirty="0">
+              <a:solidFill>
+                <a:schemeClr val="tx1"/>
+              </a:solidFill>
+              <a:latin typeface="Consolas" panose="020B0609020204030204" pitchFamily="49" charset="0"/>
+            </a:endParaRPr>
+          </a:p>
+        </p:txBody>
+      </p:sp>
+      <p:sp>
+        <p:nvSpPr>
+          <p:cNvPr id="6" name="Rectangle 5">
+            <a:extLst>
+              <a:ext uri="{FF2B5EF4-FFF2-40B4-BE49-F238E27FC236}">
+                <a16:creationId xmlns:a16="http://schemas.microsoft.com/office/drawing/2014/main" id="{2FC48558-4473-C3B2-4781-7EA2E5A1A209}"/>
+              </a:ext>
+            </a:extLst>
+          </p:cNvPr>
+          <p:cNvSpPr/>
+          <p:nvPr/>
+        </p:nvSpPr>
+        <p:spPr>
+          <a:xfrm>
+            <a:off x="4826670" y="2802294"/>
+            <a:ext cx="2320212" cy="653143"/>
+          </a:xfrm>
+          <a:prstGeom prst="rect">
+            <a:avLst/>
+          </a:prstGeom>
+          <a:solidFill>
+            <a:schemeClr val="accent2">
+              <a:lumMod val="20000"/>
+              <a:lumOff val="80000"/>
+            </a:schemeClr>
+          </a:solidFill>
+        </p:spPr>
+        <p:style>
+          <a:lnRef idx="2">
+            <a:schemeClr val="accent1">
+              <a:shade val="15000"/>
+            </a:schemeClr>
+          </a:lnRef>
+          <a:fillRef idx="1">
+            <a:schemeClr val="accent1"/>
+          </a:fillRef>
+          <a:effectRef idx="0">
+            <a:schemeClr val="accent1"/>
+          </a:effectRef>
+          <a:fontRef idx="minor">
+            <a:schemeClr val="lt1"/>
+          </a:fontRef>
+        </p:style>
+        <p:txBody>
+          <a:bodyPr rtlCol="0" anchor="ctr"/>
+          <a:lstStyle/>
+          <a:p>
+            <a:r>
+              <a:rPr lang="en-US" strike="sngStrike" dirty="0">
+                <a:solidFill>
+                  <a:schemeClr val="tx1"/>
+                </a:solidFill>
+                <a:latin typeface="Consolas" panose="020B0609020204030204" pitchFamily="49" charset="0"/>
+              </a:rPr>
+              <a:t>record</a:t>
+            </a:r>
+          </a:p>
+        </p:txBody>
+      </p:sp>
+      <p:sp>
+        <p:nvSpPr>
+          <p:cNvPr id="8" name="Rectangle 7">
+            <a:extLst>
+              <a:ext uri="{FF2B5EF4-FFF2-40B4-BE49-F238E27FC236}">
+                <a16:creationId xmlns:a16="http://schemas.microsoft.com/office/drawing/2014/main" id="{B21B41BC-0900-D365-5B04-A59AF780B29D}"/>
+              </a:ext>
+            </a:extLst>
+          </p:cNvPr>
+          <p:cNvSpPr/>
+          <p:nvPr/>
+        </p:nvSpPr>
+        <p:spPr>
+          <a:xfrm>
+            <a:off x="4826670" y="3455437"/>
+            <a:ext cx="2320212" cy="653143"/>
+          </a:xfrm>
+          <a:prstGeom prst="rect">
+            <a:avLst/>
+          </a:prstGeom>
+          <a:solidFill>
+            <a:schemeClr val="accent2">
+              <a:lumMod val="20000"/>
+              <a:lumOff val="80000"/>
+            </a:schemeClr>
+          </a:solidFill>
+        </p:spPr>
+        <p:style>
+          <a:lnRef idx="2">
+            <a:schemeClr val="accent1">
+              <a:shade val="15000"/>
+            </a:schemeClr>
+          </a:lnRef>
+          <a:fillRef idx="1">
+            <a:schemeClr val="accent1"/>
+          </a:fillRef>
+          <a:effectRef idx="0">
+            <a:schemeClr val="accent1"/>
+          </a:effectRef>
+          <a:fontRef idx="minor">
+            <a:schemeClr val="lt1"/>
+          </a:fontRef>
+        </p:style>
+        <p:txBody>
+          <a:bodyPr rtlCol="0" anchor="ctr"/>
+          <a:lstStyle/>
+          <a:p>
+            <a:r>
+              <a:rPr lang="en-US" dirty="0">
+                <a:solidFill>
+                  <a:schemeClr val="tx1"/>
+                </a:solidFill>
+                <a:latin typeface="Consolas" panose="020B0609020204030204" pitchFamily="49" charset="0"/>
+              </a:rPr>
+              <a:t>record</a:t>
+            </a:r>
+          </a:p>
+        </p:txBody>
+      </p:sp>
+      <p:sp>
+        <p:nvSpPr>
+          <p:cNvPr id="9" name="Rectangle 8">
+            <a:extLst>
+              <a:ext uri="{FF2B5EF4-FFF2-40B4-BE49-F238E27FC236}">
+                <a16:creationId xmlns:a16="http://schemas.microsoft.com/office/drawing/2014/main" id="{7169181C-B4BE-BA4B-1DA4-4FC5E8709EFC}"/>
+              </a:ext>
+            </a:extLst>
+          </p:cNvPr>
+          <p:cNvSpPr/>
+          <p:nvPr/>
+        </p:nvSpPr>
+        <p:spPr>
+          <a:xfrm>
+            <a:off x="4826670" y="4108580"/>
+            <a:ext cx="2320212" cy="653143"/>
+          </a:xfrm>
+          <a:prstGeom prst="rect">
+            <a:avLst/>
+          </a:prstGeom>
+          <a:solidFill>
+            <a:schemeClr val="accent2">
+              <a:lumMod val="20000"/>
+              <a:lumOff val="80000"/>
+            </a:schemeClr>
+          </a:solidFill>
+        </p:spPr>
+        <p:style>
+          <a:lnRef idx="2">
+            <a:schemeClr val="accent1">
+              <a:shade val="15000"/>
+            </a:schemeClr>
+          </a:lnRef>
+          <a:fillRef idx="1">
+            <a:schemeClr val="accent1"/>
+          </a:fillRef>
+          <a:effectRef idx="0">
+            <a:schemeClr val="accent1"/>
+          </a:effectRef>
+          <a:fontRef idx="minor">
+            <a:schemeClr val="lt1"/>
+          </a:fontRef>
+        </p:style>
+        <p:txBody>
+          <a:bodyPr rtlCol="0" anchor="ctr"/>
+          <a:lstStyle/>
+          <a:p>
+            <a:r>
+              <a:rPr lang="en-US" strike="sngStrike" dirty="0">
+                <a:solidFill>
+                  <a:schemeClr val="accent2">
+                    <a:lumMod val="50000"/>
+                  </a:schemeClr>
+                </a:solidFill>
+                <a:latin typeface="Consolas" panose="020B0609020204030204" pitchFamily="49" charset="0"/>
+              </a:rPr>
+              <a:t>record</a:t>
+            </a:r>
+            <a:r>
+              <a:rPr lang="en-US" dirty="0">
+                <a:solidFill>
+                  <a:schemeClr val="accent2">
+                    <a:lumMod val="50000"/>
+                  </a:schemeClr>
+                </a:solidFill>
+                <a:latin typeface="Consolas" panose="020B0609020204030204" pitchFamily="49" charset="0"/>
+              </a:rPr>
+              <a:t> record_1</a:t>
+            </a:r>
+          </a:p>
+        </p:txBody>
+      </p:sp>
+      <p:cxnSp>
+        <p:nvCxnSpPr>
+          <p:cNvPr id="11" name="Straight Arrow Connector 10">
+            <a:extLst>
+              <a:ext uri="{FF2B5EF4-FFF2-40B4-BE49-F238E27FC236}">
+                <a16:creationId xmlns:a16="http://schemas.microsoft.com/office/drawing/2014/main" id="{65463CC7-9271-B373-B054-BB709C729A51}"/>
+              </a:ext>
+            </a:extLst>
+          </p:cNvPr>
+          <p:cNvCxnSpPr/>
+          <p:nvPr/>
+        </p:nvCxnSpPr>
+        <p:spPr>
+          <a:xfrm>
+            <a:off x="4024604" y="1482752"/>
+            <a:ext cx="727787" cy="514274"/>
+          </a:xfrm>
+          <a:prstGeom prst="straightConnector1">
+            <a:avLst/>
+          </a:prstGeom>
+          <a:ln w="38100">
+            <a:solidFill>
+              <a:schemeClr val="bg1">
+                <a:lumMod val="50000"/>
+              </a:schemeClr>
+            </a:solidFill>
+            <a:tailEnd type="triangle"/>
+          </a:ln>
+        </p:spPr>
+        <p:style>
+          <a:lnRef idx="2">
+            <a:schemeClr val="accent1"/>
+          </a:lnRef>
+          <a:fillRef idx="0">
+            <a:schemeClr val="accent1"/>
+          </a:fillRef>
+          <a:effectRef idx="1">
+            <a:schemeClr val="accent1"/>
+          </a:effectRef>
+          <a:fontRef idx="minor">
+            <a:schemeClr val="tx1"/>
+          </a:fontRef>
+        </p:style>
+      </p:cxnSp>
+      <p:sp>
+        <p:nvSpPr>
+          <p:cNvPr id="12" name="TextBox 11">
+            <a:extLst>
+              <a:ext uri="{FF2B5EF4-FFF2-40B4-BE49-F238E27FC236}">
+                <a16:creationId xmlns:a16="http://schemas.microsoft.com/office/drawing/2014/main" id="{961A0408-090E-F43F-2369-8FD7D710866C}"/>
               </a:ext>
             </a:extLst>
           </p:cNvPr>
@@ -8933,8 +12614,8 @@
         </p:nvSpPr>
         <p:spPr>
           <a:xfrm>
-            <a:off x="-439812" y="4423676"/>
-            <a:ext cx="6094990" cy="1477328"/>
+            <a:off x="3085986" y="897977"/>
+            <a:ext cx="1666405" cy="584775"/>
           </a:xfrm>
           <a:prstGeom prst="rect">
             <a:avLst/>
@@ -8942,30 +12623,290 @@
           <a:noFill/>
         </p:spPr>
         <p:txBody>
-          <a:bodyPr wrap="square">
+          <a:bodyPr wrap="square" rtlCol="0">
             <a:spAutoFit/>
           </a:bodyPr>
           <a:lstStyle/>
           <a:p>
             <a:r>
-              <a:rPr lang="en-US" dirty="0">
-                <a:hlinkClick r:id="rId2"/>
-              </a:rPr>
-              <a:t>https://chatgpt.com/c/66e4a316-1a94-8001-a64f-3cb418dd2975</a:t>
+              <a:rPr lang="en-US" sz="3200" b="1" dirty="0"/>
+              <a:t>C</a:t>
             </a:r>
-            <a:endParaRPr lang="en-US" dirty="0"/>
-          </a:p>
-          <a:p>
-            <a:endParaRPr lang="en-US" dirty="0"/>
-          </a:p>
-          <a:p>
             <a:r>
-              <a:rPr lang="en-US" dirty="0"/>
-              <a:t>https://chatgpt.com/c/66e4a854-13ac-8001-899e-7ce449e18d47</a:t>
+              <a:rPr lang="en-US" sz="3200" dirty="0"/>
+              <a:t>REATE</a:t>
             </a:r>
           </a:p>
         </p:txBody>
       </p:sp>
+      <p:cxnSp>
+        <p:nvCxnSpPr>
+          <p:cNvPr id="13" name="Straight Arrow Connector 12">
+            <a:extLst>
+              <a:ext uri="{FF2B5EF4-FFF2-40B4-BE49-F238E27FC236}">
+                <a16:creationId xmlns:a16="http://schemas.microsoft.com/office/drawing/2014/main" id="{FF9EF229-57DD-69CF-6CE8-CE6B6A4A9D1A}"/>
+              </a:ext>
+            </a:extLst>
+          </p:cNvPr>
+          <p:cNvCxnSpPr>
+            <a:cxnSpLocks/>
+          </p:cNvCxnSpPr>
+          <p:nvPr/>
+        </p:nvCxnSpPr>
+        <p:spPr>
+          <a:xfrm flipH="1">
+            <a:off x="7146882" y="2443530"/>
+            <a:ext cx="575388" cy="514549"/>
+          </a:xfrm>
+          <a:prstGeom prst="straightConnector1">
+            <a:avLst/>
+          </a:prstGeom>
+          <a:ln w="38100">
+            <a:solidFill>
+              <a:schemeClr val="bg1">
+                <a:lumMod val="50000"/>
+              </a:schemeClr>
+            </a:solidFill>
+            <a:tailEnd type="triangle"/>
+          </a:ln>
+        </p:spPr>
+        <p:style>
+          <a:lnRef idx="2">
+            <a:schemeClr val="accent1"/>
+          </a:lnRef>
+          <a:fillRef idx="0">
+            <a:schemeClr val="accent1"/>
+          </a:fillRef>
+          <a:effectRef idx="1">
+            <a:schemeClr val="accent1"/>
+          </a:effectRef>
+          <a:fontRef idx="minor">
+            <a:schemeClr val="tx1"/>
+          </a:fontRef>
+        </p:style>
+      </p:cxnSp>
+      <p:sp>
+        <p:nvSpPr>
+          <p:cNvPr id="15" name="TextBox 14">
+            <a:extLst>
+              <a:ext uri="{FF2B5EF4-FFF2-40B4-BE49-F238E27FC236}">
+                <a16:creationId xmlns:a16="http://schemas.microsoft.com/office/drawing/2014/main" id="{D9F85C99-27E4-7E27-F6E4-FC4A6CF1E1C8}"/>
+              </a:ext>
+            </a:extLst>
+          </p:cNvPr>
+          <p:cNvSpPr txBox="1"/>
+          <p:nvPr/>
+        </p:nvSpPr>
+        <p:spPr>
+          <a:xfrm>
+            <a:off x="7722270" y="1842066"/>
+            <a:ext cx="1666405" cy="3046988"/>
+          </a:xfrm>
+          <a:prstGeom prst="rect">
+            <a:avLst/>
+          </a:prstGeom>
+          <a:noFill/>
+        </p:spPr>
+        <p:txBody>
+          <a:bodyPr wrap="square" rtlCol="0">
+            <a:spAutoFit/>
+          </a:bodyPr>
+          <a:lstStyle/>
+          <a:p>
+            <a:r>
+              <a:rPr lang="en-US" sz="3200" b="1" dirty="0"/>
+              <a:t>D</a:t>
+            </a:r>
+            <a:r>
+              <a:rPr lang="en-US" sz="3200" dirty="0"/>
+              <a:t>ELETE</a:t>
+            </a:r>
+          </a:p>
+          <a:p>
+            <a:endParaRPr lang="en-US" sz="3200" dirty="0"/>
+          </a:p>
+          <a:p>
+            <a:endParaRPr lang="en-US" sz="3200" dirty="0"/>
+          </a:p>
+          <a:p>
+            <a:endParaRPr lang="en-US" sz="3200" dirty="0"/>
+          </a:p>
+          <a:p>
+            <a:endParaRPr lang="en-US" sz="3200" dirty="0"/>
+          </a:p>
+          <a:p>
+            <a:r>
+              <a:rPr lang="en-US" sz="3200" b="1" dirty="0"/>
+              <a:t>U</a:t>
+            </a:r>
+            <a:r>
+              <a:rPr lang="en-US" sz="3200" dirty="0"/>
+              <a:t>PDATE</a:t>
+            </a:r>
+          </a:p>
+        </p:txBody>
+      </p:sp>
+      <p:cxnSp>
+        <p:nvCxnSpPr>
+          <p:cNvPr id="16" name="Straight Arrow Connector 15">
+            <a:extLst>
+              <a:ext uri="{FF2B5EF4-FFF2-40B4-BE49-F238E27FC236}">
+                <a16:creationId xmlns:a16="http://schemas.microsoft.com/office/drawing/2014/main" id="{A532B6F8-2EA9-6BDF-AE65-6215DF58F874}"/>
+              </a:ext>
+            </a:extLst>
+          </p:cNvPr>
+          <p:cNvCxnSpPr>
+            <a:cxnSpLocks/>
+          </p:cNvCxnSpPr>
+          <p:nvPr/>
+        </p:nvCxnSpPr>
+        <p:spPr>
+          <a:xfrm flipV="1">
+            <a:off x="4186334" y="5150498"/>
+            <a:ext cx="336634" cy="362148"/>
+          </a:xfrm>
+          <a:prstGeom prst="straightConnector1">
+            <a:avLst/>
+          </a:prstGeom>
+          <a:ln w="38100">
+            <a:solidFill>
+              <a:schemeClr val="bg1">
+                <a:lumMod val="50000"/>
+              </a:schemeClr>
+            </a:solidFill>
+            <a:tailEnd type="triangle"/>
+          </a:ln>
+        </p:spPr>
+        <p:style>
+          <a:lnRef idx="2">
+            <a:schemeClr val="accent1"/>
+          </a:lnRef>
+          <a:fillRef idx="0">
+            <a:schemeClr val="accent1"/>
+          </a:fillRef>
+          <a:effectRef idx="1">
+            <a:schemeClr val="accent1"/>
+          </a:effectRef>
+          <a:fontRef idx="minor">
+            <a:schemeClr val="tx1"/>
+          </a:fontRef>
+        </p:style>
+      </p:cxnSp>
+      <p:sp>
+        <p:nvSpPr>
+          <p:cNvPr id="19" name="TextBox 18">
+            <a:extLst>
+              <a:ext uri="{FF2B5EF4-FFF2-40B4-BE49-F238E27FC236}">
+                <a16:creationId xmlns:a16="http://schemas.microsoft.com/office/drawing/2014/main" id="{6669787C-3A16-5270-0AB6-C187A645D865}"/>
+              </a:ext>
+            </a:extLst>
+          </p:cNvPr>
+          <p:cNvSpPr txBox="1"/>
+          <p:nvPr/>
+        </p:nvSpPr>
+        <p:spPr>
+          <a:xfrm>
+            <a:off x="2961578" y="5512646"/>
+            <a:ext cx="1666405" cy="584775"/>
+          </a:xfrm>
+          <a:prstGeom prst="rect">
+            <a:avLst/>
+          </a:prstGeom>
+          <a:noFill/>
+        </p:spPr>
+        <p:txBody>
+          <a:bodyPr wrap="square" rtlCol="0">
+            <a:spAutoFit/>
+          </a:bodyPr>
+          <a:lstStyle/>
+          <a:p>
+            <a:r>
+              <a:rPr lang="en-US" sz="3200" b="1" dirty="0"/>
+              <a:t>R</a:t>
+            </a:r>
+            <a:r>
+              <a:rPr lang="en-US" sz="3200" dirty="0"/>
+              <a:t>EAD</a:t>
+            </a:r>
+          </a:p>
+        </p:txBody>
+      </p:sp>
+      <p:cxnSp>
+        <p:nvCxnSpPr>
+          <p:cNvPr id="20" name="Straight Arrow Connector 19">
+            <a:extLst>
+              <a:ext uri="{FF2B5EF4-FFF2-40B4-BE49-F238E27FC236}">
+                <a16:creationId xmlns:a16="http://schemas.microsoft.com/office/drawing/2014/main" id="{38B5DD9E-876A-AE62-EA64-81156E3C5CBB}"/>
+              </a:ext>
+            </a:extLst>
+          </p:cNvPr>
+          <p:cNvCxnSpPr>
+            <a:cxnSpLocks/>
+          </p:cNvCxnSpPr>
+          <p:nvPr/>
+        </p:nvCxnSpPr>
+        <p:spPr>
+          <a:xfrm flipH="1">
+            <a:off x="6964388" y="4517764"/>
+            <a:ext cx="680858" cy="0"/>
+          </a:xfrm>
+          <a:prstGeom prst="straightConnector1">
+            <a:avLst/>
+          </a:prstGeom>
+          <a:ln w="38100">
+            <a:solidFill>
+              <a:schemeClr val="bg1">
+                <a:lumMod val="50000"/>
+              </a:schemeClr>
+            </a:solidFill>
+            <a:tailEnd type="triangle"/>
+          </a:ln>
+        </p:spPr>
+        <p:style>
+          <a:lnRef idx="2">
+            <a:schemeClr val="accent1"/>
+          </a:lnRef>
+          <a:fillRef idx="0">
+            <a:schemeClr val="accent1"/>
+          </a:fillRef>
+          <a:effectRef idx="1">
+            <a:schemeClr val="accent1"/>
+          </a:effectRef>
+          <a:fontRef idx="minor">
+            <a:schemeClr val="tx1"/>
+          </a:fontRef>
+        </p:style>
+      </p:cxnSp>
+      <p:pic>
+        <p:nvPicPr>
+          <p:cNvPr id="25" name="Picture 24">
+            <a:extLst>
+              <a:ext uri="{FF2B5EF4-FFF2-40B4-BE49-F238E27FC236}">
+                <a16:creationId xmlns:a16="http://schemas.microsoft.com/office/drawing/2014/main" id="{6198B323-10BC-364D-E384-07FE3FE629A3}"/>
+              </a:ext>
+            </a:extLst>
+          </p:cNvPr>
+          <p:cNvPicPr>
+            <a:picLocks noChangeAspect="1"/>
+          </p:cNvPicPr>
+          <p:nvPr/>
+        </p:nvPicPr>
+        <p:blipFill>
+          <a:blip r:embed="rId2"/>
+          <a:stretch>
+            <a:fillRect/>
+          </a:stretch>
+        </p:blipFill>
+        <p:spPr>
+          <a:xfrm>
+            <a:off x="372810" y="691659"/>
+            <a:ext cx="6693988" cy="5474682"/>
+          </a:xfrm>
+          <a:prstGeom prst="rect">
+            <a:avLst/>
+          </a:prstGeom>
+        </p:spPr>
+      </p:pic>
     </p:spTree>
     <p:extLst>
       <p:ext uri="{BB962C8B-B14F-4D97-AF65-F5344CB8AC3E}">

--- a/ppt-staging-for-web-embeds.pptx
+++ b/ppt-staging-for-web-embeds.pptx
@@ -13,6 +13,9 @@
     <p:sldId id="262" r:id="rId7"/>
     <p:sldId id="263" r:id="rId8"/>
     <p:sldId id="259" r:id="rId9"/>
+    <p:sldId id="264" r:id="rId10"/>
+    <p:sldId id="265" r:id="rId11"/>
+    <p:sldId id="266" r:id="rId12"/>
   </p:sldIdLst>
   <p:sldSz cx="12192000" cy="6858000"/>
   <p:notesSz cx="6858000" cy="9144000"/>
@@ -5959,7 +5962,7 @@
           <a:p>
             <a:fld id="{ED67E16A-0490-4690-B57E-BBBC396D5AF5}" type="datetimeFigureOut">
               <a:rPr lang="en-US" smtClean="0"/>
-              <a:t>9/28/2024</a:t>
+              <a:t>11/22/2024</a:t>
             </a:fld>
             <a:endParaRPr lang="en-US"/>
           </a:p>
@@ -6157,7 +6160,7 @@
           <a:p>
             <a:fld id="{ED67E16A-0490-4690-B57E-BBBC396D5AF5}" type="datetimeFigureOut">
               <a:rPr lang="en-US" smtClean="0"/>
-              <a:t>9/28/2024</a:t>
+              <a:t>11/22/2024</a:t>
             </a:fld>
             <a:endParaRPr lang="en-US"/>
           </a:p>
@@ -6365,7 +6368,7 @@
           <a:p>
             <a:fld id="{ED67E16A-0490-4690-B57E-BBBC396D5AF5}" type="datetimeFigureOut">
               <a:rPr lang="en-US" smtClean="0"/>
-              <a:t>9/28/2024</a:t>
+              <a:t>11/22/2024</a:t>
             </a:fld>
             <a:endParaRPr lang="en-US"/>
           </a:p>
@@ -6563,7 +6566,7 @@
           <a:p>
             <a:fld id="{ED67E16A-0490-4690-B57E-BBBC396D5AF5}" type="datetimeFigureOut">
               <a:rPr lang="en-US" smtClean="0"/>
-              <a:t>9/28/2024</a:t>
+              <a:t>11/22/2024</a:t>
             </a:fld>
             <a:endParaRPr lang="en-US"/>
           </a:p>
@@ -6838,7 +6841,7 @@
           <a:p>
             <a:fld id="{ED67E16A-0490-4690-B57E-BBBC396D5AF5}" type="datetimeFigureOut">
               <a:rPr lang="en-US" smtClean="0"/>
-              <a:t>9/28/2024</a:t>
+              <a:t>11/22/2024</a:t>
             </a:fld>
             <a:endParaRPr lang="en-US"/>
           </a:p>
@@ -7103,7 +7106,7 @@
           <a:p>
             <a:fld id="{ED67E16A-0490-4690-B57E-BBBC396D5AF5}" type="datetimeFigureOut">
               <a:rPr lang="en-US" smtClean="0"/>
-              <a:t>9/28/2024</a:t>
+              <a:t>11/22/2024</a:t>
             </a:fld>
             <a:endParaRPr lang="en-US"/>
           </a:p>
@@ -7515,7 +7518,7 @@
           <a:p>
             <a:fld id="{ED67E16A-0490-4690-B57E-BBBC396D5AF5}" type="datetimeFigureOut">
               <a:rPr lang="en-US" smtClean="0"/>
-              <a:t>9/28/2024</a:t>
+              <a:t>11/22/2024</a:t>
             </a:fld>
             <a:endParaRPr lang="en-US"/>
           </a:p>
@@ -7656,7 +7659,7 @@
           <a:p>
             <a:fld id="{ED67E16A-0490-4690-B57E-BBBC396D5AF5}" type="datetimeFigureOut">
               <a:rPr lang="en-US" smtClean="0"/>
-              <a:t>9/28/2024</a:t>
+              <a:t>11/22/2024</a:t>
             </a:fld>
             <a:endParaRPr lang="en-US"/>
           </a:p>
@@ -7769,7 +7772,7 @@
           <a:p>
             <a:fld id="{ED67E16A-0490-4690-B57E-BBBC396D5AF5}" type="datetimeFigureOut">
               <a:rPr lang="en-US" smtClean="0"/>
-              <a:t>9/28/2024</a:t>
+              <a:t>11/22/2024</a:t>
             </a:fld>
             <a:endParaRPr lang="en-US"/>
           </a:p>
@@ -8080,7 +8083,7 @@
           <a:p>
             <a:fld id="{ED67E16A-0490-4690-B57E-BBBC396D5AF5}" type="datetimeFigureOut">
               <a:rPr lang="en-US" smtClean="0"/>
-              <a:t>9/28/2024</a:t>
+              <a:t>11/22/2024</a:t>
             </a:fld>
             <a:endParaRPr lang="en-US"/>
           </a:p>
@@ -8368,7 +8371,7 @@
           <a:p>
             <a:fld id="{ED67E16A-0490-4690-B57E-BBBC396D5AF5}" type="datetimeFigureOut">
               <a:rPr lang="en-US" smtClean="0"/>
-              <a:t>9/28/2024</a:t>
+              <a:t>11/22/2024</a:t>
             </a:fld>
             <a:endParaRPr lang="en-US"/>
           </a:p>
@@ -8609,7 +8612,7 @@
           <a:p>
             <a:fld id="{ED67E16A-0490-4690-B57E-BBBC396D5AF5}" type="datetimeFigureOut">
               <a:rPr lang="en-US" smtClean="0"/>
-              <a:t>9/28/2024</a:t>
+              <a:t>11/22/2024</a:t>
             </a:fld>
             <a:endParaRPr lang="en-US"/>
           </a:p>
@@ -9039,6 +9042,2103 @@
 </p:sld>
 </file>
 
+<file path=ppt/slides/slide10.xml><?xml version="1.0" encoding="utf-8"?>
+<p:sld xmlns:a="http://schemas.openxmlformats.org/drawingml/2006/main" xmlns:r="http://schemas.openxmlformats.org/officeDocument/2006/relationships" xmlns:p="http://schemas.openxmlformats.org/presentationml/2006/main">
+  <p:cSld>
+    <p:spTree>
+      <p:nvGrpSpPr>
+        <p:cNvPr id="1" name=""/>
+        <p:cNvGrpSpPr/>
+        <p:nvPr/>
+      </p:nvGrpSpPr>
+      <p:grpSpPr>
+        <a:xfrm>
+          <a:off x="0" y="0"/>
+          <a:ext cx="0" cy="0"/>
+          <a:chOff x="0" y="0"/>
+          <a:chExt cx="0" cy="0"/>
+        </a:xfrm>
+      </p:grpSpPr>
+      <p:sp>
+        <p:nvSpPr>
+          <p:cNvPr id="2" name="Title 1">
+            <a:extLst>
+              <a:ext uri="{FF2B5EF4-FFF2-40B4-BE49-F238E27FC236}">
+                <a16:creationId xmlns:a16="http://schemas.microsoft.com/office/drawing/2014/main" id="{9AA2D1A2-A7C7-C1E7-F5D7-F5902AD385F0}"/>
+              </a:ext>
+            </a:extLst>
+          </p:cNvPr>
+          <p:cNvSpPr>
+            <a:spLocks noGrp="1"/>
+          </p:cNvSpPr>
+          <p:nvPr>
+            <p:ph type="title"/>
+          </p:nvPr>
+        </p:nvSpPr>
+        <p:spPr/>
+        <p:txBody>
+          <a:bodyPr/>
+          <a:lstStyle/>
+          <a:p>
+            <a:endParaRPr lang="en-US" dirty="0"/>
+          </a:p>
+        </p:txBody>
+      </p:sp>
+      <p:pic>
+        <p:nvPicPr>
+          <p:cNvPr id="5" name="Picture 4">
+            <a:extLst>
+              <a:ext uri="{FF2B5EF4-FFF2-40B4-BE49-F238E27FC236}">
+                <a16:creationId xmlns:a16="http://schemas.microsoft.com/office/drawing/2014/main" id="{EB09E93B-448C-A1C5-387C-BC9D74342EDA}"/>
+              </a:ext>
+            </a:extLst>
+          </p:cNvPr>
+          <p:cNvPicPr>
+            <a:picLocks noChangeAspect="1"/>
+          </p:cNvPicPr>
+          <p:nvPr/>
+        </p:nvPicPr>
+        <p:blipFill>
+          <a:blip r:embed="rId2"/>
+          <a:stretch>
+            <a:fillRect/>
+          </a:stretch>
+        </p:blipFill>
+        <p:spPr>
+          <a:xfrm>
+            <a:off x="90919" y="502666"/>
+            <a:ext cx="12010161" cy="5852667"/>
+          </a:xfrm>
+          <a:prstGeom prst="rect">
+            <a:avLst/>
+          </a:prstGeom>
+        </p:spPr>
+      </p:pic>
+    </p:spTree>
+    <p:extLst>
+      <p:ext uri="{BB962C8B-B14F-4D97-AF65-F5344CB8AC3E}">
+        <p14:creationId xmlns:p14="http://schemas.microsoft.com/office/powerpoint/2010/main" val="1183922973"/>
+      </p:ext>
+    </p:extLst>
+  </p:cSld>
+  <p:clrMapOvr>
+    <a:masterClrMapping/>
+  </p:clrMapOvr>
+</p:sld>
+</file>
+
+<file path=ppt/slides/slide11.xml><?xml version="1.0" encoding="utf-8"?>
+<p:sld xmlns:a="http://schemas.openxmlformats.org/drawingml/2006/main" xmlns:r="http://schemas.openxmlformats.org/officeDocument/2006/relationships" xmlns:p="http://schemas.openxmlformats.org/presentationml/2006/main">
+  <p:cSld>
+    <p:spTree>
+      <p:nvGrpSpPr>
+        <p:cNvPr id="1" name=""/>
+        <p:cNvGrpSpPr/>
+        <p:nvPr/>
+      </p:nvGrpSpPr>
+      <p:grpSpPr>
+        <a:xfrm>
+          <a:off x="0" y="0"/>
+          <a:ext cx="0" cy="0"/>
+          <a:chOff x="0" y="0"/>
+          <a:chExt cx="0" cy="0"/>
+        </a:xfrm>
+      </p:grpSpPr>
+      <p:sp>
+        <p:nvSpPr>
+          <p:cNvPr id="6" name="Oval 5">
+            <a:extLst>
+              <a:ext uri="{FF2B5EF4-FFF2-40B4-BE49-F238E27FC236}">
+                <a16:creationId xmlns:a16="http://schemas.microsoft.com/office/drawing/2014/main" id="{7EA002BF-385B-027D-2461-427D28DCCFE3}"/>
+              </a:ext>
+            </a:extLst>
+          </p:cNvPr>
+          <p:cNvSpPr/>
+          <p:nvPr/>
+        </p:nvSpPr>
+        <p:spPr>
+          <a:xfrm>
+            <a:off x="274155" y="1367836"/>
+            <a:ext cx="836658" cy="877380"/>
+          </a:xfrm>
+          <a:prstGeom prst="ellipse">
+            <a:avLst/>
+          </a:prstGeom>
+        </p:spPr>
+        <p:style>
+          <a:lnRef idx="2">
+            <a:schemeClr val="accent1"/>
+          </a:lnRef>
+          <a:fillRef idx="1">
+            <a:schemeClr val="lt1"/>
+          </a:fillRef>
+          <a:effectRef idx="0">
+            <a:schemeClr val="accent1"/>
+          </a:effectRef>
+          <a:fontRef idx="minor">
+            <a:schemeClr val="dk1"/>
+          </a:fontRef>
+        </p:style>
+        <p:txBody>
+          <a:bodyPr rtlCol="0" anchor="ctr"/>
+          <a:lstStyle/>
+          <a:p>
+            <a:pPr algn="ctr"/>
+            <a:endParaRPr lang="en-US" dirty="0"/>
+          </a:p>
+        </p:txBody>
+      </p:sp>
+      <p:sp>
+        <p:nvSpPr>
+          <p:cNvPr id="7" name="Oval 6">
+            <a:extLst>
+              <a:ext uri="{FF2B5EF4-FFF2-40B4-BE49-F238E27FC236}">
+                <a16:creationId xmlns:a16="http://schemas.microsoft.com/office/drawing/2014/main" id="{19504118-2D61-C673-9764-4811D23BEDA3}"/>
+              </a:ext>
+            </a:extLst>
+          </p:cNvPr>
+          <p:cNvSpPr/>
+          <p:nvPr/>
+        </p:nvSpPr>
+        <p:spPr>
+          <a:xfrm>
+            <a:off x="274155" y="2536236"/>
+            <a:ext cx="836658" cy="877380"/>
+          </a:xfrm>
+          <a:prstGeom prst="ellipse">
+            <a:avLst/>
+          </a:prstGeom>
+        </p:spPr>
+        <p:style>
+          <a:lnRef idx="2">
+            <a:schemeClr val="accent1"/>
+          </a:lnRef>
+          <a:fillRef idx="1">
+            <a:schemeClr val="lt1"/>
+          </a:fillRef>
+          <a:effectRef idx="0">
+            <a:schemeClr val="accent1"/>
+          </a:effectRef>
+          <a:fontRef idx="minor">
+            <a:schemeClr val="dk1"/>
+          </a:fontRef>
+        </p:style>
+        <p:txBody>
+          <a:bodyPr rtlCol="0" anchor="ctr"/>
+          <a:lstStyle/>
+          <a:p>
+            <a:pPr algn="ctr"/>
+            <a:endParaRPr lang="en-US" dirty="0"/>
+          </a:p>
+        </p:txBody>
+      </p:sp>
+      <p:sp>
+        <p:nvSpPr>
+          <p:cNvPr id="8" name="Oval 7">
+            <a:extLst>
+              <a:ext uri="{FF2B5EF4-FFF2-40B4-BE49-F238E27FC236}">
+                <a16:creationId xmlns:a16="http://schemas.microsoft.com/office/drawing/2014/main" id="{4D2AEFB3-80D4-AE02-9574-A52634711A5B}"/>
+              </a:ext>
+            </a:extLst>
+          </p:cNvPr>
+          <p:cNvSpPr/>
+          <p:nvPr/>
+        </p:nvSpPr>
+        <p:spPr>
+          <a:xfrm>
+            <a:off x="274155" y="3877356"/>
+            <a:ext cx="836658" cy="877380"/>
+          </a:xfrm>
+          <a:prstGeom prst="ellipse">
+            <a:avLst/>
+          </a:prstGeom>
+        </p:spPr>
+        <p:style>
+          <a:lnRef idx="2">
+            <a:schemeClr val="accent1"/>
+          </a:lnRef>
+          <a:fillRef idx="1">
+            <a:schemeClr val="lt1"/>
+          </a:fillRef>
+          <a:effectRef idx="0">
+            <a:schemeClr val="accent1"/>
+          </a:effectRef>
+          <a:fontRef idx="minor">
+            <a:schemeClr val="dk1"/>
+          </a:fontRef>
+        </p:style>
+        <p:txBody>
+          <a:bodyPr rtlCol="0" anchor="ctr"/>
+          <a:lstStyle/>
+          <a:p>
+            <a:pPr algn="ctr"/>
+            <a:endParaRPr lang="en-US" dirty="0"/>
+          </a:p>
+        </p:txBody>
+      </p:sp>
+      <p:sp>
+        <p:nvSpPr>
+          <p:cNvPr id="9" name="Oval 8">
+            <a:extLst>
+              <a:ext uri="{FF2B5EF4-FFF2-40B4-BE49-F238E27FC236}">
+                <a16:creationId xmlns:a16="http://schemas.microsoft.com/office/drawing/2014/main" id="{1411E0B9-08FB-7CA9-807E-965C9F1D7EFA}"/>
+              </a:ext>
+            </a:extLst>
+          </p:cNvPr>
+          <p:cNvSpPr/>
+          <p:nvPr/>
+        </p:nvSpPr>
+        <p:spPr>
+          <a:xfrm>
+            <a:off x="1727035" y="717596"/>
+            <a:ext cx="836658" cy="877380"/>
+          </a:xfrm>
+          <a:prstGeom prst="ellipse">
+            <a:avLst/>
+          </a:prstGeom>
+        </p:spPr>
+        <p:style>
+          <a:lnRef idx="2">
+            <a:schemeClr val="accent1"/>
+          </a:lnRef>
+          <a:fillRef idx="1">
+            <a:schemeClr val="lt1"/>
+          </a:fillRef>
+          <a:effectRef idx="0">
+            <a:schemeClr val="accent1"/>
+          </a:effectRef>
+          <a:fontRef idx="minor">
+            <a:schemeClr val="dk1"/>
+          </a:fontRef>
+        </p:style>
+        <p:txBody>
+          <a:bodyPr rtlCol="0" anchor="ctr"/>
+          <a:lstStyle/>
+          <a:p>
+            <a:pPr algn="ctr"/>
+            <a:endParaRPr lang="en-US" dirty="0"/>
+          </a:p>
+        </p:txBody>
+      </p:sp>
+      <p:sp>
+        <p:nvSpPr>
+          <p:cNvPr id="10" name="Oval 9">
+            <a:extLst>
+              <a:ext uri="{FF2B5EF4-FFF2-40B4-BE49-F238E27FC236}">
+                <a16:creationId xmlns:a16="http://schemas.microsoft.com/office/drawing/2014/main" id="{7DC4F059-0161-F617-B611-99AC64223FF9}"/>
+              </a:ext>
+            </a:extLst>
+          </p:cNvPr>
+          <p:cNvSpPr/>
+          <p:nvPr/>
+        </p:nvSpPr>
+        <p:spPr>
+          <a:xfrm>
+            <a:off x="1772755" y="2033316"/>
+            <a:ext cx="836658" cy="877380"/>
+          </a:xfrm>
+          <a:prstGeom prst="ellipse">
+            <a:avLst/>
+          </a:prstGeom>
+        </p:spPr>
+        <p:style>
+          <a:lnRef idx="2">
+            <a:schemeClr val="accent1"/>
+          </a:lnRef>
+          <a:fillRef idx="1">
+            <a:schemeClr val="lt1"/>
+          </a:fillRef>
+          <a:effectRef idx="0">
+            <a:schemeClr val="accent1"/>
+          </a:effectRef>
+          <a:fontRef idx="minor">
+            <a:schemeClr val="dk1"/>
+          </a:fontRef>
+        </p:style>
+        <p:txBody>
+          <a:bodyPr rtlCol="0" anchor="ctr"/>
+          <a:lstStyle/>
+          <a:p>
+            <a:pPr algn="ctr"/>
+            <a:endParaRPr lang="en-US" dirty="0"/>
+          </a:p>
+        </p:txBody>
+      </p:sp>
+      <p:sp>
+        <p:nvSpPr>
+          <p:cNvPr id="11" name="Oval 10">
+            <a:extLst>
+              <a:ext uri="{FF2B5EF4-FFF2-40B4-BE49-F238E27FC236}">
+                <a16:creationId xmlns:a16="http://schemas.microsoft.com/office/drawing/2014/main" id="{CC13EB80-C448-EC7E-DC63-429BD1F2F0AB}"/>
+              </a:ext>
+            </a:extLst>
+          </p:cNvPr>
+          <p:cNvSpPr/>
+          <p:nvPr/>
+        </p:nvSpPr>
+        <p:spPr>
+          <a:xfrm>
+            <a:off x="1727035" y="3438666"/>
+            <a:ext cx="836658" cy="877380"/>
+          </a:xfrm>
+          <a:prstGeom prst="ellipse">
+            <a:avLst/>
+          </a:prstGeom>
+        </p:spPr>
+        <p:style>
+          <a:lnRef idx="2">
+            <a:schemeClr val="accent1"/>
+          </a:lnRef>
+          <a:fillRef idx="1">
+            <a:schemeClr val="lt1"/>
+          </a:fillRef>
+          <a:effectRef idx="0">
+            <a:schemeClr val="accent1"/>
+          </a:effectRef>
+          <a:fontRef idx="minor">
+            <a:schemeClr val="dk1"/>
+          </a:fontRef>
+        </p:style>
+        <p:txBody>
+          <a:bodyPr rtlCol="0" anchor="ctr"/>
+          <a:lstStyle/>
+          <a:p>
+            <a:pPr algn="ctr"/>
+            <a:endParaRPr lang="en-US" dirty="0"/>
+          </a:p>
+        </p:txBody>
+      </p:sp>
+      <p:sp>
+        <p:nvSpPr>
+          <p:cNvPr id="12" name="Oval 11">
+            <a:extLst>
+              <a:ext uri="{FF2B5EF4-FFF2-40B4-BE49-F238E27FC236}">
+                <a16:creationId xmlns:a16="http://schemas.microsoft.com/office/drawing/2014/main" id="{60E05181-8007-62F5-3506-3C82FC88C6D1}"/>
+              </a:ext>
+            </a:extLst>
+          </p:cNvPr>
+          <p:cNvSpPr/>
+          <p:nvPr/>
+        </p:nvSpPr>
+        <p:spPr>
+          <a:xfrm>
+            <a:off x="1727035" y="4647706"/>
+            <a:ext cx="836658" cy="877380"/>
+          </a:xfrm>
+          <a:prstGeom prst="ellipse">
+            <a:avLst/>
+          </a:prstGeom>
+        </p:spPr>
+        <p:style>
+          <a:lnRef idx="2">
+            <a:schemeClr val="accent1"/>
+          </a:lnRef>
+          <a:fillRef idx="1">
+            <a:schemeClr val="lt1"/>
+          </a:fillRef>
+          <a:effectRef idx="0">
+            <a:schemeClr val="accent1"/>
+          </a:effectRef>
+          <a:fontRef idx="minor">
+            <a:schemeClr val="dk1"/>
+          </a:fontRef>
+        </p:style>
+        <p:txBody>
+          <a:bodyPr rtlCol="0" anchor="ctr"/>
+          <a:lstStyle/>
+          <a:p>
+            <a:pPr algn="ctr"/>
+            <a:endParaRPr lang="en-US" dirty="0"/>
+          </a:p>
+        </p:txBody>
+      </p:sp>
+      <p:sp>
+        <p:nvSpPr>
+          <p:cNvPr id="13" name="Oval 12">
+            <a:extLst>
+              <a:ext uri="{FF2B5EF4-FFF2-40B4-BE49-F238E27FC236}">
+                <a16:creationId xmlns:a16="http://schemas.microsoft.com/office/drawing/2014/main" id="{7DF3373E-B0ED-155E-F4E0-2D6AC4B76602}"/>
+              </a:ext>
+            </a:extLst>
+          </p:cNvPr>
+          <p:cNvSpPr/>
+          <p:nvPr/>
+        </p:nvSpPr>
+        <p:spPr>
+          <a:xfrm>
+            <a:off x="3408515" y="717596"/>
+            <a:ext cx="836658" cy="877380"/>
+          </a:xfrm>
+          <a:prstGeom prst="ellipse">
+            <a:avLst/>
+          </a:prstGeom>
+        </p:spPr>
+        <p:style>
+          <a:lnRef idx="2">
+            <a:schemeClr val="accent1"/>
+          </a:lnRef>
+          <a:fillRef idx="1">
+            <a:schemeClr val="lt1"/>
+          </a:fillRef>
+          <a:effectRef idx="0">
+            <a:schemeClr val="accent1"/>
+          </a:effectRef>
+          <a:fontRef idx="minor">
+            <a:schemeClr val="dk1"/>
+          </a:fontRef>
+        </p:style>
+        <p:txBody>
+          <a:bodyPr rtlCol="0" anchor="ctr"/>
+          <a:lstStyle/>
+          <a:p>
+            <a:pPr algn="ctr"/>
+            <a:endParaRPr lang="en-US" dirty="0"/>
+          </a:p>
+        </p:txBody>
+      </p:sp>
+      <p:sp>
+        <p:nvSpPr>
+          <p:cNvPr id="14" name="Oval 13">
+            <a:extLst>
+              <a:ext uri="{FF2B5EF4-FFF2-40B4-BE49-F238E27FC236}">
+                <a16:creationId xmlns:a16="http://schemas.microsoft.com/office/drawing/2014/main" id="{0209775D-EFF5-2C30-499E-FF852DFDDE4E}"/>
+              </a:ext>
+            </a:extLst>
+          </p:cNvPr>
+          <p:cNvSpPr/>
+          <p:nvPr/>
+        </p:nvSpPr>
+        <p:spPr>
+          <a:xfrm>
+            <a:off x="3408515" y="2029552"/>
+            <a:ext cx="836658" cy="877380"/>
+          </a:xfrm>
+          <a:prstGeom prst="ellipse">
+            <a:avLst/>
+          </a:prstGeom>
+        </p:spPr>
+        <p:style>
+          <a:lnRef idx="2">
+            <a:schemeClr val="accent1"/>
+          </a:lnRef>
+          <a:fillRef idx="1">
+            <a:schemeClr val="lt1"/>
+          </a:fillRef>
+          <a:effectRef idx="0">
+            <a:schemeClr val="accent1"/>
+          </a:effectRef>
+          <a:fontRef idx="minor">
+            <a:schemeClr val="dk1"/>
+          </a:fontRef>
+        </p:style>
+        <p:txBody>
+          <a:bodyPr rtlCol="0" anchor="ctr"/>
+          <a:lstStyle/>
+          <a:p>
+            <a:pPr algn="ctr"/>
+            <a:endParaRPr lang="en-US" dirty="0"/>
+          </a:p>
+        </p:txBody>
+      </p:sp>
+      <p:sp>
+        <p:nvSpPr>
+          <p:cNvPr id="15" name="Oval 14">
+            <a:extLst>
+              <a:ext uri="{FF2B5EF4-FFF2-40B4-BE49-F238E27FC236}">
+                <a16:creationId xmlns:a16="http://schemas.microsoft.com/office/drawing/2014/main" id="{CAA33CD3-6E7A-7733-34A7-39DDCDE30D82}"/>
+              </a:ext>
+            </a:extLst>
+          </p:cNvPr>
+          <p:cNvSpPr/>
+          <p:nvPr/>
+        </p:nvSpPr>
+        <p:spPr>
+          <a:xfrm>
+            <a:off x="3372955" y="3438666"/>
+            <a:ext cx="836658" cy="877380"/>
+          </a:xfrm>
+          <a:prstGeom prst="ellipse">
+            <a:avLst/>
+          </a:prstGeom>
+        </p:spPr>
+        <p:style>
+          <a:lnRef idx="2">
+            <a:schemeClr val="accent1"/>
+          </a:lnRef>
+          <a:fillRef idx="1">
+            <a:schemeClr val="lt1"/>
+          </a:fillRef>
+          <a:effectRef idx="0">
+            <a:schemeClr val="accent1"/>
+          </a:effectRef>
+          <a:fontRef idx="minor">
+            <a:schemeClr val="dk1"/>
+          </a:fontRef>
+        </p:style>
+        <p:txBody>
+          <a:bodyPr rtlCol="0" anchor="ctr"/>
+          <a:lstStyle/>
+          <a:p>
+            <a:pPr algn="ctr"/>
+            <a:endParaRPr lang="en-US" dirty="0"/>
+          </a:p>
+        </p:txBody>
+      </p:sp>
+      <p:sp>
+        <p:nvSpPr>
+          <p:cNvPr id="16" name="Oval 15">
+            <a:extLst>
+              <a:ext uri="{FF2B5EF4-FFF2-40B4-BE49-F238E27FC236}">
+                <a16:creationId xmlns:a16="http://schemas.microsoft.com/office/drawing/2014/main" id="{564F1EBD-D6E2-9287-68A3-7BB88C117655}"/>
+              </a:ext>
+            </a:extLst>
+          </p:cNvPr>
+          <p:cNvSpPr/>
+          <p:nvPr/>
+        </p:nvSpPr>
+        <p:spPr>
+          <a:xfrm>
+            <a:off x="3372955" y="4647706"/>
+            <a:ext cx="836658" cy="877380"/>
+          </a:xfrm>
+          <a:prstGeom prst="ellipse">
+            <a:avLst/>
+          </a:prstGeom>
+        </p:spPr>
+        <p:style>
+          <a:lnRef idx="2">
+            <a:schemeClr val="accent1"/>
+          </a:lnRef>
+          <a:fillRef idx="1">
+            <a:schemeClr val="lt1"/>
+          </a:fillRef>
+          <a:effectRef idx="0">
+            <a:schemeClr val="accent1"/>
+          </a:effectRef>
+          <a:fontRef idx="minor">
+            <a:schemeClr val="dk1"/>
+          </a:fontRef>
+        </p:style>
+        <p:txBody>
+          <a:bodyPr rtlCol="0" anchor="ctr"/>
+          <a:lstStyle/>
+          <a:p>
+            <a:pPr algn="ctr"/>
+            <a:endParaRPr lang="en-US" dirty="0"/>
+          </a:p>
+        </p:txBody>
+      </p:sp>
+      <p:sp>
+        <p:nvSpPr>
+          <p:cNvPr id="17" name="Oval 16">
+            <a:extLst>
+              <a:ext uri="{FF2B5EF4-FFF2-40B4-BE49-F238E27FC236}">
+                <a16:creationId xmlns:a16="http://schemas.microsoft.com/office/drawing/2014/main" id="{6CDBC074-BA51-DB0A-A2CA-FF3CD01DFC61}"/>
+              </a:ext>
+            </a:extLst>
+          </p:cNvPr>
+          <p:cNvSpPr/>
+          <p:nvPr/>
+        </p:nvSpPr>
+        <p:spPr>
+          <a:xfrm>
+            <a:off x="5552275" y="2397266"/>
+            <a:ext cx="836658" cy="877380"/>
+          </a:xfrm>
+          <a:prstGeom prst="ellipse">
+            <a:avLst/>
+          </a:prstGeom>
+        </p:spPr>
+        <p:style>
+          <a:lnRef idx="2">
+            <a:schemeClr val="accent1"/>
+          </a:lnRef>
+          <a:fillRef idx="1">
+            <a:schemeClr val="lt1"/>
+          </a:fillRef>
+          <a:effectRef idx="0">
+            <a:schemeClr val="accent1"/>
+          </a:effectRef>
+          <a:fontRef idx="minor">
+            <a:schemeClr val="dk1"/>
+          </a:fontRef>
+        </p:style>
+        <p:txBody>
+          <a:bodyPr rtlCol="0" anchor="ctr"/>
+          <a:lstStyle/>
+          <a:p>
+            <a:pPr algn="ctr"/>
+            <a:endParaRPr lang="en-US" dirty="0"/>
+          </a:p>
+        </p:txBody>
+      </p:sp>
+      <p:cxnSp>
+        <p:nvCxnSpPr>
+          <p:cNvPr id="19" name="Straight Arrow Connector 18">
+            <a:extLst>
+              <a:ext uri="{FF2B5EF4-FFF2-40B4-BE49-F238E27FC236}">
+                <a16:creationId xmlns:a16="http://schemas.microsoft.com/office/drawing/2014/main" id="{46D1D547-AB8D-0107-7289-0449E361D556}"/>
+              </a:ext>
+            </a:extLst>
+          </p:cNvPr>
+          <p:cNvCxnSpPr/>
+          <p:nvPr/>
+        </p:nvCxnSpPr>
+        <p:spPr>
+          <a:xfrm>
+            <a:off x="4209613" y="1367836"/>
+            <a:ext cx="1276787" cy="1168400"/>
+          </a:xfrm>
+          <a:prstGeom prst="straightConnector1">
+            <a:avLst/>
+          </a:prstGeom>
+          <a:ln>
+            <a:tailEnd type="triangle"/>
+          </a:ln>
+        </p:spPr>
+        <p:style>
+          <a:lnRef idx="2">
+            <a:schemeClr val="accent1"/>
+          </a:lnRef>
+          <a:fillRef idx="0">
+            <a:schemeClr val="accent1"/>
+          </a:fillRef>
+          <a:effectRef idx="1">
+            <a:schemeClr val="accent1"/>
+          </a:effectRef>
+          <a:fontRef idx="minor">
+            <a:schemeClr val="tx1"/>
+          </a:fontRef>
+        </p:style>
+      </p:cxnSp>
+      <p:cxnSp>
+        <p:nvCxnSpPr>
+          <p:cNvPr id="21" name="Straight Arrow Connector 20">
+            <a:extLst>
+              <a:ext uri="{FF2B5EF4-FFF2-40B4-BE49-F238E27FC236}">
+                <a16:creationId xmlns:a16="http://schemas.microsoft.com/office/drawing/2014/main" id="{1ED292C2-0D97-EFE5-223B-2088CB1CB007}"/>
+              </a:ext>
+            </a:extLst>
+          </p:cNvPr>
+          <p:cNvCxnSpPr/>
+          <p:nvPr/>
+        </p:nvCxnSpPr>
+        <p:spPr>
+          <a:xfrm>
+            <a:off x="4378960" y="2488562"/>
+            <a:ext cx="1026160" cy="290198"/>
+          </a:xfrm>
+          <a:prstGeom prst="straightConnector1">
+            <a:avLst/>
+          </a:prstGeom>
+          <a:ln>
+            <a:tailEnd type="triangle"/>
+          </a:ln>
+        </p:spPr>
+        <p:style>
+          <a:lnRef idx="2">
+            <a:schemeClr val="accent1"/>
+          </a:lnRef>
+          <a:fillRef idx="0">
+            <a:schemeClr val="accent1"/>
+          </a:fillRef>
+          <a:effectRef idx="1">
+            <a:schemeClr val="accent1"/>
+          </a:effectRef>
+          <a:fontRef idx="minor">
+            <a:schemeClr val="tx1"/>
+          </a:fontRef>
+        </p:style>
+      </p:cxnSp>
+      <p:cxnSp>
+        <p:nvCxnSpPr>
+          <p:cNvPr id="22" name="Straight Arrow Connector 21">
+            <a:extLst>
+              <a:ext uri="{FF2B5EF4-FFF2-40B4-BE49-F238E27FC236}">
+                <a16:creationId xmlns:a16="http://schemas.microsoft.com/office/drawing/2014/main" id="{FDF0A67A-53EA-B709-BC55-50200A5D85F6}"/>
+              </a:ext>
+            </a:extLst>
+          </p:cNvPr>
+          <p:cNvCxnSpPr>
+            <a:cxnSpLocks/>
+          </p:cNvCxnSpPr>
+          <p:nvPr/>
+        </p:nvCxnSpPr>
+        <p:spPr>
+          <a:xfrm flipV="1">
+            <a:off x="4283190" y="3119284"/>
+            <a:ext cx="1195507" cy="638764"/>
+          </a:xfrm>
+          <a:prstGeom prst="straightConnector1">
+            <a:avLst/>
+          </a:prstGeom>
+          <a:ln>
+            <a:tailEnd type="triangle"/>
+          </a:ln>
+        </p:spPr>
+        <p:style>
+          <a:lnRef idx="2">
+            <a:schemeClr val="accent1"/>
+          </a:lnRef>
+          <a:fillRef idx="0">
+            <a:schemeClr val="accent1"/>
+          </a:fillRef>
+          <a:effectRef idx="1">
+            <a:schemeClr val="accent1"/>
+          </a:effectRef>
+          <a:fontRef idx="minor">
+            <a:schemeClr val="tx1"/>
+          </a:fontRef>
+        </p:style>
+      </p:cxnSp>
+      <p:cxnSp>
+        <p:nvCxnSpPr>
+          <p:cNvPr id="25" name="Straight Arrow Connector 24">
+            <a:extLst>
+              <a:ext uri="{FF2B5EF4-FFF2-40B4-BE49-F238E27FC236}">
+                <a16:creationId xmlns:a16="http://schemas.microsoft.com/office/drawing/2014/main" id="{A8A8EE45-AACC-E022-AAE1-6BF913FD3B34}"/>
+              </a:ext>
+            </a:extLst>
+          </p:cNvPr>
+          <p:cNvCxnSpPr>
+            <a:cxnSpLocks/>
+          </p:cNvCxnSpPr>
+          <p:nvPr/>
+        </p:nvCxnSpPr>
+        <p:spPr>
+          <a:xfrm flipV="1">
+            <a:off x="4245173" y="3341508"/>
+            <a:ext cx="1307102" cy="1463020"/>
+          </a:xfrm>
+          <a:prstGeom prst="straightConnector1">
+            <a:avLst/>
+          </a:prstGeom>
+          <a:ln>
+            <a:tailEnd type="triangle"/>
+          </a:ln>
+        </p:spPr>
+        <p:style>
+          <a:lnRef idx="2">
+            <a:schemeClr val="accent1"/>
+          </a:lnRef>
+          <a:fillRef idx="0">
+            <a:schemeClr val="accent1"/>
+          </a:fillRef>
+          <a:effectRef idx="1">
+            <a:schemeClr val="accent1"/>
+          </a:effectRef>
+          <a:fontRef idx="minor">
+            <a:schemeClr val="tx1"/>
+          </a:fontRef>
+        </p:style>
+      </p:cxnSp>
+      <p:cxnSp>
+        <p:nvCxnSpPr>
+          <p:cNvPr id="27" name="Straight Arrow Connector 26">
+            <a:extLst>
+              <a:ext uri="{FF2B5EF4-FFF2-40B4-BE49-F238E27FC236}">
+                <a16:creationId xmlns:a16="http://schemas.microsoft.com/office/drawing/2014/main" id="{67B90A85-73D8-8A40-D603-E01572E1D437}"/>
+              </a:ext>
+            </a:extLst>
+          </p:cNvPr>
+          <p:cNvCxnSpPr>
+            <a:cxnSpLocks/>
+          </p:cNvCxnSpPr>
+          <p:nvPr/>
+        </p:nvCxnSpPr>
+        <p:spPr>
+          <a:xfrm flipV="1">
+            <a:off x="1175001" y="1367836"/>
+            <a:ext cx="486159" cy="284460"/>
+          </a:xfrm>
+          <a:prstGeom prst="straightConnector1">
+            <a:avLst/>
+          </a:prstGeom>
+          <a:ln>
+            <a:tailEnd type="triangle"/>
+          </a:ln>
+        </p:spPr>
+        <p:style>
+          <a:lnRef idx="2">
+            <a:schemeClr val="accent1"/>
+          </a:lnRef>
+          <a:fillRef idx="0">
+            <a:schemeClr val="accent1"/>
+          </a:fillRef>
+          <a:effectRef idx="1">
+            <a:schemeClr val="accent1"/>
+          </a:effectRef>
+          <a:fontRef idx="minor">
+            <a:schemeClr val="tx1"/>
+          </a:fontRef>
+        </p:style>
+      </p:cxnSp>
+      <p:cxnSp>
+        <p:nvCxnSpPr>
+          <p:cNvPr id="30" name="Straight Arrow Connector 29">
+            <a:extLst>
+              <a:ext uri="{FF2B5EF4-FFF2-40B4-BE49-F238E27FC236}">
+                <a16:creationId xmlns:a16="http://schemas.microsoft.com/office/drawing/2014/main" id="{83C9DA20-B073-B2B2-9C51-8942F41E4380}"/>
+              </a:ext>
+            </a:extLst>
+          </p:cNvPr>
+          <p:cNvCxnSpPr>
+            <a:cxnSpLocks/>
+          </p:cNvCxnSpPr>
+          <p:nvPr/>
+        </p:nvCxnSpPr>
+        <p:spPr>
+          <a:xfrm>
+            <a:off x="1110813" y="2029552"/>
+            <a:ext cx="550347" cy="367714"/>
+          </a:xfrm>
+          <a:prstGeom prst="straightConnector1">
+            <a:avLst/>
+          </a:prstGeom>
+          <a:ln>
+            <a:tailEnd type="triangle"/>
+          </a:ln>
+        </p:spPr>
+        <p:style>
+          <a:lnRef idx="2">
+            <a:schemeClr val="accent1"/>
+          </a:lnRef>
+          <a:fillRef idx="0">
+            <a:schemeClr val="accent1"/>
+          </a:fillRef>
+          <a:effectRef idx="1">
+            <a:schemeClr val="accent1"/>
+          </a:effectRef>
+          <a:fontRef idx="minor">
+            <a:schemeClr val="tx1"/>
+          </a:fontRef>
+        </p:style>
+      </p:cxnSp>
+      <p:cxnSp>
+        <p:nvCxnSpPr>
+          <p:cNvPr id="33" name="Straight Arrow Connector 32">
+            <a:extLst>
+              <a:ext uri="{FF2B5EF4-FFF2-40B4-BE49-F238E27FC236}">
+                <a16:creationId xmlns:a16="http://schemas.microsoft.com/office/drawing/2014/main" id="{80E13190-8915-DC87-D055-5935B2C44F08}"/>
+              </a:ext>
+            </a:extLst>
+          </p:cNvPr>
+          <p:cNvCxnSpPr>
+            <a:stCxn id="6" idx="5"/>
+          </p:cNvCxnSpPr>
+          <p:nvPr/>
+        </p:nvCxnSpPr>
+        <p:spPr>
+          <a:xfrm>
+            <a:off x="988287" y="2116727"/>
+            <a:ext cx="784468" cy="1296889"/>
+          </a:xfrm>
+          <a:prstGeom prst="straightConnector1">
+            <a:avLst/>
+          </a:prstGeom>
+          <a:ln>
+            <a:tailEnd type="triangle"/>
+          </a:ln>
+        </p:spPr>
+        <p:style>
+          <a:lnRef idx="2">
+            <a:schemeClr val="accent1"/>
+          </a:lnRef>
+          <a:fillRef idx="0">
+            <a:schemeClr val="accent1"/>
+          </a:fillRef>
+          <a:effectRef idx="1">
+            <a:schemeClr val="accent1"/>
+          </a:effectRef>
+          <a:fontRef idx="minor">
+            <a:schemeClr val="tx1"/>
+          </a:fontRef>
+        </p:style>
+      </p:cxnSp>
+      <p:cxnSp>
+        <p:nvCxnSpPr>
+          <p:cNvPr id="35" name="Straight Arrow Connector 34">
+            <a:extLst>
+              <a:ext uri="{FF2B5EF4-FFF2-40B4-BE49-F238E27FC236}">
+                <a16:creationId xmlns:a16="http://schemas.microsoft.com/office/drawing/2014/main" id="{945EA76E-77E1-6BE3-FEFA-E1D906318F4E}"/>
+              </a:ext>
+            </a:extLst>
+          </p:cNvPr>
+          <p:cNvCxnSpPr/>
+          <p:nvPr/>
+        </p:nvCxnSpPr>
+        <p:spPr>
+          <a:xfrm>
+            <a:off x="929640" y="2314012"/>
+            <a:ext cx="980275" cy="2298773"/>
+          </a:xfrm>
+          <a:prstGeom prst="straightConnector1">
+            <a:avLst/>
+          </a:prstGeom>
+          <a:ln>
+            <a:tailEnd type="triangle"/>
+          </a:ln>
+        </p:spPr>
+        <p:style>
+          <a:lnRef idx="2">
+            <a:schemeClr val="accent1"/>
+          </a:lnRef>
+          <a:fillRef idx="0">
+            <a:schemeClr val="accent1"/>
+          </a:fillRef>
+          <a:effectRef idx="1">
+            <a:schemeClr val="accent1"/>
+          </a:effectRef>
+          <a:fontRef idx="minor">
+            <a:schemeClr val="tx1"/>
+          </a:fontRef>
+        </p:style>
+      </p:cxnSp>
+      <p:cxnSp>
+        <p:nvCxnSpPr>
+          <p:cNvPr id="37" name="Straight Arrow Connector 36">
+            <a:extLst>
+              <a:ext uri="{FF2B5EF4-FFF2-40B4-BE49-F238E27FC236}">
+                <a16:creationId xmlns:a16="http://schemas.microsoft.com/office/drawing/2014/main" id="{BEA34ED4-F6D5-F0CB-1ACA-3B6AE6726D54}"/>
+              </a:ext>
+            </a:extLst>
+          </p:cNvPr>
+          <p:cNvCxnSpPr/>
+          <p:nvPr/>
+        </p:nvCxnSpPr>
+        <p:spPr>
+          <a:xfrm flipV="1">
+            <a:off x="917773" y="1526632"/>
+            <a:ext cx="819422" cy="1009604"/>
+          </a:xfrm>
+          <a:prstGeom prst="straightConnector1">
+            <a:avLst/>
+          </a:prstGeom>
+          <a:ln>
+            <a:tailEnd type="triangle"/>
+          </a:ln>
+        </p:spPr>
+        <p:style>
+          <a:lnRef idx="2">
+            <a:schemeClr val="accent1"/>
+          </a:lnRef>
+          <a:fillRef idx="0">
+            <a:schemeClr val="accent1"/>
+          </a:fillRef>
+          <a:effectRef idx="1">
+            <a:schemeClr val="accent1"/>
+          </a:effectRef>
+          <a:fontRef idx="minor">
+            <a:schemeClr val="tx1"/>
+          </a:fontRef>
+        </p:style>
+      </p:cxnSp>
+      <p:cxnSp>
+        <p:nvCxnSpPr>
+          <p:cNvPr id="39" name="Straight Arrow Connector 38">
+            <a:extLst>
+              <a:ext uri="{FF2B5EF4-FFF2-40B4-BE49-F238E27FC236}">
+                <a16:creationId xmlns:a16="http://schemas.microsoft.com/office/drawing/2014/main" id="{C90A13D5-F62D-E1D8-BF01-AACCACBFB325}"/>
+              </a:ext>
+            </a:extLst>
+          </p:cNvPr>
+          <p:cNvCxnSpPr/>
+          <p:nvPr/>
+        </p:nvCxnSpPr>
+        <p:spPr>
+          <a:xfrm flipV="1">
+            <a:off x="1169460" y="2633661"/>
+            <a:ext cx="520473" cy="201561"/>
+          </a:xfrm>
+          <a:prstGeom prst="straightConnector1">
+            <a:avLst/>
+          </a:prstGeom>
+          <a:ln>
+            <a:tailEnd type="triangle"/>
+          </a:ln>
+        </p:spPr>
+        <p:style>
+          <a:lnRef idx="2">
+            <a:schemeClr val="accent1"/>
+          </a:lnRef>
+          <a:fillRef idx="0">
+            <a:schemeClr val="accent1"/>
+          </a:fillRef>
+          <a:effectRef idx="1">
+            <a:schemeClr val="accent1"/>
+          </a:effectRef>
+          <a:fontRef idx="minor">
+            <a:schemeClr val="tx1"/>
+          </a:fontRef>
+        </p:style>
+      </p:cxnSp>
+      <p:cxnSp>
+        <p:nvCxnSpPr>
+          <p:cNvPr id="41" name="Straight Arrow Connector 40">
+            <a:extLst>
+              <a:ext uri="{FF2B5EF4-FFF2-40B4-BE49-F238E27FC236}">
+                <a16:creationId xmlns:a16="http://schemas.microsoft.com/office/drawing/2014/main" id="{F5BAD04D-10BE-66E6-DFF1-E9A5FDD70FFC}"/>
+              </a:ext>
+            </a:extLst>
+          </p:cNvPr>
+          <p:cNvCxnSpPr/>
+          <p:nvPr/>
+        </p:nvCxnSpPr>
+        <p:spPr>
+          <a:xfrm>
+            <a:off x="1073257" y="3325361"/>
+            <a:ext cx="587903" cy="368951"/>
+          </a:xfrm>
+          <a:prstGeom prst="straightConnector1">
+            <a:avLst/>
+          </a:prstGeom>
+          <a:ln>
+            <a:tailEnd type="triangle"/>
+          </a:ln>
+        </p:spPr>
+        <p:style>
+          <a:lnRef idx="2">
+            <a:schemeClr val="accent1"/>
+          </a:lnRef>
+          <a:fillRef idx="0">
+            <a:schemeClr val="accent1"/>
+          </a:fillRef>
+          <a:effectRef idx="1">
+            <a:schemeClr val="accent1"/>
+          </a:effectRef>
+          <a:fontRef idx="minor">
+            <a:schemeClr val="tx1"/>
+          </a:fontRef>
+        </p:style>
+      </p:cxnSp>
+      <p:cxnSp>
+        <p:nvCxnSpPr>
+          <p:cNvPr id="43" name="Straight Arrow Connector 42">
+            <a:extLst>
+              <a:ext uri="{FF2B5EF4-FFF2-40B4-BE49-F238E27FC236}">
+                <a16:creationId xmlns:a16="http://schemas.microsoft.com/office/drawing/2014/main" id="{A9310FD1-5CEF-1BEA-EF19-5D3724C53E8A}"/>
+              </a:ext>
+            </a:extLst>
+          </p:cNvPr>
+          <p:cNvCxnSpPr>
+            <a:endCxn id="12" idx="1"/>
+          </p:cNvCxnSpPr>
+          <p:nvPr/>
+        </p:nvCxnSpPr>
+        <p:spPr>
+          <a:xfrm>
+            <a:off x="952727" y="3413616"/>
+            <a:ext cx="896834" cy="1362579"/>
+          </a:xfrm>
+          <a:prstGeom prst="straightConnector1">
+            <a:avLst/>
+          </a:prstGeom>
+          <a:ln>
+            <a:tailEnd type="triangle"/>
+          </a:ln>
+        </p:spPr>
+        <p:style>
+          <a:lnRef idx="2">
+            <a:schemeClr val="accent1"/>
+          </a:lnRef>
+          <a:fillRef idx="0">
+            <a:schemeClr val="accent1"/>
+          </a:fillRef>
+          <a:effectRef idx="1">
+            <a:schemeClr val="accent1"/>
+          </a:effectRef>
+          <a:fontRef idx="minor">
+            <a:schemeClr val="tx1"/>
+          </a:fontRef>
+        </p:style>
+      </p:cxnSp>
+      <p:cxnSp>
+        <p:nvCxnSpPr>
+          <p:cNvPr id="45" name="Straight Arrow Connector 44">
+            <a:extLst>
+              <a:ext uri="{FF2B5EF4-FFF2-40B4-BE49-F238E27FC236}">
+                <a16:creationId xmlns:a16="http://schemas.microsoft.com/office/drawing/2014/main" id="{F07BC582-AEF5-8CAD-F488-7EAB5B52446E}"/>
+              </a:ext>
+            </a:extLst>
+          </p:cNvPr>
+          <p:cNvCxnSpPr/>
+          <p:nvPr/>
+        </p:nvCxnSpPr>
+        <p:spPr>
+          <a:xfrm flipV="1">
+            <a:off x="894080" y="1633412"/>
+            <a:ext cx="935945" cy="2167175"/>
+          </a:xfrm>
+          <a:prstGeom prst="straightConnector1">
+            <a:avLst/>
+          </a:prstGeom>
+          <a:ln>
+            <a:tailEnd type="triangle"/>
+          </a:ln>
+        </p:spPr>
+        <p:style>
+          <a:lnRef idx="2">
+            <a:schemeClr val="accent1"/>
+          </a:lnRef>
+          <a:fillRef idx="0">
+            <a:schemeClr val="accent1"/>
+          </a:fillRef>
+          <a:effectRef idx="1">
+            <a:schemeClr val="accent1"/>
+          </a:effectRef>
+          <a:fontRef idx="minor">
+            <a:schemeClr val="tx1"/>
+          </a:fontRef>
+        </p:style>
+      </p:cxnSp>
+      <p:cxnSp>
+        <p:nvCxnSpPr>
+          <p:cNvPr id="47" name="Straight Arrow Connector 46">
+            <a:extLst>
+              <a:ext uri="{FF2B5EF4-FFF2-40B4-BE49-F238E27FC236}">
+                <a16:creationId xmlns:a16="http://schemas.microsoft.com/office/drawing/2014/main" id="{749D6057-AE19-D77E-E2D4-61C17AF00442}"/>
+              </a:ext>
+            </a:extLst>
+          </p:cNvPr>
+          <p:cNvCxnSpPr/>
+          <p:nvPr/>
+        </p:nvCxnSpPr>
+        <p:spPr>
+          <a:xfrm flipV="1">
+            <a:off x="1042392" y="2835222"/>
+            <a:ext cx="711513" cy="1112083"/>
+          </a:xfrm>
+          <a:prstGeom prst="straightConnector1">
+            <a:avLst/>
+          </a:prstGeom>
+          <a:ln>
+            <a:tailEnd type="triangle"/>
+          </a:ln>
+        </p:spPr>
+        <p:style>
+          <a:lnRef idx="2">
+            <a:schemeClr val="accent1"/>
+          </a:lnRef>
+          <a:fillRef idx="0">
+            <a:schemeClr val="accent1"/>
+          </a:fillRef>
+          <a:effectRef idx="1">
+            <a:schemeClr val="accent1"/>
+          </a:effectRef>
+          <a:fontRef idx="minor">
+            <a:schemeClr val="tx1"/>
+          </a:fontRef>
+        </p:style>
+      </p:cxnSp>
+      <p:cxnSp>
+        <p:nvCxnSpPr>
+          <p:cNvPr id="49" name="Straight Arrow Connector 48">
+            <a:extLst>
+              <a:ext uri="{FF2B5EF4-FFF2-40B4-BE49-F238E27FC236}">
+                <a16:creationId xmlns:a16="http://schemas.microsoft.com/office/drawing/2014/main" id="{28D47066-B443-D114-6032-129DAB2C3A6D}"/>
+              </a:ext>
+            </a:extLst>
+          </p:cNvPr>
+          <p:cNvCxnSpPr/>
+          <p:nvPr/>
+        </p:nvCxnSpPr>
+        <p:spPr>
+          <a:xfrm flipV="1">
+            <a:off x="1193635" y="4066163"/>
+            <a:ext cx="445333" cy="217739"/>
+          </a:xfrm>
+          <a:prstGeom prst="straightConnector1">
+            <a:avLst/>
+          </a:prstGeom>
+          <a:ln>
+            <a:tailEnd type="triangle"/>
+          </a:ln>
+        </p:spPr>
+        <p:style>
+          <a:lnRef idx="2">
+            <a:schemeClr val="accent1"/>
+          </a:lnRef>
+          <a:fillRef idx="0">
+            <a:schemeClr val="accent1"/>
+          </a:fillRef>
+          <a:effectRef idx="1">
+            <a:schemeClr val="accent1"/>
+          </a:effectRef>
+          <a:fontRef idx="minor">
+            <a:schemeClr val="tx1"/>
+          </a:fontRef>
+        </p:style>
+      </p:cxnSp>
+      <p:cxnSp>
+        <p:nvCxnSpPr>
+          <p:cNvPr id="51" name="Straight Arrow Connector 50">
+            <a:extLst>
+              <a:ext uri="{FF2B5EF4-FFF2-40B4-BE49-F238E27FC236}">
+                <a16:creationId xmlns:a16="http://schemas.microsoft.com/office/drawing/2014/main" id="{F57B18D4-083E-CAF4-E768-0147309E7A05}"/>
+              </a:ext>
+            </a:extLst>
+          </p:cNvPr>
+          <p:cNvCxnSpPr>
+            <a:cxnSpLocks/>
+          </p:cNvCxnSpPr>
+          <p:nvPr/>
+        </p:nvCxnSpPr>
+        <p:spPr>
+          <a:xfrm>
+            <a:off x="1142639" y="4612785"/>
+            <a:ext cx="547294" cy="360695"/>
+          </a:xfrm>
+          <a:prstGeom prst="straightConnector1">
+            <a:avLst/>
+          </a:prstGeom>
+          <a:ln>
+            <a:tailEnd type="triangle"/>
+          </a:ln>
+        </p:spPr>
+        <p:style>
+          <a:lnRef idx="2">
+            <a:schemeClr val="accent1"/>
+          </a:lnRef>
+          <a:fillRef idx="0">
+            <a:schemeClr val="accent1"/>
+          </a:fillRef>
+          <a:effectRef idx="1">
+            <a:schemeClr val="accent1"/>
+          </a:effectRef>
+          <a:fontRef idx="minor">
+            <a:schemeClr val="tx1"/>
+          </a:fontRef>
+        </p:style>
+      </p:cxnSp>
+      <p:cxnSp>
+        <p:nvCxnSpPr>
+          <p:cNvPr id="55" name="Straight Arrow Connector 54">
+            <a:extLst>
+              <a:ext uri="{FF2B5EF4-FFF2-40B4-BE49-F238E27FC236}">
+                <a16:creationId xmlns:a16="http://schemas.microsoft.com/office/drawing/2014/main" id="{490526ED-3693-00CC-0DAA-8FC6C48F04E4}"/>
+              </a:ext>
+            </a:extLst>
+          </p:cNvPr>
+          <p:cNvCxnSpPr/>
+          <p:nvPr/>
+        </p:nvCxnSpPr>
+        <p:spPr>
+          <a:xfrm>
+            <a:off x="2719177" y="1068850"/>
+            <a:ext cx="618218" cy="0"/>
+          </a:xfrm>
+          <a:prstGeom prst="straightConnector1">
+            <a:avLst/>
+          </a:prstGeom>
+          <a:ln>
+            <a:tailEnd type="triangle"/>
+          </a:ln>
+        </p:spPr>
+        <p:style>
+          <a:lnRef idx="2">
+            <a:schemeClr val="accent1"/>
+          </a:lnRef>
+          <a:fillRef idx="0">
+            <a:schemeClr val="accent1"/>
+          </a:fillRef>
+          <a:effectRef idx="1">
+            <a:schemeClr val="accent1"/>
+          </a:effectRef>
+          <a:fontRef idx="minor">
+            <a:schemeClr val="tx1"/>
+          </a:fontRef>
+        </p:style>
+      </p:cxnSp>
+      <p:cxnSp>
+        <p:nvCxnSpPr>
+          <p:cNvPr id="57" name="Straight Arrow Connector 56">
+            <a:extLst>
+              <a:ext uri="{FF2B5EF4-FFF2-40B4-BE49-F238E27FC236}">
+                <a16:creationId xmlns:a16="http://schemas.microsoft.com/office/drawing/2014/main" id="{A4F630F2-348A-454D-50F7-D88691572D7B}"/>
+              </a:ext>
+            </a:extLst>
+          </p:cNvPr>
+          <p:cNvCxnSpPr/>
+          <p:nvPr/>
+        </p:nvCxnSpPr>
+        <p:spPr>
+          <a:xfrm>
+            <a:off x="2609413" y="1442720"/>
+            <a:ext cx="763542" cy="770689"/>
+          </a:xfrm>
+          <a:prstGeom prst="straightConnector1">
+            <a:avLst/>
+          </a:prstGeom>
+          <a:ln>
+            <a:tailEnd type="triangle"/>
+          </a:ln>
+        </p:spPr>
+        <p:style>
+          <a:lnRef idx="2">
+            <a:schemeClr val="accent1"/>
+          </a:lnRef>
+          <a:fillRef idx="0">
+            <a:schemeClr val="accent1"/>
+          </a:fillRef>
+          <a:effectRef idx="1">
+            <a:schemeClr val="accent1"/>
+          </a:effectRef>
+          <a:fontRef idx="minor">
+            <a:schemeClr val="tx1"/>
+          </a:fontRef>
+        </p:style>
+      </p:cxnSp>
+      <p:cxnSp>
+        <p:nvCxnSpPr>
+          <p:cNvPr id="59" name="Straight Arrow Connector 58">
+            <a:extLst>
+              <a:ext uri="{FF2B5EF4-FFF2-40B4-BE49-F238E27FC236}">
+                <a16:creationId xmlns:a16="http://schemas.microsoft.com/office/drawing/2014/main" id="{F6964A07-D605-9261-7A87-F5123EBF560A}"/>
+              </a:ext>
+            </a:extLst>
+          </p:cNvPr>
+          <p:cNvCxnSpPr>
+            <a:cxnSpLocks/>
+          </p:cNvCxnSpPr>
+          <p:nvPr/>
+        </p:nvCxnSpPr>
+        <p:spPr>
+          <a:xfrm>
+            <a:off x="2528133" y="1483033"/>
+            <a:ext cx="967348" cy="2043349"/>
+          </a:xfrm>
+          <a:prstGeom prst="straightConnector1">
+            <a:avLst/>
+          </a:prstGeom>
+          <a:ln>
+            <a:tailEnd type="triangle"/>
+          </a:ln>
+        </p:spPr>
+        <p:style>
+          <a:lnRef idx="2">
+            <a:schemeClr val="accent1"/>
+          </a:lnRef>
+          <a:fillRef idx="0">
+            <a:schemeClr val="accent1"/>
+          </a:fillRef>
+          <a:effectRef idx="1">
+            <a:schemeClr val="accent1"/>
+          </a:effectRef>
+          <a:fontRef idx="minor">
+            <a:schemeClr val="tx1"/>
+          </a:fontRef>
+        </p:style>
+      </p:cxnSp>
+      <p:cxnSp>
+        <p:nvCxnSpPr>
+          <p:cNvPr id="61" name="Straight Arrow Connector 60">
+            <a:extLst>
+              <a:ext uri="{FF2B5EF4-FFF2-40B4-BE49-F238E27FC236}">
+                <a16:creationId xmlns:a16="http://schemas.microsoft.com/office/drawing/2014/main" id="{CFC2247F-4A3F-DEF9-9CF1-EA9407E32950}"/>
+              </a:ext>
+            </a:extLst>
+          </p:cNvPr>
+          <p:cNvCxnSpPr>
+            <a:cxnSpLocks/>
+            <a:stCxn id="9" idx="5"/>
+          </p:cNvCxnSpPr>
+          <p:nvPr/>
+        </p:nvCxnSpPr>
+        <p:spPr>
+          <a:xfrm>
+            <a:off x="2441167" y="1466487"/>
+            <a:ext cx="930246" cy="3288249"/>
+          </a:xfrm>
+          <a:prstGeom prst="straightConnector1">
+            <a:avLst/>
+          </a:prstGeom>
+          <a:ln>
+            <a:tailEnd type="triangle"/>
+          </a:ln>
+        </p:spPr>
+        <p:style>
+          <a:lnRef idx="2">
+            <a:schemeClr val="accent1"/>
+          </a:lnRef>
+          <a:fillRef idx="0">
+            <a:schemeClr val="accent1"/>
+          </a:fillRef>
+          <a:effectRef idx="1">
+            <a:schemeClr val="accent1"/>
+          </a:effectRef>
+          <a:fontRef idx="minor">
+            <a:schemeClr val="tx1"/>
+          </a:fontRef>
+        </p:style>
+      </p:cxnSp>
+      <p:cxnSp>
+        <p:nvCxnSpPr>
+          <p:cNvPr id="63" name="Straight Arrow Connector 62">
+            <a:extLst>
+              <a:ext uri="{FF2B5EF4-FFF2-40B4-BE49-F238E27FC236}">
+                <a16:creationId xmlns:a16="http://schemas.microsoft.com/office/drawing/2014/main" id="{8A36CAA2-E7E5-D323-CC4A-6D585774E364}"/>
+              </a:ext>
+            </a:extLst>
+          </p:cNvPr>
+          <p:cNvCxnSpPr>
+            <a:stCxn id="10" idx="7"/>
+          </p:cNvCxnSpPr>
+          <p:nvPr/>
+        </p:nvCxnSpPr>
+        <p:spPr>
+          <a:xfrm flipV="1">
+            <a:off x="2486887" y="1430902"/>
+            <a:ext cx="913464" cy="730903"/>
+          </a:xfrm>
+          <a:prstGeom prst="straightConnector1">
+            <a:avLst/>
+          </a:prstGeom>
+          <a:ln>
+            <a:tailEnd type="triangle"/>
+          </a:ln>
+        </p:spPr>
+        <p:style>
+          <a:lnRef idx="2">
+            <a:schemeClr val="accent1"/>
+          </a:lnRef>
+          <a:fillRef idx="0">
+            <a:schemeClr val="accent1"/>
+          </a:fillRef>
+          <a:effectRef idx="1">
+            <a:schemeClr val="accent1"/>
+          </a:effectRef>
+          <a:fontRef idx="minor">
+            <a:schemeClr val="tx1"/>
+          </a:fontRef>
+        </p:style>
+      </p:cxnSp>
+      <p:cxnSp>
+        <p:nvCxnSpPr>
+          <p:cNvPr id="65" name="Straight Arrow Connector 64">
+            <a:extLst>
+              <a:ext uri="{FF2B5EF4-FFF2-40B4-BE49-F238E27FC236}">
+                <a16:creationId xmlns:a16="http://schemas.microsoft.com/office/drawing/2014/main" id="{D5A1A78B-3A4F-2A3A-505A-0CED7454E338}"/>
+              </a:ext>
+            </a:extLst>
+          </p:cNvPr>
+          <p:cNvCxnSpPr>
+            <a:stCxn id="10" idx="6"/>
+          </p:cNvCxnSpPr>
+          <p:nvPr/>
+        </p:nvCxnSpPr>
+        <p:spPr>
+          <a:xfrm flipV="1">
+            <a:off x="2609413" y="2460586"/>
+            <a:ext cx="699123" cy="11420"/>
+          </a:xfrm>
+          <a:prstGeom prst="straightConnector1">
+            <a:avLst/>
+          </a:prstGeom>
+          <a:ln>
+            <a:tailEnd type="triangle"/>
+          </a:ln>
+        </p:spPr>
+        <p:style>
+          <a:lnRef idx="2">
+            <a:schemeClr val="accent1"/>
+          </a:lnRef>
+          <a:fillRef idx="0">
+            <a:schemeClr val="accent1"/>
+          </a:fillRef>
+          <a:effectRef idx="1">
+            <a:schemeClr val="accent1"/>
+          </a:effectRef>
+          <a:fontRef idx="minor">
+            <a:schemeClr val="tx1"/>
+          </a:fontRef>
+        </p:style>
+      </p:cxnSp>
+      <p:cxnSp>
+        <p:nvCxnSpPr>
+          <p:cNvPr id="67" name="Straight Arrow Connector 66">
+            <a:extLst>
+              <a:ext uri="{FF2B5EF4-FFF2-40B4-BE49-F238E27FC236}">
+                <a16:creationId xmlns:a16="http://schemas.microsoft.com/office/drawing/2014/main" id="{541AFB11-6E9B-6E90-5278-8CC76DA06BB7}"/>
+              </a:ext>
+            </a:extLst>
+          </p:cNvPr>
+          <p:cNvCxnSpPr>
+            <a:stCxn id="10" idx="5"/>
+          </p:cNvCxnSpPr>
+          <p:nvPr/>
+        </p:nvCxnSpPr>
+        <p:spPr>
+          <a:xfrm>
+            <a:off x="2486887" y="2782207"/>
+            <a:ext cx="850508" cy="877380"/>
+          </a:xfrm>
+          <a:prstGeom prst="straightConnector1">
+            <a:avLst/>
+          </a:prstGeom>
+          <a:ln>
+            <a:tailEnd type="triangle"/>
+          </a:ln>
+        </p:spPr>
+        <p:style>
+          <a:lnRef idx="2">
+            <a:schemeClr val="accent1"/>
+          </a:lnRef>
+          <a:fillRef idx="0">
+            <a:schemeClr val="accent1"/>
+          </a:fillRef>
+          <a:effectRef idx="1">
+            <a:schemeClr val="accent1"/>
+          </a:effectRef>
+          <a:fontRef idx="minor">
+            <a:schemeClr val="tx1"/>
+          </a:fontRef>
+        </p:style>
+      </p:cxnSp>
+      <p:cxnSp>
+        <p:nvCxnSpPr>
+          <p:cNvPr id="71" name="Straight Arrow Connector 70">
+            <a:extLst>
+              <a:ext uri="{FF2B5EF4-FFF2-40B4-BE49-F238E27FC236}">
+                <a16:creationId xmlns:a16="http://schemas.microsoft.com/office/drawing/2014/main" id="{5EAC595D-550D-BD7F-4AA0-7C824B719A31}"/>
+              </a:ext>
+            </a:extLst>
+          </p:cNvPr>
+          <p:cNvCxnSpPr/>
+          <p:nvPr/>
+        </p:nvCxnSpPr>
+        <p:spPr>
+          <a:xfrm>
+            <a:off x="2460703" y="2999194"/>
+            <a:ext cx="1022470" cy="1645398"/>
+          </a:xfrm>
+          <a:prstGeom prst="straightConnector1">
+            <a:avLst/>
+          </a:prstGeom>
+          <a:ln>
+            <a:tailEnd type="triangle"/>
+          </a:ln>
+        </p:spPr>
+        <p:style>
+          <a:lnRef idx="2">
+            <a:schemeClr val="accent1"/>
+          </a:lnRef>
+          <a:fillRef idx="0">
+            <a:schemeClr val="accent1"/>
+          </a:fillRef>
+          <a:effectRef idx="1">
+            <a:schemeClr val="accent1"/>
+          </a:effectRef>
+          <a:fontRef idx="minor">
+            <a:schemeClr val="tx1"/>
+          </a:fontRef>
+        </p:style>
+      </p:cxnSp>
+      <p:cxnSp>
+        <p:nvCxnSpPr>
+          <p:cNvPr id="73" name="Straight Arrow Connector 72">
+            <a:extLst>
+              <a:ext uri="{FF2B5EF4-FFF2-40B4-BE49-F238E27FC236}">
+                <a16:creationId xmlns:a16="http://schemas.microsoft.com/office/drawing/2014/main" id="{A45742DA-43A9-5BAC-B760-6DCEA848E850}"/>
+              </a:ext>
+            </a:extLst>
+          </p:cNvPr>
+          <p:cNvCxnSpPr/>
+          <p:nvPr/>
+        </p:nvCxnSpPr>
+        <p:spPr>
+          <a:xfrm flipV="1">
+            <a:off x="2579717" y="1603091"/>
+            <a:ext cx="938851" cy="2052732"/>
+          </a:xfrm>
+          <a:prstGeom prst="straightConnector1">
+            <a:avLst/>
+          </a:prstGeom>
+          <a:ln>
+            <a:tailEnd type="triangle"/>
+          </a:ln>
+        </p:spPr>
+        <p:style>
+          <a:lnRef idx="2">
+            <a:schemeClr val="accent1"/>
+          </a:lnRef>
+          <a:fillRef idx="0">
+            <a:schemeClr val="accent1"/>
+          </a:fillRef>
+          <a:effectRef idx="1">
+            <a:schemeClr val="accent1"/>
+          </a:effectRef>
+          <a:fontRef idx="minor">
+            <a:schemeClr val="tx1"/>
+          </a:fontRef>
+        </p:style>
+      </p:cxnSp>
+      <p:cxnSp>
+        <p:nvCxnSpPr>
+          <p:cNvPr id="75" name="Straight Arrow Connector 74">
+            <a:extLst>
+              <a:ext uri="{FF2B5EF4-FFF2-40B4-BE49-F238E27FC236}">
+                <a16:creationId xmlns:a16="http://schemas.microsoft.com/office/drawing/2014/main" id="{8C1629DE-DD4D-6A0C-DC5D-3062409F9F26}"/>
+              </a:ext>
+            </a:extLst>
+          </p:cNvPr>
+          <p:cNvCxnSpPr>
+            <a:stCxn id="11" idx="6"/>
+          </p:cNvCxnSpPr>
+          <p:nvPr/>
+        </p:nvCxnSpPr>
+        <p:spPr>
+          <a:xfrm flipV="1">
+            <a:off x="2563693" y="2730603"/>
+            <a:ext cx="735684" cy="1146753"/>
+          </a:xfrm>
+          <a:prstGeom prst="straightConnector1">
+            <a:avLst/>
+          </a:prstGeom>
+          <a:ln>
+            <a:tailEnd type="triangle"/>
+          </a:ln>
+        </p:spPr>
+        <p:style>
+          <a:lnRef idx="2">
+            <a:schemeClr val="accent1"/>
+          </a:lnRef>
+          <a:fillRef idx="0">
+            <a:schemeClr val="accent1"/>
+          </a:fillRef>
+          <a:effectRef idx="1">
+            <a:schemeClr val="accent1"/>
+          </a:effectRef>
+          <a:fontRef idx="minor">
+            <a:schemeClr val="tx1"/>
+          </a:fontRef>
+        </p:style>
+      </p:cxnSp>
+      <p:cxnSp>
+        <p:nvCxnSpPr>
+          <p:cNvPr id="79" name="Straight Arrow Connector 78">
+            <a:extLst>
+              <a:ext uri="{FF2B5EF4-FFF2-40B4-BE49-F238E27FC236}">
+                <a16:creationId xmlns:a16="http://schemas.microsoft.com/office/drawing/2014/main" id="{D44484EC-5A5A-9572-4FDE-760266CB524F}"/>
+              </a:ext>
+            </a:extLst>
+          </p:cNvPr>
+          <p:cNvCxnSpPr>
+            <a:endCxn id="15" idx="2"/>
+          </p:cNvCxnSpPr>
+          <p:nvPr/>
+        </p:nvCxnSpPr>
+        <p:spPr>
+          <a:xfrm>
+            <a:off x="2643893" y="3891039"/>
+            <a:ext cx="655484" cy="35247"/>
+          </a:xfrm>
+          <a:prstGeom prst="straightConnector1">
+            <a:avLst/>
+          </a:prstGeom>
+          <a:ln>
+            <a:tailEnd type="triangle"/>
+          </a:ln>
+        </p:spPr>
+        <p:style>
+          <a:lnRef idx="2">
+            <a:schemeClr val="accent1"/>
+          </a:lnRef>
+          <a:fillRef idx="0">
+            <a:schemeClr val="accent1"/>
+          </a:fillRef>
+          <a:effectRef idx="1">
+            <a:schemeClr val="accent1"/>
+          </a:effectRef>
+          <a:fontRef idx="minor">
+            <a:schemeClr val="tx1"/>
+          </a:fontRef>
+        </p:style>
+      </p:cxnSp>
+      <p:cxnSp>
+        <p:nvCxnSpPr>
+          <p:cNvPr id="81" name="Straight Arrow Connector 80">
+            <a:extLst>
+              <a:ext uri="{FF2B5EF4-FFF2-40B4-BE49-F238E27FC236}">
+                <a16:creationId xmlns:a16="http://schemas.microsoft.com/office/drawing/2014/main" id="{2931F604-0E98-790E-0017-2E991E98CA7D}"/>
+              </a:ext>
+            </a:extLst>
+          </p:cNvPr>
+          <p:cNvCxnSpPr>
+            <a:stCxn id="11" idx="5"/>
+            <a:endCxn id="16" idx="1"/>
+          </p:cNvCxnSpPr>
+          <p:nvPr/>
+        </p:nvCxnSpPr>
+        <p:spPr>
+          <a:xfrm>
+            <a:off x="2441167" y="4187557"/>
+            <a:ext cx="949782" cy="614276"/>
+          </a:xfrm>
+          <a:prstGeom prst="straightConnector1">
+            <a:avLst/>
+          </a:prstGeom>
+          <a:ln>
+            <a:tailEnd type="triangle"/>
+          </a:ln>
+        </p:spPr>
+        <p:style>
+          <a:lnRef idx="2">
+            <a:schemeClr val="accent1"/>
+          </a:lnRef>
+          <a:fillRef idx="0">
+            <a:schemeClr val="accent1"/>
+          </a:fillRef>
+          <a:effectRef idx="1">
+            <a:schemeClr val="accent1"/>
+          </a:effectRef>
+          <a:fontRef idx="minor">
+            <a:schemeClr val="tx1"/>
+          </a:fontRef>
+        </p:style>
+      </p:cxnSp>
+      <p:cxnSp>
+        <p:nvCxnSpPr>
+          <p:cNvPr id="83" name="Straight Arrow Connector 82">
+            <a:extLst>
+              <a:ext uri="{FF2B5EF4-FFF2-40B4-BE49-F238E27FC236}">
+                <a16:creationId xmlns:a16="http://schemas.microsoft.com/office/drawing/2014/main" id="{20F3676F-FE10-E366-E687-AFD7D2267349}"/>
+              </a:ext>
+            </a:extLst>
+          </p:cNvPr>
+          <p:cNvCxnSpPr>
+            <a:cxnSpLocks/>
+          </p:cNvCxnSpPr>
+          <p:nvPr/>
+        </p:nvCxnSpPr>
+        <p:spPr>
+          <a:xfrm flipV="1">
+            <a:off x="2464763" y="1586045"/>
+            <a:ext cx="1053805" cy="3110923"/>
+          </a:xfrm>
+          <a:prstGeom prst="straightConnector1">
+            <a:avLst/>
+          </a:prstGeom>
+          <a:ln>
+            <a:tailEnd type="triangle"/>
+          </a:ln>
+        </p:spPr>
+        <p:style>
+          <a:lnRef idx="2">
+            <a:schemeClr val="accent1"/>
+          </a:lnRef>
+          <a:fillRef idx="0">
+            <a:schemeClr val="accent1"/>
+          </a:fillRef>
+          <a:effectRef idx="1">
+            <a:schemeClr val="accent1"/>
+          </a:effectRef>
+          <a:fontRef idx="minor">
+            <a:schemeClr val="tx1"/>
+          </a:fontRef>
+        </p:style>
+      </p:cxnSp>
+      <p:cxnSp>
+        <p:nvCxnSpPr>
+          <p:cNvPr id="85" name="Straight Arrow Connector 84">
+            <a:extLst>
+              <a:ext uri="{FF2B5EF4-FFF2-40B4-BE49-F238E27FC236}">
+                <a16:creationId xmlns:a16="http://schemas.microsoft.com/office/drawing/2014/main" id="{1B37D3B4-001B-6CF2-9503-8C04F6464F81}"/>
+              </a:ext>
+            </a:extLst>
+          </p:cNvPr>
+          <p:cNvCxnSpPr>
+            <a:cxnSpLocks/>
+          </p:cNvCxnSpPr>
+          <p:nvPr/>
+        </p:nvCxnSpPr>
+        <p:spPr>
+          <a:xfrm flipV="1">
+            <a:off x="2558439" y="2835222"/>
+            <a:ext cx="873756" cy="2123538"/>
+          </a:xfrm>
+          <a:prstGeom prst="straightConnector1">
+            <a:avLst/>
+          </a:prstGeom>
+          <a:ln>
+            <a:tailEnd type="triangle"/>
+          </a:ln>
+        </p:spPr>
+        <p:style>
+          <a:lnRef idx="2">
+            <a:schemeClr val="accent1"/>
+          </a:lnRef>
+          <a:fillRef idx="0">
+            <a:schemeClr val="accent1"/>
+          </a:fillRef>
+          <a:effectRef idx="1">
+            <a:schemeClr val="accent1"/>
+          </a:effectRef>
+          <a:fontRef idx="minor">
+            <a:schemeClr val="tx1"/>
+          </a:fontRef>
+        </p:style>
+      </p:cxnSp>
+      <p:cxnSp>
+        <p:nvCxnSpPr>
+          <p:cNvPr id="89" name="Straight Arrow Connector 88">
+            <a:extLst>
+              <a:ext uri="{FF2B5EF4-FFF2-40B4-BE49-F238E27FC236}">
+                <a16:creationId xmlns:a16="http://schemas.microsoft.com/office/drawing/2014/main" id="{A6255499-5256-6DD4-F0C3-2F6E4F5F187D}"/>
+              </a:ext>
+            </a:extLst>
+          </p:cNvPr>
+          <p:cNvCxnSpPr/>
+          <p:nvPr/>
+        </p:nvCxnSpPr>
+        <p:spPr>
+          <a:xfrm flipV="1">
+            <a:off x="2617577" y="4117848"/>
+            <a:ext cx="773372" cy="945256"/>
+          </a:xfrm>
+          <a:prstGeom prst="straightConnector1">
+            <a:avLst/>
+          </a:prstGeom>
+          <a:ln>
+            <a:tailEnd type="triangle"/>
+          </a:ln>
+        </p:spPr>
+        <p:style>
+          <a:lnRef idx="2">
+            <a:schemeClr val="accent1"/>
+          </a:lnRef>
+          <a:fillRef idx="0">
+            <a:schemeClr val="accent1"/>
+          </a:fillRef>
+          <a:effectRef idx="1">
+            <a:schemeClr val="accent1"/>
+          </a:effectRef>
+          <a:fontRef idx="minor">
+            <a:schemeClr val="tx1"/>
+          </a:fontRef>
+        </p:style>
+      </p:cxnSp>
+      <p:cxnSp>
+        <p:nvCxnSpPr>
+          <p:cNvPr id="91" name="Straight Arrow Connector 90">
+            <a:extLst>
+              <a:ext uri="{FF2B5EF4-FFF2-40B4-BE49-F238E27FC236}">
+                <a16:creationId xmlns:a16="http://schemas.microsoft.com/office/drawing/2014/main" id="{3792C6E4-FA7B-4963-D0BC-FFD6E4A38AD7}"/>
+              </a:ext>
+            </a:extLst>
+          </p:cNvPr>
+          <p:cNvCxnSpPr/>
+          <p:nvPr/>
+        </p:nvCxnSpPr>
+        <p:spPr>
+          <a:xfrm>
+            <a:off x="2622967" y="5194208"/>
+            <a:ext cx="676410" cy="19954"/>
+          </a:xfrm>
+          <a:prstGeom prst="straightConnector1">
+            <a:avLst/>
+          </a:prstGeom>
+          <a:ln>
+            <a:tailEnd type="triangle"/>
+          </a:ln>
+        </p:spPr>
+        <p:style>
+          <a:lnRef idx="2">
+            <a:schemeClr val="accent1"/>
+          </a:lnRef>
+          <a:fillRef idx="0">
+            <a:schemeClr val="accent1"/>
+          </a:fillRef>
+          <a:effectRef idx="1">
+            <a:schemeClr val="accent1"/>
+          </a:effectRef>
+          <a:fontRef idx="minor">
+            <a:schemeClr val="tx1"/>
+          </a:fontRef>
+        </p:style>
+      </p:cxnSp>
+      <p:sp>
+        <p:nvSpPr>
+          <p:cNvPr id="92" name="TextBox 91">
+            <a:extLst>
+              <a:ext uri="{FF2B5EF4-FFF2-40B4-BE49-F238E27FC236}">
+                <a16:creationId xmlns:a16="http://schemas.microsoft.com/office/drawing/2014/main" id="{8758C755-8C07-93F1-7CF4-F6B35869C724}"/>
+              </a:ext>
+            </a:extLst>
+          </p:cNvPr>
+          <p:cNvSpPr txBox="1"/>
+          <p:nvPr/>
+        </p:nvSpPr>
+        <p:spPr>
+          <a:xfrm>
+            <a:off x="69351" y="4891859"/>
+            <a:ext cx="1247808" cy="369332"/>
+          </a:xfrm>
+          <a:prstGeom prst="rect">
+            <a:avLst/>
+          </a:prstGeom>
+          <a:noFill/>
+        </p:spPr>
+        <p:txBody>
+          <a:bodyPr wrap="square" rtlCol="0">
+            <a:spAutoFit/>
+          </a:bodyPr>
+          <a:lstStyle/>
+          <a:p>
+            <a:r>
+              <a:rPr lang="en-US" dirty="0"/>
+              <a:t>Input layer</a:t>
+            </a:r>
+          </a:p>
+        </p:txBody>
+      </p:sp>
+      <p:sp>
+        <p:nvSpPr>
+          <p:cNvPr id="93" name="TextBox 92">
+            <a:extLst>
+              <a:ext uri="{FF2B5EF4-FFF2-40B4-BE49-F238E27FC236}">
+                <a16:creationId xmlns:a16="http://schemas.microsoft.com/office/drawing/2014/main" id="{9A4AA1A7-09F5-EE6B-0997-BFA7981992C0}"/>
+              </a:ext>
+            </a:extLst>
+          </p:cNvPr>
+          <p:cNvSpPr txBox="1"/>
+          <p:nvPr/>
+        </p:nvSpPr>
+        <p:spPr>
+          <a:xfrm>
+            <a:off x="1638968" y="5638960"/>
+            <a:ext cx="1247808" cy="646331"/>
+          </a:xfrm>
+          <a:prstGeom prst="rect">
+            <a:avLst/>
+          </a:prstGeom>
+          <a:noFill/>
+        </p:spPr>
+        <p:txBody>
+          <a:bodyPr wrap="square" rtlCol="0">
+            <a:spAutoFit/>
+          </a:bodyPr>
+          <a:lstStyle/>
+          <a:p>
+            <a:r>
+              <a:rPr lang="en-US" dirty="0"/>
+              <a:t>Hidden layer 1</a:t>
+            </a:r>
+          </a:p>
+        </p:txBody>
+      </p:sp>
+      <p:sp>
+        <p:nvSpPr>
+          <p:cNvPr id="94" name="TextBox 93">
+            <a:extLst>
+              <a:ext uri="{FF2B5EF4-FFF2-40B4-BE49-F238E27FC236}">
+                <a16:creationId xmlns:a16="http://schemas.microsoft.com/office/drawing/2014/main" id="{6A30BFF0-F686-EDDF-D82A-F76264EBDEE3}"/>
+              </a:ext>
+            </a:extLst>
+          </p:cNvPr>
+          <p:cNvSpPr txBox="1"/>
+          <p:nvPr/>
+        </p:nvSpPr>
+        <p:spPr>
+          <a:xfrm>
+            <a:off x="3278806" y="5638959"/>
+            <a:ext cx="1247808" cy="646331"/>
+          </a:xfrm>
+          <a:prstGeom prst="rect">
+            <a:avLst/>
+          </a:prstGeom>
+          <a:noFill/>
+        </p:spPr>
+        <p:txBody>
+          <a:bodyPr wrap="square" rtlCol="0">
+            <a:spAutoFit/>
+          </a:bodyPr>
+          <a:lstStyle/>
+          <a:p>
+            <a:r>
+              <a:rPr lang="en-US" dirty="0"/>
+              <a:t>Hidden layer 2</a:t>
+            </a:r>
+          </a:p>
+        </p:txBody>
+      </p:sp>
+      <p:sp>
+        <p:nvSpPr>
+          <p:cNvPr id="95" name="TextBox 94">
+            <a:extLst>
+              <a:ext uri="{FF2B5EF4-FFF2-40B4-BE49-F238E27FC236}">
+                <a16:creationId xmlns:a16="http://schemas.microsoft.com/office/drawing/2014/main" id="{8A2B5FFA-530E-94A9-15DB-6CFB0836B841}"/>
+              </a:ext>
+            </a:extLst>
+          </p:cNvPr>
+          <p:cNvSpPr txBox="1"/>
+          <p:nvPr/>
+        </p:nvSpPr>
+        <p:spPr>
+          <a:xfrm>
+            <a:off x="5619415" y="3315379"/>
+            <a:ext cx="1247808" cy="646331"/>
+          </a:xfrm>
+          <a:prstGeom prst="rect">
+            <a:avLst/>
+          </a:prstGeom>
+          <a:noFill/>
+        </p:spPr>
+        <p:txBody>
+          <a:bodyPr wrap="square" rtlCol="0">
+            <a:spAutoFit/>
+          </a:bodyPr>
+          <a:lstStyle/>
+          <a:p>
+            <a:r>
+              <a:rPr lang="en-US" dirty="0"/>
+              <a:t>Output layer</a:t>
+            </a:r>
+          </a:p>
+        </p:txBody>
+      </p:sp>
+      <p:pic>
+        <p:nvPicPr>
+          <p:cNvPr id="96" name="Picture 95">
+            <a:extLst>
+              <a:ext uri="{FF2B5EF4-FFF2-40B4-BE49-F238E27FC236}">
+                <a16:creationId xmlns:a16="http://schemas.microsoft.com/office/drawing/2014/main" id="{36B42032-DF8F-FCCC-0487-FBCDD9974CAA}"/>
+              </a:ext>
+            </a:extLst>
+          </p:cNvPr>
+          <p:cNvPicPr>
+            <a:picLocks noChangeAspect="1"/>
+          </p:cNvPicPr>
+          <p:nvPr/>
+        </p:nvPicPr>
+        <p:blipFill>
+          <a:blip r:embed="rId2"/>
+          <a:stretch>
+            <a:fillRect/>
+          </a:stretch>
+        </p:blipFill>
+        <p:spPr>
+          <a:xfrm>
+            <a:off x="7438827" y="-144685"/>
+            <a:ext cx="6852498" cy="5669771"/>
+          </a:xfrm>
+          <a:prstGeom prst="rect">
+            <a:avLst/>
+          </a:prstGeom>
+        </p:spPr>
+      </p:pic>
+    </p:spTree>
+    <p:extLst>
+      <p:ext uri="{BB962C8B-B14F-4D97-AF65-F5344CB8AC3E}">
+        <p14:creationId xmlns:p14="http://schemas.microsoft.com/office/powerpoint/2010/main" val="2511010425"/>
+      </p:ext>
+    </p:extLst>
+  </p:cSld>
+  <p:clrMapOvr>
+    <a:masterClrMapping/>
+  </p:clrMapOvr>
+</p:sld>
+</file>
+
 <file path=ppt/slides/slide2.xml><?xml version="1.0" encoding="utf-8"?>
 <p:sld xmlns:a="http://schemas.openxmlformats.org/drawingml/2006/main" xmlns:r="http://schemas.openxmlformats.org/officeDocument/2006/relationships" xmlns:p="http://schemas.openxmlformats.org/presentationml/2006/main">
   <p:cSld>
@@ -12911,6 +15011,953 @@
     <p:extLst>
       <p:ext uri="{BB962C8B-B14F-4D97-AF65-F5344CB8AC3E}">
         <p14:creationId xmlns:p14="http://schemas.microsoft.com/office/powerpoint/2010/main" val="1184226541"/>
+      </p:ext>
+    </p:extLst>
+  </p:cSld>
+  <p:clrMapOvr>
+    <a:masterClrMapping/>
+  </p:clrMapOvr>
+</p:sld>
+</file>
+
+<file path=ppt/slides/slide9.xml><?xml version="1.0" encoding="utf-8"?>
+<p:sld xmlns:a="http://schemas.openxmlformats.org/drawingml/2006/main" xmlns:r="http://schemas.openxmlformats.org/officeDocument/2006/relationships" xmlns:p="http://schemas.openxmlformats.org/presentationml/2006/main">
+  <p:cSld>
+    <p:spTree>
+      <p:nvGrpSpPr>
+        <p:cNvPr id="1" name=""/>
+        <p:cNvGrpSpPr/>
+        <p:nvPr/>
+      </p:nvGrpSpPr>
+      <p:grpSpPr>
+        <a:xfrm>
+          <a:off x="0" y="0"/>
+          <a:ext cx="0" cy="0"/>
+          <a:chOff x="0" y="0"/>
+          <a:chExt cx="0" cy="0"/>
+        </a:xfrm>
+      </p:grpSpPr>
+      <p:sp>
+        <p:nvSpPr>
+          <p:cNvPr id="4" name="Oval 3">
+            <a:extLst>
+              <a:ext uri="{FF2B5EF4-FFF2-40B4-BE49-F238E27FC236}">
+                <a16:creationId xmlns:a16="http://schemas.microsoft.com/office/drawing/2014/main" id="{0F81520D-C220-997A-28EF-95F16D7613C5}"/>
+              </a:ext>
+            </a:extLst>
+          </p:cNvPr>
+          <p:cNvSpPr/>
+          <p:nvPr/>
+        </p:nvSpPr>
+        <p:spPr>
+          <a:xfrm>
+            <a:off x="223355" y="768396"/>
+            <a:ext cx="836658" cy="877380"/>
+          </a:xfrm>
+          <a:prstGeom prst="ellipse">
+            <a:avLst/>
+          </a:prstGeom>
+        </p:spPr>
+        <p:style>
+          <a:lnRef idx="2">
+            <a:schemeClr val="accent1"/>
+          </a:lnRef>
+          <a:fillRef idx="1">
+            <a:schemeClr val="lt1"/>
+          </a:fillRef>
+          <a:effectRef idx="0">
+            <a:schemeClr val="accent1"/>
+          </a:effectRef>
+          <a:fontRef idx="minor">
+            <a:schemeClr val="dk1"/>
+          </a:fontRef>
+        </p:style>
+        <p:txBody>
+          <a:bodyPr rtlCol="0" anchor="ctr"/>
+          <a:lstStyle/>
+          <a:p>
+            <a:pPr algn="ctr"/>
+            <a:r>
+              <a:rPr lang="en-US" dirty="0"/>
+              <a:t>X</a:t>
+            </a:r>
+            <a:r>
+              <a:rPr lang="en-US" baseline="-25000" dirty="0"/>
+              <a:t>1</a:t>
+            </a:r>
+            <a:endParaRPr lang="en-US" dirty="0"/>
+          </a:p>
+        </p:txBody>
+      </p:sp>
+      <p:sp>
+        <p:nvSpPr>
+          <p:cNvPr id="7" name="Oval 6">
+            <a:extLst>
+              <a:ext uri="{FF2B5EF4-FFF2-40B4-BE49-F238E27FC236}">
+                <a16:creationId xmlns:a16="http://schemas.microsoft.com/office/drawing/2014/main" id="{1D73CCB6-303F-08E7-1D4D-97A564AFE56E}"/>
+              </a:ext>
+            </a:extLst>
+          </p:cNvPr>
+          <p:cNvSpPr/>
+          <p:nvPr/>
+        </p:nvSpPr>
+        <p:spPr>
+          <a:xfrm>
+            <a:off x="223355" y="2157272"/>
+            <a:ext cx="836658" cy="877380"/>
+          </a:xfrm>
+          <a:prstGeom prst="ellipse">
+            <a:avLst/>
+          </a:prstGeom>
+        </p:spPr>
+        <p:style>
+          <a:lnRef idx="2">
+            <a:schemeClr val="accent1"/>
+          </a:lnRef>
+          <a:fillRef idx="1">
+            <a:schemeClr val="lt1"/>
+          </a:fillRef>
+          <a:effectRef idx="0">
+            <a:schemeClr val="accent1"/>
+          </a:effectRef>
+          <a:fontRef idx="minor">
+            <a:schemeClr val="dk1"/>
+          </a:fontRef>
+        </p:style>
+        <p:txBody>
+          <a:bodyPr rtlCol="0" anchor="ctr"/>
+          <a:lstStyle/>
+          <a:p>
+            <a:pPr algn="ctr"/>
+            <a:r>
+              <a:rPr lang="en-US" dirty="0"/>
+              <a:t>X</a:t>
+            </a:r>
+            <a:r>
+              <a:rPr lang="en-US" baseline="-25000" dirty="0"/>
+              <a:t>2</a:t>
+            </a:r>
+            <a:endParaRPr lang="en-US" dirty="0"/>
+          </a:p>
+        </p:txBody>
+      </p:sp>
+      <p:sp>
+        <p:nvSpPr>
+          <p:cNvPr id="8" name="Oval 7">
+            <a:extLst>
+              <a:ext uri="{FF2B5EF4-FFF2-40B4-BE49-F238E27FC236}">
+                <a16:creationId xmlns:a16="http://schemas.microsoft.com/office/drawing/2014/main" id="{E72D63C7-2B75-CF50-1132-C2AB2745476E}"/>
+              </a:ext>
+            </a:extLst>
+          </p:cNvPr>
+          <p:cNvSpPr/>
+          <p:nvPr/>
+        </p:nvSpPr>
+        <p:spPr>
+          <a:xfrm>
+            <a:off x="223355" y="3423981"/>
+            <a:ext cx="836658" cy="877380"/>
+          </a:xfrm>
+          <a:prstGeom prst="ellipse">
+            <a:avLst/>
+          </a:prstGeom>
+        </p:spPr>
+        <p:style>
+          <a:lnRef idx="2">
+            <a:schemeClr val="accent1"/>
+          </a:lnRef>
+          <a:fillRef idx="1">
+            <a:schemeClr val="lt1"/>
+          </a:fillRef>
+          <a:effectRef idx="0">
+            <a:schemeClr val="accent1"/>
+          </a:effectRef>
+          <a:fontRef idx="minor">
+            <a:schemeClr val="dk1"/>
+          </a:fontRef>
+        </p:style>
+        <p:txBody>
+          <a:bodyPr rtlCol="0" anchor="ctr"/>
+          <a:lstStyle/>
+          <a:p>
+            <a:pPr algn="ctr"/>
+            <a:r>
+              <a:rPr lang="en-US" dirty="0"/>
+              <a:t>X</a:t>
+            </a:r>
+            <a:r>
+              <a:rPr lang="en-US" baseline="-25000" dirty="0"/>
+              <a:t>3</a:t>
+            </a:r>
+            <a:endParaRPr lang="en-US" dirty="0"/>
+          </a:p>
+        </p:txBody>
+      </p:sp>
+      <p:sp>
+        <p:nvSpPr>
+          <p:cNvPr id="9" name="Oval 8">
+            <a:extLst>
+              <a:ext uri="{FF2B5EF4-FFF2-40B4-BE49-F238E27FC236}">
+                <a16:creationId xmlns:a16="http://schemas.microsoft.com/office/drawing/2014/main" id="{5F2035F3-58D9-A660-813D-24B8A6770332}"/>
+              </a:ext>
+            </a:extLst>
+          </p:cNvPr>
+          <p:cNvSpPr/>
+          <p:nvPr/>
+        </p:nvSpPr>
+        <p:spPr>
+          <a:xfrm>
+            <a:off x="223355" y="4946130"/>
+            <a:ext cx="836658" cy="877380"/>
+          </a:xfrm>
+          <a:prstGeom prst="ellipse">
+            <a:avLst/>
+          </a:prstGeom>
+        </p:spPr>
+        <p:style>
+          <a:lnRef idx="2">
+            <a:schemeClr val="accent1"/>
+          </a:lnRef>
+          <a:fillRef idx="1">
+            <a:schemeClr val="lt1"/>
+          </a:fillRef>
+          <a:effectRef idx="0">
+            <a:schemeClr val="accent1"/>
+          </a:effectRef>
+          <a:fontRef idx="minor">
+            <a:schemeClr val="dk1"/>
+          </a:fontRef>
+        </p:style>
+        <p:txBody>
+          <a:bodyPr rtlCol="0" anchor="ctr"/>
+          <a:lstStyle/>
+          <a:p>
+            <a:pPr algn="ctr"/>
+            <a:r>
+              <a:rPr lang="en-US" dirty="0" err="1"/>
+              <a:t>X</a:t>
+            </a:r>
+            <a:r>
+              <a:rPr lang="en-US" baseline="-25000" dirty="0" err="1"/>
+              <a:t>n</a:t>
+            </a:r>
+            <a:endParaRPr lang="en-US" dirty="0"/>
+          </a:p>
+        </p:txBody>
+      </p:sp>
+      <p:sp>
+        <p:nvSpPr>
+          <p:cNvPr id="10" name="TextBox 9">
+            <a:extLst>
+              <a:ext uri="{FF2B5EF4-FFF2-40B4-BE49-F238E27FC236}">
+                <a16:creationId xmlns:a16="http://schemas.microsoft.com/office/drawing/2014/main" id="{4EF924CE-1E66-BD16-E1E3-07ACE8053517}"/>
+              </a:ext>
+            </a:extLst>
+          </p:cNvPr>
+          <p:cNvSpPr txBox="1"/>
+          <p:nvPr/>
+        </p:nvSpPr>
+        <p:spPr>
+          <a:xfrm>
+            <a:off x="517666" y="4301361"/>
+            <a:ext cx="299864" cy="738664"/>
+          </a:xfrm>
+          <a:prstGeom prst="rect">
+            <a:avLst/>
+          </a:prstGeom>
+          <a:noFill/>
+        </p:spPr>
+        <p:txBody>
+          <a:bodyPr wrap="square" rtlCol="0">
+            <a:spAutoFit/>
+          </a:bodyPr>
+          <a:lstStyle/>
+          <a:p>
+            <a:r>
+              <a:rPr lang="en-US" sz="1050" b="1" dirty="0"/>
+              <a:t>.</a:t>
+            </a:r>
+          </a:p>
+          <a:p>
+            <a:r>
+              <a:rPr lang="en-US" sz="1050" b="1" dirty="0"/>
+              <a:t>.</a:t>
+            </a:r>
+          </a:p>
+          <a:p>
+            <a:r>
+              <a:rPr lang="en-US" sz="1050" b="1" dirty="0"/>
+              <a:t>.</a:t>
+            </a:r>
+          </a:p>
+          <a:p>
+            <a:endParaRPr lang="en-US" sz="1050" b="1" dirty="0"/>
+          </a:p>
+        </p:txBody>
+      </p:sp>
+      <p:cxnSp>
+        <p:nvCxnSpPr>
+          <p:cNvPr id="12" name="Straight Arrow Connector 11">
+            <a:extLst>
+              <a:ext uri="{FF2B5EF4-FFF2-40B4-BE49-F238E27FC236}">
+                <a16:creationId xmlns:a16="http://schemas.microsoft.com/office/drawing/2014/main" id="{5A760189-2AE8-94E0-56AF-5D8B52378EC4}"/>
+              </a:ext>
+            </a:extLst>
+          </p:cNvPr>
+          <p:cNvCxnSpPr>
+            <a:cxnSpLocks/>
+          </p:cNvCxnSpPr>
+          <p:nvPr/>
+        </p:nvCxnSpPr>
+        <p:spPr>
+          <a:xfrm>
+            <a:off x="1296943" y="1242255"/>
+            <a:ext cx="1895436" cy="686725"/>
+          </a:xfrm>
+          <a:prstGeom prst="straightConnector1">
+            <a:avLst/>
+          </a:prstGeom>
+          <a:ln>
+            <a:tailEnd type="triangle"/>
+          </a:ln>
+        </p:spPr>
+        <p:style>
+          <a:lnRef idx="2">
+            <a:schemeClr val="accent1"/>
+          </a:lnRef>
+          <a:fillRef idx="0">
+            <a:schemeClr val="accent1"/>
+          </a:fillRef>
+          <a:effectRef idx="1">
+            <a:schemeClr val="accent1"/>
+          </a:effectRef>
+          <a:fontRef idx="minor">
+            <a:schemeClr val="tx1"/>
+          </a:fontRef>
+        </p:style>
+      </p:cxnSp>
+      <p:cxnSp>
+        <p:nvCxnSpPr>
+          <p:cNvPr id="14" name="Straight Arrow Connector 13">
+            <a:extLst>
+              <a:ext uri="{FF2B5EF4-FFF2-40B4-BE49-F238E27FC236}">
+                <a16:creationId xmlns:a16="http://schemas.microsoft.com/office/drawing/2014/main" id="{591A0BC7-476C-1AB4-4001-1EC8DEA89DD0}"/>
+              </a:ext>
+            </a:extLst>
+          </p:cNvPr>
+          <p:cNvCxnSpPr>
+            <a:cxnSpLocks/>
+          </p:cNvCxnSpPr>
+          <p:nvPr/>
+        </p:nvCxnSpPr>
+        <p:spPr>
+          <a:xfrm>
+            <a:off x="1296942" y="2595962"/>
+            <a:ext cx="1717740" cy="182633"/>
+          </a:xfrm>
+          <a:prstGeom prst="straightConnector1">
+            <a:avLst/>
+          </a:prstGeom>
+          <a:ln>
+            <a:tailEnd type="triangle"/>
+          </a:ln>
+        </p:spPr>
+        <p:style>
+          <a:lnRef idx="2">
+            <a:schemeClr val="accent1"/>
+          </a:lnRef>
+          <a:fillRef idx="0">
+            <a:schemeClr val="accent1"/>
+          </a:fillRef>
+          <a:effectRef idx="1">
+            <a:schemeClr val="accent1"/>
+          </a:effectRef>
+          <a:fontRef idx="minor">
+            <a:schemeClr val="tx1"/>
+          </a:fontRef>
+        </p:style>
+      </p:cxnSp>
+      <p:cxnSp>
+        <p:nvCxnSpPr>
+          <p:cNvPr id="15" name="Straight Arrow Connector 14">
+            <a:extLst>
+              <a:ext uri="{FF2B5EF4-FFF2-40B4-BE49-F238E27FC236}">
+                <a16:creationId xmlns:a16="http://schemas.microsoft.com/office/drawing/2014/main" id="{8A569D9F-B836-4FA3-437D-DC9978A1D477}"/>
+              </a:ext>
+            </a:extLst>
+          </p:cNvPr>
+          <p:cNvCxnSpPr>
+            <a:cxnSpLocks/>
+          </p:cNvCxnSpPr>
+          <p:nvPr/>
+        </p:nvCxnSpPr>
+        <p:spPr>
+          <a:xfrm flipV="1">
+            <a:off x="1242029" y="3633763"/>
+            <a:ext cx="1994774" cy="184484"/>
+          </a:xfrm>
+          <a:prstGeom prst="straightConnector1">
+            <a:avLst/>
+          </a:prstGeom>
+          <a:ln>
+            <a:tailEnd type="triangle"/>
+          </a:ln>
+        </p:spPr>
+        <p:style>
+          <a:lnRef idx="2">
+            <a:schemeClr val="accent1"/>
+          </a:lnRef>
+          <a:fillRef idx="0">
+            <a:schemeClr val="accent1"/>
+          </a:fillRef>
+          <a:effectRef idx="1">
+            <a:schemeClr val="accent1"/>
+          </a:effectRef>
+          <a:fontRef idx="minor">
+            <a:schemeClr val="tx1"/>
+          </a:fontRef>
+        </p:style>
+      </p:cxnSp>
+      <p:cxnSp>
+        <p:nvCxnSpPr>
+          <p:cNvPr id="16" name="Straight Arrow Connector 15">
+            <a:extLst>
+              <a:ext uri="{FF2B5EF4-FFF2-40B4-BE49-F238E27FC236}">
+                <a16:creationId xmlns:a16="http://schemas.microsoft.com/office/drawing/2014/main" id="{4905FF74-B0A8-33FB-045A-94302FFF0277}"/>
+              </a:ext>
+            </a:extLst>
+          </p:cNvPr>
+          <p:cNvCxnSpPr>
+            <a:cxnSpLocks/>
+          </p:cNvCxnSpPr>
+          <p:nvPr/>
+        </p:nvCxnSpPr>
+        <p:spPr>
+          <a:xfrm flipV="1">
+            <a:off x="1190818" y="4404360"/>
+            <a:ext cx="2001561" cy="947142"/>
+          </a:xfrm>
+          <a:prstGeom prst="straightConnector1">
+            <a:avLst/>
+          </a:prstGeom>
+          <a:ln>
+            <a:tailEnd type="triangle"/>
+          </a:ln>
+        </p:spPr>
+        <p:style>
+          <a:lnRef idx="2">
+            <a:schemeClr val="accent1"/>
+          </a:lnRef>
+          <a:fillRef idx="0">
+            <a:schemeClr val="accent1"/>
+          </a:fillRef>
+          <a:effectRef idx="1">
+            <a:schemeClr val="accent1"/>
+          </a:effectRef>
+          <a:fontRef idx="minor">
+            <a:schemeClr val="tx1"/>
+          </a:fontRef>
+        </p:style>
+      </p:cxnSp>
+      <p:sp>
+        <p:nvSpPr>
+          <p:cNvPr id="21" name="Rectangle: Rounded Corners 20">
+            <a:extLst>
+              <a:ext uri="{FF2B5EF4-FFF2-40B4-BE49-F238E27FC236}">
+                <a16:creationId xmlns:a16="http://schemas.microsoft.com/office/drawing/2014/main" id="{2124F105-B8E0-53DD-4532-4BB28907CEB1}"/>
+              </a:ext>
+            </a:extLst>
+          </p:cNvPr>
+          <p:cNvSpPr/>
+          <p:nvPr/>
+        </p:nvSpPr>
+        <p:spPr>
+          <a:xfrm>
+            <a:off x="3251611" y="1984860"/>
+            <a:ext cx="2442205" cy="2230471"/>
+          </a:xfrm>
+          <a:prstGeom prst="roundRect">
+            <a:avLst/>
+          </a:prstGeom>
+        </p:spPr>
+        <p:style>
+          <a:lnRef idx="2">
+            <a:schemeClr val="accent1"/>
+          </a:lnRef>
+          <a:fillRef idx="1">
+            <a:schemeClr val="lt1"/>
+          </a:fillRef>
+          <a:effectRef idx="0">
+            <a:schemeClr val="accent1"/>
+          </a:effectRef>
+          <a:fontRef idx="minor">
+            <a:schemeClr val="dk1"/>
+          </a:fontRef>
+        </p:style>
+        <p:txBody>
+          <a:bodyPr rtlCol="0" anchor="ctr"/>
+          <a:lstStyle/>
+          <a:p>
+            <a:pPr algn="ctr"/>
+            <a:r>
+              <a:rPr lang="en-US" sz="3200" dirty="0"/>
+              <a:t>Summation and bias</a:t>
+            </a:r>
+          </a:p>
+        </p:txBody>
+      </p:sp>
+      <p:cxnSp>
+        <p:nvCxnSpPr>
+          <p:cNvPr id="25" name="Straight Arrow Connector 24">
+            <a:extLst>
+              <a:ext uri="{FF2B5EF4-FFF2-40B4-BE49-F238E27FC236}">
+                <a16:creationId xmlns:a16="http://schemas.microsoft.com/office/drawing/2014/main" id="{33E71C7D-3EEA-61C6-9832-AC4707F956D7}"/>
+              </a:ext>
+            </a:extLst>
+          </p:cNvPr>
+          <p:cNvCxnSpPr>
+            <a:cxnSpLocks/>
+          </p:cNvCxnSpPr>
+          <p:nvPr/>
+        </p:nvCxnSpPr>
+        <p:spPr>
+          <a:xfrm>
+            <a:off x="5782582" y="3100095"/>
+            <a:ext cx="1060178" cy="0"/>
+          </a:xfrm>
+          <a:prstGeom prst="straightConnector1">
+            <a:avLst/>
+          </a:prstGeom>
+          <a:ln>
+            <a:tailEnd type="triangle"/>
+          </a:ln>
+        </p:spPr>
+        <p:style>
+          <a:lnRef idx="2">
+            <a:schemeClr val="accent1"/>
+          </a:lnRef>
+          <a:fillRef idx="0">
+            <a:schemeClr val="accent1"/>
+          </a:fillRef>
+          <a:effectRef idx="1">
+            <a:schemeClr val="accent1"/>
+          </a:effectRef>
+          <a:fontRef idx="minor">
+            <a:schemeClr val="tx1"/>
+          </a:fontRef>
+        </p:style>
+      </p:cxnSp>
+      <p:sp>
+        <p:nvSpPr>
+          <p:cNvPr id="27" name="Rectangle: Rounded Corners 26">
+            <a:extLst>
+              <a:ext uri="{FF2B5EF4-FFF2-40B4-BE49-F238E27FC236}">
+                <a16:creationId xmlns:a16="http://schemas.microsoft.com/office/drawing/2014/main" id="{BAFD155E-BBF9-E79C-2CB1-8747DD04DF6B}"/>
+              </a:ext>
+            </a:extLst>
+          </p:cNvPr>
+          <p:cNvSpPr/>
+          <p:nvPr/>
+        </p:nvSpPr>
+        <p:spPr>
+          <a:xfrm>
+            <a:off x="6982326" y="1984859"/>
+            <a:ext cx="2442205" cy="2230471"/>
+          </a:xfrm>
+          <a:prstGeom prst="roundRect">
+            <a:avLst/>
+          </a:prstGeom>
+        </p:spPr>
+        <p:style>
+          <a:lnRef idx="2">
+            <a:schemeClr val="accent1"/>
+          </a:lnRef>
+          <a:fillRef idx="1">
+            <a:schemeClr val="lt1"/>
+          </a:fillRef>
+          <a:effectRef idx="0">
+            <a:schemeClr val="accent1"/>
+          </a:effectRef>
+          <a:fontRef idx="minor">
+            <a:schemeClr val="dk1"/>
+          </a:fontRef>
+        </p:style>
+        <p:txBody>
+          <a:bodyPr rtlCol="0" anchor="ctr"/>
+          <a:lstStyle/>
+          <a:p>
+            <a:pPr algn="ctr"/>
+            <a:r>
+              <a:rPr lang="en-US" sz="3200" dirty="0"/>
+              <a:t>Activation function</a:t>
+            </a:r>
+          </a:p>
+        </p:txBody>
+      </p:sp>
+      <p:cxnSp>
+        <p:nvCxnSpPr>
+          <p:cNvPr id="29" name="Straight Arrow Connector 28">
+            <a:extLst>
+              <a:ext uri="{FF2B5EF4-FFF2-40B4-BE49-F238E27FC236}">
+                <a16:creationId xmlns:a16="http://schemas.microsoft.com/office/drawing/2014/main" id="{7C052D2E-4EDA-2A84-DE1E-89323BEA3FF0}"/>
+              </a:ext>
+            </a:extLst>
+          </p:cNvPr>
+          <p:cNvCxnSpPr>
+            <a:cxnSpLocks/>
+          </p:cNvCxnSpPr>
+          <p:nvPr/>
+        </p:nvCxnSpPr>
+        <p:spPr>
+          <a:xfrm>
+            <a:off x="9557022" y="3030867"/>
+            <a:ext cx="1060178" cy="0"/>
+          </a:xfrm>
+          <a:prstGeom prst="straightConnector1">
+            <a:avLst/>
+          </a:prstGeom>
+          <a:ln>
+            <a:tailEnd type="triangle"/>
+          </a:ln>
+        </p:spPr>
+        <p:style>
+          <a:lnRef idx="2">
+            <a:schemeClr val="accent1"/>
+          </a:lnRef>
+          <a:fillRef idx="0">
+            <a:schemeClr val="accent1"/>
+          </a:fillRef>
+          <a:effectRef idx="1">
+            <a:schemeClr val="accent1"/>
+          </a:effectRef>
+          <a:fontRef idx="minor">
+            <a:schemeClr val="tx1"/>
+          </a:fontRef>
+        </p:style>
+      </p:cxnSp>
+      <p:sp>
+        <p:nvSpPr>
+          <p:cNvPr id="30" name="Oval 29">
+            <a:extLst>
+              <a:ext uri="{FF2B5EF4-FFF2-40B4-BE49-F238E27FC236}">
+                <a16:creationId xmlns:a16="http://schemas.microsoft.com/office/drawing/2014/main" id="{D7F5B711-1CF7-BB91-57BB-0231906FA4F8}"/>
+              </a:ext>
+            </a:extLst>
+          </p:cNvPr>
+          <p:cNvSpPr/>
+          <p:nvPr/>
+        </p:nvSpPr>
+        <p:spPr>
+          <a:xfrm>
+            <a:off x="10878111" y="2592177"/>
+            <a:ext cx="836658" cy="877380"/>
+          </a:xfrm>
+          <a:prstGeom prst="ellipse">
+            <a:avLst/>
+          </a:prstGeom>
+        </p:spPr>
+        <p:style>
+          <a:lnRef idx="2">
+            <a:schemeClr val="accent1"/>
+          </a:lnRef>
+          <a:fillRef idx="1">
+            <a:schemeClr val="lt1"/>
+          </a:fillRef>
+          <a:effectRef idx="0">
+            <a:schemeClr val="accent1"/>
+          </a:effectRef>
+          <a:fontRef idx="minor">
+            <a:schemeClr val="dk1"/>
+          </a:fontRef>
+        </p:style>
+        <p:txBody>
+          <a:bodyPr rtlCol="0" anchor="ctr"/>
+          <a:lstStyle/>
+          <a:p>
+            <a:pPr algn="ctr"/>
+            <a:r>
+              <a:rPr lang="en-US" dirty="0"/>
+              <a:t>Y</a:t>
+            </a:r>
+          </a:p>
+        </p:txBody>
+      </p:sp>
+      <p:sp>
+        <p:nvSpPr>
+          <p:cNvPr id="31" name="TextBox 30">
+            <a:extLst>
+              <a:ext uri="{FF2B5EF4-FFF2-40B4-BE49-F238E27FC236}">
+                <a16:creationId xmlns:a16="http://schemas.microsoft.com/office/drawing/2014/main" id="{5C4D78BF-6B86-F334-789F-81CC520A43F7}"/>
+              </a:ext>
+            </a:extLst>
+          </p:cNvPr>
+          <p:cNvSpPr txBox="1"/>
+          <p:nvPr/>
+        </p:nvSpPr>
+        <p:spPr>
+          <a:xfrm>
+            <a:off x="10642889" y="3541339"/>
+            <a:ext cx="1330960" cy="369332"/>
+          </a:xfrm>
+          <a:prstGeom prst="rect">
+            <a:avLst/>
+          </a:prstGeom>
+          <a:noFill/>
+        </p:spPr>
+        <p:txBody>
+          <a:bodyPr wrap="square" rtlCol="0">
+            <a:spAutoFit/>
+          </a:bodyPr>
+          <a:lstStyle/>
+          <a:p>
+            <a:pPr algn="ctr"/>
+            <a:r>
+              <a:rPr lang="en-US" dirty="0"/>
+              <a:t>Output</a:t>
+            </a:r>
+          </a:p>
+        </p:txBody>
+      </p:sp>
+      <p:sp>
+        <p:nvSpPr>
+          <p:cNvPr id="32" name="TextBox 31">
+            <a:extLst>
+              <a:ext uri="{FF2B5EF4-FFF2-40B4-BE49-F238E27FC236}">
+                <a16:creationId xmlns:a16="http://schemas.microsoft.com/office/drawing/2014/main" id="{B3E4FEA3-C967-32D3-38FE-4C33DEC7E717}"/>
+              </a:ext>
+            </a:extLst>
+          </p:cNvPr>
+          <p:cNvSpPr txBox="1"/>
+          <p:nvPr/>
+        </p:nvSpPr>
+        <p:spPr>
+          <a:xfrm>
+            <a:off x="-34018" y="6142299"/>
+            <a:ext cx="1330960" cy="369332"/>
+          </a:xfrm>
+          <a:prstGeom prst="rect">
+            <a:avLst/>
+          </a:prstGeom>
+          <a:noFill/>
+        </p:spPr>
+        <p:txBody>
+          <a:bodyPr wrap="square" rtlCol="0">
+            <a:spAutoFit/>
+          </a:bodyPr>
+          <a:lstStyle/>
+          <a:p>
+            <a:pPr algn="ctr"/>
+            <a:r>
+              <a:rPr lang="en-US" dirty="0"/>
+              <a:t>Inputs</a:t>
+            </a:r>
+          </a:p>
+        </p:txBody>
+      </p:sp>
+      <p:sp>
+        <p:nvSpPr>
+          <p:cNvPr id="33" name="TextBox 32">
+            <a:extLst>
+              <a:ext uri="{FF2B5EF4-FFF2-40B4-BE49-F238E27FC236}">
+                <a16:creationId xmlns:a16="http://schemas.microsoft.com/office/drawing/2014/main" id="{BBCBD2C1-26E5-9D7E-54DB-E279875F92FB}"/>
+              </a:ext>
+            </a:extLst>
+          </p:cNvPr>
+          <p:cNvSpPr txBox="1"/>
+          <p:nvPr/>
+        </p:nvSpPr>
+        <p:spPr>
+          <a:xfrm>
+            <a:off x="1861419" y="5153698"/>
+            <a:ext cx="1330960" cy="369332"/>
+          </a:xfrm>
+          <a:prstGeom prst="rect">
+            <a:avLst/>
+          </a:prstGeom>
+          <a:noFill/>
+        </p:spPr>
+        <p:txBody>
+          <a:bodyPr wrap="square" rtlCol="0">
+            <a:spAutoFit/>
+          </a:bodyPr>
+          <a:lstStyle/>
+          <a:p>
+            <a:pPr algn="ctr"/>
+            <a:r>
+              <a:rPr lang="en-US" dirty="0"/>
+              <a:t>Weights</a:t>
+            </a:r>
+          </a:p>
+        </p:txBody>
+      </p:sp>
+      <p:sp>
+        <p:nvSpPr>
+          <p:cNvPr id="35" name="TextBox 34">
+            <a:extLst>
+              <a:ext uri="{FF2B5EF4-FFF2-40B4-BE49-F238E27FC236}">
+                <a16:creationId xmlns:a16="http://schemas.microsoft.com/office/drawing/2014/main" id="{D9F4EA59-FECE-69CB-DDB6-A17EC79D59CB}"/>
+              </a:ext>
+            </a:extLst>
+          </p:cNvPr>
+          <p:cNvSpPr txBox="1"/>
+          <p:nvPr/>
+        </p:nvSpPr>
+        <p:spPr>
+          <a:xfrm>
+            <a:off x="2045970" y="1150304"/>
+            <a:ext cx="580390" cy="369332"/>
+          </a:xfrm>
+          <a:prstGeom prst="rect">
+            <a:avLst/>
+          </a:prstGeom>
+          <a:noFill/>
+        </p:spPr>
+        <p:txBody>
+          <a:bodyPr wrap="square">
+            <a:spAutoFit/>
+          </a:bodyPr>
+          <a:lstStyle/>
+          <a:p>
+            <a:pPr algn="ctr"/>
+            <a:r>
+              <a:rPr lang="en-US" dirty="0"/>
+              <a:t>W</a:t>
+            </a:r>
+            <a:r>
+              <a:rPr lang="en-US" baseline="-25000" dirty="0"/>
+              <a:t>1</a:t>
+            </a:r>
+            <a:endParaRPr lang="en-US" dirty="0"/>
+          </a:p>
+        </p:txBody>
+      </p:sp>
+      <p:sp>
+        <p:nvSpPr>
+          <p:cNvPr id="38" name="TextBox 37">
+            <a:extLst>
+              <a:ext uri="{FF2B5EF4-FFF2-40B4-BE49-F238E27FC236}">
+                <a16:creationId xmlns:a16="http://schemas.microsoft.com/office/drawing/2014/main" id="{308C93E3-66B3-6F7D-7EA6-817D30AC96A2}"/>
+              </a:ext>
+            </a:extLst>
+          </p:cNvPr>
+          <p:cNvSpPr txBox="1"/>
+          <p:nvPr/>
+        </p:nvSpPr>
+        <p:spPr>
+          <a:xfrm>
+            <a:off x="1861419" y="2276480"/>
+            <a:ext cx="580390" cy="369332"/>
+          </a:xfrm>
+          <a:prstGeom prst="rect">
+            <a:avLst/>
+          </a:prstGeom>
+          <a:noFill/>
+        </p:spPr>
+        <p:txBody>
+          <a:bodyPr wrap="square">
+            <a:spAutoFit/>
+          </a:bodyPr>
+          <a:lstStyle/>
+          <a:p>
+            <a:pPr algn="ctr"/>
+            <a:r>
+              <a:rPr lang="en-US" dirty="0"/>
+              <a:t>W</a:t>
+            </a:r>
+            <a:r>
+              <a:rPr lang="en-US" baseline="-25000" dirty="0"/>
+              <a:t>2</a:t>
+            </a:r>
+            <a:endParaRPr lang="en-US" dirty="0"/>
+          </a:p>
+        </p:txBody>
+      </p:sp>
+      <p:sp>
+        <p:nvSpPr>
+          <p:cNvPr id="39" name="TextBox 38">
+            <a:extLst>
+              <a:ext uri="{FF2B5EF4-FFF2-40B4-BE49-F238E27FC236}">
+                <a16:creationId xmlns:a16="http://schemas.microsoft.com/office/drawing/2014/main" id="{DE3DD0DB-17B8-0193-E008-D23134DE0E0F}"/>
+              </a:ext>
+            </a:extLst>
+          </p:cNvPr>
+          <p:cNvSpPr txBox="1"/>
+          <p:nvPr/>
+        </p:nvSpPr>
+        <p:spPr>
+          <a:xfrm>
+            <a:off x="1768133" y="3316314"/>
+            <a:ext cx="580390" cy="369332"/>
+          </a:xfrm>
+          <a:prstGeom prst="rect">
+            <a:avLst/>
+          </a:prstGeom>
+          <a:noFill/>
+        </p:spPr>
+        <p:txBody>
+          <a:bodyPr wrap="square">
+            <a:spAutoFit/>
+          </a:bodyPr>
+          <a:lstStyle/>
+          <a:p>
+            <a:pPr algn="ctr"/>
+            <a:r>
+              <a:rPr lang="en-US" dirty="0"/>
+              <a:t>W</a:t>
+            </a:r>
+            <a:r>
+              <a:rPr lang="en-US" baseline="-25000" dirty="0"/>
+              <a:t>3</a:t>
+            </a:r>
+            <a:endParaRPr lang="en-US" dirty="0"/>
+          </a:p>
+        </p:txBody>
+      </p:sp>
+      <p:sp>
+        <p:nvSpPr>
+          <p:cNvPr id="40" name="TextBox 39">
+            <a:extLst>
+              <a:ext uri="{FF2B5EF4-FFF2-40B4-BE49-F238E27FC236}">
+                <a16:creationId xmlns:a16="http://schemas.microsoft.com/office/drawing/2014/main" id="{FAB924EF-82FE-771C-010D-572709B02D71}"/>
+              </a:ext>
+            </a:extLst>
+          </p:cNvPr>
+          <p:cNvSpPr txBox="1"/>
+          <p:nvPr/>
+        </p:nvSpPr>
+        <p:spPr>
+          <a:xfrm>
+            <a:off x="1901403" y="4350595"/>
+            <a:ext cx="580390" cy="369332"/>
+          </a:xfrm>
+          <a:prstGeom prst="rect">
+            <a:avLst/>
+          </a:prstGeom>
+          <a:noFill/>
+        </p:spPr>
+        <p:txBody>
+          <a:bodyPr wrap="square">
+            <a:spAutoFit/>
+          </a:bodyPr>
+          <a:lstStyle/>
+          <a:p>
+            <a:pPr algn="ctr"/>
+            <a:r>
+              <a:rPr lang="en-US" dirty="0"/>
+              <a:t>W</a:t>
+            </a:r>
+            <a:r>
+              <a:rPr lang="en-US" baseline="-25000" dirty="0"/>
+              <a:t>4</a:t>
+            </a:r>
+            <a:endParaRPr lang="en-US" dirty="0"/>
+          </a:p>
+        </p:txBody>
+      </p:sp>
+    </p:spTree>
+    <p:extLst>
+      <p:ext uri="{BB962C8B-B14F-4D97-AF65-F5344CB8AC3E}">
+        <p14:creationId xmlns:p14="http://schemas.microsoft.com/office/powerpoint/2010/main" val="1846727473"/>
       </p:ext>
     </p:extLst>
   </p:cSld>

--- a/ppt-staging-for-web-embeds.pptx
+++ b/ppt-staging-for-web-embeds.pptx
@@ -12,7 +12,8 @@
     <p:sldId id="261" r:id="rId6"/>
     <p:sldId id="262" r:id="rId7"/>
     <p:sldId id="263" r:id="rId8"/>
-    <p:sldId id="259" r:id="rId9"/>
+    <p:sldId id="264" r:id="rId9"/>
+    <p:sldId id="259" r:id="rId10"/>
   </p:sldIdLst>
   <p:sldSz cx="12192000" cy="6858000"/>
   <p:notesSz cx="6858000" cy="9144000"/>
@@ -5959,7 +5960,7 @@
           <a:p>
             <a:fld id="{ED67E16A-0490-4690-B57E-BBBC396D5AF5}" type="datetimeFigureOut">
               <a:rPr lang="en-US" smtClean="0"/>
-              <a:t>9/28/2024</a:t>
+              <a:t>10/4/2024</a:t>
             </a:fld>
             <a:endParaRPr lang="en-US"/>
           </a:p>
@@ -6157,7 +6158,7 @@
           <a:p>
             <a:fld id="{ED67E16A-0490-4690-B57E-BBBC396D5AF5}" type="datetimeFigureOut">
               <a:rPr lang="en-US" smtClean="0"/>
-              <a:t>9/28/2024</a:t>
+              <a:t>10/4/2024</a:t>
             </a:fld>
             <a:endParaRPr lang="en-US"/>
           </a:p>
@@ -6365,7 +6366,7 @@
           <a:p>
             <a:fld id="{ED67E16A-0490-4690-B57E-BBBC396D5AF5}" type="datetimeFigureOut">
               <a:rPr lang="en-US" smtClean="0"/>
-              <a:t>9/28/2024</a:t>
+              <a:t>10/4/2024</a:t>
             </a:fld>
             <a:endParaRPr lang="en-US"/>
           </a:p>
@@ -6563,7 +6564,7 @@
           <a:p>
             <a:fld id="{ED67E16A-0490-4690-B57E-BBBC396D5AF5}" type="datetimeFigureOut">
               <a:rPr lang="en-US" smtClean="0"/>
-              <a:t>9/28/2024</a:t>
+              <a:t>10/4/2024</a:t>
             </a:fld>
             <a:endParaRPr lang="en-US"/>
           </a:p>
@@ -6838,7 +6839,7 @@
           <a:p>
             <a:fld id="{ED67E16A-0490-4690-B57E-BBBC396D5AF5}" type="datetimeFigureOut">
               <a:rPr lang="en-US" smtClean="0"/>
-              <a:t>9/28/2024</a:t>
+              <a:t>10/4/2024</a:t>
             </a:fld>
             <a:endParaRPr lang="en-US"/>
           </a:p>
@@ -7103,7 +7104,7 @@
           <a:p>
             <a:fld id="{ED67E16A-0490-4690-B57E-BBBC396D5AF5}" type="datetimeFigureOut">
               <a:rPr lang="en-US" smtClean="0"/>
-              <a:t>9/28/2024</a:t>
+              <a:t>10/4/2024</a:t>
             </a:fld>
             <a:endParaRPr lang="en-US"/>
           </a:p>
@@ -7515,7 +7516,7 @@
           <a:p>
             <a:fld id="{ED67E16A-0490-4690-B57E-BBBC396D5AF5}" type="datetimeFigureOut">
               <a:rPr lang="en-US" smtClean="0"/>
-              <a:t>9/28/2024</a:t>
+              <a:t>10/4/2024</a:t>
             </a:fld>
             <a:endParaRPr lang="en-US"/>
           </a:p>
@@ -7656,7 +7657,7 @@
           <a:p>
             <a:fld id="{ED67E16A-0490-4690-B57E-BBBC396D5AF5}" type="datetimeFigureOut">
               <a:rPr lang="en-US" smtClean="0"/>
-              <a:t>9/28/2024</a:t>
+              <a:t>10/4/2024</a:t>
             </a:fld>
             <a:endParaRPr lang="en-US"/>
           </a:p>
@@ -7769,7 +7770,7 @@
           <a:p>
             <a:fld id="{ED67E16A-0490-4690-B57E-BBBC396D5AF5}" type="datetimeFigureOut">
               <a:rPr lang="en-US" smtClean="0"/>
-              <a:t>9/28/2024</a:t>
+              <a:t>10/4/2024</a:t>
             </a:fld>
             <a:endParaRPr lang="en-US"/>
           </a:p>
@@ -8080,7 +8081,7 @@
           <a:p>
             <a:fld id="{ED67E16A-0490-4690-B57E-BBBC396D5AF5}" type="datetimeFigureOut">
               <a:rPr lang="en-US" smtClean="0"/>
-              <a:t>9/28/2024</a:t>
+              <a:t>10/4/2024</a:t>
             </a:fld>
             <a:endParaRPr lang="en-US"/>
           </a:p>
@@ -8368,7 +8369,7 @@
           <a:p>
             <a:fld id="{ED67E16A-0490-4690-B57E-BBBC396D5AF5}" type="datetimeFigureOut">
               <a:rPr lang="en-US" smtClean="0"/>
-              <a:t>9/28/2024</a:t>
+              <a:t>10/4/2024</a:t>
             </a:fld>
             <a:endParaRPr lang="en-US"/>
           </a:p>
@@ -8609,7 +8610,7 @@
           <a:p>
             <a:fld id="{ED67E16A-0490-4690-B57E-BBBC396D5AF5}" type="datetimeFigureOut">
               <a:rPr lang="en-US" smtClean="0"/>
-              <a:t>9/28/2024</a:t>
+              <a:t>10/4/2024</a:t>
             </a:fld>
             <a:endParaRPr lang="en-US"/>
           </a:p>
@@ -12221,6 +12222,428 @@
 <file path=ppt/slides/slide8.xml><?xml version="1.0" encoding="utf-8"?>
 <p:sld xmlns:a="http://schemas.openxmlformats.org/drawingml/2006/main" xmlns:r="http://schemas.openxmlformats.org/officeDocument/2006/relationships" xmlns:p="http://schemas.openxmlformats.org/presentationml/2006/main">
   <p:cSld>
+    <p:spTree>
+      <p:nvGrpSpPr>
+        <p:cNvPr id="1" name=""/>
+        <p:cNvGrpSpPr/>
+        <p:nvPr/>
+      </p:nvGrpSpPr>
+      <p:grpSpPr>
+        <a:xfrm>
+          <a:off x="0" y="0"/>
+          <a:ext cx="0" cy="0"/>
+          <a:chOff x="0" y="0"/>
+          <a:chExt cx="0" cy="0"/>
+        </a:xfrm>
+      </p:grpSpPr>
+      <p:pic>
+        <p:nvPicPr>
+          <p:cNvPr id="9" name="Graphic 8" descr="Cmd Terminal with solid fill">
+            <a:extLst>
+              <a:ext uri="{FF2B5EF4-FFF2-40B4-BE49-F238E27FC236}">
+                <a16:creationId xmlns:a16="http://schemas.microsoft.com/office/drawing/2014/main" id="{AE954C9B-22DC-E354-BF97-7EB8B586A3EE}"/>
+              </a:ext>
+            </a:extLst>
+          </p:cNvPr>
+          <p:cNvPicPr>
+            <a:picLocks noChangeAspect="1"/>
+          </p:cNvPicPr>
+          <p:nvPr/>
+        </p:nvPicPr>
+        <p:blipFill>
+          <a:blip r:embed="rId2">
+            <a:extLst>
+              <a:ext uri="{96DAC541-7B7A-43D3-8B79-37D633B846F1}">
+                <asvg:svgBlip xmlns:asvg="http://schemas.microsoft.com/office/drawing/2016/SVG/main" r:embed="rId3"/>
+              </a:ext>
+            </a:extLst>
+          </a:blip>
+          <a:stretch>
+            <a:fillRect/>
+          </a:stretch>
+        </p:blipFill>
+        <p:spPr>
+          <a:xfrm>
+            <a:off x="4969006" y="1427788"/>
+            <a:ext cx="1743634" cy="1743634"/>
+          </a:xfrm>
+          <a:prstGeom prst="rect">
+            <a:avLst/>
+          </a:prstGeom>
+        </p:spPr>
+      </p:pic>
+      <p:pic>
+        <p:nvPicPr>
+          <p:cNvPr id="5" name="Graphic 4" descr="User with solid fill">
+            <a:extLst>
+              <a:ext uri="{FF2B5EF4-FFF2-40B4-BE49-F238E27FC236}">
+                <a16:creationId xmlns:a16="http://schemas.microsoft.com/office/drawing/2014/main" id="{6B7693C9-774B-A09F-7756-FD3484A0AE85}"/>
+              </a:ext>
+            </a:extLst>
+          </p:cNvPr>
+          <p:cNvPicPr>
+            <a:picLocks noChangeAspect="1"/>
+          </p:cNvPicPr>
+          <p:nvPr/>
+        </p:nvPicPr>
+        <p:blipFill>
+          <a:blip r:embed="rId4">
+            <a:extLst>
+              <a:ext uri="{96DAC541-7B7A-43D3-8B79-37D633B846F1}">
+                <asvg:svgBlip xmlns:asvg="http://schemas.microsoft.com/office/drawing/2016/SVG/main" r:embed="rId5"/>
+              </a:ext>
+            </a:extLst>
+          </a:blip>
+          <a:stretch>
+            <a:fillRect/>
+          </a:stretch>
+        </p:blipFill>
+        <p:spPr>
+          <a:xfrm>
+            <a:off x="1362634" y="1768286"/>
+            <a:ext cx="2119833" cy="2119833"/>
+          </a:xfrm>
+          <a:prstGeom prst="rect">
+            <a:avLst/>
+          </a:prstGeom>
+        </p:spPr>
+      </p:pic>
+      <p:pic>
+        <p:nvPicPr>
+          <p:cNvPr id="6" name="Graphic 5" descr="User with solid fill">
+            <a:extLst>
+              <a:ext uri="{FF2B5EF4-FFF2-40B4-BE49-F238E27FC236}">
+                <a16:creationId xmlns:a16="http://schemas.microsoft.com/office/drawing/2014/main" id="{5F30FCE7-83BC-0EC6-B84C-C7B43301AD07}"/>
+              </a:ext>
+            </a:extLst>
+          </p:cNvPr>
+          <p:cNvPicPr>
+            <a:picLocks noChangeAspect="1"/>
+          </p:cNvPicPr>
+          <p:nvPr/>
+        </p:nvPicPr>
+        <p:blipFill>
+          <a:blip r:embed="rId6">
+            <a:extLst>
+              <a:ext uri="{96DAC541-7B7A-43D3-8B79-37D633B846F1}">
+                <asvg:svgBlip xmlns:asvg="http://schemas.microsoft.com/office/drawing/2016/SVG/main" r:embed="rId7"/>
+              </a:ext>
+            </a:extLst>
+          </a:blip>
+          <a:stretch>
+            <a:fillRect/>
+          </a:stretch>
+        </p:blipFill>
+        <p:spPr>
+          <a:xfrm>
+            <a:off x="5675141" y="2111505"/>
+            <a:ext cx="2119833" cy="2119833"/>
+          </a:xfrm>
+          <a:prstGeom prst="rect">
+            <a:avLst/>
+          </a:prstGeom>
+        </p:spPr>
+      </p:pic>
+      <p:sp>
+        <p:nvSpPr>
+          <p:cNvPr id="7" name="Arrow: Right 6">
+            <a:extLst>
+              <a:ext uri="{FF2B5EF4-FFF2-40B4-BE49-F238E27FC236}">
+                <a16:creationId xmlns:a16="http://schemas.microsoft.com/office/drawing/2014/main" id="{73EB538B-B3CD-EAFC-DD14-24E212990DB4}"/>
+              </a:ext>
+            </a:extLst>
+          </p:cNvPr>
+          <p:cNvSpPr/>
+          <p:nvPr/>
+        </p:nvSpPr>
+        <p:spPr>
+          <a:xfrm>
+            <a:off x="3402106" y="2624576"/>
+            <a:ext cx="1319572" cy="407254"/>
+          </a:xfrm>
+          <a:prstGeom prst="rightArrow">
+            <a:avLst/>
+          </a:prstGeom>
+          <a:solidFill>
+            <a:schemeClr val="bg1">
+              <a:lumMod val="50000"/>
+            </a:schemeClr>
+          </a:solidFill>
+          <a:ln>
+            <a:noFill/>
+          </a:ln>
+        </p:spPr>
+        <p:style>
+          <a:lnRef idx="2">
+            <a:schemeClr val="accent1">
+              <a:shade val="15000"/>
+            </a:schemeClr>
+          </a:lnRef>
+          <a:fillRef idx="1">
+            <a:schemeClr val="accent1"/>
+          </a:fillRef>
+          <a:effectRef idx="0">
+            <a:schemeClr val="accent1"/>
+          </a:effectRef>
+          <a:fontRef idx="minor">
+            <a:schemeClr val="lt1"/>
+          </a:fontRef>
+        </p:style>
+        <p:txBody>
+          <a:bodyPr rtlCol="0" anchor="ctr"/>
+          <a:lstStyle/>
+          <a:p>
+            <a:pPr algn="ctr"/>
+            <a:endParaRPr lang="en-US"/>
+          </a:p>
+        </p:txBody>
+      </p:sp>
+      <p:sp>
+        <p:nvSpPr>
+          <p:cNvPr id="11" name="Arrow: Left-Right 10">
+            <a:extLst>
+              <a:ext uri="{FF2B5EF4-FFF2-40B4-BE49-F238E27FC236}">
+                <a16:creationId xmlns:a16="http://schemas.microsoft.com/office/drawing/2014/main" id="{915C3AAA-FD25-9429-AA6D-ACB8F19C3D89}"/>
+              </a:ext>
+            </a:extLst>
+          </p:cNvPr>
+          <p:cNvSpPr/>
+          <p:nvPr/>
+        </p:nvSpPr>
+        <p:spPr>
+          <a:xfrm>
+            <a:off x="7666103" y="2521324"/>
+            <a:ext cx="2029226" cy="510506"/>
+          </a:xfrm>
+          <a:prstGeom prst="leftRightArrow">
+            <a:avLst/>
+          </a:prstGeom>
+          <a:solidFill>
+            <a:schemeClr val="bg1">
+              <a:lumMod val="50000"/>
+            </a:schemeClr>
+          </a:solidFill>
+          <a:ln>
+            <a:noFill/>
+          </a:ln>
+        </p:spPr>
+        <p:style>
+          <a:lnRef idx="2">
+            <a:schemeClr val="accent1">
+              <a:shade val="15000"/>
+            </a:schemeClr>
+          </a:lnRef>
+          <a:fillRef idx="1">
+            <a:schemeClr val="accent1"/>
+          </a:fillRef>
+          <a:effectRef idx="0">
+            <a:schemeClr val="accent1"/>
+          </a:effectRef>
+          <a:fontRef idx="minor">
+            <a:schemeClr val="lt1"/>
+          </a:fontRef>
+        </p:style>
+        <p:txBody>
+          <a:bodyPr rtlCol="0" anchor="ctr"/>
+          <a:lstStyle/>
+          <a:p>
+            <a:pPr algn="ctr"/>
+            <a:endParaRPr lang="en-US"/>
+          </a:p>
+        </p:txBody>
+      </p:sp>
+      <p:pic>
+        <p:nvPicPr>
+          <p:cNvPr id="13" name="Graphic 12" descr="Database with solid fill">
+            <a:extLst>
+              <a:ext uri="{FF2B5EF4-FFF2-40B4-BE49-F238E27FC236}">
+                <a16:creationId xmlns:a16="http://schemas.microsoft.com/office/drawing/2014/main" id="{53996635-8960-6326-5708-D21D11771F77}"/>
+              </a:ext>
+            </a:extLst>
+          </p:cNvPr>
+          <p:cNvPicPr>
+            <a:picLocks noChangeAspect="1"/>
+          </p:cNvPicPr>
+          <p:nvPr/>
+        </p:nvPicPr>
+        <p:blipFill>
+          <a:blip r:embed="rId8">
+            <a:extLst>
+              <a:ext uri="{96DAC541-7B7A-43D3-8B79-37D633B846F1}">
+                <asvg:svgBlip xmlns:asvg="http://schemas.microsoft.com/office/drawing/2016/SVG/main" r:embed="rId9"/>
+              </a:ext>
+            </a:extLst>
+          </a:blip>
+          <a:stretch>
+            <a:fillRect/>
+          </a:stretch>
+        </p:blipFill>
+        <p:spPr>
+          <a:xfrm>
+            <a:off x="9634179" y="1768286"/>
+            <a:ext cx="2029226" cy="2029226"/>
+          </a:xfrm>
+          <a:prstGeom prst="rect">
+            <a:avLst/>
+          </a:prstGeom>
+        </p:spPr>
+      </p:pic>
+      <p:sp>
+        <p:nvSpPr>
+          <p:cNvPr id="14" name="TextBox 13">
+            <a:extLst>
+              <a:ext uri="{FF2B5EF4-FFF2-40B4-BE49-F238E27FC236}">
+                <a16:creationId xmlns:a16="http://schemas.microsoft.com/office/drawing/2014/main" id="{252FC9C7-996E-C715-8267-E436C5A86DBF}"/>
+              </a:ext>
+            </a:extLst>
+          </p:cNvPr>
+          <p:cNvSpPr txBox="1"/>
+          <p:nvPr/>
+        </p:nvSpPr>
+        <p:spPr>
+          <a:xfrm>
+            <a:off x="9258301" y="1427788"/>
+            <a:ext cx="2608729" cy="400110"/>
+          </a:xfrm>
+          <a:prstGeom prst="rect">
+            <a:avLst/>
+          </a:prstGeom>
+          <a:noFill/>
+        </p:spPr>
+        <p:txBody>
+          <a:bodyPr wrap="square" rtlCol="0">
+            <a:spAutoFit/>
+          </a:bodyPr>
+          <a:lstStyle/>
+          <a:p>
+            <a:r>
+              <a:rPr lang="en-US" sz="2000" b="1" dirty="0"/>
+              <a:t>PayPal API Server</a:t>
+            </a:r>
+          </a:p>
+        </p:txBody>
+      </p:sp>
+      <p:sp>
+        <p:nvSpPr>
+          <p:cNvPr id="15" name="TextBox 14">
+            <a:extLst>
+              <a:ext uri="{FF2B5EF4-FFF2-40B4-BE49-F238E27FC236}">
+                <a16:creationId xmlns:a16="http://schemas.microsoft.com/office/drawing/2014/main" id="{86C84316-67FB-707A-04F5-50C89E1CB805}"/>
+              </a:ext>
+            </a:extLst>
+          </p:cNvPr>
+          <p:cNvSpPr txBox="1"/>
+          <p:nvPr/>
+        </p:nvSpPr>
+        <p:spPr>
+          <a:xfrm>
+            <a:off x="4126328" y="1283250"/>
+            <a:ext cx="3074572" cy="400110"/>
+          </a:xfrm>
+          <a:prstGeom prst="rect">
+            <a:avLst/>
+          </a:prstGeom>
+          <a:noFill/>
+        </p:spPr>
+        <p:txBody>
+          <a:bodyPr wrap="square" rtlCol="0">
+            <a:spAutoFit/>
+          </a:bodyPr>
+          <a:lstStyle/>
+          <a:p>
+            <a:r>
+              <a:rPr lang="en-US" sz="2000" b="1" dirty="0"/>
+              <a:t>Your Python application</a:t>
+            </a:r>
+          </a:p>
+        </p:txBody>
+      </p:sp>
+      <p:sp>
+        <p:nvSpPr>
+          <p:cNvPr id="16" name="TextBox 15">
+            <a:extLst>
+              <a:ext uri="{FF2B5EF4-FFF2-40B4-BE49-F238E27FC236}">
+                <a16:creationId xmlns:a16="http://schemas.microsoft.com/office/drawing/2014/main" id="{3F5CAAD7-0B38-1299-A1CF-8D3DBBCEF309}"/>
+              </a:ext>
+            </a:extLst>
+          </p:cNvPr>
+          <p:cNvSpPr txBox="1"/>
+          <p:nvPr/>
+        </p:nvSpPr>
+        <p:spPr>
+          <a:xfrm>
+            <a:off x="1680967" y="3626116"/>
+            <a:ext cx="3074572" cy="400110"/>
+          </a:xfrm>
+          <a:prstGeom prst="rect">
+            <a:avLst/>
+          </a:prstGeom>
+          <a:noFill/>
+        </p:spPr>
+        <p:txBody>
+          <a:bodyPr wrap="square" rtlCol="0">
+            <a:spAutoFit/>
+          </a:bodyPr>
+          <a:lstStyle/>
+          <a:p>
+            <a:r>
+              <a:rPr lang="en-US" sz="2000" b="1" dirty="0"/>
+              <a:t>Sender</a:t>
+            </a:r>
+          </a:p>
+        </p:txBody>
+      </p:sp>
+      <p:sp>
+        <p:nvSpPr>
+          <p:cNvPr id="17" name="TextBox 16">
+            <a:extLst>
+              <a:ext uri="{FF2B5EF4-FFF2-40B4-BE49-F238E27FC236}">
+                <a16:creationId xmlns:a16="http://schemas.microsoft.com/office/drawing/2014/main" id="{CD31E230-4771-7C29-3AF4-9C0B9171DDAC}"/>
+              </a:ext>
+            </a:extLst>
+          </p:cNvPr>
+          <p:cNvSpPr txBox="1"/>
+          <p:nvPr/>
+        </p:nvSpPr>
+        <p:spPr>
+          <a:xfrm>
+            <a:off x="6735057" y="3997156"/>
+            <a:ext cx="3074572" cy="400110"/>
+          </a:xfrm>
+          <a:prstGeom prst="rect">
+            <a:avLst/>
+          </a:prstGeom>
+          <a:noFill/>
+        </p:spPr>
+        <p:txBody>
+          <a:bodyPr wrap="square" rtlCol="0">
+            <a:spAutoFit/>
+          </a:bodyPr>
+          <a:lstStyle/>
+          <a:p>
+            <a:r>
+              <a:rPr lang="en-US" sz="2000" b="1" dirty="0"/>
+              <a:t>Receiver</a:t>
+            </a:r>
+          </a:p>
+        </p:txBody>
+      </p:sp>
+    </p:spTree>
+    <p:extLst>
+      <p:ext uri="{BB962C8B-B14F-4D97-AF65-F5344CB8AC3E}">
+        <p14:creationId xmlns:p14="http://schemas.microsoft.com/office/powerpoint/2010/main" val="3644638549"/>
+      </p:ext>
+    </p:extLst>
+  </p:cSld>
+  <p:clrMapOvr>
+    <a:masterClrMapping/>
+  </p:clrMapOvr>
+</p:sld>
+</file>
+
+<file path=ppt/slides/slide9.xml><?xml version="1.0" encoding="utf-8"?>
+<p:sld xmlns:a="http://schemas.openxmlformats.org/drawingml/2006/main" xmlns:r="http://schemas.openxmlformats.org/officeDocument/2006/relationships" xmlns:p="http://schemas.openxmlformats.org/presentationml/2006/main">
+  <p:cSld>
     <p:bg>
       <p:bgPr>
         <a:solidFill>
